--- a/TypeScript.pptx
+++ b/TypeScript.pptx
@@ -5,7 +5,7 @@
     <p:sldMasterId id="2147483648" r:id="rId1"/>
   </p:sldMasterIdLst>
   <p:notesMasterIdLst>
-    <p:notesMasterId r:id="rId9"/>
+    <p:notesMasterId r:id="rId14"/>
   </p:notesMasterIdLst>
   <p:sldIdLst>
     <p:sldId id="256" r:id="rId2"/>
@@ -15,6 +15,11 @@
     <p:sldId id="260" r:id="rId6"/>
     <p:sldId id="261" r:id="rId7"/>
     <p:sldId id="262" r:id="rId8"/>
+    <p:sldId id="263" r:id="rId9"/>
+    <p:sldId id="264" r:id="rId10"/>
+    <p:sldId id="265" r:id="rId11"/>
+    <p:sldId id="266" r:id="rId12"/>
+    <p:sldId id="267" r:id="rId13"/>
   </p:sldIdLst>
   <p:sldSz cx="12192000" cy="6858000"/>
   <p:notesSz cx="6858000" cy="9144000"/>
@@ -113,6 +118,11 @@
       </a:defRPr>
     </a:lvl9pPr>
   </p:defaultTextStyle>
+  <p:extLst>
+    <p:ext uri="{EFAFB233-063F-42B5-8137-9DF3F51BA10A}">
+      <p15:sldGuideLst xmlns:p15="http://schemas.microsoft.com/office/powerpoint/2012/main"/>
+    </p:ext>
+  </p:extLst>
 </p:presentation>
 </file>
 
@@ -198,7 +208,7 @@
           <a:p>
             <a:fld id="{83B40554-C380-41D1-81B6-D046070D0B8E}" type="datetimeFigureOut">
               <a:rPr lang="en-US" smtClean="0"/>
-              <a:t>07/21/2016</a:t>
+              <a:t>7/22/2016</a:t>
             </a:fld>
             <a:endParaRPr lang="en-US"/>
           </a:p>
@@ -974,7 +984,7 @@
           <a:p>
             <a:fld id="{B5A57E69-69A7-4CE6-9D16-BCA68F355CE4}" type="datetime1">
               <a:rPr lang="en-US" smtClean="0"/>
-              <a:t>07/22/2016</a:t>
+              <a:t>7/22/2016</a:t>
             </a:fld>
             <a:endParaRPr lang="en-US" dirty="0"/>
           </a:p>
@@ -1956,7 +1966,7 @@
           <a:p>
             <a:fld id="{043FB00D-848D-4FA0-8B21-B865E24DA6D8}" type="datetime1">
               <a:rPr lang="en-US" smtClean="0"/>
-              <a:t>07/22/2016</a:t>
+              <a:t>7/22/2016</a:t>
             </a:fld>
             <a:endParaRPr lang="en-US" dirty="0"/>
           </a:p>
@@ -2826,7 +2836,7 @@
           <a:p>
             <a:fld id="{7D9071C6-9DFA-4850-89F8-9D321476828C}" type="datetime1">
               <a:rPr lang="en-US" smtClean="0"/>
-              <a:t>07/22/2016</a:t>
+              <a:t>7/22/2016</a:t>
             </a:fld>
             <a:endParaRPr lang="en-US" dirty="0"/>
           </a:p>
@@ -3847,7 +3857,7 @@
           <a:p>
             <a:fld id="{17FF5D53-2DEA-4D36-8170-1482CC611023}" type="datetime1">
               <a:rPr lang="en-US" smtClean="0"/>
-              <a:t>07/22/2016</a:t>
+              <a:t>7/22/2016</a:t>
             </a:fld>
             <a:endParaRPr lang="en-US" dirty="0"/>
           </a:p>
@@ -4767,7 +4777,7 @@
           <a:p>
             <a:fld id="{B5690A8C-5BB5-4B08-B8E2-5A457A808034}" type="datetime1">
               <a:rPr lang="en-US" smtClean="0"/>
-              <a:t>07/22/2016</a:t>
+              <a:t>7/22/2016</a:t>
             </a:fld>
             <a:endParaRPr lang="en-US" dirty="0"/>
           </a:p>
@@ -5423,7 +5433,7 @@
           <a:p>
             <a:fld id="{A803FBEC-9D37-40CE-94AB-92C3934D97E9}" type="datetime1">
               <a:rPr lang="en-US" smtClean="0"/>
-              <a:t>07/22/2016</a:t>
+              <a:t>7/22/2016</a:t>
             </a:fld>
             <a:endParaRPr lang="en-US" dirty="0"/>
           </a:p>
@@ -6280,7 +6290,7 @@
           <a:p>
             <a:fld id="{7A19FE47-D497-4EFE-8B95-2E6835C26179}" type="datetime1">
               <a:rPr lang="en-US" smtClean="0"/>
-              <a:t>07/22/2016</a:t>
+              <a:t>7/22/2016</a:t>
             </a:fld>
             <a:endParaRPr lang="en-US" dirty="0"/>
           </a:p>
@@ -6463,7 +6473,7 @@
           <a:p>
             <a:fld id="{3D6E87D2-FA5D-4067-86E8-FBFB7E7FB1A0}" type="datetime1">
               <a:rPr lang="en-US" smtClean="0"/>
-              <a:t>07/22/2016</a:t>
+              <a:t>7/22/2016</a:t>
             </a:fld>
             <a:endParaRPr lang="en-US" dirty="0"/>
           </a:p>
@@ -7320,7 +7330,7 @@
           <a:p>
             <a:fld id="{2AEE457A-5D0D-4A7C-B75F-B4BAA730D182}" type="datetime1">
               <a:rPr lang="en-US" smtClean="0"/>
-              <a:t>07/22/2016</a:t>
+              <a:t>7/22/2016</a:t>
             </a:fld>
             <a:endParaRPr lang="en-US" dirty="0"/>
           </a:p>
@@ -7539,7 +7549,7 @@
           <a:p>
             <a:fld id="{6DE09B35-2599-44DD-A720-00D58C2C5CFD}" type="datetime1">
               <a:rPr lang="en-US" smtClean="0"/>
-              <a:t>07/22/2016</a:t>
+              <a:t>7/22/2016</a:t>
             </a:fld>
             <a:endParaRPr lang="en-US" dirty="0"/>
           </a:p>
@@ -8464,7 +8474,7 @@
           <a:p>
             <a:fld id="{969F5E0F-CC83-4EE8-9839-D788B4A036CE}" type="datetime1">
               <a:rPr lang="en-US" smtClean="0"/>
-              <a:t>07/22/2016</a:t>
+              <a:t>7/22/2016</a:t>
             </a:fld>
             <a:endParaRPr lang="en-US" dirty="0"/>
           </a:p>
@@ -8748,7 +8758,7 @@
           <a:p>
             <a:fld id="{CDDAEA97-4880-476B-8319-6583C779BB5D}" type="datetime1">
               <a:rPr lang="en-US" smtClean="0"/>
-              <a:t>07/22/2016</a:t>
+              <a:t>7/22/2016</a:t>
             </a:fld>
             <a:endParaRPr lang="en-US" dirty="0"/>
           </a:p>
@@ -9138,7 +9148,7 @@
           <a:p>
             <a:fld id="{2C291960-C88C-4CB7-8E8E-46A766ED1A81}" type="datetime1">
               <a:rPr lang="en-US" smtClean="0"/>
-              <a:t>07/22/2016</a:t>
+              <a:t>7/22/2016</a:t>
             </a:fld>
             <a:endParaRPr lang="en-US" dirty="0"/>
           </a:p>
@@ -9264,7 +9274,7 @@
           <a:p>
             <a:fld id="{891D52F6-B362-4B3C-9D0D-1E48C91E2893}" type="datetime1">
               <a:rPr lang="en-US" smtClean="0"/>
-              <a:t>07/22/2016</a:t>
+              <a:t>7/22/2016</a:t>
             </a:fld>
             <a:endParaRPr lang="en-US" dirty="0"/>
           </a:p>
@@ -9359,7 +9369,7 @@
           <a:p>
             <a:fld id="{E0A292E6-B37A-41F0-B490-4AAC465AB83D}" type="datetime1">
               <a:rPr lang="en-US" smtClean="0"/>
-              <a:t>07/22/2016</a:t>
+              <a:t>7/22/2016</a:t>
             </a:fld>
             <a:endParaRPr lang="en-US" dirty="0"/>
           </a:p>
@@ -10330,7 +10340,7 @@
           <a:p>
             <a:fld id="{181BDAB6-DBE1-4D3D-9D8A-BA801ABA5851}" type="datetime1">
               <a:rPr lang="en-US" smtClean="0"/>
-              <a:t>07/22/2016</a:t>
+              <a:t>7/22/2016</a:t>
             </a:fld>
             <a:endParaRPr lang="en-US" dirty="0"/>
           </a:p>
@@ -11325,7 +11335,7 @@
           <a:p>
             <a:fld id="{CBED0DF2-0007-46C6-8409-26105F305ACE}" type="datetime1">
               <a:rPr lang="en-US" smtClean="0"/>
-              <a:t>07/22/2016</a:t>
+              <a:t>7/22/2016</a:t>
             </a:fld>
             <a:endParaRPr lang="en-US" dirty="0"/>
           </a:p>
@@ -12209,7 +12219,7 @@
           <a:p>
             <a:fld id="{0660FED1-CE89-4720-8B86-5BB7EAF63ADC}" type="datetime1">
               <a:rPr lang="en-US" smtClean="0"/>
-              <a:t>07/22/2016</a:t>
+              <a:t>7/22/2016</a:t>
             </a:fld>
             <a:endParaRPr lang="en-US" dirty="0"/>
           </a:p>
@@ -12871,7 +12881,6 @@
               <a:rPr lang="en-US" dirty="0"/>
               <a:t>1</a:t>
             </a:r>
-            <a:endParaRPr lang="en-US" dirty="0"/>
           </a:p>
         </p:txBody>
       </p:sp>
@@ -12889,6 +12898,1776 @@
     <p:tnLst>
       <p:par>
         <p:cTn id="1" dur="indefinite" restart="never" nodeType="tmRoot"/>
+      </p:par>
+    </p:tnLst>
+  </p:timing>
+</p:sld>
+</file>
+
+<file path=ppt/slides/slide10.xml><?xml version="1.0" encoding="utf-8"?>
+<p:sld xmlns:a="http://schemas.openxmlformats.org/drawingml/2006/main" xmlns:r="http://schemas.openxmlformats.org/officeDocument/2006/relationships" xmlns:p="http://schemas.openxmlformats.org/presentationml/2006/main">
+  <p:cSld>
+    <p:bg>
+      <p:bgPr>
+        <a:solidFill>
+          <a:schemeClr val="bg1"/>
+        </a:solidFill>
+        <a:effectLst/>
+      </p:bgPr>
+    </p:bg>
+    <p:spTree>
+      <p:nvGrpSpPr>
+        <p:cNvPr id="1" name=""/>
+        <p:cNvGrpSpPr/>
+        <p:nvPr/>
+      </p:nvGrpSpPr>
+      <p:grpSpPr>
+        <a:xfrm>
+          <a:off x="0" y="0"/>
+          <a:ext cx="0" cy="0"/>
+          <a:chOff x="0" y="0"/>
+          <a:chExt cx="0" cy="0"/>
+        </a:xfrm>
+      </p:grpSpPr>
+      <p:sp>
+        <p:nvSpPr>
+          <p:cNvPr id="6" name="Slide Number Placeholder 6"/>
+          <p:cNvSpPr>
+            <a:spLocks noGrp="1"/>
+          </p:cNvSpPr>
+          <p:nvPr>
+            <p:ph type="sldNum" sz="quarter" idx="12"/>
+          </p:nvPr>
+        </p:nvSpPr>
+        <p:spPr>
+          <a:xfrm>
+            <a:off x="10351008" y="292608"/>
+            <a:ext cx="838199" cy="767687"/>
+          </a:xfrm>
+        </p:spPr>
+        <p:txBody>
+          <a:bodyPr/>
+          <a:lstStyle/>
+          <a:p>
+            <a:r>
+              <a:rPr lang="en-US" dirty="0" smtClean="0"/>
+              <a:t>10</a:t>
+            </a:r>
+            <a:endParaRPr lang="en-US" dirty="0"/>
+          </a:p>
+        </p:txBody>
+      </p:sp>
+      <p:sp>
+        <p:nvSpPr>
+          <p:cNvPr id="8" name="TextBox 7"/>
+          <p:cNvSpPr txBox="1"/>
+          <p:nvPr/>
+        </p:nvSpPr>
+        <p:spPr>
+          <a:xfrm>
+            <a:off x="604448" y="537075"/>
+            <a:ext cx="9631233" cy="523220"/>
+          </a:xfrm>
+          <a:prstGeom prst="rect">
+            <a:avLst/>
+          </a:prstGeom>
+          <a:noFill/>
+        </p:spPr>
+        <p:txBody>
+          <a:bodyPr wrap="square" rtlCol="0">
+            <a:spAutoFit/>
+          </a:bodyPr>
+          <a:lstStyle/>
+          <a:p>
+            <a:r>
+              <a:rPr lang="en-US" sz="2800" dirty="0" smtClean="0">
+                <a:solidFill>
+                  <a:schemeClr val="bg1"/>
+                </a:solidFill>
+                <a:latin typeface="Segoe UI Light" panose="020B0502040204020203" pitchFamily="34" charset="0"/>
+                <a:cs typeface="Segoe UI Light" panose="020B0502040204020203" pitchFamily="34" charset="0"/>
+              </a:rPr>
+              <a:t>Features – </a:t>
+            </a:r>
+            <a:r>
+              <a:rPr lang="en-US" sz="2400" dirty="0" smtClean="0">
+                <a:solidFill>
+                  <a:schemeClr val="bg1"/>
+                </a:solidFill>
+                <a:latin typeface="Segoe UI Light" panose="020B0502040204020203" pitchFamily="34" charset="0"/>
+                <a:cs typeface="Segoe UI Light" panose="020B0502040204020203" pitchFamily="34" charset="0"/>
+              </a:rPr>
+              <a:t>Basics</a:t>
+            </a:r>
+            <a:r>
+              <a:rPr lang="en-US" sz="2400" dirty="0" smtClean="0">
+                <a:solidFill>
+                  <a:srgbClr val="FFFF00"/>
+                </a:solidFill>
+                <a:latin typeface="Segoe UI Light" panose="020B0502040204020203" pitchFamily="34" charset="0"/>
+                <a:cs typeface="Segoe UI Light" panose="020B0502040204020203" pitchFamily="34" charset="0"/>
+              </a:rPr>
+              <a:t> </a:t>
+            </a:r>
+            <a:r>
+              <a:rPr lang="en-US" sz="2400" dirty="0" smtClean="0">
+                <a:solidFill>
+                  <a:schemeClr val="bg1"/>
+                </a:solidFill>
+                <a:latin typeface="Segoe UI Light" panose="020B0502040204020203" pitchFamily="34" charset="0"/>
+                <a:cs typeface="Segoe UI Light" panose="020B0502040204020203" pitchFamily="34" charset="0"/>
+              </a:rPr>
+              <a:t>–</a:t>
+            </a:r>
+            <a:r>
+              <a:rPr lang="en-US" sz="2400" dirty="0" smtClean="0">
+                <a:solidFill>
+                  <a:srgbClr val="FFFF00"/>
+                </a:solidFill>
+                <a:latin typeface="Segoe UI Light" panose="020B0502040204020203" pitchFamily="34" charset="0"/>
+                <a:cs typeface="Segoe UI Light" panose="020B0502040204020203" pitchFamily="34" charset="0"/>
+              </a:rPr>
+              <a:t> </a:t>
+            </a:r>
+            <a:r>
+              <a:rPr lang="en-US" sz="1600" dirty="0" smtClean="0">
+                <a:solidFill>
+                  <a:srgbClr val="FFFF00"/>
+                </a:solidFill>
+                <a:latin typeface="Segoe UI Light" panose="020B0502040204020203" pitchFamily="34" charset="0"/>
+                <a:cs typeface="Segoe UI Light" panose="020B0502040204020203" pitchFamily="34" charset="0"/>
+              </a:rPr>
+              <a:t>Classes</a:t>
+            </a:r>
+            <a:endParaRPr lang="en-US" sz="1600" dirty="0">
+              <a:solidFill>
+                <a:srgbClr val="FFFF00"/>
+              </a:solidFill>
+              <a:latin typeface="Segoe UI Light" panose="020B0502040204020203" pitchFamily="34" charset="0"/>
+              <a:cs typeface="Segoe UI Light" panose="020B0502040204020203" pitchFamily="34" charset="0"/>
+            </a:endParaRPr>
+          </a:p>
+        </p:txBody>
+      </p:sp>
+      <p:sp>
+        <p:nvSpPr>
+          <p:cNvPr id="10" name="TextBox 9"/>
+          <p:cNvSpPr txBox="1"/>
+          <p:nvPr/>
+        </p:nvSpPr>
+        <p:spPr>
+          <a:xfrm>
+            <a:off x="1054554" y="1388221"/>
+            <a:ext cx="3390900" cy="646331"/>
+          </a:xfrm>
+          <a:prstGeom prst="rect">
+            <a:avLst/>
+          </a:prstGeom>
+          <a:noFill/>
+        </p:spPr>
+        <p:txBody>
+          <a:bodyPr wrap="square" rtlCol="0">
+            <a:spAutoFit/>
+          </a:bodyPr>
+          <a:lstStyle/>
+          <a:p>
+            <a:pPr>
+              <a:buClr>
+                <a:srgbClr val="FFFF00"/>
+              </a:buClr>
+            </a:pPr>
+            <a:endParaRPr lang="en-US" dirty="0" smtClean="0">
+              <a:solidFill>
+                <a:schemeClr val="bg1"/>
+              </a:solidFill>
+              <a:latin typeface="Segoe UI Light" panose="020B0502040204020203" pitchFamily="34" charset="0"/>
+              <a:cs typeface="Segoe UI Light" panose="020B0502040204020203" pitchFamily="34" charset="0"/>
+            </a:endParaRPr>
+          </a:p>
+          <a:p>
+            <a:pPr>
+              <a:buClr>
+                <a:srgbClr val="FFFF00"/>
+              </a:buClr>
+            </a:pPr>
+            <a:endParaRPr lang="en-US" dirty="0" smtClean="0">
+              <a:solidFill>
+                <a:schemeClr val="bg1"/>
+              </a:solidFill>
+              <a:latin typeface="Segoe UI Light" panose="020B0502040204020203" pitchFamily="34" charset="0"/>
+              <a:cs typeface="Segoe UI Light" panose="020B0502040204020203" pitchFamily="34" charset="0"/>
+            </a:endParaRPr>
+          </a:p>
+        </p:txBody>
+      </p:sp>
+      <p:sp>
+        <p:nvSpPr>
+          <p:cNvPr id="9" name="Title 1"/>
+          <p:cNvSpPr>
+            <a:spLocks noGrp="1"/>
+          </p:cNvSpPr>
+          <p:nvPr>
+            <p:ph type="ctrTitle"/>
+          </p:nvPr>
+        </p:nvSpPr>
+        <p:spPr>
+          <a:xfrm>
+            <a:off x="9377266" y="6148873"/>
+            <a:ext cx="2313992" cy="220543"/>
+          </a:xfrm>
+        </p:spPr>
+        <p:txBody>
+          <a:bodyPr/>
+          <a:lstStyle/>
+          <a:p>
+            <a:pPr algn="ctr"/>
+            <a:r>
+              <a:rPr lang="en-US" sz="1100" b="1" dirty="0" smtClean="0">
+                <a:latin typeface="Segoe UI Light" panose="020B0502040204020203" pitchFamily="34" charset="0"/>
+                <a:cs typeface="Segoe UI Light" panose="020B0502040204020203" pitchFamily="34" charset="0"/>
+              </a:rPr>
+              <a:t>Type</a:t>
+            </a:r>
+            <a:r>
+              <a:rPr lang="en-US" sz="1100" dirty="0" smtClean="0">
+                <a:latin typeface="Segoe UI Light" panose="020B0502040204020203" pitchFamily="34" charset="0"/>
+                <a:cs typeface="Segoe UI Light" panose="020B0502040204020203" pitchFamily="34" charset="0"/>
+              </a:rPr>
+              <a:t>Script – </a:t>
+            </a:r>
+            <a:r>
+              <a:rPr lang="en-US" sz="1100" dirty="0" smtClean="0">
+                <a:solidFill>
+                  <a:srgbClr val="FFFF00"/>
+                </a:solidFill>
+                <a:latin typeface="Segoe UI Light" panose="020B0502040204020203" pitchFamily="34" charset="0"/>
+                <a:cs typeface="Segoe UI Light" panose="020B0502040204020203" pitchFamily="34" charset="0"/>
+              </a:rPr>
+              <a:t>www.typescriptlang.org</a:t>
+            </a:r>
+            <a:endParaRPr lang="en-US" sz="1100" dirty="0">
+              <a:solidFill>
+                <a:srgbClr val="FFFF00"/>
+              </a:solidFill>
+              <a:latin typeface="Segoe UI Light" panose="020B0502040204020203" pitchFamily="34" charset="0"/>
+              <a:cs typeface="Segoe UI Light" panose="020B0502040204020203" pitchFamily="34" charset="0"/>
+            </a:endParaRPr>
+          </a:p>
+        </p:txBody>
+      </p:sp>
+      <p:sp>
+        <p:nvSpPr>
+          <p:cNvPr id="5" name="TextBox 4"/>
+          <p:cNvSpPr txBox="1"/>
+          <p:nvPr/>
+        </p:nvSpPr>
+        <p:spPr>
+          <a:xfrm>
+            <a:off x="1219200" y="1290027"/>
+            <a:ext cx="1838325" cy="369332"/>
+          </a:xfrm>
+          <a:prstGeom prst="rect">
+            <a:avLst/>
+          </a:prstGeom>
+          <a:noFill/>
+        </p:spPr>
+        <p:txBody>
+          <a:bodyPr wrap="square" rtlCol="0">
+            <a:spAutoFit/>
+          </a:bodyPr>
+          <a:lstStyle/>
+          <a:p>
+            <a:pPr marL="285750" indent="-285750">
+              <a:buClr>
+                <a:srgbClr val="FFFF00"/>
+              </a:buClr>
+              <a:buFont typeface="Arial" panose="020B0604020202020204" pitchFamily="34" charset="0"/>
+              <a:buChar char="•"/>
+            </a:pPr>
+            <a:r>
+              <a:rPr lang="en-US" dirty="0" smtClean="0">
+                <a:solidFill>
+                  <a:schemeClr val="bg1"/>
+                </a:solidFill>
+                <a:latin typeface="Segoe UI Light" panose="020B0502040204020203" pitchFamily="34" charset="0"/>
+                <a:cs typeface="Segoe UI Light" panose="020B0502040204020203" pitchFamily="34" charset="0"/>
+              </a:rPr>
+              <a:t>Abstract</a:t>
+            </a:r>
+            <a:endParaRPr lang="en-US" dirty="0">
+              <a:solidFill>
+                <a:schemeClr val="bg1"/>
+              </a:solidFill>
+              <a:latin typeface="Segoe UI Light" panose="020B0502040204020203" pitchFamily="34" charset="0"/>
+              <a:cs typeface="Segoe UI Light" panose="020B0502040204020203" pitchFamily="34" charset="0"/>
+            </a:endParaRPr>
+          </a:p>
+        </p:txBody>
+      </p:sp>
+      <p:pic>
+        <p:nvPicPr>
+          <p:cNvPr id="2" name="Picture 1"/>
+          <p:cNvPicPr>
+            <a:picLocks noChangeAspect="1"/>
+          </p:cNvPicPr>
+          <p:nvPr/>
+        </p:nvPicPr>
+        <p:blipFill>
+          <a:blip r:embed="rId2"/>
+          <a:stretch>
+            <a:fillRect/>
+          </a:stretch>
+        </p:blipFill>
+        <p:spPr>
+          <a:xfrm>
+            <a:off x="2750004" y="1189996"/>
+            <a:ext cx="7019925" cy="4829175"/>
+          </a:xfrm>
+          <a:prstGeom prst="rect">
+            <a:avLst/>
+          </a:prstGeom>
+        </p:spPr>
+      </p:pic>
+    </p:spTree>
+    <p:extLst>
+      <p:ext uri="{BB962C8B-B14F-4D97-AF65-F5344CB8AC3E}">
+        <p14:creationId xmlns:p14="http://schemas.microsoft.com/office/powerpoint/2010/main" val="4262285668"/>
+      </p:ext>
+    </p:extLst>
+  </p:cSld>
+  <p:clrMapOvr>
+    <a:masterClrMapping/>
+  </p:clrMapOvr>
+  <p:timing>
+    <p:tnLst>
+      <p:par>
+        <p:cTn id="1" dur="indefinite" restart="never" nodeType="tmRoot"/>
+      </p:par>
+    </p:tnLst>
+  </p:timing>
+</p:sld>
+</file>
+
+<file path=ppt/slides/slide11.xml><?xml version="1.0" encoding="utf-8"?>
+<p:sld xmlns:a="http://schemas.openxmlformats.org/drawingml/2006/main" xmlns:r="http://schemas.openxmlformats.org/officeDocument/2006/relationships" xmlns:p="http://schemas.openxmlformats.org/presentationml/2006/main">
+  <p:cSld>
+    <p:bg>
+      <p:bgPr>
+        <a:solidFill>
+          <a:schemeClr val="bg1"/>
+        </a:solidFill>
+        <a:effectLst/>
+      </p:bgPr>
+    </p:bg>
+    <p:spTree>
+      <p:nvGrpSpPr>
+        <p:cNvPr id="1" name=""/>
+        <p:cNvGrpSpPr/>
+        <p:nvPr/>
+      </p:nvGrpSpPr>
+      <p:grpSpPr>
+        <a:xfrm>
+          <a:off x="0" y="0"/>
+          <a:ext cx="0" cy="0"/>
+          <a:chOff x="0" y="0"/>
+          <a:chExt cx="0" cy="0"/>
+        </a:xfrm>
+      </p:grpSpPr>
+      <p:sp>
+        <p:nvSpPr>
+          <p:cNvPr id="6" name="Slide Number Placeholder 6"/>
+          <p:cNvSpPr>
+            <a:spLocks noGrp="1"/>
+          </p:cNvSpPr>
+          <p:nvPr>
+            <p:ph type="sldNum" sz="quarter" idx="12"/>
+          </p:nvPr>
+        </p:nvSpPr>
+        <p:spPr>
+          <a:xfrm>
+            <a:off x="10351008" y="292608"/>
+            <a:ext cx="838199" cy="767687"/>
+          </a:xfrm>
+        </p:spPr>
+        <p:txBody>
+          <a:bodyPr/>
+          <a:lstStyle/>
+          <a:p>
+            <a:r>
+              <a:rPr lang="en-US" dirty="0" smtClean="0"/>
+              <a:t>11</a:t>
+            </a:r>
+            <a:endParaRPr lang="en-US" dirty="0"/>
+          </a:p>
+        </p:txBody>
+      </p:sp>
+      <p:sp>
+        <p:nvSpPr>
+          <p:cNvPr id="8" name="TextBox 7"/>
+          <p:cNvSpPr txBox="1"/>
+          <p:nvPr/>
+        </p:nvSpPr>
+        <p:spPr>
+          <a:xfrm>
+            <a:off x="604448" y="537075"/>
+            <a:ext cx="9631233" cy="523220"/>
+          </a:xfrm>
+          <a:prstGeom prst="rect">
+            <a:avLst/>
+          </a:prstGeom>
+          <a:noFill/>
+        </p:spPr>
+        <p:txBody>
+          <a:bodyPr wrap="square" rtlCol="0">
+            <a:spAutoFit/>
+          </a:bodyPr>
+          <a:lstStyle/>
+          <a:p>
+            <a:r>
+              <a:rPr lang="en-US" sz="2800" dirty="0" smtClean="0">
+                <a:solidFill>
+                  <a:schemeClr val="bg1"/>
+                </a:solidFill>
+                <a:latin typeface="Segoe UI Light" panose="020B0502040204020203" pitchFamily="34" charset="0"/>
+                <a:cs typeface="Segoe UI Light" panose="020B0502040204020203" pitchFamily="34" charset="0"/>
+              </a:rPr>
+              <a:t>Features – </a:t>
+            </a:r>
+            <a:r>
+              <a:rPr lang="en-US" sz="2400" dirty="0" smtClean="0">
+                <a:solidFill>
+                  <a:schemeClr val="bg1"/>
+                </a:solidFill>
+                <a:latin typeface="Segoe UI Light" panose="020B0502040204020203" pitchFamily="34" charset="0"/>
+                <a:cs typeface="Segoe UI Light" panose="020B0502040204020203" pitchFamily="34" charset="0"/>
+              </a:rPr>
+              <a:t>Basics</a:t>
+            </a:r>
+            <a:r>
+              <a:rPr lang="en-US" sz="2400" dirty="0" smtClean="0">
+                <a:solidFill>
+                  <a:srgbClr val="FFFF00"/>
+                </a:solidFill>
+                <a:latin typeface="Segoe UI Light" panose="020B0502040204020203" pitchFamily="34" charset="0"/>
+                <a:cs typeface="Segoe UI Light" panose="020B0502040204020203" pitchFamily="34" charset="0"/>
+              </a:rPr>
+              <a:t> </a:t>
+            </a:r>
+            <a:r>
+              <a:rPr lang="en-US" sz="2400" dirty="0" smtClean="0">
+                <a:solidFill>
+                  <a:schemeClr val="bg1"/>
+                </a:solidFill>
+                <a:latin typeface="Segoe UI Light" panose="020B0502040204020203" pitchFamily="34" charset="0"/>
+                <a:cs typeface="Segoe UI Light" panose="020B0502040204020203" pitchFamily="34" charset="0"/>
+              </a:rPr>
+              <a:t>–</a:t>
+            </a:r>
+            <a:r>
+              <a:rPr lang="en-US" sz="2400" dirty="0" smtClean="0">
+                <a:solidFill>
+                  <a:srgbClr val="FFFF00"/>
+                </a:solidFill>
+                <a:latin typeface="Segoe UI Light" panose="020B0502040204020203" pitchFamily="34" charset="0"/>
+                <a:cs typeface="Segoe UI Light" panose="020B0502040204020203" pitchFamily="34" charset="0"/>
+              </a:rPr>
+              <a:t> </a:t>
+            </a:r>
+            <a:r>
+              <a:rPr lang="en-US" sz="1600" dirty="0" smtClean="0">
+                <a:solidFill>
+                  <a:srgbClr val="FFFF00"/>
+                </a:solidFill>
+                <a:latin typeface="Segoe UI Light" panose="020B0502040204020203" pitchFamily="34" charset="0"/>
+                <a:cs typeface="Segoe UI Light" panose="020B0502040204020203" pitchFamily="34" charset="0"/>
+              </a:rPr>
+              <a:t>Generics</a:t>
+            </a:r>
+            <a:endParaRPr lang="en-US" sz="1600" dirty="0">
+              <a:solidFill>
+                <a:srgbClr val="FFFF00"/>
+              </a:solidFill>
+              <a:latin typeface="Segoe UI Light" panose="020B0502040204020203" pitchFamily="34" charset="0"/>
+              <a:cs typeface="Segoe UI Light" panose="020B0502040204020203" pitchFamily="34" charset="0"/>
+            </a:endParaRPr>
+          </a:p>
+        </p:txBody>
+      </p:sp>
+      <p:sp>
+        <p:nvSpPr>
+          <p:cNvPr id="10" name="TextBox 9"/>
+          <p:cNvSpPr txBox="1"/>
+          <p:nvPr/>
+        </p:nvSpPr>
+        <p:spPr>
+          <a:xfrm>
+            <a:off x="1054554" y="1388221"/>
+            <a:ext cx="3390900" cy="646331"/>
+          </a:xfrm>
+          <a:prstGeom prst="rect">
+            <a:avLst/>
+          </a:prstGeom>
+          <a:noFill/>
+        </p:spPr>
+        <p:txBody>
+          <a:bodyPr wrap="square" rtlCol="0">
+            <a:spAutoFit/>
+          </a:bodyPr>
+          <a:lstStyle/>
+          <a:p>
+            <a:pPr>
+              <a:buClr>
+                <a:srgbClr val="FFFF00"/>
+              </a:buClr>
+            </a:pPr>
+            <a:endParaRPr lang="en-US" dirty="0" smtClean="0">
+              <a:solidFill>
+                <a:schemeClr val="bg1"/>
+              </a:solidFill>
+              <a:latin typeface="Segoe UI Light" panose="020B0502040204020203" pitchFamily="34" charset="0"/>
+              <a:cs typeface="Segoe UI Light" panose="020B0502040204020203" pitchFamily="34" charset="0"/>
+            </a:endParaRPr>
+          </a:p>
+          <a:p>
+            <a:pPr>
+              <a:buClr>
+                <a:srgbClr val="FFFF00"/>
+              </a:buClr>
+            </a:pPr>
+            <a:endParaRPr lang="en-US" dirty="0" smtClean="0">
+              <a:solidFill>
+                <a:schemeClr val="bg1"/>
+              </a:solidFill>
+              <a:latin typeface="Segoe UI Light" panose="020B0502040204020203" pitchFamily="34" charset="0"/>
+              <a:cs typeface="Segoe UI Light" panose="020B0502040204020203" pitchFamily="34" charset="0"/>
+            </a:endParaRPr>
+          </a:p>
+        </p:txBody>
+      </p:sp>
+      <p:sp>
+        <p:nvSpPr>
+          <p:cNvPr id="9" name="Title 1"/>
+          <p:cNvSpPr>
+            <a:spLocks noGrp="1"/>
+          </p:cNvSpPr>
+          <p:nvPr>
+            <p:ph type="ctrTitle"/>
+          </p:nvPr>
+        </p:nvSpPr>
+        <p:spPr>
+          <a:xfrm>
+            <a:off x="9377266" y="6148873"/>
+            <a:ext cx="2313992" cy="220543"/>
+          </a:xfrm>
+        </p:spPr>
+        <p:txBody>
+          <a:bodyPr/>
+          <a:lstStyle/>
+          <a:p>
+            <a:pPr algn="ctr"/>
+            <a:r>
+              <a:rPr lang="en-US" sz="1100" b="1" dirty="0" smtClean="0">
+                <a:latin typeface="Segoe UI Light" panose="020B0502040204020203" pitchFamily="34" charset="0"/>
+                <a:cs typeface="Segoe UI Light" panose="020B0502040204020203" pitchFamily="34" charset="0"/>
+              </a:rPr>
+              <a:t>Type</a:t>
+            </a:r>
+            <a:r>
+              <a:rPr lang="en-US" sz="1100" dirty="0" smtClean="0">
+                <a:latin typeface="Segoe UI Light" panose="020B0502040204020203" pitchFamily="34" charset="0"/>
+                <a:cs typeface="Segoe UI Light" panose="020B0502040204020203" pitchFamily="34" charset="0"/>
+              </a:rPr>
+              <a:t>Script – </a:t>
+            </a:r>
+            <a:r>
+              <a:rPr lang="en-US" sz="1100" dirty="0" smtClean="0">
+                <a:solidFill>
+                  <a:srgbClr val="FFFF00"/>
+                </a:solidFill>
+                <a:latin typeface="Segoe UI Light" panose="020B0502040204020203" pitchFamily="34" charset="0"/>
+                <a:cs typeface="Segoe UI Light" panose="020B0502040204020203" pitchFamily="34" charset="0"/>
+              </a:rPr>
+              <a:t>www.typescriptlang.org</a:t>
+            </a:r>
+            <a:endParaRPr lang="en-US" sz="1100" dirty="0">
+              <a:solidFill>
+                <a:srgbClr val="FFFF00"/>
+              </a:solidFill>
+              <a:latin typeface="Segoe UI Light" panose="020B0502040204020203" pitchFamily="34" charset="0"/>
+              <a:cs typeface="Segoe UI Light" panose="020B0502040204020203" pitchFamily="34" charset="0"/>
+            </a:endParaRPr>
+          </a:p>
+        </p:txBody>
+      </p:sp>
+      <p:sp>
+        <p:nvSpPr>
+          <p:cNvPr id="5" name="TextBox 4"/>
+          <p:cNvSpPr txBox="1"/>
+          <p:nvPr/>
+        </p:nvSpPr>
+        <p:spPr>
+          <a:xfrm>
+            <a:off x="1219200" y="1290027"/>
+            <a:ext cx="8648700" cy="1846659"/>
+          </a:xfrm>
+          <a:prstGeom prst="rect">
+            <a:avLst/>
+          </a:prstGeom>
+          <a:noFill/>
+        </p:spPr>
+        <p:txBody>
+          <a:bodyPr wrap="square" rtlCol="0">
+            <a:spAutoFit/>
+          </a:bodyPr>
+          <a:lstStyle/>
+          <a:p>
+            <a:pPr marL="285750" indent="-285750">
+              <a:buClr>
+                <a:srgbClr val="FFFF00"/>
+              </a:buClr>
+              <a:buFont typeface="Arial" panose="020B0604020202020204" pitchFamily="34" charset="0"/>
+              <a:buChar char="•"/>
+            </a:pPr>
+            <a:r>
+              <a:rPr lang="en-US" dirty="0" smtClean="0">
+                <a:solidFill>
+                  <a:schemeClr val="bg1"/>
+                </a:solidFill>
+                <a:latin typeface="Segoe UI Light" panose="020B0502040204020203" pitchFamily="34" charset="0"/>
+                <a:cs typeface="Segoe UI Light" panose="020B0502040204020203" pitchFamily="34" charset="0"/>
+              </a:rPr>
+              <a:t>Are reusable components can work over a variety of types than a single one</a:t>
+            </a:r>
+          </a:p>
+          <a:p>
+            <a:pPr marL="285750" indent="-285750">
+              <a:buClr>
+                <a:srgbClr val="FFFF00"/>
+              </a:buClr>
+              <a:buFont typeface="Arial" panose="020B0604020202020204" pitchFamily="34" charset="0"/>
+              <a:buChar char="•"/>
+            </a:pPr>
+            <a:endParaRPr lang="en-US" dirty="0" smtClean="0">
+              <a:solidFill>
+                <a:schemeClr val="bg1"/>
+              </a:solidFill>
+              <a:latin typeface="Segoe UI Light" panose="020B0502040204020203" pitchFamily="34" charset="0"/>
+              <a:cs typeface="Segoe UI Light" panose="020B0502040204020203" pitchFamily="34" charset="0"/>
+            </a:endParaRPr>
+          </a:p>
+          <a:p>
+            <a:pPr marL="285750" indent="-285750">
+              <a:buClr>
+                <a:srgbClr val="FFFF00"/>
+              </a:buClr>
+              <a:buFont typeface="Arial" panose="020B0604020202020204" pitchFamily="34" charset="0"/>
+              <a:buChar char="•"/>
+            </a:pPr>
+            <a:r>
+              <a:rPr lang="en-US" dirty="0" smtClean="0">
+                <a:solidFill>
+                  <a:schemeClr val="bg1"/>
+                </a:solidFill>
+                <a:latin typeface="Segoe UI Light" panose="020B0502040204020203" pitchFamily="34" charset="0"/>
+                <a:cs typeface="Segoe UI Light" panose="020B0502040204020203" pitchFamily="34" charset="0"/>
+              </a:rPr>
+              <a:t>Three types:</a:t>
+            </a:r>
+          </a:p>
+          <a:p>
+            <a:pPr marL="742950" lvl="1" indent="-285750">
+              <a:buClr>
+                <a:srgbClr val="FFFF00"/>
+              </a:buClr>
+              <a:buFont typeface="Arial" panose="020B0604020202020204" pitchFamily="34" charset="0"/>
+              <a:buChar char="•"/>
+            </a:pPr>
+            <a:r>
+              <a:rPr lang="en-US" sz="1400" dirty="0" smtClean="0">
+                <a:solidFill>
+                  <a:schemeClr val="bg1"/>
+                </a:solidFill>
+                <a:latin typeface="Segoe UI Light" panose="020B0502040204020203" pitchFamily="34" charset="0"/>
+                <a:cs typeface="Segoe UI Light" panose="020B0502040204020203" pitchFamily="34" charset="0"/>
+              </a:rPr>
+              <a:t>Function</a:t>
+            </a:r>
+          </a:p>
+          <a:p>
+            <a:pPr marL="742950" lvl="1" indent="-285750">
+              <a:buClr>
+                <a:srgbClr val="FFFF00"/>
+              </a:buClr>
+              <a:buFont typeface="Arial" panose="020B0604020202020204" pitchFamily="34" charset="0"/>
+              <a:buChar char="•"/>
+            </a:pPr>
+            <a:r>
+              <a:rPr lang="en-US" sz="1400" dirty="0" smtClean="0">
+                <a:solidFill>
+                  <a:schemeClr val="bg1"/>
+                </a:solidFill>
+                <a:latin typeface="Segoe UI Light" panose="020B0502040204020203" pitchFamily="34" charset="0"/>
+                <a:cs typeface="Segoe UI Light" panose="020B0502040204020203" pitchFamily="34" charset="0"/>
+              </a:rPr>
+              <a:t>Interface</a:t>
+            </a:r>
+          </a:p>
+          <a:p>
+            <a:pPr marL="742950" lvl="1" indent="-285750">
+              <a:buClr>
+                <a:srgbClr val="FFFF00"/>
+              </a:buClr>
+              <a:buFont typeface="Arial" panose="020B0604020202020204" pitchFamily="34" charset="0"/>
+              <a:buChar char="•"/>
+            </a:pPr>
+            <a:r>
+              <a:rPr lang="en-US" sz="1400" dirty="0" smtClean="0">
+                <a:solidFill>
+                  <a:schemeClr val="bg1"/>
+                </a:solidFill>
+                <a:latin typeface="Segoe UI Light" panose="020B0502040204020203" pitchFamily="34" charset="0"/>
+                <a:cs typeface="Segoe UI Light" panose="020B0502040204020203" pitchFamily="34" charset="0"/>
+              </a:rPr>
+              <a:t>Class</a:t>
+            </a:r>
+            <a:endParaRPr lang="en-US" sz="1400" dirty="0">
+              <a:solidFill>
+                <a:schemeClr val="bg1"/>
+              </a:solidFill>
+              <a:latin typeface="Segoe UI Light" panose="020B0502040204020203" pitchFamily="34" charset="0"/>
+              <a:cs typeface="Segoe UI Light" panose="020B0502040204020203" pitchFamily="34" charset="0"/>
+            </a:endParaRPr>
+          </a:p>
+          <a:p>
+            <a:pPr>
+              <a:buClr>
+                <a:srgbClr val="FFFF00"/>
+              </a:buClr>
+            </a:pPr>
+            <a:endParaRPr lang="en-US" dirty="0">
+              <a:solidFill>
+                <a:schemeClr val="bg1"/>
+              </a:solidFill>
+              <a:latin typeface="Segoe UI Light" panose="020B0502040204020203" pitchFamily="34" charset="0"/>
+              <a:cs typeface="Segoe UI Light" panose="020B0502040204020203" pitchFamily="34" charset="0"/>
+            </a:endParaRPr>
+          </a:p>
+        </p:txBody>
+      </p:sp>
+    </p:spTree>
+    <p:extLst>
+      <p:ext uri="{BB962C8B-B14F-4D97-AF65-F5344CB8AC3E}">
+        <p14:creationId xmlns:p14="http://schemas.microsoft.com/office/powerpoint/2010/main" val="193756368"/>
+      </p:ext>
+    </p:extLst>
+  </p:cSld>
+  <p:clrMapOvr>
+    <a:masterClrMapping/>
+  </p:clrMapOvr>
+  <p:timing>
+    <p:tnLst>
+      <p:par>
+        <p:cTn id="1" dur="indefinite" restart="never" nodeType="tmRoot">
+          <p:childTnLst>
+            <p:seq concurrent="1" nextAc="seek">
+              <p:cTn id="2" dur="indefinite" nodeType="mainSeq">
+                <p:childTnLst>
+                  <p:par>
+                    <p:cTn id="3" fill="hold">
+                      <p:stCondLst>
+                        <p:cond delay="indefinite"/>
+                      </p:stCondLst>
+                      <p:childTnLst>
+                        <p:par>
+                          <p:cTn id="4" fill="hold">
+                            <p:stCondLst>
+                              <p:cond delay="0"/>
+                            </p:stCondLst>
+                            <p:childTnLst>
+                              <p:par>
+                                <p:cTn id="5" presetID="1" presetClass="entr" presetSubtype="0" fill="hold" nodeType="clickEffect">
+                                  <p:stCondLst>
+                                    <p:cond delay="0"/>
+                                  </p:stCondLst>
+                                  <p:childTnLst>
+                                    <p:set>
+                                      <p:cBhvr>
+                                        <p:cTn id="6" dur="1" fill="hold">
+                                          <p:stCondLst>
+                                            <p:cond delay="0"/>
+                                          </p:stCondLst>
+                                        </p:cTn>
+                                        <p:tgtEl>
+                                          <p:spTgt spid="5">
+                                            <p:txEl>
+                                              <p:pRg st="0" end="0"/>
+                                            </p:txEl>
+                                          </p:spTgt>
+                                        </p:tgtEl>
+                                        <p:attrNameLst>
+                                          <p:attrName>style.visibility</p:attrName>
+                                        </p:attrNameLst>
+                                      </p:cBhvr>
+                                      <p:to>
+                                        <p:strVal val="visible"/>
+                                      </p:to>
+                                    </p:set>
+                                  </p:childTnLst>
+                                </p:cTn>
+                              </p:par>
+                            </p:childTnLst>
+                          </p:cTn>
+                        </p:par>
+                      </p:childTnLst>
+                    </p:cTn>
+                  </p:par>
+                  <p:par>
+                    <p:cTn id="7" fill="hold">
+                      <p:stCondLst>
+                        <p:cond delay="indefinite"/>
+                      </p:stCondLst>
+                      <p:childTnLst>
+                        <p:par>
+                          <p:cTn id="8" fill="hold">
+                            <p:stCondLst>
+                              <p:cond delay="0"/>
+                            </p:stCondLst>
+                            <p:childTnLst>
+                              <p:par>
+                                <p:cTn id="9" presetID="1" presetClass="entr" presetSubtype="0" fill="hold" nodeType="clickEffect">
+                                  <p:stCondLst>
+                                    <p:cond delay="0"/>
+                                  </p:stCondLst>
+                                  <p:childTnLst>
+                                    <p:set>
+                                      <p:cBhvr>
+                                        <p:cTn id="10" dur="1" fill="hold">
+                                          <p:stCondLst>
+                                            <p:cond delay="0"/>
+                                          </p:stCondLst>
+                                        </p:cTn>
+                                        <p:tgtEl>
+                                          <p:spTgt spid="5">
+                                            <p:txEl>
+                                              <p:pRg st="2" end="2"/>
+                                            </p:txEl>
+                                          </p:spTgt>
+                                        </p:tgtEl>
+                                        <p:attrNameLst>
+                                          <p:attrName>style.visibility</p:attrName>
+                                        </p:attrNameLst>
+                                      </p:cBhvr>
+                                      <p:to>
+                                        <p:strVal val="visible"/>
+                                      </p:to>
+                                    </p:set>
+                                  </p:childTnLst>
+                                </p:cTn>
+                              </p:par>
+                              <p:par>
+                                <p:cTn id="11" presetID="1" presetClass="entr" presetSubtype="0" fill="hold" nodeType="withEffect">
+                                  <p:stCondLst>
+                                    <p:cond delay="0"/>
+                                  </p:stCondLst>
+                                  <p:childTnLst>
+                                    <p:set>
+                                      <p:cBhvr>
+                                        <p:cTn id="12" dur="1" fill="hold">
+                                          <p:stCondLst>
+                                            <p:cond delay="0"/>
+                                          </p:stCondLst>
+                                        </p:cTn>
+                                        <p:tgtEl>
+                                          <p:spTgt spid="5">
+                                            <p:txEl>
+                                              <p:pRg st="3" end="3"/>
+                                            </p:txEl>
+                                          </p:spTgt>
+                                        </p:tgtEl>
+                                        <p:attrNameLst>
+                                          <p:attrName>style.visibility</p:attrName>
+                                        </p:attrNameLst>
+                                      </p:cBhvr>
+                                      <p:to>
+                                        <p:strVal val="visible"/>
+                                      </p:to>
+                                    </p:set>
+                                  </p:childTnLst>
+                                </p:cTn>
+                              </p:par>
+                              <p:par>
+                                <p:cTn id="13" presetID="1" presetClass="entr" presetSubtype="0" fill="hold" nodeType="withEffect">
+                                  <p:stCondLst>
+                                    <p:cond delay="0"/>
+                                  </p:stCondLst>
+                                  <p:childTnLst>
+                                    <p:set>
+                                      <p:cBhvr>
+                                        <p:cTn id="14" dur="1" fill="hold">
+                                          <p:stCondLst>
+                                            <p:cond delay="0"/>
+                                          </p:stCondLst>
+                                        </p:cTn>
+                                        <p:tgtEl>
+                                          <p:spTgt spid="5">
+                                            <p:txEl>
+                                              <p:pRg st="4" end="4"/>
+                                            </p:txEl>
+                                          </p:spTgt>
+                                        </p:tgtEl>
+                                        <p:attrNameLst>
+                                          <p:attrName>style.visibility</p:attrName>
+                                        </p:attrNameLst>
+                                      </p:cBhvr>
+                                      <p:to>
+                                        <p:strVal val="visible"/>
+                                      </p:to>
+                                    </p:set>
+                                  </p:childTnLst>
+                                </p:cTn>
+                              </p:par>
+                              <p:par>
+                                <p:cTn id="15" presetID="1" presetClass="entr" presetSubtype="0" fill="hold" nodeType="withEffect">
+                                  <p:stCondLst>
+                                    <p:cond delay="0"/>
+                                  </p:stCondLst>
+                                  <p:childTnLst>
+                                    <p:set>
+                                      <p:cBhvr>
+                                        <p:cTn id="16" dur="1" fill="hold">
+                                          <p:stCondLst>
+                                            <p:cond delay="0"/>
+                                          </p:stCondLst>
+                                        </p:cTn>
+                                        <p:tgtEl>
+                                          <p:spTgt spid="5">
+                                            <p:txEl>
+                                              <p:pRg st="5" end="5"/>
+                                            </p:txEl>
+                                          </p:spTgt>
+                                        </p:tgtEl>
+                                        <p:attrNameLst>
+                                          <p:attrName>style.visibility</p:attrName>
+                                        </p:attrNameLst>
+                                      </p:cBhvr>
+                                      <p:to>
+                                        <p:strVal val="visible"/>
+                                      </p:to>
+                                    </p:set>
+                                  </p:childTnLst>
+                                </p:cTn>
+                              </p:par>
+                            </p:childTnLst>
+                          </p:cTn>
+                        </p:par>
+                      </p:childTnLst>
+                    </p:cTn>
+                  </p:par>
+                </p:childTnLst>
+              </p:cTn>
+              <p:prevCondLst>
+                <p:cond evt="onPrev" delay="0">
+                  <p:tgtEl>
+                    <p:sldTgt/>
+                  </p:tgtEl>
+                </p:cond>
+              </p:prevCondLst>
+              <p:nextCondLst>
+                <p:cond evt="onNext" delay="0">
+                  <p:tgtEl>
+                    <p:sldTgt/>
+                  </p:tgtEl>
+                </p:cond>
+              </p:nextCondLst>
+            </p:seq>
+          </p:childTnLst>
+        </p:cTn>
+      </p:par>
+    </p:tnLst>
+  </p:timing>
+</p:sld>
+</file>
+
+<file path=ppt/slides/slide12.xml><?xml version="1.0" encoding="utf-8"?>
+<p:sld xmlns:a="http://schemas.openxmlformats.org/drawingml/2006/main" xmlns:r="http://schemas.openxmlformats.org/officeDocument/2006/relationships" xmlns:p="http://schemas.openxmlformats.org/presentationml/2006/main">
+  <p:cSld>
+    <p:bg>
+      <p:bgPr>
+        <a:solidFill>
+          <a:schemeClr val="bg1"/>
+        </a:solidFill>
+        <a:effectLst/>
+      </p:bgPr>
+    </p:bg>
+    <p:spTree>
+      <p:nvGrpSpPr>
+        <p:cNvPr id="1" name=""/>
+        <p:cNvGrpSpPr/>
+        <p:nvPr/>
+      </p:nvGrpSpPr>
+      <p:grpSpPr>
+        <a:xfrm>
+          <a:off x="0" y="0"/>
+          <a:ext cx="0" cy="0"/>
+          <a:chOff x="0" y="0"/>
+          <a:chExt cx="0" cy="0"/>
+        </a:xfrm>
+      </p:grpSpPr>
+      <p:sp>
+        <p:nvSpPr>
+          <p:cNvPr id="6" name="Slide Number Placeholder 6"/>
+          <p:cNvSpPr>
+            <a:spLocks noGrp="1"/>
+          </p:cNvSpPr>
+          <p:nvPr>
+            <p:ph type="sldNum" sz="quarter" idx="12"/>
+          </p:nvPr>
+        </p:nvSpPr>
+        <p:spPr>
+          <a:xfrm>
+            <a:off x="10351008" y="292608"/>
+            <a:ext cx="838199" cy="767687"/>
+          </a:xfrm>
+        </p:spPr>
+        <p:txBody>
+          <a:bodyPr/>
+          <a:lstStyle/>
+          <a:p>
+            <a:r>
+              <a:rPr lang="en-US" dirty="0" smtClean="0"/>
+              <a:t>11</a:t>
+            </a:r>
+            <a:endParaRPr lang="en-US" dirty="0"/>
+          </a:p>
+        </p:txBody>
+      </p:sp>
+      <p:sp>
+        <p:nvSpPr>
+          <p:cNvPr id="8" name="TextBox 7"/>
+          <p:cNvSpPr txBox="1"/>
+          <p:nvPr/>
+        </p:nvSpPr>
+        <p:spPr>
+          <a:xfrm>
+            <a:off x="604448" y="537075"/>
+            <a:ext cx="9631233" cy="523220"/>
+          </a:xfrm>
+          <a:prstGeom prst="rect">
+            <a:avLst/>
+          </a:prstGeom>
+          <a:noFill/>
+        </p:spPr>
+        <p:txBody>
+          <a:bodyPr wrap="square" rtlCol="0">
+            <a:spAutoFit/>
+          </a:bodyPr>
+          <a:lstStyle/>
+          <a:p>
+            <a:r>
+              <a:rPr lang="en-US" sz="2800" dirty="0" smtClean="0">
+                <a:solidFill>
+                  <a:schemeClr val="bg1"/>
+                </a:solidFill>
+                <a:latin typeface="Segoe UI Light" panose="020B0502040204020203" pitchFamily="34" charset="0"/>
+                <a:cs typeface="Segoe UI Light" panose="020B0502040204020203" pitchFamily="34" charset="0"/>
+              </a:rPr>
+              <a:t>Features – </a:t>
+            </a:r>
+            <a:r>
+              <a:rPr lang="en-US" sz="2400" dirty="0" smtClean="0">
+                <a:solidFill>
+                  <a:schemeClr val="bg1"/>
+                </a:solidFill>
+                <a:latin typeface="Segoe UI Light" panose="020B0502040204020203" pitchFamily="34" charset="0"/>
+                <a:cs typeface="Segoe UI Light" panose="020B0502040204020203" pitchFamily="34" charset="0"/>
+              </a:rPr>
+              <a:t>Basics</a:t>
+            </a:r>
+            <a:r>
+              <a:rPr lang="en-US" sz="2400" dirty="0" smtClean="0">
+                <a:solidFill>
+                  <a:srgbClr val="FFFF00"/>
+                </a:solidFill>
+                <a:latin typeface="Segoe UI Light" panose="020B0502040204020203" pitchFamily="34" charset="0"/>
+                <a:cs typeface="Segoe UI Light" panose="020B0502040204020203" pitchFamily="34" charset="0"/>
+              </a:rPr>
+              <a:t> </a:t>
+            </a:r>
+            <a:r>
+              <a:rPr lang="en-US" sz="2400" dirty="0" smtClean="0">
+                <a:solidFill>
+                  <a:schemeClr val="bg1"/>
+                </a:solidFill>
+                <a:latin typeface="Segoe UI Light" panose="020B0502040204020203" pitchFamily="34" charset="0"/>
+                <a:cs typeface="Segoe UI Light" panose="020B0502040204020203" pitchFamily="34" charset="0"/>
+              </a:rPr>
+              <a:t>–</a:t>
+            </a:r>
+            <a:r>
+              <a:rPr lang="en-US" sz="2400" dirty="0" smtClean="0">
+                <a:solidFill>
+                  <a:srgbClr val="FFFF00"/>
+                </a:solidFill>
+                <a:latin typeface="Segoe UI Light" panose="020B0502040204020203" pitchFamily="34" charset="0"/>
+                <a:cs typeface="Segoe UI Light" panose="020B0502040204020203" pitchFamily="34" charset="0"/>
+              </a:rPr>
+              <a:t> </a:t>
+            </a:r>
+            <a:r>
+              <a:rPr lang="en-US" sz="1600" dirty="0" smtClean="0">
+                <a:solidFill>
+                  <a:srgbClr val="FFFF00"/>
+                </a:solidFill>
+                <a:latin typeface="Segoe UI Light" panose="020B0502040204020203" pitchFamily="34" charset="0"/>
+                <a:cs typeface="Segoe UI Light" panose="020B0502040204020203" pitchFamily="34" charset="0"/>
+              </a:rPr>
+              <a:t>Modules - Namespaces</a:t>
+            </a:r>
+            <a:endParaRPr lang="en-US" sz="1600" dirty="0">
+              <a:solidFill>
+                <a:srgbClr val="FFFF00"/>
+              </a:solidFill>
+              <a:latin typeface="Segoe UI Light" panose="020B0502040204020203" pitchFamily="34" charset="0"/>
+              <a:cs typeface="Segoe UI Light" panose="020B0502040204020203" pitchFamily="34" charset="0"/>
+            </a:endParaRPr>
+          </a:p>
+        </p:txBody>
+      </p:sp>
+      <p:sp>
+        <p:nvSpPr>
+          <p:cNvPr id="10" name="TextBox 9"/>
+          <p:cNvSpPr txBox="1"/>
+          <p:nvPr/>
+        </p:nvSpPr>
+        <p:spPr>
+          <a:xfrm>
+            <a:off x="1054554" y="1388221"/>
+            <a:ext cx="3390900" cy="646331"/>
+          </a:xfrm>
+          <a:prstGeom prst="rect">
+            <a:avLst/>
+          </a:prstGeom>
+          <a:noFill/>
+        </p:spPr>
+        <p:txBody>
+          <a:bodyPr wrap="square" rtlCol="0">
+            <a:spAutoFit/>
+          </a:bodyPr>
+          <a:lstStyle/>
+          <a:p>
+            <a:pPr>
+              <a:buClr>
+                <a:srgbClr val="FFFF00"/>
+              </a:buClr>
+            </a:pPr>
+            <a:endParaRPr lang="en-US" dirty="0" smtClean="0">
+              <a:solidFill>
+                <a:schemeClr val="bg1"/>
+              </a:solidFill>
+              <a:latin typeface="Segoe UI Light" panose="020B0502040204020203" pitchFamily="34" charset="0"/>
+              <a:cs typeface="Segoe UI Light" panose="020B0502040204020203" pitchFamily="34" charset="0"/>
+            </a:endParaRPr>
+          </a:p>
+          <a:p>
+            <a:pPr>
+              <a:buClr>
+                <a:srgbClr val="FFFF00"/>
+              </a:buClr>
+            </a:pPr>
+            <a:endParaRPr lang="en-US" dirty="0" smtClean="0">
+              <a:solidFill>
+                <a:schemeClr val="bg1"/>
+              </a:solidFill>
+              <a:latin typeface="Segoe UI Light" panose="020B0502040204020203" pitchFamily="34" charset="0"/>
+              <a:cs typeface="Segoe UI Light" panose="020B0502040204020203" pitchFamily="34" charset="0"/>
+            </a:endParaRPr>
+          </a:p>
+        </p:txBody>
+      </p:sp>
+      <p:sp>
+        <p:nvSpPr>
+          <p:cNvPr id="9" name="Title 1"/>
+          <p:cNvSpPr>
+            <a:spLocks noGrp="1"/>
+          </p:cNvSpPr>
+          <p:nvPr>
+            <p:ph type="ctrTitle"/>
+          </p:nvPr>
+        </p:nvSpPr>
+        <p:spPr>
+          <a:xfrm>
+            <a:off x="9377266" y="6148873"/>
+            <a:ext cx="2313992" cy="220543"/>
+          </a:xfrm>
+        </p:spPr>
+        <p:txBody>
+          <a:bodyPr/>
+          <a:lstStyle/>
+          <a:p>
+            <a:pPr algn="ctr"/>
+            <a:r>
+              <a:rPr lang="en-US" sz="1100" b="1" dirty="0" smtClean="0">
+                <a:latin typeface="Segoe UI Light" panose="020B0502040204020203" pitchFamily="34" charset="0"/>
+                <a:cs typeface="Segoe UI Light" panose="020B0502040204020203" pitchFamily="34" charset="0"/>
+              </a:rPr>
+              <a:t>Type</a:t>
+            </a:r>
+            <a:r>
+              <a:rPr lang="en-US" sz="1100" dirty="0" smtClean="0">
+                <a:latin typeface="Segoe UI Light" panose="020B0502040204020203" pitchFamily="34" charset="0"/>
+                <a:cs typeface="Segoe UI Light" panose="020B0502040204020203" pitchFamily="34" charset="0"/>
+              </a:rPr>
+              <a:t>Script – </a:t>
+            </a:r>
+            <a:r>
+              <a:rPr lang="en-US" sz="1100" dirty="0" smtClean="0">
+                <a:solidFill>
+                  <a:srgbClr val="FFFF00"/>
+                </a:solidFill>
+                <a:latin typeface="Segoe UI Light" panose="020B0502040204020203" pitchFamily="34" charset="0"/>
+                <a:cs typeface="Segoe UI Light" panose="020B0502040204020203" pitchFamily="34" charset="0"/>
+              </a:rPr>
+              <a:t>www.typescriptlang.org</a:t>
+            </a:r>
+            <a:endParaRPr lang="en-US" sz="1100" dirty="0">
+              <a:solidFill>
+                <a:srgbClr val="FFFF00"/>
+              </a:solidFill>
+              <a:latin typeface="Segoe UI Light" panose="020B0502040204020203" pitchFamily="34" charset="0"/>
+              <a:cs typeface="Segoe UI Light" panose="020B0502040204020203" pitchFamily="34" charset="0"/>
+            </a:endParaRPr>
+          </a:p>
+        </p:txBody>
+      </p:sp>
+      <p:sp>
+        <p:nvSpPr>
+          <p:cNvPr id="5" name="TextBox 4"/>
+          <p:cNvSpPr txBox="1"/>
+          <p:nvPr/>
+        </p:nvSpPr>
+        <p:spPr>
+          <a:xfrm>
+            <a:off x="1219200" y="1290027"/>
+            <a:ext cx="8648700" cy="2585323"/>
+          </a:xfrm>
+          <a:prstGeom prst="rect">
+            <a:avLst/>
+          </a:prstGeom>
+          <a:noFill/>
+        </p:spPr>
+        <p:txBody>
+          <a:bodyPr wrap="square" rtlCol="0">
+            <a:spAutoFit/>
+          </a:bodyPr>
+          <a:lstStyle/>
+          <a:p>
+            <a:pPr marL="285750" indent="-285750">
+              <a:buClr>
+                <a:srgbClr val="FFFF00"/>
+              </a:buClr>
+              <a:buFont typeface="Arial" panose="020B0604020202020204" pitchFamily="34" charset="0"/>
+              <a:buChar char="•"/>
+            </a:pPr>
+            <a:r>
+              <a:rPr lang="en-US" dirty="0" smtClean="0">
+                <a:solidFill>
+                  <a:schemeClr val="bg1"/>
+                </a:solidFill>
+                <a:latin typeface="Segoe UI Light" panose="020B0502040204020203" pitchFamily="34" charset="0"/>
+                <a:cs typeface="Segoe UI Light" panose="020B0502040204020203" pitchFamily="34" charset="0"/>
+              </a:rPr>
+              <a:t>Only exporting a single class or function , use </a:t>
+            </a:r>
+            <a:r>
+              <a:rPr lang="en-US" i="1" dirty="0" smtClean="0">
+                <a:solidFill>
+                  <a:srgbClr val="FFFF00"/>
+                </a:solidFill>
+                <a:latin typeface="Segoe UI Light" panose="020B0502040204020203" pitchFamily="34" charset="0"/>
+                <a:cs typeface="Segoe UI Light" panose="020B0502040204020203" pitchFamily="34" charset="0"/>
+              </a:rPr>
+              <a:t>export default</a:t>
+            </a:r>
+          </a:p>
+          <a:p>
+            <a:pPr marL="285750" indent="-285750">
+              <a:buClr>
+                <a:srgbClr val="FFFF00"/>
+              </a:buClr>
+              <a:buFont typeface="Arial" panose="020B0604020202020204" pitchFamily="34" charset="0"/>
+              <a:buChar char="•"/>
+            </a:pPr>
+            <a:endParaRPr lang="en-US" i="1" dirty="0">
+              <a:solidFill>
+                <a:srgbClr val="FFFF00"/>
+              </a:solidFill>
+              <a:latin typeface="Segoe UI Light" panose="020B0502040204020203" pitchFamily="34" charset="0"/>
+              <a:cs typeface="Segoe UI Light" panose="020B0502040204020203" pitchFamily="34" charset="0"/>
+            </a:endParaRPr>
+          </a:p>
+          <a:p>
+            <a:pPr marL="285750" indent="-285750">
+              <a:buClr>
+                <a:srgbClr val="FFFF00"/>
+              </a:buClr>
+              <a:buFont typeface="Arial" panose="020B0604020202020204" pitchFamily="34" charset="0"/>
+              <a:buChar char="•"/>
+            </a:pPr>
+            <a:r>
+              <a:rPr lang="en-US" dirty="0" smtClean="0">
+                <a:solidFill>
+                  <a:schemeClr val="bg1"/>
+                </a:solidFill>
+                <a:latin typeface="Segoe UI Light" panose="020B0502040204020203" pitchFamily="34" charset="0"/>
+                <a:cs typeface="Segoe UI Light" panose="020B0502040204020203" pitchFamily="34" charset="0"/>
+              </a:rPr>
+              <a:t>Exporting multiple objects, put them all at top-level</a:t>
+            </a:r>
+          </a:p>
+          <a:p>
+            <a:pPr marL="285750" indent="-285750">
+              <a:buClr>
+                <a:srgbClr val="FFFF00"/>
+              </a:buClr>
+              <a:buFont typeface="Arial" panose="020B0604020202020204" pitchFamily="34" charset="0"/>
+              <a:buChar char="•"/>
+            </a:pPr>
+            <a:endParaRPr lang="en-US" dirty="0" smtClean="0">
+              <a:solidFill>
+                <a:schemeClr val="bg1"/>
+              </a:solidFill>
+              <a:latin typeface="Segoe UI Light" panose="020B0502040204020203" pitchFamily="34" charset="0"/>
+              <a:cs typeface="Segoe UI Light" panose="020B0502040204020203" pitchFamily="34" charset="0"/>
+            </a:endParaRPr>
+          </a:p>
+          <a:p>
+            <a:pPr marL="285750" indent="-285750">
+              <a:buClr>
+                <a:srgbClr val="FFFF00"/>
+              </a:buClr>
+              <a:buFont typeface="Arial" panose="020B0604020202020204" pitchFamily="34" charset="0"/>
+              <a:buChar char="•"/>
+            </a:pPr>
+            <a:endParaRPr lang="en-US" dirty="0">
+              <a:solidFill>
+                <a:schemeClr val="bg1"/>
+              </a:solidFill>
+              <a:latin typeface="Segoe UI Light" panose="020B0502040204020203" pitchFamily="34" charset="0"/>
+              <a:cs typeface="Segoe UI Light" panose="020B0502040204020203" pitchFamily="34" charset="0"/>
+            </a:endParaRPr>
+          </a:p>
+          <a:p>
+            <a:pPr marL="285750" indent="-285750">
+              <a:buClr>
+                <a:srgbClr val="FFFF00"/>
+              </a:buClr>
+              <a:buFont typeface="Arial" panose="020B0604020202020204" pitchFamily="34" charset="0"/>
+              <a:buChar char="•"/>
+            </a:pPr>
+            <a:endParaRPr lang="en-US" dirty="0" smtClean="0">
+              <a:solidFill>
+                <a:schemeClr val="bg1"/>
+              </a:solidFill>
+              <a:latin typeface="Segoe UI Light" panose="020B0502040204020203" pitchFamily="34" charset="0"/>
+              <a:cs typeface="Segoe UI Light" panose="020B0502040204020203" pitchFamily="34" charset="0"/>
+            </a:endParaRPr>
+          </a:p>
+          <a:p>
+            <a:pPr>
+              <a:buClr>
+                <a:srgbClr val="FFFF00"/>
+              </a:buClr>
+            </a:pPr>
+            <a:endParaRPr lang="en-US" dirty="0" smtClean="0">
+              <a:solidFill>
+                <a:schemeClr val="bg1"/>
+              </a:solidFill>
+              <a:latin typeface="Segoe UI Light" panose="020B0502040204020203" pitchFamily="34" charset="0"/>
+              <a:cs typeface="Segoe UI Light" panose="020B0502040204020203" pitchFamily="34" charset="0"/>
+            </a:endParaRPr>
+          </a:p>
+          <a:p>
+            <a:pPr marL="285750" indent="-285750">
+              <a:buClr>
+                <a:srgbClr val="FFFF00"/>
+              </a:buClr>
+              <a:buFont typeface="Arial" panose="020B0604020202020204" pitchFamily="34" charset="0"/>
+              <a:buChar char="•"/>
+            </a:pPr>
+            <a:r>
+              <a:rPr lang="en-US" dirty="0" smtClean="0">
+                <a:solidFill>
+                  <a:schemeClr val="bg1"/>
+                </a:solidFill>
+                <a:latin typeface="Segoe UI Light" panose="020B0502040204020203" pitchFamily="34" charset="0"/>
+                <a:cs typeface="Segoe UI Light" panose="020B0502040204020203" pitchFamily="34" charset="0"/>
+              </a:rPr>
+              <a:t>Exporting a large number of things, should use the </a:t>
+            </a:r>
+            <a:r>
+              <a:rPr lang="en-US" i="1" dirty="0" smtClean="0">
+                <a:solidFill>
+                  <a:srgbClr val="FFFF00"/>
+                </a:solidFill>
+                <a:latin typeface="Segoe UI Light" panose="020B0502040204020203" pitchFamily="34" charset="0"/>
+                <a:cs typeface="Segoe UI Light" panose="020B0502040204020203" pitchFamily="34" charset="0"/>
+              </a:rPr>
+              <a:t>module/namespace</a:t>
+            </a:r>
+          </a:p>
+          <a:p>
+            <a:pPr>
+              <a:buClr>
+                <a:srgbClr val="FFFF00"/>
+              </a:buClr>
+            </a:pPr>
+            <a:endParaRPr lang="en-US" dirty="0">
+              <a:solidFill>
+                <a:schemeClr val="bg1"/>
+              </a:solidFill>
+              <a:latin typeface="Segoe UI Light" panose="020B0502040204020203" pitchFamily="34" charset="0"/>
+              <a:cs typeface="Segoe UI Light" panose="020B0502040204020203" pitchFamily="34" charset="0"/>
+            </a:endParaRPr>
+          </a:p>
+        </p:txBody>
+      </p:sp>
+      <p:pic>
+        <p:nvPicPr>
+          <p:cNvPr id="2" name="Picture 1"/>
+          <p:cNvPicPr>
+            <a:picLocks noChangeAspect="1"/>
+          </p:cNvPicPr>
+          <p:nvPr/>
+        </p:nvPicPr>
+        <p:blipFill>
+          <a:blip r:embed="rId2"/>
+          <a:stretch>
+            <a:fillRect/>
+          </a:stretch>
+        </p:blipFill>
+        <p:spPr>
+          <a:xfrm>
+            <a:off x="3548401" y="2304706"/>
+            <a:ext cx="3743325" cy="790575"/>
+          </a:xfrm>
+          <a:prstGeom prst="rect">
+            <a:avLst/>
+          </a:prstGeom>
+        </p:spPr>
+      </p:pic>
+      <p:pic>
+        <p:nvPicPr>
+          <p:cNvPr id="3" name="Picture 2"/>
+          <p:cNvPicPr>
+            <a:picLocks noChangeAspect="1"/>
+          </p:cNvPicPr>
+          <p:nvPr/>
+        </p:nvPicPr>
+        <p:blipFill>
+          <a:blip r:embed="rId3"/>
+          <a:stretch>
+            <a:fillRect/>
+          </a:stretch>
+        </p:blipFill>
+        <p:spPr>
+          <a:xfrm>
+            <a:off x="1771988" y="3609887"/>
+            <a:ext cx="3552825" cy="2371725"/>
+          </a:xfrm>
+          <a:prstGeom prst="rect">
+            <a:avLst/>
+          </a:prstGeom>
+        </p:spPr>
+      </p:pic>
+      <p:pic>
+        <p:nvPicPr>
+          <p:cNvPr id="4" name="Picture 3"/>
+          <p:cNvPicPr>
+            <a:picLocks noChangeAspect="1"/>
+          </p:cNvPicPr>
+          <p:nvPr/>
+        </p:nvPicPr>
+        <p:blipFill>
+          <a:blip r:embed="rId4"/>
+          <a:stretch>
+            <a:fillRect/>
+          </a:stretch>
+        </p:blipFill>
+        <p:spPr>
+          <a:xfrm>
+            <a:off x="5543550" y="3609887"/>
+            <a:ext cx="4105275" cy="466725"/>
+          </a:xfrm>
+          <a:prstGeom prst="rect">
+            <a:avLst/>
+          </a:prstGeom>
+        </p:spPr>
+      </p:pic>
+    </p:spTree>
+    <p:extLst>
+      <p:ext uri="{BB962C8B-B14F-4D97-AF65-F5344CB8AC3E}">
+        <p14:creationId xmlns:p14="http://schemas.microsoft.com/office/powerpoint/2010/main" val="2509635462"/>
+      </p:ext>
+    </p:extLst>
+  </p:cSld>
+  <p:clrMapOvr>
+    <a:masterClrMapping/>
+  </p:clrMapOvr>
+  <p:timing>
+    <p:tnLst>
+      <p:par>
+        <p:cTn id="1" dur="indefinite" restart="never" nodeType="tmRoot">
+          <p:childTnLst>
+            <p:seq concurrent="1" nextAc="seek">
+              <p:cTn id="2" dur="indefinite" nodeType="mainSeq">
+                <p:childTnLst>
+                  <p:par>
+                    <p:cTn id="3" fill="hold">
+                      <p:stCondLst>
+                        <p:cond delay="indefinite"/>
+                      </p:stCondLst>
+                      <p:childTnLst>
+                        <p:par>
+                          <p:cTn id="4" fill="hold">
+                            <p:stCondLst>
+                              <p:cond delay="0"/>
+                            </p:stCondLst>
+                            <p:childTnLst>
+                              <p:par>
+                                <p:cTn id="5" presetID="1" presetClass="entr" presetSubtype="0" fill="hold" nodeType="clickEffect">
+                                  <p:stCondLst>
+                                    <p:cond delay="0"/>
+                                  </p:stCondLst>
+                                  <p:childTnLst>
+                                    <p:set>
+                                      <p:cBhvr>
+                                        <p:cTn id="6" dur="1" fill="hold">
+                                          <p:stCondLst>
+                                            <p:cond delay="0"/>
+                                          </p:stCondLst>
+                                        </p:cTn>
+                                        <p:tgtEl>
+                                          <p:spTgt spid="5">
+                                            <p:txEl>
+                                              <p:pRg st="0" end="0"/>
+                                            </p:txEl>
+                                          </p:spTgt>
+                                        </p:tgtEl>
+                                        <p:attrNameLst>
+                                          <p:attrName>style.visibility</p:attrName>
+                                        </p:attrNameLst>
+                                      </p:cBhvr>
+                                      <p:to>
+                                        <p:strVal val="visible"/>
+                                      </p:to>
+                                    </p:set>
+                                  </p:childTnLst>
+                                </p:cTn>
+                              </p:par>
+                            </p:childTnLst>
+                          </p:cTn>
+                        </p:par>
+                      </p:childTnLst>
+                    </p:cTn>
+                  </p:par>
+                  <p:par>
+                    <p:cTn id="7" fill="hold">
+                      <p:stCondLst>
+                        <p:cond delay="indefinite"/>
+                      </p:stCondLst>
+                      <p:childTnLst>
+                        <p:par>
+                          <p:cTn id="8" fill="hold">
+                            <p:stCondLst>
+                              <p:cond delay="0"/>
+                            </p:stCondLst>
+                            <p:childTnLst>
+                              <p:par>
+                                <p:cTn id="9" presetID="1" presetClass="entr" presetSubtype="0" fill="hold" nodeType="clickEffect">
+                                  <p:stCondLst>
+                                    <p:cond delay="0"/>
+                                  </p:stCondLst>
+                                  <p:childTnLst>
+                                    <p:set>
+                                      <p:cBhvr>
+                                        <p:cTn id="10" dur="1" fill="hold">
+                                          <p:stCondLst>
+                                            <p:cond delay="0"/>
+                                          </p:stCondLst>
+                                        </p:cTn>
+                                        <p:tgtEl>
+                                          <p:spTgt spid="5">
+                                            <p:txEl>
+                                              <p:pRg st="2" end="2"/>
+                                            </p:txEl>
+                                          </p:spTgt>
+                                        </p:tgtEl>
+                                        <p:attrNameLst>
+                                          <p:attrName>style.visibility</p:attrName>
+                                        </p:attrNameLst>
+                                      </p:cBhvr>
+                                      <p:to>
+                                        <p:strVal val="visible"/>
+                                      </p:to>
+                                    </p:set>
+                                  </p:childTnLst>
+                                </p:cTn>
+                              </p:par>
+                              <p:par>
+                                <p:cTn id="11" presetID="1" presetClass="entr" presetSubtype="0" fill="hold" nodeType="withEffect">
+                                  <p:stCondLst>
+                                    <p:cond delay="0"/>
+                                  </p:stCondLst>
+                                  <p:childTnLst>
+                                    <p:set>
+                                      <p:cBhvr>
+                                        <p:cTn id="12" dur="1" fill="hold">
+                                          <p:stCondLst>
+                                            <p:cond delay="0"/>
+                                          </p:stCondLst>
+                                        </p:cTn>
+                                        <p:tgtEl>
+                                          <p:spTgt spid="2"/>
+                                        </p:tgtEl>
+                                        <p:attrNameLst>
+                                          <p:attrName>style.visibility</p:attrName>
+                                        </p:attrNameLst>
+                                      </p:cBhvr>
+                                      <p:to>
+                                        <p:strVal val="visible"/>
+                                      </p:to>
+                                    </p:set>
+                                  </p:childTnLst>
+                                </p:cTn>
+                              </p:par>
+                            </p:childTnLst>
+                          </p:cTn>
+                        </p:par>
+                      </p:childTnLst>
+                    </p:cTn>
+                  </p:par>
+                  <p:par>
+                    <p:cTn id="13" fill="hold">
+                      <p:stCondLst>
+                        <p:cond delay="indefinite"/>
+                      </p:stCondLst>
+                      <p:childTnLst>
+                        <p:par>
+                          <p:cTn id="14" fill="hold">
+                            <p:stCondLst>
+                              <p:cond delay="0"/>
+                            </p:stCondLst>
+                            <p:childTnLst>
+                              <p:par>
+                                <p:cTn id="15" presetID="1" presetClass="entr" presetSubtype="0" fill="hold" nodeType="clickEffect">
+                                  <p:stCondLst>
+                                    <p:cond delay="0"/>
+                                  </p:stCondLst>
+                                  <p:childTnLst>
+                                    <p:set>
+                                      <p:cBhvr>
+                                        <p:cTn id="16" dur="1" fill="hold">
+                                          <p:stCondLst>
+                                            <p:cond delay="0"/>
+                                          </p:stCondLst>
+                                        </p:cTn>
+                                        <p:tgtEl>
+                                          <p:spTgt spid="5">
+                                            <p:txEl>
+                                              <p:pRg st="7" end="7"/>
+                                            </p:txEl>
+                                          </p:spTgt>
+                                        </p:tgtEl>
+                                        <p:attrNameLst>
+                                          <p:attrName>style.visibility</p:attrName>
+                                        </p:attrNameLst>
+                                      </p:cBhvr>
+                                      <p:to>
+                                        <p:strVal val="visible"/>
+                                      </p:to>
+                                    </p:set>
+                                  </p:childTnLst>
+                                </p:cTn>
+                              </p:par>
+                              <p:par>
+                                <p:cTn id="17" presetID="1" presetClass="entr" presetSubtype="0" fill="hold" nodeType="withEffect">
+                                  <p:stCondLst>
+                                    <p:cond delay="0"/>
+                                  </p:stCondLst>
+                                  <p:childTnLst>
+                                    <p:set>
+                                      <p:cBhvr>
+                                        <p:cTn id="18" dur="1" fill="hold">
+                                          <p:stCondLst>
+                                            <p:cond delay="0"/>
+                                          </p:stCondLst>
+                                        </p:cTn>
+                                        <p:tgtEl>
+                                          <p:spTgt spid="4"/>
+                                        </p:tgtEl>
+                                        <p:attrNameLst>
+                                          <p:attrName>style.visibility</p:attrName>
+                                        </p:attrNameLst>
+                                      </p:cBhvr>
+                                      <p:to>
+                                        <p:strVal val="visible"/>
+                                      </p:to>
+                                    </p:set>
+                                  </p:childTnLst>
+                                </p:cTn>
+                              </p:par>
+                              <p:par>
+                                <p:cTn id="19" presetID="1" presetClass="entr" presetSubtype="0" fill="hold" nodeType="withEffect">
+                                  <p:stCondLst>
+                                    <p:cond delay="0"/>
+                                  </p:stCondLst>
+                                  <p:childTnLst>
+                                    <p:set>
+                                      <p:cBhvr>
+                                        <p:cTn id="20" dur="1" fill="hold">
+                                          <p:stCondLst>
+                                            <p:cond delay="0"/>
+                                          </p:stCondLst>
+                                        </p:cTn>
+                                        <p:tgtEl>
+                                          <p:spTgt spid="3"/>
+                                        </p:tgtEl>
+                                        <p:attrNameLst>
+                                          <p:attrName>style.visibility</p:attrName>
+                                        </p:attrNameLst>
+                                      </p:cBhvr>
+                                      <p:to>
+                                        <p:strVal val="visible"/>
+                                      </p:to>
+                                    </p:set>
+                                  </p:childTnLst>
+                                </p:cTn>
+                              </p:par>
+                            </p:childTnLst>
+                          </p:cTn>
+                        </p:par>
+                      </p:childTnLst>
+                    </p:cTn>
+                  </p:par>
+                </p:childTnLst>
+              </p:cTn>
+              <p:prevCondLst>
+                <p:cond evt="onPrev" delay="0">
+                  <p:tgtEl>
+                    <p:sldTgt/>
+                  </p:tgtEl>
+                </p:cond>
+              </p:prevCondLst>
+              <p:nextCondLst>
+                <p:cond evt="onNext" delay="0">
+                  <p:tgtEl>
+                    <p:sldTgt/>
+                  </p:tgtEl>
+                </p:cond>
+              </p:nextCondLst>
+            </p:seq>
+          </p:childTnLst>
+        </p:cTn>
       </p:par>
     </p:tnLst>
   </p:timing>
@@ -13027,23 +14806,49 @@
             </a:r>
           </a:p>
           <a:p>
-            <a:pPr marL="342900" indent="-342900">
+            <a:pPr marL="914400" lvl="1" indent="-457200" algn="l">
               <a:buClr>
                 <a:srgbClr val="FFFF00"/>
               </a:buClr>
               <a:buFont typeface="Wingdings" panose="05000000000000000000" pitchFamily="2" charset="2"/>
-              <a:buChar char="Ø"/>
+              <a:buChar char="§"/>
             </a:pPr>
             <a:r>
-              <a:rPr lang="en-US" sz="2400" dirty="0">
+              <a:rPr lang="en-US" sz="1800" dirty="0" smtClean="0">
                 <a:solidFill>
                   <a:schemeClr val="bg1"/>
                 </a:solidFill>
                 <a:latin typeface="Segoe UI Light" panose="020B0502040204020203" pitchFamily="34" charset="0"/>
                 <a:cs typeface="Segoe UI Light" panose="020B0502040204020203" pitchFamily="34" charset="0"/>
               </a:rPr>
-              <a:t>Pros and cons</a:t>
-            </a:r>
+              <a:t>Basics</a:t>
+            </a:r>
+          </a:p>
+          <a:p>
+            <a:pPr marL="914400" lvl="1" indent="-457200" algn="l">
+              <a:buClr>
+                <a:srgbClr val="FFFF00"/>
+              </a:buClr>
+              <a:buFont typeface="Wingdings" panose="05000000000000000000" pitchFamily="2" charset="2"/>
+              <a:buChar char="§"/>
+            </a:pPr>
+            <a:r>
+              <a:rPr lang="en-US" sz="1800" dirty="0" smtClean="0">
+                <a:solidFill>
+                  <a:schemeClr val="bg1"/>
+                </a:solidFill>
+                <a:latin typeface="Segoe UI Light" panose="020B0502040204020203" pitchFamily="34" charset="0"/>
+                <a:cs typeface="Segoe UI Light" panose="020B0502040204020203" pitchFamily="34" charset="0"/>
+              </a:rPr>
+              <a:t>Advanced</a:t>
+            </a:r>
+            <a:endParaRPr lang="en-US" sz="1800" dirty="0">
+              <a:solidFill>
+                <a:schemeClr val="bg1"/>
+              </a:solidFill>
+              <a:latin typeface="Segoe UI Light" panose="020B0502040204020203" pitchFamily="34" charset="0"/>
+              <a:cs typeface="Segoe UI Light" panose="020B0502040204020203" pitchFamily="34" charset="0"/>
+            </a:endParaRPr>
           </a:p>
           <a:p>
             <a:endParaRPr lang="en-US" dirty="0">
@@ -13146,7 +14951,6 @@
               <a:rPr lang="en-US" dirty="0"/>
               <a:t>3</a:t>
             </a:r>
-            <a:endParaRPr lang="en-US" dirty="0"/>
           </a:p>
         </p:txBody>
       </p:sp>
@@ -13440,13 +15244,6 @@
               </a:rPr>
               <a:t>.....</a:t>
             </a:r>
-            <a:endParaRPr lang="en-US" sz="1400" dirty="0">
-              <a:solidFill>
-                <a:schemeClr val="bg1"/>
-              </a:solidFill>
-              <a:latin typeface="Segoe UI Light" panose="020B0502040204020203" pitchFamily="34" charset="0"/>
-              <a:cs typeface="Segoe UI Light" panose="020B0502040204020203" pitchFamily="34" charset="0"/>
-            </a:endParaRPr>
           </a:p>
           <a:p>
             <a:pPr>
@@ -14099,17 +15896,7 @@
                 <a:latin typeface="Segoe UI Light" panose="020B0502040204020203" pitchFamily="34" charset="0"/>
                 <a:cs typeface="Segoe UI Light" panose="020B0502040204020203" pitchFamily="34" charset="0"/>
               </a:rPr>
-              <a:t>Statically identify constructs that are likely to be </a:t>
-            </a:r>
-            <a:r>
-              <a:rPr lang="en-US" dirty="0">
-                <a:solidFill>
-                  <a:schemeClr val="bg1"/>
-                </a:solidFill>
-                <a:latin typeface="Segoe UI Light" panose="020B0502040204020203" pitchFamily="34" charset="0"/>
-                <a:cs typeface="Segoe UI Light" panose="020B0502040204020203" pitchFamily="34" charset="0"/>
-              </a:rPr>
-              <a:t>errors</a:t>
+              <a:t>Statically identify constructs that are likely to be errors</a:t>
             </a:r>
           </a:p>
           <a:p>
@@ -15304,13 +17091,6 @@
               </a:rPr>
               <a:t>Typing for NPM packages</a:t>
             </a:r>
-            <a:endParaRPr lang="en-US" dirty="0">
-              <a:solidFill>
-                <a:schemeClr val="bg1"/>
-              </a:solidFill>
-              <a:latin typeface="Segoe UI Light" panose="020B0502040204020203" pitchFamily="34" charset="0"/>
-              <a:cs typeface="Segoe UI Light" panose="020B0502040204020203" pitchFamily="34" charset="0"/>
-            </a:endParaRPr>
           </a:p>
           <a:p>
             <a:pPr>
@@ -15561,7 +17341,6 @@
               <a:rPr lang="en-US" dirty="0"/>
               <a:t>6</a:t>
             </a:r>
-            <a:endParaRPr lang="en-US" dirty="0"/>
           </a:p>
         </p:txBody>
       </p:sp>
@@ -18077,6 +19856,809 @@
 </p:sld>
 </file>
 
+<file path=ppt/slides/slide8.xml><?xml version="1.0" encoding="utf-8"?>
+<p:sld xmlns:a="http://schemas.openxmlformats.org/drawingml/2006/main" xmlns:r="http://schemas.openxmlformats.org/officeDocument/2006/relationships" xmlns:p="http://schemas.openxmlformats.org/presentationml/2006/main">
+  <p:cSld>
+    <p:bg>
+      <p:bgPr>
+        <a:solidFill>
+          <a:schemeClr val="bg1"/>
+        </a:solidFill>
+        <a:effectLst/>
+      </p:bgPr>
+    </p:bg>
+    <p:spTree>
+      <p:nvGrpSpPr>
+        <p:cNvPr id="1" name=""/>
+        <p:cNvGrpSpPr/>
+        <p:nvPr/>
+      </p:nvGrpSpPr>
+      <p:grpSpPr>
+        <a:xfrm>
+          <a:off x="0" y="0"/>
+          <a:ext cx="0" cy="0"/>
+          <a:chOff x="0" y="0"/>
+          <a:chExt cx="0" cy="0"/>
+        </a:xfrm>
+      </p:grpSpPr>
+      <p:sp>
+        <p:nvSpPr>
+          <p:cNvPr id="6" name="Slide Number Placeholder 6"/>
+          <p:cNvSpPr>
+            <a:spLocks noGrp="1"/>
+          </p:cNvSpPr>
+          <p:nvPr>
+            <p:ph type="sldNum" sz="quarter" idx="12"/>
+          </p:nvPr>
+        </p:nvSpPr>
+        <p:spPr>
+          <a:xfrm>
+            <a:off x="10351008" y="292608"/>
+            <a:ext cx="838199" cy="767687"/>
+          </a:xfrm>
+        </p:spPr>
+        <p:txBody>
+          <a:bodyPr/>
+          <a:lstStyle/>
+          <a:p>
+            <a:r>
+              <a:rPr lang="en-US" dirty="0"/>
+              <a:t>8</a:t>
+            </a:r>
+            <a:endParaRPr lang="en-US" dirty="0"/>
+          </a:p>
+        </p:txBody>
+      </p:sp>
+      <p:sp>
+        <p:nvSpPr>
+          <p:cNvPr id="8" name="TextBox 7"/>
+          <p:cNvSpPr txBox="1"/>
+          <p:nvPr/>
+        </p:nvSpPr>
+        <p:spPr>
+          <a:xfrm>
+            <a:off x="604448" y="537075"/>
+            <a:ext cx="9631233" cy="523220"/>
+          </a:xfrm>
+          <a:prstGeom prst="rect">
+            <a:avLst/>
+          </a:prstGeom>
+          <a:noFill/>
+        </p:spPr>
+        <p:txBody>
+          <a:bodyPr wrap="square" rtlCol="0">
+            <a:spAutoFit/>
+          </a:bodyPr>
+          <a:lstStyle/>
+          <a:p>
+            <a:r>
+              <a:rPr lang="en-US" sz="2800" dirty="0" smtClean="0">
+                <a:solidFill>
+                  <a:schemeClr val="bg1"/>
+                </a:solidFill>
+                <a:latin typeface="Segoe UI Light" panose="020B0502040204020203" pitchFamily="34" charset="0"/>
+                <a:cs typeface="Segoe UI Light" panose="020B0502040204020203" pitchFamily="34" charset="0"/>
+              </a:rPr>
+              <a:t>Features – </a:t>
+            </a:r>
+            <a:r>
+              <a:rPr lang="en-US" sz="2400" dirty="0" smtClean="0">
+                <a:solidFill>
+                  <a:schemeClr val="bg1"/>
+                </a:solidFill>
+                <a:latin typeface="Segoe UI Light" panose="020B0502040204020203" pitchFamily="34" charset="0"/>
+                <a:cs typeface="Segoe UI Light" panose="020B0502040204020203" pitchFamily="34" charset="0"/>
+              </a:rPr>
+              <a:t>Basics</a:t>
+            </a:r>
+            <a:r>
+              <a:rPr lang="en-US" sz="2400" dirty="0" smtClean="0">
+                <a:solidFill>
+                  <a:srgbClr val="FFFF00"/>
+                </a:solidFill>
+                <a:latin typeface="Segoe UI Light" panose="020B0502040204020203" pitchFamily="34" charset="0"/>
+                <a:cs typeface="Segoe UI Light" panose="020B0502040204020203" pitchFamily="34" charset="0"/>
+              </a:rPr>
+              <a:t> </a:t>
+            </a:r>
+            <a:r>
+              <a:rPr lang="en-US" sz="2400" dirty="0" smtClean="0">
+                <a:solidFill>
+                  <a:schemeClr val="bg1"/>
+                </a:solidFill>
+                <a:latin typeface="Segoe UI Light" panose="020B0502040204020203" pitchFamily="34" charset="0"/>
+                <a:cs typeface="Segoe UI Light" panose="020B0502040204020203" pitchFamily="34" charset="0"/>
+              </a:rPr>
+              <a:t>–</a:t>
+            </a:r>
+            <a:r>
+              <a:rPr lang="en-US" sz="2400" dirty="0" smtClean="0">
+                <a:solidFill>
+                  <a:srgbClr val="FFFF00"/>
+                </a:solidFill>
+                <a:latin typeface="Segoe UI Light" panose="020B0502040204020203" pitchFamily="34" charset="0"/>
+                <a:cs typeface="Segoe UI Light" panose="020B0502040204020203" pitchFamily="34" charset="0"/>
+              </a:rPr>
+              <a:t> </a:t>
+            </a:r>
+            <a:r>
+              <a:rPr lang="en-US" sz="1600" dirty="0" smtClean="0">
+                <a:solidFill>
+                  <a:srgbClr val="FFFF00"/>
+                </a:solidFill>
+                <a:latin typeface="Segoe UI Light" panose="020B0502040204020203" pitchFamily="34" charset="0"/>
+                <a:cs typeface="Segoe UI Light" panose="020B0502040204020203" pitchFamily="34" charset="0"/>
+              </a:rPr>
+              <a:t>Classes</a:t>
+            </a:r>
+            <a:endParaRPr lang="en-US" sz="1600" dirty="0">
+              <a:solidFill>
+                <a:srgbClr val="FFFF00"/>
+              </a:solidFill>
+              <a:latin typeface="Segoe UI Light" panose="020B0502040204020203" pitchFamily="34" charset="0"/>
+              <a:cs typeface="Segoe UI Light" panose="020B0502040204020203" pitchFamily="34" charset="0"/>
+            </a:endParaRPr>
+          </a:p>
+        </p:txBody>
+      </p:sp>
+      <p:sp>
+        <p:nvSpPr>
+          <p:cNvPr id="10" name="TextBox 9"/>
+          <p:cNvSpPr txBox="1"/>
+          <p:nvPr/>
+        </p:nvSpPr>
+        <p:spPr>
+          <a:xfrm>
+            <a:off x="1045029" y="1526721"/>
+            <a:ext cx="3390900" cy="646331"/>
+          </a:xfrm>
+          <a:prstGeom prst="rect">
+            <a:avLst/>
+          </a:prstGeom>
+          <a:noFill/>
+        </p:spPr>
+        <p:txBody>
+          <a:bodyPr wrap="square" rtlCol="0">
+            <a:spAutoFit/>
+          </a:bodyPr>
+          <a:lstStyle/>
+          <a:p>
+            <a:pPr>
+              <a:buClr>
+                <a:srgbClr val="FFFF00"/>
+              </a:buClr>
+            </a:pPr>
+            <a:endParaRPr lang="en-US" dirty="0" smtClean="0">
+              <a:solidFill>
+                <a:schemeClr val="bg1"/>
+              </a:solidFill>
+              <a:latin typeface="Segoe UI Light" panose="020B0502040204020203" pitchFamily="34" charset="0"/>
+              <a:cs typeface="Segoe UI Light" panose="020B0502040204020203" pitchFamily="34" charset="0"/>
+            </a:endParaRPr>
+          </a:p>
+          <a:p>
+            <a:pPr>
+              <a:buClr>
+                <a:srgbClr val="FFFF00"/>
+              </a:buClr>
+            </a:pPr>
+            <a:endParaRPr lang="en-US" dirty="0" smtClean="0">
+              <a:solidFill>
+                <a:schemeClr val="bg1"/>
+              </a:solidFill>
+              <a:latin typeface="Segoe UI Light" panose="020B0502040204020203" pitchFamily="34" charset="0"/>
+              <a:cs typeface="Segoe UI Light" panose="020B0502040204020203" pitchFamily="34" charset="0"/>
+            </a:endParaRPr>
+          </a:p>
+        </p:txBody>
+      </p:sp>
+      <p:sp>
+        <p:nvSpPr>
+          <p:cNvPr id="9" name="Title 1"/>
+          <p:cNvSpPr>
+            <a:spLocks noGrp="1"/>
+          </p:cNvSpPr>
+          <p:nvPr>
+            <p:ph type="ctrTitle"/>
+          </p:nvPr>
+        </p:nvSpPr>
+        <p:spPr>
+          <a:xfrm>
+            <a:off x="9377266" y="6148873"/>
+            <a:ext cx="2313992" cy="220543"/>
+          </a:xfrm>
+        </p:spPr>
+        <p:txBody>
+          <a:bodyPr/>
+          <a:lstStyle/>
+          <a:p>
+            <a:pPr algn="ctr"/>
+            <a:r>
+              <a:rPr lang="en-US" sz="1100" b="1" dirty="0" smtClean="0">
+                <a:latin typeface="Segoe UI Light" panose="020B0502040204020203" pitchFamily="34" charset="0"/>
+                <a:cs typeface="Segoe UI Light" panose="020B0502040204020203" pitchFamily="34" charset="0"/>
+              </a:rPr>
+              <a:t>Type</a:t>
+            </a:r>
+            <a:r>
+              <a:rPr lang="en-US" sz="1100" dirty="0" smtClean="0">
+                <a:latin typeface="Segoe UI Light" panose="020B0502040204020203" pitchFamily="34" charset="0"/>
+                <a:cs typeface="Segoe UI Light" panose="020B0502040204020203" pitchFamily="34" charset="0"/>
+              </a:rPr>
+              <a:t>Script – </a:t>
+            </a:r>
+            <a:r>
+              <a:rPr lang="en-US" sz="1100" dirty="0" smtClean="0">
+                <a:solidFill>
+                  <a:srgbClr val="FFFF00"/>
+                </a:solidFill>
+                <a:latin typeface="Segoe UI Light" panose="020B0502040204020203" pitchFamily="34" charset="0"/>
+                <a:cs typeface="Segoe UI Light" panose="020B0502040204020203" pitchFamily="34" charset="0"/>
+              </a:rPr>
+              <a:t>www.typescriptlang.org</a:t>
+            </a:r>
+            <a:endParaRPr lang="en-US" sz="1100" dirty="0">
+              <a:solidFill>
+                <a:srgbClr val="FFFF00"/>
+              </a:solidFill>
+              <a:latin typeface="Segoe UI Light" panose="020B0502040204020203" pitchFamily="34" charset="0"/>
+              <a:cs typeface="Segoe UI Light" panose="020B0502040204020203" pitchFamily="34" charset="0"/>
+            </a:endParaRPr>
+          </a:p>
+        </p:txBody>
+      </p:sp>
+      <p:pic>
+        <p:nvPicPr>
+          <p:cNvPr id="2" name="Picture 1"/>
+          <p:cNvPicPr>
+            <a:picLocks noChangeAspect="1"/>
+          </p:cNvPicPr>
+          <p:nvPr/>
+        </p:nvPicPr>
+        <p:blipFill>
+          <a:blip r:embed="rId2"/>
+          <a:stretch>
+            <a:fillRect/>
+          </a:stretch>
+        </p:blipFill>
+        <p:spPr>
+          <a:xfrm>
+            <a:off x="1045029" y="1526721"/>
+            <a:ext cx="3390900" cy="2019300"/>
+          </a:xfrm>
+          <a:prstGeom prst="rect">
+            <a:avLst/>
+          </a:prstGeom>
+        </p:spPr>
+      </p:pic>
+      <p:pic>
+        <p:nvPicPr>
+          <p:cNvPr id="3" name="Picture 2"/>
+          <p:cNvPicPr>
+            <a:picLocks noChangeAspect="1"/>
+          </p:cNvPicPr>
+          <p:nvPr/>
+        </p:nvPicPr>
+        <p:blipFill>
+          <a:blip r:embed="rId3"/>
+          <a:stretch>
+            <a:fillRect/>
+          </a:stretch>
+        </p:blipFill>
+        <p:spPr>
+          <a:xfrm>
+            <a:off x="5952636" y="1866894"/>
+            <a:ext cx="4953000" cy="1076325"/>
+          </a:xfrm>
+          <a:prstGeom prst="rect">
+            <a:avLst/>
+          </a:prstGeom>
+        </p:spPr>
+      </p:pic>
+      <p:sp>
+        <p:nvSpPr>
+          <p:cNvPr id="4" name="TextBox 3"/>
+          <p:cNvSpPr txBox="1"/>
+          <p:nvPr/>
+        </p:nvSpPr>
+        <p:spPr>
+          <a:xfrm>
+            <a:off x="6781800" y="1278928"/>
+            <a:ext cx="2905125" cy="369332"/>
+          </a:xfrm>
+          <a:prstGeom prst="rect">
+            <a:avLst/>
+          </a:prstGeom>
+          <a:noFill/>
+        </p:spPr>
+        <p:txBody>
+          <a:bodyPr wrap="square" rtlCol="0">
+            <a:spAutoFit/>
+          </a:bodyPr>
+          <a:lstStyle/>
+          <a:p>
+            <a:r>
+              <a:rPr lang="en-US" dirty="0" smtClean="0">
+                <a:solidFill>
+                  <a:schemeClr val="bg1"/>
+                </a:solidFill>
+                <a:latin typeface="Segoe UI Light" panose="020B0502040204020203" pitchFamily="34" charset="0"/>
+                <a:cs typeface="Segoe UI Light" panose="020B0502040204020203" pitchFamily="34" charset="0"/>
+              </a:rPr>
+              <a:t>Parameter Properties</a:t>
+            </a:r>
+            <a:endParaRPr lang="en-US" dirty="0">
+              <a:solidFill>
+                <a:schemeClr val="bg1"/>
+              </a:solidFill>
+              <a:latin typeface="Segoe UI Light" panose="020B0502040204020203" pitchFamily="34" charset="0"/>
+              <a:cs typeface="Segoe UI Light" panose="020B0502040204020203" pitchFamily="34" charset="0"/>
+            </a:endParaRPr>
+          </a:p>
+        </p:txBody>
+      </p:sp>
+    </p:spTree>
+    <p:extLst>
+      <p:ext uri="{BB962C8B-B14F-4D97-AF65-F5344CB8AC3E}">
+        <p14:creationId xmlns:p14="http://schemas.microsoft.com/office/powerpoint/2010/main" val="3117746355"/>
+      </p:ext>
+    </p:extLst>
+  </p:cSld>
+  <p:clrMapOvr>
+    <a:masterClrMapping/>
+  </p:clrMapOvr>
+  <p:timing>
+    <p:tnLst>
+      <p:par>
+        <p:cTn id="1" dur="indefinite" restart="never" nodeType="tmRoot">
+          <p:childTnLst>
+            <p:seq concurrent="1" nextAc="seek">
+              <p:cTn id="2" dur="indefinite" nodeType="mainSeq">
+                <p:childTnLst>
+                  <p:par>
+                    <p:cTn id="3" fill="hold">
+                      <p:stCondLst>
+                        <p:cond delay="indefinite"/>
+                      </p:stCondLst>
+                      <p:childTnLst>
+                        <p:par>
+                          <p:cTn id="4" fill="hold">
+                            <p:stCondLst>
+                              <p:cond delay="0"/>
+                            </p:stCondLst>
+                            <p:childTnLst>
+                              <p:par>
+                                <p:cTn id="5" presetID="1" presetClass="entr" presetSubtype="0" fill="hold" grpId="0" nodeType="clickEffect">
+                                  <p:stCondLst>
+                                    <p:cond delay="0"/>
+                                  </p:stCondLst>
+                                  <p:childTnLst>
+                                    <p:set>
+                                      <p:cBhvr>
+                                        <p:cTn id="6" dur="1" fill="hold">
+                                          <p:stCondLst>
+                                            <p:cond delay="0"/>
+                                          </p:stCondLst>
+                                        </p:cTn>
+                                        <p:tgtEl>
+                                          <p:spTgt spid="4"/>
+                                        </p:tgtEl>
+                                        <p:attrNameLst>
+                                          <p:attrName>style.visibility</p:attrName>
+                                        </p:attrNameLst>
+                                      </p:cBhvr>
+                                      <p:to>
+                                        <p:strVal val="visible"/>
+                                      </p:to>
+                                    </p:set>
+                                  </p:childTnLst>
+                                </p:cTn>
+                              </p:par>
+                              <p:par>
+                                <p:cTn id="7" presetID="1" presetClass="entr" presetSubtype="0" fill="hold" nodeType="withEffect">
+                                  <p:stCondLst>
+                                    <p:cond delay="0"/>
+                                  </p:stCondLst>
+                                  <p:childTnLst>
+                                    <p:set>
+                                      <p:cBhvr>
+                                        <p:cTn id="8" dur="1" fill="hold">
+                                          <p:stCondLst>
+                                            <p:cond delay="0"/>
+                                          </p:stCondLst>
+                                        </p:cTn>
+                                        <p:tgtEl>
+                                          <p:spTgt spid="3"/>
+                                        </p:tgtEl>
+                                        <p:attrNameLst>
+                                          <p:attrName>style.visibility</p:attrName>
+                                        </p:attrNameLst>
+                                      </p:cBhvr>
+                                      <p:to>
+                                        <p:strVal val="visible"/>
+                                      </p:to>
+                                    </p:set>
+                                  </p:childTnLst>
+                                </p:cTn>
+                              </p:par>
+                            </p:childTnLst>
+                          </p:cTn>
+                        </p:par>
+                      </p:childTnLst>
+                    </p:cTn>
+                  </p:par>
+                </p:childTnLst>
+              </p:cTn>
+              <p:prevCondLst>
+                <p:cond evt="onPrev" delay="0">
+                  <p:tgtEl>
+                    <p:sldTgt/>
+                  </p:tgtEl>
+                </p:cond>
+              </p:prevCondLst>
+              <p:nextCondLst>
+                <p:cond evt="onNext" delay="0">
+                  <p:tgtEl>
+                    <p:sldTgt/>
+                  </p:tgtEl>
+                </p:cond>
+              </p:nextCondLst>
+            </p:seq>
+          </p:childTnLst>
+        </p:cTn>
+      </p:par>
+    </p:tnLst>
+    <p:bldLst>
+      <p:bldP spid="4" grpId="0"/>
+    </p:bldLst>
+  </p:timing>
+</p:sld>
+</file>
+
+<file path=ppt/slides/slide9.xml><?xml version="1.0" encoding="utf-8"?>
+<p:sld xmlns:a="http://schemas.openxmlformats.org/drawingml/2006/main" xmlns:r="http://schemas.openxmlformats.org/officeDocument/2006/relationships" xmlns:p="http://schemas.openxmlformats.org/presentationml/2006/main">
+  <p:cSld>
+    <p:bg>
+      <p:bgPr>
+        <a:solidFill>
+          <a:schemeClr val="bg1"/>
+        </a:solidFill>
+        <a:effectLst/>
+      </p:bgPr>
+    </p:bg>
+    <p:spTree>
+      <p:nvGrpSpPr>
+        <p:cNvPr id="1" name=""/>
+        <p:cNvGrpSpPr/>
+        <p:nvPr/>
+      </p:nvGrpSpPr>
+      <p:grpSpPr>
+        <a:xfrm>
+          <a:off x="0" y="0"/>
+          <a:ext cx="0" cy="0"/>
+          <a:chOff x="0" y="0"/>
+          <a:chExt cx="0" cy="0"/>
+        </a:xfrm>
+      </p:grpSpPr>
+      <p:sp>
+        <p:nvSpPr>
+          <p:cNvPr id="6" name="Slide Number Placeholder 6"/>
+          <p:cNvSpPr>
+            <a:spLocks noGrp="1"/>
+          </p:cNvSpPr>
+          <p:nvPr>
+            <p:ph type="sldNum" sz="quarter" idx="12"/>
+          </p:nvPr>
+        </p:nvSpPr>
+        <p:spPr>
+          <a:xfrm>
+            <a:off x="10351008" y="292608"/>
+            <a:ext cx="838199" cy="767687"/>
+          </a:xfrm>
+        </p:spPr>
+        <p:txBody>
+          <a:bodyPr/>
+          <a:lstStyle/>
+          <a:p>
+            <a:r>
+              <a:rPr lang="en-US" dirty="0"/>
+              <a:t>9</a:t>
+            </a:r>
+            <a:endParaRPr lang="en-US" dirty="0"/>
+          </a:p>
+        </p:txBody>
+      </p:sp>
+      <p:sp>
+        <p:nvSpPr>
+          <p:cNvPr id="8" name="TextBox 7"/>
+          <p:cNvSpPr txBox="1"/>
+          <p:nvPr/>
+        </p:nvSpPr>
+        <p:spPr>
+          <a:xfrm>
+            <a:off x="604448" y="537075"/>
+            <a:ext cx="9631233" cy="523220"/>
+          </a:xfrm>
+          <a:prstGeom prst="rect">
+            <a:avLst/>
+          </a:prstGeom>
+          <a:noFill/>
+        </p:spPr>
+        <p:txBody>
+          <a:bodyPr wrap="square" rtlCol="0">
+            <a:spAutoFit/>
+          </a:bodyPr>
+          <a:lstStyle/>
+          <a:p>
+            <a:r>
+              <a:rPr lang="en-US" sz="2800" dirty="0" smtClean="0">
+                <a:solidFill>
+                  <a:schemeClr val="bg1"/>
+                </a:solidFill>
+                <a:latin typeface="Segoe UI Light" panose="020B0502040204020203" pitchFamily="34" charset="0"/>
+                <a:cs typeface="Segoe UI Light" panose="020B0502040204020203" pitchFamily="34" charset="0"/>
+              </a:rPr>
+              <a:t>Features – </a:t>
+            </a:r>
+            <a:r>
+              <a:rPr lang="en-US" sz="2400" dirty="0" smtClean="0">
+                <a:solidFill>
+                  <a:schemeClr val="bg1"/>
+                </a:solidFill>
+                <a:latin typeface="Segoe UI Light" panose="020B0502040204020203" pitchFamily="34" charset="0"/>
+                <a:cs typeface="Segoe UI Light" panose="020B0502040204020203" pitchFamily="34" charset="0"/>
+              </a:rPr>
+              <a:t>Basics</a:t>
+            </a:r>
+            <a:r>
+              <a:rPr lang="en-US" sz="2400" dirty="0" smtClean="0">
+                <a:solidFill>
+                  <a:srgbClr val="FFFF00"/>
+                </a:solidFill>
+                <a:latin typeface="Segoe UI Light" panose="020B0502040204020203" pitchFamily="34" charset="0"/>
+                <a:cs typeface="Segoe UI Light" panose="020B0502040204020203" pitchFamily="34" charset="0"/>
+              </a:rPr>
+              <a:t> </a:t>
+            </a:r>
+            <a:r>
+              <a:rPr lang="en-US" sz="2400" dirty="0" smtClean="0">
+                <a:solidFill>
+                  <a:schemeClr val="bg1"/>
+                </a:solidFill>
+                <a:latin typeface="Segoe UI Light" panose="020B0502040204020203" pitchFamily="34" charset="0"/>
+                <a:cs typeface="Segoe UI Light" panose="020B0502040204020203" pitchFamily="34" charset="0"/>
+              </a:rPr>
+              <a:t>–</a:t>
+            </a:r>
+            <a:r>
+              <a:rPr lang="en-US" sz="2400" dirty="0" smtClean="0">
+                <a:solidFill>
+                  <a:srgbClr val="FFFF00"/>
+                </a:solidFill>
+                <a:latin typeface="Segoe UI Light" panose="020B0502040204020203" pitchFamily="34" charset="0"/>
+                <a:cs typeface="Segoe UI Light" panose="020B0502040204020203" pitchFamily="34" charset="0"/>
+              </a:rPr>
+              <a:t> </a:t>
+            </a:r>
+            <a:r>
+              <a:rPr lang="en-US" sz="1600" dirty="0" smtClean="0">
+                <a:solidFill>
+                  <a:srgbClr val="FFFF00"/>
+                </a:solidFill>
+                <a:latin typeface="Segoe UI Light" panose="020B0502040204020203" pitchFamily="34" charset="0"/>
+                <a:cs typeface="Segoe UI Light" panose="020B0502040204020203" pitchFamily="34" charset="0"/>
+              </a:rPr>
+              <a:t>Classes</a:t>
+            </a:r>
+            <a:endParaRPr lang="en-US" sz="1600" dirty="0">
+              <a:solidFill>
+                <a:srgbClr val="FFFF00"/>
+              </a:solidFill>
+              <a:latin typeface="Segoe UI Light" panose="020B0502040204020203" pitchFamily="34" charset="0"/>
+              <a:cs typeface="Segoe UI Light" panose="020B0502040204020203" pitchFamily="34" charset="0"/>
+            </a:endParaRPr>
+          </a:p>
+        </p:txBody>
+      </p:sp>
+      <p:sp>
+        <p:nvSpPr>
+          <p:cNvPr id="10" name="TextBox 9"/>
+          <p:cNvSpPr txBox="1"/>
+          <p:nvPr/>
+        </p:nvSpPr>
+        <p:spPr>
+          <a:xfrm>
+            <a:off x="1054554" y="1388221"/>
+            <a:ext cx="3390900" cy="646331"/>
+          </a:xfrm>
+          <a:prstGeom prst="rect">
+            <a:avLst/>
+          </a:prstGeom>
+          <a:noFill/>
+        </p:spPr>
+        <p:txBody>
+          <a:bodyPr wrap="square" rtlCol="0">
+            <a:spAutoFit/>
+          </a:bodyPr>
+          <a:lstStyle/>
+          <a:p>
+            <a:pPr>
+              <a:buClr>
+                <a:srgbClr val="FFFF00"/>
+              </a:buClr>
+            </a:pPr>
+            <a:endParaRPr lang="en-US" dirty="0" smtClean="0">
+              <a:solidFill>
+                <a:schemeClr val="bg1"/>
+              </a:solidFill>
+              <a:latin typeface="Segoe UI Light" panose="020B0502040204020203" pitchFamily="34" charset="0"/>
+              <a:cs typeface="Segoe UI Light" panose="020B0502040204020203" pitchFamily="34" charset="0"/>
+            </a:endParaRPr>
+          </a:p>
+          <a:p>
+            <a:pPr>
+              <a:buClr>
+                <a:srgbClr val="FFFF00"/>
+              </a:buClr>
+            </a:pPr>
+            <a:endParaRPr lang="en-US" dirty="0" smtClean="0">
+              <a:solidFill>
+                <a:schemeClr val="bg1"/>
+              </a:solidFill>
+              <a:latin typeface="Segoe UI Light" panose="020B0502040204020203" pitchFamily="34" charset="0"/>
+              <a:cs typeface="Segoe UI Light" panose="020B0502040204020203" pitchFamily="34" charset="0"/>
+            </a:endParaRPr>
+          </a:p>
+        </p:txBody>
+      </p:sp>
+      <p:sp>
+        <p:nvSpPr>
+          <p:cNvPr id="9" name="Title 1"/>
+          <p:cNvSpPr>
+            <a:spLocks noGrp="1"/>
+          </p:cNvSpPr>
+          <p:nvPr>
+            <p:ph type="ctrTitle"/>
+          </p:nvPr>
+        </p:nvSpPr>
+        <p:spPr>
+          <a:xfrm>
+            <a:off x="9377266" y="6148873"/>
+            <a:ext cx="2313992" cy="220543"/>
+          </a:xfrm>
+        </p:spPr>
+        <p:txBody>
+          <a:bodyPr/>
+          <a:lstStyle/>
+          <a:p>
+            <a:pPr algn="ctr"/>
+            <a:r>
+              <a:rPr lang="en-US" sz="1100" b="1" dirty="0" smtClean="0">
+                <a:latin typeface="Segoe UI Light" panose="020B0502040204020203" pitchFamily="34" charset="0"/>
+                <a:cs typeface="Segoe UI Light" panose="020B0502040204020203" pitchFamily="34" charset="0"/>
+              </a:rPr>
+              <a:t>Type</a:t>
+            </a:r>
+            <a:r>
+              <a:rPr lang="en-US" sz="1100" dirty="0" smtClean="0">
+                <a:latin typeface="Segoe UI Light" panose="020B0502040204020203" pitchFamily="34" charset="0"/>
+                <a:cs typeface="Segoe UI Light" panose="020B0502040204020203" pitchFamily="34" charset="0"/>
+              </a:rPr>
+              <a:t>Script – </a:t>
+            </a:r>
+            <a:r>
+              <a:rPr lang="en-US" sz="1100" dirty="0" smtClean="0">
+                <a:solidFill>
+                  <a:srgbClr val="FFFF00"/>
+                </a:solidFill>
+                <a:latin typeface="Segoe UI Light" panose="020B0502040204020203" pitchFamily="34" charset="0"/>
+                <a:cs typeface="Segoe UI Light" panose="020B0502040204020203" pitchFamily="34" charset="0"/>
+              </a:rPr>
+              <a:t>www.typescriptlang.org</a:t>
+            </a:r>
+            <a:endParaRPr lang="en-US" sz="1100" dirty="0">
+              <a:solidFill>
+                <a:srgbClr val="FFFF00"/>
+              </a:solidFill>
+              <a:latin typeface="Segoe UI Light" panose="020B0502040204020203" pitchFamily="34" charset="0"/>
+              <a:cs typeface="Segoe UI Light" panose="020B0502040204020203" pitchFamily="34" charset="0"/>
+            </a:endParaRPr>
+          </a:p>
+        </p:txBody>
+      </p:sp>
+      <p:pic>
+        <p:nvPicPr>
+          <p:cNvPr id="4" name="Picture 3"/>
+          <p:cNvPicPr>
+            <a:picLocks noChangeAspect="1"/>
+          </p:cNvPicPr>
+          <p:nvPr/>
+        </p:nvPicPr>
+        <p:blipFill>
+          <a:blip r:embed="rId2"/>
+          <a:stretch>
+            <a:fillRect/>
+          </a:stretch>
+        </p:blipFill>
+        <p:spPr>
+          <a:xfrm>
+            <a:off x="3763352" y="1290027"/>
+            <a:ext cx="4743450" cy="4762500"/>
+          </a:xfrm>
+          <a:prstGeom prst="rect">
+            <a:avLst/>
+          </a:prstGeom>
+        </p:spPr>
+      </p:pic>
+      <p:sp>
+        <p:nvSpPr>
+          <p:cNvPr id="5" name="TextBox 4"/>
+          <p:cNvSpPr txBox="1"/>
+          <p:nvPr/>
+        </p:nvSpPr>
+        <p:spPr>
+          <a:xfrm>
+            <a:off x="1219200" y="1290027"/>
+            <a:ext cx="1838325" cy="369332"/>
+          </a:xfrm>
+          <a:prstGeom prst="rect">
+            <a:avLst/>
+          </a:prstGeom>
+          <a:noFill/>
+        </p:spPr>
+        <p:txBody>
+          <a:bodyPr wrap="square" rtlCol="0">
+            <a:spAutoFit/>
+          </a:bodyPr>
+          <a:lstStyle/>
+          <a:p>
+            <a:pPr marL="285750" indent="-285750">
+              <a:buClr>
+                <a:srgbClr val="FFFF00"/>
+              </a:buClr>
+              <a:buFont typeface="Arial" panose="020B0604020202020204" pitchFamily="34" charset="0"/>
+              <a:buChar char="•"/>
+            </a:pPr>
+            <a:r>
+              <a:rPr lang="en-US" dirty="0" smtClean="0">
+                <a:solidFill>
+                  <a:schemeClr val="bg1"/>
+                </a:solidFill>
+                <a:latin typeface="Segoe UI Light" panose="020B0502040204020203" pitchFamily="34" charset="0"/>
+                <a:cs typeface="Segoe UI Light" panose="020B0502040204020203" pitchFamily="34" charset="0"/>
+              </a:rPr>
+              <a:t>Inheritance</a:t>
+            </a:r>
+            <a:endParaRPr lang="en-US" dirty="0">
+              <a:solidFill>
+                <a:schemeClr val="bg1"/>
+              </a:solidFill>
+              <a:latin typeface="Segoe UI Light" panose="020B0502040204020203" pitchFamily="34" charset="0"/>
+              <a:cs typeface="Segoe UI Light" panose="020B0502040204020203" pitchFamily="34" charset="0"/>
+            </a:endParaRPr>
+          </a:p>
+        </p:txBody>
+      </p:sp>
+    </p:spTree>
+    <p:extLst>
+      <p:ext uri="{BB962C8B-B14F-4D97-AF65-F5344CB8AC3E}">
+        <p14:creationId xmlns:p14="http://schemas.microsoft.com/office/powerpoint/2010/main" val="3773306010"/>
+      </p:ext>
+    </p:extLst>
+  </p:cSld>
+  <p:clrMapOvr>
+    <a:masterClrMapping/>
+  </p:clrMapOvr>
+  <p:timing>
+    <p:tnLst>
+      <p:par>
+        <p:cTn id="1" dur="indefinite" restart="never" nodeType="tmRoot"/>
+      </p:par>
+    </p:tnLst>
+  </p:timing>
+</p:sld>
+</file>
+
 <file path=ppt/theme/theme1.xml><?xml version="1.0" encoding="utf-8"?>
 <a:theme xmlns:a="http://schemas.openxmlformats.org/drawingml/2006/main" name="Ion Boardroom">
   <a:themeElements>

--- a/TypeScript.pptx
+++ b/TypeScript.pptx
@@ -5,7 +5,7 @@
     <p:sldMasterId id="2147483648" r:id="rId1"/>
   </p:sldMasterIdLst>
   <p:notesMasterIdLst>
-    <p:notesMasterId r:id="rId14"/>
+    <p:notesMasterId r:id="rId26"/>
   </p:notesMasterIdLst>
   <p:sldIdLst>
     <p:sldId id="256" r:id="rId2"/>
@@ -20,6 +20,18 @@
     <p:sldId id="265" r:id="rId11"/>
     <p:sldId id="266" r:id="rId12"/>
     <p:sldId id="267" r:id="rId13"/>
+    <p:sldId id="276" r:id="rId14"/>
+    <p:sldId id="277" r:id="rId15"/>
+    <p:sldId id="278" r:id="rId16"/>
+    <p:sldId id="279" r:id="rId17"/>
+    <p:sldId id="268" r:id="rId18"/>
+    <p:sldId id="269" r:id="rId19"/>
+    <p:sldId id="270" r:id="rId20"/>
+    <p:sldId id="271" r:id="rId21"/>
+    <p:sldId id="272" r:id="rId22"/>
+    <p:sldId id="273" r:id="rId23"/>
+    <p:sldId id="274" r:id="rId24"/>
+    <p:sldId id="275" r:id="rId25"/>
   </p:sldIdLst>
   <p:sldSz cx="12192000" cy="6858000"/>
   <p:notesSz cx="6858000" cy="9144000"/>
@@ -208,7 +220,7 @@
           <a:p>
             <a:fld id="{83B40554-C380-41D1-81B6-D046070D0B8E}" type="datetimeFigureOut">
               <a:rPr lang="en-US" smtClean="0"/>
-              <a:t>7/22/2016</a:t>
+              <a:t>7/26/2016</a:t>
             </a:fld>
             <a:endParaRPr lang="en-US"/>
           </a:p>
@@ -474,6 +486,890 @@
     </a:lvl9pPr>
   </p:notesStyle>
 </p:notesMaster>
+</file>
+
+<file path=ppt/notesSlides/notesSlide1.xml><?xml version="1.0" encoding="utf-8"?>
+<p:notes xmlns:a="http://schemas.openxmlformats.org/drawingml/2006/main" xmlns:r="http://schemas.openxmlformats.org/officeDocument/2006/relationships" xmlns:p="http://schemas.openxmlformats.org/presentationml/2006/main">
+  <p:cSld>
+    <p:spTree>
+      <p:nvGrpSpPr>
+        <p:cNvPr id="1" name=""/>
+        <p:cNvGrpSpPr/>
+        <p:nvPr/>
+      </p:nvGrpSpPr>
+      <p:grpSpPr>
+        <a:xfrm>
+          <a:off x="0" y="0"/>
+          <a:ext cx="0" cy="0"/>
+          <a:chOff x="0" y="0"/>
+          <a:chExt cx="0" cy="0"/>
+        </a:xfrm>
+      </p:grpSpPr>
+      <p:sp>
+        <p:nvSpPr>
+          <p:cNvPr id="2" name="Slide Image Placeholder 1"/>
+          <p:cNvSpPr>
+            <a:spLocks noGrp="1" noRot="1" noChangeAspect="1"/>
+          </p:cNvSpPr>
+          <p:nvPr>
+            <p:ph type="sldImg"/>
+          </p:nvPr>
+        </p:nvSpPr>
+        <p:spPr/>
+      </p:sp>
+      <p:sp>
+        <p:nvSpPr>
+          <p:cNvPr id="3" name="Notes Placeholder 2"/>
+          <p:cNvSpPr>
+            <a:spLocks noGrp="1"/>
+          </p:cNvSpPr>
+          <p:nvPr>
+            <p:ph type="body" idx="1"/>
+          </p:nvPr>
+        </p:nvSpPr>
+        <p:spPr/>
+        <p:txBody>
+          <a:bodyPr/>
+          <a:lstStyle/>
+          <a:p>
+            <a:r>
+              <a:rPr lang="en-US" dirty="0" smtClean="0"/>
+              <a:t>One important difference is that type aliases cannot be extended or implemented from (nor can they extend/implement other types)</a:t>
+            </a:r>
+          </a:p>
+          <a:p>
+            <a:endParaRPr lang="en-US" dirty="0" smtClean="0"/>
+          </a:p>
+          <a:p>
+            <a:r>
+              <a:rPr lang="en-US" dirty="0" smtClean="0"/>
+              <a:t>On the other hand, if you can’t express some shape with an interface and you need to use a union or tuple type, type aliases are usually the way to go.</a:t>
+            </a:r>
+            <a:endParaRPr lang="en-US" dirty="0"/>
+          </a:p>
+        </p:txBody>
+      </p:sp>
+      <p:sp>
+        <p:nvSpPr>
+          <p:cNvPr id="4" name="Slide Number Placeholder 3"/>
+          <p:cNvSpPr>
+            <a:spLocks noGrp="1"/>
+          </p:cNvSpPr>
+          <p:nvPr>
+            <p:ph type="sldNum" sz="quarter" idx="10"/>
+          </p:nvPr>
+        </p:nvSpPr>
+        <p:spPr/>
+        <p:txBody>
+          <a:bodyPr/>
+          <a:lstStyle/>
+          <a:p>
+            <a:fld id="{341ED17F-51E8-4538-B95D-5C7AD91104F0}" type="slidenum">
+              <a:rPr lang="en-US" smtClean="0"/>
+              <a:t>15</a:t>
+            </a:fld>
+            <a:endParaRPr lang="en-US"/>
+          </a:p>
+        </p:txBody>
+      </p:sp>
+    </p:spTree>
+    <p:extLst>
+      <p:ext uri="{BB962C8B-B14F-4D97-AF65-F5344CB8AC3E}">
+        <p14:creationId xmlns:p14="http://schemas.microsoft.com/office/powerpoint/2010/main" val="3787298793"/>
+      </p:ext>
+    </p:extLst>
+  </p:cSld>
+  <p:clrMapOvr>
+    <a:masterClrMapping/>
+  </p:clrMapOvr>
+</p:notes>
+</file>
+
+<file path=ppt/notesSlides/notesSlide10.xml><?xml version="1.0" encoding="utf-8"?>
+<p:notes xmlns:a="http://schemas.openxmlformats.org/drawingml/2006/main" xmlns:r="http://schemas.openxmlformats.org/officeDocument/2006/relationships" xmlns:p="http://schemas.openxmlformats.org/presentationml/2006/main">
+  <p:cSld>
+    <p:spTree>
+      <p:nvGrpSpPr>
+        <p:cNvPr id="1" name=""/>
+        <p:cNvGrpSpPr/>
+        <p:nvPr/>
+      </p:nvGrpSpPr>
+      <p:grpSpPr>
+        <a:xfrm>
+          <a:off x="0" y="0"/>
+          <a:ext cx="0" cy="0"/>
+          <a:chOff x="0" y="0"/>
+          <a:chExt cx="0" cy="0"/>
+        </a:xfrm>
+      </p:grpSpPr>
+      <p:sp>
+        <p:nvSpPr>
+          <p:cNvPr id="2" name="Slide Image Placeholder 1"/>
+          <p:cNvSpPr>
+            <a:spLocks noGrp="1" noRot="1" noChangeAspect="1"/>
+          </p:cNvSpPr>
+          <p:nvPr>
+            <p:ph type="sldImg"/>
+          </p:nvPr>
+        </p:nvSpPr>
+        <p:spPr/>
+      </p:sp>
+      <p:sp>
+        <p:nvSpPr>
+          <p:cNvPr id="3" name="Notes Placeholder 2"/>
+          <p:cNvSpPr>
+            <a:spLocks noGrp="1"/>
+          </p:cNvSpPr>
+          <p:nvPr>
+            <p:ph type="body" idx="1"/>
+          </p:nvPr>
+        </p:nvSpPr>
+        <p:spPr/>
+        <p:txBody>
+          <a:bodyPr/>
+          <a:lstStyle/>
+          <a:p>
+            <a:endParaRPr lang="en-US" dirty="0"/>
+          </a:p>
+        </p:txBody>
+      </p:sp>
+      <p:sp>
+        <p:nvSpPr>
+          <p:cNvPr id="4" name="Slide Number Placeholder 3"/>
+          <p:cNvSpPr>
+            <a:spLocks noGrp="1"/>
+          </p:cNvSpPr>
+          <p:nvPr>
+            <p:ph type="sldNum" sz="quarter" idx="10"/>
+          </p:nvPr>
+        </p:nvSpPr>
+        <p:spPr/>
+        <p:txBody>
+          <a:bodyPr/>
+          <a:lstStyle/>
+          <a:p>
+            <a:fld id="{341ED17F-51E8-4538-B95D-5C7AD91104F0}" type="slidenum">
+              <a:rPr lang="en-US" smtClean="0"/>
+              <a:t>24</a:t>
+            </a:fld>
+            <a:endParaRPr lang="en-US"/>
+          </a:p>
+        </p:txBody>
+      </p:sp>
+    </p:spTree>
+    <p:extLst>
+      <p:ext uri="{BB962C8B-B14F-4D97-AF65-F5344CB8AC3E}">
+        <p14:creationId xmlns:p14="http://schemas.microsoft.com/office/powerpoint/2010/main" val="1709999909"/>
+      </p:ext>
+    </p:extLst>
+  </p:cSld>
+  <p:clrMapOvr>
+    <a:masterClrMapping/>
+  </p:clrMapOvr>
+</p:notes>
+</file>
+
+<file path=ppt/notesSlides/notesSlide2.xml><?xml version="1.0" encoding="utf-8"?>
+<p:notes xmlns:a="http://schemas.openxmlformats.org/drawingml/2006/main" xmlns:r="http://schemas.openxmlformats.org/officeDocument/2006/relationships" xmlns:p="http://schemas.openxmlformats.org/presentationml/2006/main">
+  <p:cSld>
+    <p:spTree>
+      <p:nvGrpSpPr>
+        <p:cNvPr id="1" name=""/>
+        <p:cNvGrpSpPr/>
+        <p:nvPr/>
+      </p:nvGrpSpPr>
+      <p:grpSpPr>
+        <a:xfrm>
+          <a:off x="0" y="0"/>
+          <a:ext cx="0" cy="0"/>
+          <a:chOff x="0" y="0"/>
+          <a:chExt cx="0" cy="0"/>
+        </a:xfrm>
+      </p:grpSpPr>
+      <p:sp>
+        <p:nvSpPr>
+          <p:cNvPr id="2" name="Slide Image Placeholder 1"/>
+          <p:cNvSpPr>
+            <a:spLocks noGrp="1" noRot="1" noChangeAspect="1"/>
+          </p:cNvSpPr>
+          <p:nvPr>
+            <p:ph type="sldImg"/>
+          </p:nvPr>
+        </p:nvSpPr>
+        <p:spPr/>
+      </p:sp>
+      <p:sp>
+        <p:nvSpPr>
+          <p:cNvPr id="3" name="Notes Placeholder 2"/>
+          <p:cNvSpPr>
+            <a:spLocks noGrp="1"/>
+          </p:cNvSpPr>
+          <p:nvPr>
+            <p:ph type="body" idx="1"/>
+          </p:nvPr>
+        </p:nvSpPr>
+        <p:spPr/>
+        <p:txBody>
+          <a:bodyPr/>
+          <a:lstStyle/>
+          <a:p>
+            <a:r>
+              <a:rPr lang="en-US" dirty="0" smtClean="0"/>
+              <a:t>On the other hand, if you can’t express some shape with an interface and you need to use a union or tuple type, type aliases are usually the way to go.</a:t>
+            </a:r>
+            <a:endParaRPr lang="en-US" dirty="0"/>
+          </a:p>
+        </p:txBody>
+      </p:sp>
+      <p:sp>
+        <p:nvSpPr>
+          <p:cNvPr id="4" name="Slide Number Placeholder 3"/>
+          <p:cNvSpPr>
+            <a:spLocks noGrp="1"/>
+          </p:cNvSpPr>
+          <p:nvPr>
+            <p:ph type="sldNum" sz="quarter" idx="10"/>
+          </p:nvPr>
+        </p:nvSpPr>
+        <p:spPr/>
+        <p:txBody>
+          <a:bodyPr/>
+          <a:lstStyle/>
+          <a:p>
+            <a:fld id="{341ED17F-51E8-4538-B95D-5C7AD91104F0}" type="slidenum">
+              <a:rPr lang="en-US" smtClean="0"/>
+              <a:t>16</a:t>
+            </a:fld>
+            <a:endParaRPr lang="en-US"/>
+          </a:p>
+        </p:txBody>
+      </p:sp>
+    </p:spTree>
+    <p:extLst>
+      <p:ext uri="{BB962C8B-B14F-4D97-AF65-F5344CB8AC3E}">
+        <p14:creationId xmlns:p14="http://schemas.microsoft.com/office/powerpoint/2010/main" val="711751404"/>
+      </p:ext>
+    </p:extLst>
+  </p:cSld>
+  <p:clrMapOvr>
+    <a:masterClrMapping/>
+  </p:clrMapOvr>
+</p:notes>
+</file>
+
+<file path=ppt/notesSlides/notesSlide3.xml><?xml version="1.0" encoding="utf-8"?>
+<p:notes xmlns:a="http://schemas.openxmlformats.org/drawingml/2006/main" xmlns:r="http://schemas.openxmlformats.org/officeDocument/2006/relationships" xmlns:p="http://schemas.openxmlformats.org/presentationml/2006/main">
+  <p:cSld>
+    <p:spTree>
+      <p:nvGrpSpPr>
+        <p:cNvPr id="1" name=""/>
+        <p:cNvGrpSpPr/>
+        <p:nvPr/>
+      </p:nvGrpSpPr>
+      <p:grpSpPr>
+        <a:xfrm>
+          <a:off x="0" y="0"/>
+          <a:ext cx="0" cy="0"/>
+          <a:chOff x="0" y="0"/>
+          <a:chExt cx="0" cy="0"/>
+        </a:xfrm>
+      </p:grpSpPr>
+      <p:sp>
+        <p:nvSpPr>
+          <p:cNvPr id="2" name="Slide Image Placeholder 1"/>
+          <p:cNvSpPr>
+            <a:spLocks noGrp="1" noRot="1" noChangeAspect="1"/>
+          </p:cNvSpPr>
+          <p:nvPr>
+            <p:ph type="sldImg"/>
+          </p:nvPr>
+        </p:nvSpPr>
+        <p:spPr/>
+      </p:sp>
+      <p:sp>
+        <p:nvSpPr>
+          <p:cNvPr id="3" name="Notes Placeholder 2"/>
+          <p:cNvSpPr>
+            <a:spLocks noGrp="1"/>
+          </p:cNvSpPr>
+          <p:nvPr>
+            <p:ph type="body" idx="1"/>
+          </p:nvPr>
+        </p:nvSpPr>
+        <p:spPr/>
+        <p:txBody>
+          <a:bodyPr/>
+          <a:lstStyle/>
+          <a:p>
+            <a:r>
+              <a:rPr lang="en-US" dirty="0" smtClean="0"/>
+              <a:t>In TypeScript, a declaration creates entities in at least one of three groups: namespace, type, or value. Namespace-creating declarations create a namespace, which contains names that are accessed using a dotted notation. Type-creating declarations do just that: they create a type that is visible with the declared shape and bound to the given name. Lastly, value-creating declarations create values that are visible in the output JavaScript.</a:t>
+            </a:r>
+            <a:endParaRPr lang="en-US" dirty="0"/>
+          </a:p>
+        </p:txBody>
+      </p:sp>
+      <p:sp>
+        <p:nvSpPr>
+          <p:cNvPr id="4" name="Slide Number Placeholder 3"/>
+          <p:cNvSpPr>
+            <a:spLocks noGrp="1"/>
+          </p:cNvSpPr>
+          <p:nvPr>
+            <p:ph type="sldNum" sz="quarter" idx="10"/>
+          </p:nvPr>
+        </p:nvSpPr>
+        <p:spPr/>
+        <p:txBody>
+          <a:bodyPr/>
+          <a:lstStyle/>
+          <a:p>
+            <a:fld id="{341ED17F-51E8-4538-B95D-5C7AD91104F0}" type="slidenum">
+              <a:rPr lang="en-US" smtClean="0"/>
+              <a:t>17</a:t>
+            </a:fld>
+            <a:endParaRPr lang="en-US"/>
+          </a:p>
+        </p:txBody>
+      </p:sp>
+    </p:spTree>
+    <p:extLst>
+      <p:ext uri="{BB962C8B-B14F-4D97-AF65-F5344CB8AC3E}">
+        <p14:creationId xmlns:p14="http://schemas.microsoft.com/office/powerpoint/2010/main" val="2506549196"/>
+      </p:ext>
+    </p:extLst>
+  </p:cSld>
+  <p:clrMapOvr>
+    <a:masterClrMapping/>
+  </p:clrMapOvr>
+</p:notes>
+</file>
+
+<file path=ppt/notesSlides/notesSlide4.xml><?xml version="1.0" encoding="utf-8"?>
+<p:notes xmlns:a="http://schemas.openxmlformats.org/drawingml/2006/main" xmlns:r="http://schemas.openxmlformats.org/officeDocument/2006/relationships" xmlns:p="http://schemas.openxmlformats.org/presentationml/2006/main">
+  <p:cSld>
+    <p:spTree>
+      <p:nvGrpSpPr>
+        <p:cNvPr id="1" name=""/>
+        <p:cNvGrpSpPr/>
+        <p:nvPr/>
+      </p:nvGrpSpPr>
+      <p:grpSpPr>
+        <a:xfrm>
+          <a:off x="0" y="0"/>
+          <a:ext cx="0" cy="0"/>
+          <a:chOff x="0" y="0"/>
+          <a:chExt cx="0" cy="0"/>
+        </a:xfrm>
+      </p:grpSpPr>
+      <p:sp>
+        <p:nvSpPr>
+          <p:cNvPr id="2" name="Slide Image Placeholder 1"/>
+          <p:cNvSpPr>
+            <a:spLocks noGrp="1" noRot="1" noChangeAspect="1"/>
+          </p:cNvSpPr>
+          <p:nvPr>
+            <p:ph type="sldImg"/>
+          </p:nvPr>
+        </p:nvSpPr>
+        <p:spPr/>
+      </p:sp>
+      <p:sp>
+        <p:nvSpPr>
+          <p:cNvPr id="3" name="Notes Placeholder 2"/>
+          <p:cNvSpPr>
+            <a:spLocks noGrp="1"/>
+          </p:cNvSpPr>
+          <p:nvPr>
+            <p:ph type="body" idx="1"/>
+          </p:nvPr>
+        </p:nvSpPr>
+        <p:spPr/>
+        <p:txBody>
+          <a:bodyPr/>
+          <a:lstStyle/>
+          <a:p>
+            <a:pPr marL="0" marR="0" lvl="0" indent="0" algn="l" defTabSz="914400" rtl="0" eaLnBrk="1" fontAlgn="auto" latinLnBrk="0" hangingPunct="1">
+              <a:lnSpc>
+                <a:spcPct val="100000"/>
+              </a:lnSpc>
+              <a:spcBef>
+                <a:spcPts val="0"/>
+              </a:spcBef>
+              <a:spcAft>
+                <a:spcPts val="0"/>
+              </a:spcAft>
+              <a:buClrTx/>
+              <a:buSzTx/>
+              <a:buFontTx/>
+              <a:buNone/>
+              <a:tabLst/>
+              <a:defRPr/>
+            </a:pPr>
+            <a:r>
+              <a:rPr lang="en-US" dirty="0" smtClean="0"/>
+              <a:t>In TypeScript, a declaration creates entities in at least one of three groups: namespace, type, or value. Namespace-creating declarations create a namespace, which contains names that are accessed using a dotted notation. Type-creating declarations do just that: they create a type that is visible with the declared shape and bound to the given name. Lastly, value-creating declarations create values that are visible in the output JavaScript.</a:t>
+            </a:r>
+          </a:p>
+          <a:p>
+            <a:endParaRPr lang="en-US" dirty="0"/>
+          </a:p>
+        </p:txBody>
+      </p:sp>
+      <p:sp>
+        <p:nvSpPr>
+          <p:cNvPr id="4" name="Slide Number Placeholder 3"/>
+          <p:cNvSpPr>
+            <a:spLocks noGrp="1"/>
+          </p:cNvSpPr>
+          <p:nvPr>
+            <p:ph type="sldNum" sz="quarter" idx="10"/>
+          </p:nvPr>
+        </p:nvSpPr>
+        <p:spPr/>
+        <p:txBody>
+          <a:bodyPr/>
+          <a:lstStyle/>
+          <a:p>
+            <a:fld id="{341ED17F-51E8-4538-B95D-5C7AD91104F0}" type="slidenum">
+              <a:rPr lang="en-US" smtClean="0"/>
+              <a:t>18</a:t>
+            </a:fld>
+            <a:endParaRPr lang="en-US"/>
+          </a:p>
+        </p:txBody>
+      </p:sp>
+    </p:spTree>
+    <p:extLst>
+      <p:ext uri="{BB962C8B-B14F-4D97-AF65-F5344CB8AC3E}">
+        <p14:creationId xmlns:p14="http://schemas.microsoft.com/office/powerpoint/2010/main" val="4259107594"/>
+      </p:ext>
+    </p:extLst>
+  </p:cSld>
+  <p:clrMapOvr>
+    <a:masterClrMapping/>
+  </p:clrMapOvr>
+</p:notes>
+</file>
+
+<file path=ppt/notesSlides/notesSlide5.xml><?xml version="1.0" encoding="utf-8"?>
+<p:notes xmlns:a="http://schemas.openxmlformats.org/drawingml/2006/main" xmlns:r="http://schemas.openxmlformats.org/officeDocument/2006/relationships" xmlns:p="http://schemas.openxmlformats.org/presentationml/2006/main">
+  <p:cSld>
+    <p:spTree>
+      <p:nvGrpSpPr>
+        <p:cNvPr id="1" name=""/>
+        <p:cNvGrpSpPr/>
+        <p:nvPr/>
+      </p:nvGrpSpPr>
+      <p:grpSpPr>
+        <a:xfrm>
+          <a:off x="0" y="0"/>
+          <a:ext cx="0" cy="0"/>
+          <a:chOff x="0" y="0"/>
+          <a:chExt cx="0" cy="0"/>
+        </a:xfrm>
+      </p:grpSpPr>
+      <p:sp>
+        <p:nvSpPr>
+          <p:cNvPr id="2" name="Slide Image Placeholder 1"/>
+          <p:cNvSpPr>
+            <a:spLocks noGrp="1" noRot="1" noChangeAspect="1"/>
+          </p:cNvSpPr>
+          <p:nvPr>
+            <p:ph type="sldImg"/>
+          </p:nvPr>
+        </p:nvSpPr>
+        <p:spPr/>
+      </p:sp>
+      <p:sp>
+        <p:nvSpPr>
+          <p:cNvPr id="3" name="Notes Placeholder 2"/>
+          <p:cNvSpPr>
+            <a:spLocks noGrp="1"/>
+          </p:cNvSpPr>
+          <p:nvPr>
+            <p:ph type="body" idx="1"/>
+          </p:nvPr>
+        </p:nvSpPr>
+        <p:spPr/>
+        <p:txBody>
+          <a:bodyPr/>
+          <a:lstStyle/>
+          <a:p>
+            <a:endParaRPr lang="en-US" dirty="0"/>
+          </a:p>
+        </p:txBody>
+      </p:sp>
+      <p:sp>
+        <p:nvSpPr>
+          <p:cNvPr id="4" name="Slide Number Placeholder 3"/>
+          <p:cNvSpPr>
+            <a:spLocks noGrp="1"/>
+          </p:cNvSpPr>
+          <p:nvPr>
+            <p:ph type="sldNum" sz="quarter" idx="10"/>
+          </p:nvPr>
+        </p:nvSpPr>
+        <p:spPr/>
+        <p:txBody>
+          <a:bodyPr/>
+          <a:lstStyle/>
+          <a:p>
+            <a:fld id="{341ED17F-51E8-4538-B95D-5C7AD91104F0}" type="slidenum">
+              <a:rPr lang="en-US" smtClean="0"/>
+              <a:t>19</a:t>
+            </a:fld>
+            <a:endParaRPr lang="en-US"/>
+          </a:p>
+        </p:txBody>
+      </p:sp>
+    </p:spTree>
+    <p:extLst>
+      <p:ext uri="{BB962C8B-B14F-4D97-AF65-F5344CB8AC3E}">
+        <p14:creationId xmlns:p14="http://schemas.microsoft.com/office/powerpoint/2010/main" val="3614864932"/>
+      </p:ext>
+    </p:extLst>
+  </p:cSld>
+  <p:clrMapOvr>
+    <a:masterClrMapping/>
+  </p:clrMapOvr>
+</p:notes>
+</file>
+
+<file path=ppt/notesSlides/notesSlide6.xml><?xml version="1.0" encoding="utf-8"?>
+<p:notes xmlns:a="http://schemas.openxmlformats.org/drawingml/2006/main" xmlns:r="http://schemas.openxmlformats.org/officeDocument/2006/relationships" xmlns:p="http://schemas.openxmlformats.org/presentationml/2006/main">
+  <p:cSld>
+    <p:spTree>
+      <p:nvGrpSpPr>
+        <p:cNvPr id="1" name=""/>
+        <p:cNvGrpSpPr/>
+        <p:nvPr/>
+      </p:nvGrpSpPr>
+      <p:grpSpPr>
+        <a:xfrm>
+          <a:off x="0" y="0"/>
+          <a:ext cx="0" cy="0"/>
+          <a:chOff x="0" y="0"/>
+          <a:chExt cx="0" cy="0"/>
+        </a:xfrm>
+      </p:grpSpPr>
+      <p:sp>
+        <p:nvSpPr>
+          <p:cNvPr id="2" name="Slide Image Placeholder 1"/>
+          <p:cNvSpPr>
+            <a:spLocks noGrp="1" noRot="1" noChangeAspect="1"/>
+          </p:cNvSpPr>
+          <p:nvPr>
+            <p:ph type="sldImg"/>
+          </p:nvPr>
+        </p:nvSpPr>
+        <p:spPr/>
+      </p:sp>
+      <p:sp>
+        <p:nvSpPr>
+          <p:cNvPr id="3" name="Notes Placeholder 2"/>
+          <p:cNvSpPr>
+            <a:spLocks noGrp="1"/>
+          </p:cNvSpPr>
+          <p:nvPr>
+            <p:ph type="body" idx="1"/>
+          </p:nvPr>
+        </p:nvSpPr>
+        <p:spPr/>
+        <p:txBody>
+          <a:bodyPr/>
+          <a:lstStyle/>
+          <a:p>
+            <a:endParaRPr lang="en-US" dirty="0"/>
+          </a:p>
+        </p:txBody>
+      </p:sp>
+      <p:sp>
+        <p:nvSpPr>
+          <p:cNvPr id="4" name="Slide Number Placeholder 3"/>
+          <p:cNvSpPr>
+            <a:spLocks noGrp="1"/>
+          </p:cNvSpPr>
+          <p:nvPr>
+            <p:ph type="sldNum" sz="quarter" idx="10"/>
+          </p:nvPr>
+        </p:nvSpPr>
+        <p:spPr/>
+        <p:txBody>
+          <a:bodyPr/>
+          <a:lstStyle/>
+          <a:p>
+            <a:fld id="{341ED17F-51E8-4538-B95D-5C7AD91104F0}" type="slidenum">
+              <a:rPr lang="en-US" smtClean="0"/>
+              <a:t>20</a:t>
+            </a:fld>
+            <a:endParaRPr lang="en-US"/>
+          </a:p>
+        </p:txBody>
+      </p:sp>
+    </p:spTree>
+    <p:extLst>
+      <p:ext uri="{BB962C8B-B14F-4D97-AF65-F5344CB8AC3E}">
+        <p14:creationId xmlns:p14="http://schemas.microsoft.com/office/powerpoint/2010/main" val="3667327141"/>
+      </p:ext>
+    </p:extLst>
+  </p:cSld>
+  <p:clrMapOvr>
+    <a:masterClrMapping/>
+  </p:clrMapOvr>
+</p:notes>
+</file>
+
+<file path=ppt/notesSlides/notesSlide7.xml><?xml version="1.0" encoding="utf-8"?>
+<p:notes xmlns:a="http://schemas.openxmlformats.org/drawingml/2006/main" xmlns:r="http://schemas.openxmlformats.org/officeDocument/2006/relationships" xmlns:p="http://schemas.openxmlformats.org/presentationml/2006/main">
+  <p:cSld>
+    <p:spTree>
+      <p:nvGrpSpPr>
+        <p:cNvPr id="1" name=""/>
+        <p:cNvGrpSpPr/>
+        <p:nvPr/>
+      </p:nvGrpSpPr>
+      <p:grpSpPr>
+        <a:xfrm>
+          <a:off x="0" y="0"/>
+          <a:ext cx="0" cy="0"/>
+          <a:chOff x="0" y="0"/>
+          <a:chExt cx="0" cy="0"/>
+        </a:xfrm>
+      </p:grpSpPr>
+      <p:sp>
+        <p:nvSpPr>
+          <p:cNvPr id="2" name="Slide Image Placeholder 1"/>
+          <p:cNvSpPr>
+            <a:spLocks noGrp="1" noRot="1" noChangeAspect="1"/>
+          </p:cNvSpPr>
+          <p:nvPr>
+            <p:ph type="sldImg"/>
+          </p:nvPr>
+        </p:nvSpPr>
+        <p:spPr/>
+      </p:sp>
+      <p:sp>
+        <p:nvSpPr>
+          <p:cNvPr id="3" name="Notes Placeholder 2"/>
+          <p:cNvSpPr>
+            <a:spLocks noGrp="1"/>
+          </p:cNvSpPr>
+          <p:nvPr>
+            <p:ph type="body" idx="1"/>
+          </p:nvPr>
+        </p:nvSpPr>
+        <p:spPr/>
+        <p:txBody>
+          <a:bodyPr/>
+          <a:lstStyle/>
+          <a:p>
+            <a:endParaRPr lang="en-US" dirty="0"/>
+          </a:p>
+        </p:txBody>
+      </p:sp>
+      <p:sp>
+        <p:nvSpPr>
+          <p:cNvPr id="4" name="Slide Number Placeholder 3"/>
+          <p:cNvSpPr>
+            <a:spLocks noGrp="1"/>
+          </p:cNvSpPr>
+          <p:nvPr>
+            <p:ph type="sldNum" sz="quarter" idx="10"/>
+          </p:nvPr>
+        </p:nvSpPr>
+        <p:spPr/>
+        <p:txBody>
+          <a:bodyPr/>
+          <a:lstStyle/>
+          <a:p>
+            <a:fld id="{341ED17F-51E8-4538-B95D-5C7AD91104F0}" type="slidenum">
+              <a:rPr lang="en-US" smtClean="0"/>
+              <a:t>21</a:t>
+            </a:fld>
+            <a:endParaRPr lang="en-US"/>
+          </a:p>
+        </p:txBody>
+      </p:sp>
+    </p:spTree>
+    <p:extLst>
+      <p:ext uri="{BB962C8B-B14F-4D97-AF65-F5344CB8AC3E}">
+        <p14:creationId xmlns:p14="http://schemas.microsoft.com/office/powerpoint/2010/main" val="3943044030"/>
+      </p:ext>
+    </p:extLst>
+  </p:cSld>
+  <p:clrMapOvr>
+    <a:masterClrMapping/>
+  </p:clrMapOvr>
+</p:notes>
+</file>
+
+<file path=ppt/notesSlides/notesSlide8.xml><?xml version="1.0" encoding="utf-8"?>
+<p:notes xmlns:a="http://schemas.openxmlformats.org/drawingml/2006/main" xmlns:r="http://schemas.openxmlformats.org/officeDocument/2006/relationships" xmlns:p="http://schemas.openxmlformats.org/presentationml/2006/main">
+  <p:cSld>
+    <p:spTree>
+      <p:nvGrpSpPr>
+        <p:cNvPr id="1" name=""/>
+        <p:cNvGrpSpPr/>
+        <p:nvPr/>
+      </p:nvGrpSpPr>
+      <p:grpSpPr>
+        <a:xfrm>
+          <a:off x="0" y="0"/>
+          <a:ext cx="0" cy="0"/>
+          <a:chOff x="0" y="0"/>
+          <a:chExt cx="0" cy="0"/>
+        </a:xfrm>
+      </p:grpSpPr>
+      <p:sp>
+        <p:nvSpPr>
+          <p:cNvPr id="2" name="Slide Image Placeholder 1"/>
+          <p:cNvSpPr>
+            <a:spLocks noGrp="1" noRot="1" noChangeAspect="1"/>
+          </p:cNvSpPr>
+          <p:nvPr>
+            <p:ph type="sldImg"/>
+          </p:nvPr>
+        </p:nvSpPr>
+        <p:spPr/>
+      </p:sp>
+      <p:sp>
+        <p:nvSpPr>
+          <p:cNvPr id="3" name="Notes Placeholder 2"/>
+          <p:cNvSpPr>
+            <a:spLocks noGrp="1"/>
+          </p:cNvSpPr>
+          <p:nvPr>
+            <p:ph type="body" idx="1"/>
+          </p:nvPr>
+        </p:nvSpPr>
+        <p:spPr/>
+        <p:txBody>
+          <a:bodyPr/>
+          <a:lstStyle/>
+          <a:p>
+            <a:endParaRPr lang="en-US" dirty="0"/>
+          </a:p>
+        </p:txBody>
+      </p:sp>
+      <p:sp>
+        <p:nvSpPr>
+          <p:cNvPr id="4" name="Slide Number Placeholder 3"/>
+          <p:cNvSpPr>
+            <a:spLocks noGrp="1"/>
+          </p:cNvSpPr>
+          <p:nvPr>
+            <p:ph type="sldNum" sz="quarter" idx="10"/>
+          </p:nvPr>
+        </p:nvSpPr>
+        <p:spPr/>
+        <p:txBody>
+          <a:bodyPr/>
+          <a:lstStyle/>
+          <a:p>
+            <a:fld id="{341ED17F-51E8-4538-B95D-5C7AD91104F0}" type="slidenum">
+              <a:rPr lang="en-US" smtClean="0"/>
+              <a:t>22</a:t>
+            </a:fld>
+            <a:endParaRPr lang="en-US"/>
+          </a:p>
+        </p:txBody>
+      </p:sp>
+    </p:spTree>
+    <p:extLst>
+      <p:ext uri="{BB962C8B-B14F-4D97-AF65-F5344CB8AC3E}">
+        <p14:creationId xmlns:p14="http://schemas.microsoft.com/office/powerpoint/2010/main" val="1495176519"/>
+      </p:ext>
+    </p:extLst>
+  </p:cSld>
+  <p:clrMapOvr>
+    <a:masterClrMapping/>
+  </p:clrMapOvr>
+</p:notes>
+</file>
+
+<file path=ppt/notesSlides/notesSlide9.xml><?xml version="1.0" encoding="utf-8"?>
+<p:notes xmlns:a="http://schemas.openxmlformats.org/drawingml/2006/main" xmlns:r="http://schemas.openxmlformats.org/officeDocument/2006/relationships" xmlns:p="http://schemas.openxmlformats.org/presentationml/2006/main">
+  <p:cSld>
+    <p:spTree>
+      <p:nvGrpSpPr>
+        <p:cNvPr id="1" name=""/>
+        <p:cNvGrpSpPr/>
+        <p:nvPr/>
+      </p:nvGrpSpPr>
+      <p:grpSpPr>
+        <a:xfrm>
+          <a:off x="0" y="0"/>
+          <a:ext cx="0" cy="0"/>
+          <a:chOff x="0" y="0"/>
+          <a:chExt cx="0" cy="0"/>
+        </a:xfrm>
+      </p:grpSpPr>
+      <p:sp>
+        <p:nvSpPr>
+          <p:cNvPr id="2" name="Slide Image Placeholder 1"/>
+          <p:cNvSpPr>
+            <a:spLocks noGrp="1" noRot="1" noChangeAspect="1"/>
+          </p:cNvSpPr>
+          <p:nvPr>
+            <p:ph type="sldImg"/>
+          </p:nvPr>
+        </p:nvSpPr>
+        <p:spPr/>
+      </p:sp>
+      <p:sp>
+        <p:nvSpPr>
+          <p:cNvPr id="3" name="Notes Placeholder 2"/>
+          <p:cNvSpPr>
+            <a:spLocks noGrp="1"/>
+          </p:cNvSpPr>
+          <p:nvPr>
+            <p:ph type="body" idx="1"/>
+          </p:nvPr>
+        </p:nvSpPr>
+        <p:spPr/>
+        <p:txBody>
+          <a:bodyPr/>
+          <a:lstStyle/>
+          <a:p>
+            <a:endParaRPr lang="en-US" dirty="0"/>
+          </a:p>
+        </p:txBody>
+      </p:sp>
+      <p:sp>
+        <p:nvSpPr>
+          <p:cNvPr id="4" name="Slide Number Placeholder 3"/>
+          <p:cNvSpPr>
+            <a:spLocks noGrp="1"/>
+          </p:cNvSpPr>
+          <p:nvPr>
+            <p:ph type="sldNum" sz="quarter" idx="10"/>
+          </p:nvPr>
+        </p:nvSpPr>
+        <p:spPr/>
+        <p:txBody>
+          <a:bodyPr/>
+          <a:lstStyle/>
+          <a:p>
+            <a:fld id="{341ED17F-51E8-4538-B95D-5C7AD91104F0}" type="slidenum">
+              <a:rPr lang="en-US" smtClean="0"/>
+              <a:t>23</a:t>
+            </a:fld>
+            <a:endParaRPr lang="en-US"/>
+          </a:p>
+        </p:txBody>
+      </p:sp>
+    </p:spTree>
+    <p:extLst>
+      <p:ext uri="{BB962C8B-B14F-4D97-AF65-F5344CB8AC3E}">
+        <p14:creationId xmlns:p14="http://schemas.microsoft.com/office/powerpoint/2010/main" val="3880495613"/>
+      </p:ext>
+    </p:extLst>
+  </p:cSld>
+  <p:clrMapOvr>
+    <a:masterClrMapping/>
+  </p:clrMapOvr>
+</p:notes>
 </file>
 
 <file path=ppt/slideLayouts/slideLayout1.xml><?xml version="1.0" encoding="utf-8"?>
@@ -984,7 +1880,7 @@
           <a:p>
             <a:fld id="{B5A57E69-69A7-4CE6-9D16-BCA68F355CE4}" type="datetime1">
               <a:rPr lang="en-US" smtClean="0"/>
-              <a:t>7/22/2016</a:t>
+              <a:t>7/26/2016</a:t>
             </a:fld>
             <a:endParaRPr lang="en-US" dirty="0"/>
           </a:p>
@@ -1966,7 +2862,7 @@
           <a:p>
             <a:fld id="{043FB00D-848D-4FA0-8B21-B865E24DA6D8}" type="datetime1">
               <a:rPr lang="en-US" smtClean="0"/>
-              <a:t>7/22/2016</a:t>
+              <a:t>7/26/2016</a:t>
             </a:fld>
             <a:endParaRPr lang="en-US" dirty="0"/>
           </a:p>
@@ -2836,7 +3732,7 @@
           <a:p>
             <a:fld id="{7D9071C6-9DFA-4850-89F8-9D321476828C}" type="datetime1">
               <a:rPr lang="en-US" smtClean="0"/>
-              <a:t>7/22/2016</a:t>
+              <a:t>7/26/2016</a:t>
             </a:fld>
             <a:endParaRPr lang="en-US" dirty="0"/>
           </a:p>
@@ -3857,7 +4753,7 @@
           <a:p>
             <a:fld id="{17FF5D53-2DEA-4D36-8170-1482CC611023}" type="datetime1">
               <a:rPr lang="en-US" smtClean="0"/>
-              <a:t>7/22/2016</a:t>
+              <a:t>7/26/2016</a:t>
             </a:fld>
             <a:endParaRPr lang="en-US" dirty="0"/>
           </a:p>
@@ -4777,7 +5673,7 @@
           <a:p>
             <a:fld id="{B5690A8C-5BB5-4B08-B8E2-5A457A808034}" type="datetime1">
               <a:rPr lang="en-US" smtClean="0"/>
-              <a:t>7/22/2016</a:t>
+              <a:t>7/26/2016</a:t>
             </a:fld>
             <a:endParaRPr lang="en-US" dirty="0"/>
           </a:p>
@@ -5433,7 +6329,7 @@
           <a:p>
             <a:fld id="{A803FBEC-9D37-40CE-94AB-92C3934D97E9}" type="datetime1">
               <a:rPr lang="en-US" smtClean="0"/>
-              <a:t>7/22/2016</a:t>
+              <a:t>7/26/2016</a:t>
             </a:fld>
             <a:endParaRPr lang="en-US" dirty="0"/>
           </a:p>
@@ -6290,7 +7186,7 @@
           <a:p>
             <a:fld id="{7A19FE47-D497-4EFE-8B95-2E6835C26179}" type="datetime1">
               <a:rPr lang="en-US" smtClean="0"/>
-              <a:t>7/22/2016</a:t>
+              <a:t>7/26/2016</a:t>
             </a:fld>
             <a:endParaRPr lang="en-US" dirty="0"/>
           </a:p>
@@ -6473,7 +7369,7 @@
           <a:p>
             <a:fld id="{3D6E87D2-FA5D-4067-86E8-FBFB7E7FB1A0}" type="datetime1">
               <a:rPr lang="en-US" smtClean="0"/>
-              <a:t>7/22/2016</a:t>
+              <a:t>7/26/2016</a:t>
             </a:fld>
             <a:endParaRPr lang="en-US" dirty="0"/>
           </a:p>
@@ -7330,7 +8226,7 @@
           <a:p>
             <a:fld id="{2AEE457A-5D0D-4A7C-B75F-B4BAA730D182}" type="datetime1">
               <a:rPr lang="en-US" smtClean="0"/>
-              <a:t>7/22/2016</a:t>
+              <a:t>7/26/2016</a:t>
             </a:fld>
             <a:endParaRPr lang="en-US" dirty="0"/>
           </a:p>
@@ -7549,7 +8445,7 @@
           <a:p>
             <a:fld id="{6DE09B35-2599-44DD-A720-00D58C2C5CFD}" type="datetime1">
               <a:rPr lang="en-US" smtClean="0"/>
-              <a:t>7/22/2016</a:t>
+              <a:t>7/26/2016</a:t>
             </a:fld>
             <a:endParaRPr lang="en-US" dirty="0"/>
           </a:p>
@@ -8474,7 +9370,7 @@
           <a:p>
             <a:fld id="{969F5E0F-CC83-4EE8-9839-D788B4A036CE}" type="datetime1">
               <a:rPr lang="en-US" smtClean="0"/>
-              <a:t>7/22/2016</a:t>
+              <a:t>7/26/2016</a:t>
             </a:fld>
             <a:endParaRPr lang="en-US" dirty="0"/>
           </a:p>
@@ -8758,7 +9654,7 @@
           <a:p>
             <a:fld id="{CDDAEA97-4880-476B-8319-6583C779BB5D}" type="datetime1">
               <a:rPr lang="en-US" smtClean="0"/>
-              <a:t>7/22/2016</a:t>
+              <a:t>7/26/2016</a:t>
             </a:fld>
             <a:endParaRPr lang="en-US" dirty="0"/>
           </a:p>
@@ -9148,7 +10044,7 @@
           <a:p>
             <a:fld id="{2C291960-C88C-4CB7-8E8E-46A766ED1A81}" type="datetime1">
               <a:rPr lang="en-US" smtClean="0"/>
-              <a:t>7/22/2016</a:t>
+              <a:t>7/26/2016</a:t>
             </a:fld>
             <a:endParaRPr lang="en-US" dirty="0"/>
           </a:p>
@@ -9274,7 +10170,7 @@
           <a:p>
             <a:fld id="{891D52F6-B362-4B3C-9D0D-1E48C91E2893}" type="datetime1">
               <a:rPr lang="en-US" smtClean="0"/>
-              <a:t>7/22/2016</a:t>
+              <a:t>7/26/2016</a:t>
             </a:fld>
             <a:endParaRPr lang="en-US" dirty="0"/>
           </a:p>
@@ -9369,7 +10265,7 @@
           <a:p>
             <a:fld id="{E0A292E6-B37A-41F0-B490-4AAC465AB83D}" type="datetime1">
               <a:rPr lang="en-US" smtClean="0"/>
-              <a:t>7/22/2016</a:t>
+              <a:t>7/26/2016</a:t>
             </a:fld>
             <a:endParaRPr lang="en-US" dirty="0"/>
           </a:p>
@@ -10340,7 +11236,7 @@
           <a:p>
             <a:fld id="{181BDAB6-DBE1-4D3D-9D8A-BA801ABA5851}" type="datetime1">
               <a:rPr lang="en-US" smtClean="0"/>
-              <a:t>7/22/2016</a:t>
+              <a:t>7/26/2016</a:t>
             </a:fld>
             <a:endParaRPr lang="en-US" dirty="0"/>
           </a:p>
@@ -11335,7 +12231,7 @@
           <a:p>
             <a:fld id="{CBED0DF2-0007-46C6-8409-26105F305ACE}" type="datetime1">
               <a:rPr lang="en-US" smtClean="0"/>
-              <a:t>7/22/2016</a:t>
+              <a:t>7/26/2016</a:t>
             </a:fld>
             <a:endParaRPr lang="en-US" dirty="0"/>
           </a:p>
@@ -12219,7 +13115,7 @@
           <a:p>
             <a:fld id="{0660FED1-CE89-4720-8B86-5BB7EAF63ADC}" type="datetime1">
               <a:rPr lang="en-US" smtClean="0"/>
-              <a:t>7/22/2016</a:t>
+              <a:t>7/26/2016</a:t>
             </a:fld>
             <a:endParaRPr lang="en-US" dirty="0"/>
           </a:p>
@@ -13037,11 +13933,21 @@
                 <a:latin typeface="Segoe UI Light" panose="020B0502040204020203" pitchFamily="34" charset="0"/>
                 <a:cs typeface="Segoe UI Light" panose="020B0502040204020203" pitchFamily="34" charset="0"/>
               </a:rPr>
-              <a:t>Classes</a:t>
+              <a:t>Classes - </a:t>
+            </a:r>
+            <a:r>
+              <a:rPr lang="en-US" sz="1600" dirty="0" smtClean="0">
+                <a:solidFill>
+                  <a:srgbClr val="00B0F0"/>
+                </a:solidFill>
+                <a:latin typeface="Segoe UI Light" panose="020B0502040204020203" pitchFamily="34" charset="0"/>
+                <a:cs typeface="Segoe UI Light" panose="020B0502040204020203" pitchFamily="34" charset="0"/>
+              </a:rPr>
+              <a:t>Abstract</a:t>
             </a:r>
             <a:endParaRPr lang="en-US" sz="1600" dirty="0">
               <a:solidFill>
-                <a:srgbClr val="FFFF00"/>
+                <a:srgbClr val="00B0F0"/>
               </a:solidFill>
               <a:latin typeface="Segoe UI Light" panose="020B0502040204020203" pitchFamily="34" charset="0"/>
               <a:cs typeface="Segoe UI Light" panose="020B0502040204020203" pitchFamily="34" charset="0"/>
@@ -13148,55 +14054,6 @@
             <a:endParaRPr lang="en-US" sz="1100" dirty="0">
               <a:solidFill>
                 <a:srgbClr val="FFFF00"/>
-              </a:solidFill>
-              <a:latin typeface="Segoe UI Light" panose="020B0502040204020203" pitchFamily="34" charset="0"/>
-              <a:cs typeface="Segoe UI Light" panose="020B0502040204020203" pitchFamily="34" charset="0"/>
-            </a:endParaRPr>
-          </a:p>
-        </p:txBody>
-      </p:sp>
-      <p:sp>
-        <p:nvSpPr>
-          <p:cNvPr id="5" name="TextBox 4"/>
-          <p:cNvSpPr txBox="1"/>
-          <p:nvPr/>
-        </p:nvSpPr>
-        <p:spPr>
-          <a:xfrm>
-            <a:off x="1219200" y="1290027"/>
-            <a:ext cx="1838325" cy="369332"/>
-          </a:xfrm>
-          <a:prstGeom prst="rect">
-            <a:avLst/>
-          </a:prstGeom>
-          <a:noFill/>
-        </p:spPr>
-        <p:txBody>
-          <a:bodyPr wrap="square" rtlCol="0">
-            <a:spAutoFit/>
-          </a:bodyPr>
-          <a:lstStyle/>
-          <a:p>
-            <a:pPr marL="285750" indent="-285750">
-              <a:buClr>
-                <a:srgbClr val="FFFF00"/>
-              </a:buClr>
-              <a:buFont typeface="Arial" panose="020B0604020202020204" pitchFamily="34" charset="0"/>
-              <a:buChar char="•"/>
-            </a:pPr>
-            <a:r>
-              <a:rPr lang="en-US" dirty="0" smtClean="0">
-                <a:solidFill>
-                  <a:schemeClr val="bg1"/>
-                </a:solidFill>
-                <a:latin typeface="Segoe UI Light" panose="020B0502040204020203" pitchFamily="34" charset="0"/>
-                <a:cs typeface="Segoe UI Light" panose="020B0502040204020203" pitchFamily="34" charset="0"/>
-              </a:rPr>
-              <a:t>Abstract</a:t>
-            </a:r>
-            <a:endParaRPr lang="en-US" dirty="0">
-              <a:solidFill>
-                <a:schemeClr val="bg1"/>
               </a:solidFill>
               <a:latin typeface="Segoe UI Light" panose="020B0502040204020203" pitchFamily="34" charset="0"/>
               <a:cs typeface="Segoe UI Light" panose="020B0502040204020203" pitchFamily="34" charset="0"/>
@@ -13935,7 +14792,7 @@
           <a:p>
             <a:r>
               <a:rPr lang="en-US" dirty="0" smtClean="0"/>
-              <a:t>11</a:t>
+              <a:t>12</a:t>
             </a:r>
             <a:endParaRPr lang="en-US" dirty="0"/>
           </a:p>
@@ -14674,6 +15531,4264 @@
 </p:sld>
 </file>
 
+<file path=ppt/slides/slide13.xml><?xml version="1.0" encoding="utf-8"?>
+<p:sld xmlns:a="http://schemas.openxmlformats.org/drawingml/2006/main" xmlns:r="http://schemas.openxmlformats.org/officeDocument/2006/relationships" xmlns:p="http://schemas.openxmlformats.org/presentationml/2006/main">
+  <p:cSld>
+    <p:bg>
+      <p:bgPr>
+        <a:solidFill>
+          <a:schemeClr val="bg1"/>
+        </a:solidFill>
+        <a:effectLst/>
+      </p:bgPr>
+    </p:bg>
+    <p:spTree>
+      <p:nvGrpSpPr>
+        <p:cNvPr id="1" name=""/>
+        <p:cNvGrpSpPr/>
+        <p:nvPr/>
+      </p:nvGrpSpPr>
+      <p:grpSpPr>
+        <a:xfrm>
+          <a:off x="0" y="0"/>
+          <a:ext cx="0" cy="0"/>
+          <a:chOff x="0" y="0"/>
+          <a:chExt cx="0" cy="0"/>
+        </a:xfrm>
+      </p:grpSpPr>
+      <p:sp>
+        <p:nvSpPr>
+          <p:cNvPr id="6" name="Slide Number Placeholder 6"/>
+          <p:cNvSpPr>
+            <a:spLocks noGrp="1"/>
+          </p:cNvSpPr>
+          <p:nvPr>
+            <p:ph type="sldNum" sz="quarter" idx="12"/>
+          </p:nvPr>
+        </p:nvSpPr>
+        <p:spPr>
+          <a:xfrm>
+            <a:off x="10351008" y="292608"/>
+            <a:ext cx="838199" cy="767687"/>
+          </a:xfrm>
+        </p:spPr>
+        <p:txBody>
+          <a:bodyPr/>
+          <a:lstStyle/>
+          <a:p>
+            <a:r>
+              <a:rPr lang="en-US" dirty="0" smtClean="0"/>
+              <a:t>12</a:t>
+            </a:r>
+            <a:endParaRPr lang="en-US" dirty="0"/>
+          </a:p>
+        </p:txBody>
+      </p:sp>
+      <p:sp>
+        <p:nvSpPr>
+          <p:cNvPr id="8" name="TextBox 7"/>
+          <p:cNvSpPr txBox="1"/>
+          <p:nvPr/>
+        </p:nvSpPr>
+        <p:spPr>
+          <a:xfrm>
+            <a:off x="604448" y="537075"/>
+            <a:ext cx="9631233" cy="523220"/>
+          </a:xfrm>
+          <a:prstGeom prst="rect">
+            <a:avLst/>
+          </a:prstGeom>
+          <a:noFill/>
+        </p:spPr>
+        <p:txBody>
+          <a:bodyPr wrap="square" rtlCol="0">
+            <a:spAutoFit/>
+          </a:bodyPr>
+          <a:lstStyle/>
+          <a:p>
+            <a:r>
+              <a:rPr lang="en-US" sz="2800" dirty="0" smtClean="0">
+                <a:solidFill>
+                  <a:schemeClr val="bg1"/>
+                </a:solidFill>
+                <a:latin typeface="Segoe UI Light" panose="020B0502040204020203" pitchFamily="34" charset="0"/>
+                <a:cs typeface="Segoe UI Light" panose="020B0502040204020203" pitchFamily="34" charset="0"/>
+              </a:rPr>
+              <a:t>Features – </a:t>
+            </a:r>
+            <a:r>
+              <a:rPr lang="en-US" sz="2400" dirty="0" smtClean="0">
+                <a:solidFill>
+                  <a:schemeClr val="bg1"/>
+                </a:solidFill>
+                <a:latin typeface="Segoe UI Light" panose="020B0502040204020203" pitchFamily="34" charset="0"/>
+                <a:cs typeface="Segoe UI Light" panose="020B0502040204020203" pitchFamily="34" charset="0"/>
+              </a:rPr>
+              <a:t>Advanced –</a:t>
+            </a:r>
+            <a:r>
+              <a:rPr lang="en-US" sz="2400" dirty="0" smtClean="0">
+                <a:solidFill>
+                  <a:srgbClr val="FFFF00"/>
+                </a:solidFill>
+                <a:latin typeface="Segoe UI Light" panose="020B0502040204020203" pitchFamily="34" charset="0"/>
+                <a:cs typeface="Segoe UI Light" panose="020B0502040204020203" pitchFamily="34" charset="0"/>
+              </a:rPr>
+              <a:t> </a:t>
+            </a:r>
+            <a:r>
+              <a:rPr lang="en-US" sz="1600" dirty="0" smtClean="0">
+                <a:solidFill>
+                  <a:srgbClr val="FFFF00"/>
+                </a:solidFill>
+                <a:latin typeface="Segoe UI Light" panose="020B0502040204020203" pitchFamily="34" charset="0"/>
+                <a:cs typeface="Segoe UI Light" panose="020B0502040204020203" pitchFamily="34" charset="0"/>
+              </a:rPr>
+              <a:t>Advanced Types – </a:t>
+            </a:r>
+            <a:r>
+              <a:rPr lang="en-US" sz="1600" dirty="0" smtClean="0">
+                <a:solidFill>
+                  <a:srgbClr val="00B0F0"/>
+                </a:solidFill>
+                <a:latin typeface="Segoe UI Light" panose="020B0502040204020203" pitchFamily="34" charset="0"/>
+                <a:cs typeface="Segoe UI Light" panose="020B0502040204020203" pitchFamily="34" charset="0"/>
+              </a:rPr>
+              <a:t>Union Types</a:t>
+            </a:r>
+            <a:endParaRPr lang="en-US" sz="1600" dirty="0">
+              <a:solidFill>
+                <a:srgbClr val="00B0F0"/>
+              </a:solidFill>
+              <a:latin typeface="Segoe UI Light" panose="020B0502040204020203" pitchFamily="34" charset="0"/>
+              <a:cs typeface="Segoe UI Light" panose="020B0502040204020203" pitchFamily="34" charset="0"/>
+            </a:endParaRPr>
+          </a:p>
+        </p:txBody>
+      </p:sp>
+      <p:sp>
+        <p:nvSpPr>
+          <p:cNvPr id="10" name="TextBox 9"/>
+          <p:cNvSpPr txBox="1"/>
+          <p:nvPr/>
+        </p:nvSpPr>
+        <p:spPr>
+          <a:xfrm>
+            <a:off x="1054554" y="1388221"/>
+            <a:ext cx="3390900" cy="646331"/>
+          </a:xfrm>
+          <a:prstGeom prst="rect">
+            <a:avLst/>
+          </a:prstGeom>
+          <a:noFill/>
+        </p:spPr>
+        <p:txBody>
+          <a:bodyPr wrap="square" rtlCol="0">
+            <a:spAutoFit/>
+          </a:bodyPr>
+          <a:lstStyle/>
+          <a:p>
+            <a:pPr>
+              <a:buClr>
+                <a:srgbClr val="FFFF00"/>
+              </a:buClr>
+            </a:pPr>
+            <a:endParaRPr lang="en-US" dirty="0" smtClean="0">
+              <a:solidFill>
+                <a:schemeClr val="bg1"/>
+              </a:solidFill>
+              <a:latin typeface="Segoe UI Light" panose="020B0502040204020203" pitchFamily="34" charset="0"/>
+              <a:cs typeface="Segoe UI Light" panose="020B0502040204020203" pitchFamily="34" charset="0"/>
+            </a:endParaRPr>
+          </a:p>
+          <a:p>
+            <a:pPr>
+              <a:buClr>
+                <a:srgbClr val="FFFF00"/>
+              </a:buClr>
+            </a:pPr>
+            <a:endParaRPr lang="en-US" dirty="0" smtClean="0">
+              <a:solidFill>
+                <a:schemeClr val="bg1"/>
+              </a:solidFill>
+              <a:latin typeface="Segoe UI Light" panose="020B0502040204020203" pitchFamily="34" charset="0"/>
+              <a:cs typeface="Segoe UI Light" panose="020B0502040204020203" pitchFamily="34" charset="0"/>
+            </a:endParaRPr>
+          </a:p>
+        </p:txBody>
+      </p:sp>
+      <p:sp>
+        <p:nvSpPr>
+          <p:cNvPr id="9" name="Title 1"/>
+          <p:cNvSpPr>
+            <a:spLocks noGrp="1"/>
+          </p:cNvSpPr>
+          <p:nvPr>
+            <p:ph type="ctrTitle"/>
+          </p:nvPr>
+        </p:nvSpPr>
+        <p:spPr>
+          <a:xfrm>
+            <a:off x="9377266" y="6148873"/>
+            <a:ext cx="2313992" cy="220543"/>
+          </a:xfrm>
+        </p:spPr>
+        <p:txBody>
+          <a:bodyPr/>
+          <a:lstStyle/>
+          <a:p>
+            <a:pPr algn="ctr"/>
+            <a:r>
+              <a:rPr lang="en-US" sz="1100" b="1" dirty="0" smtClean="0">
+                <a:latin typeface="Segoe UI Light" panose="020B0502040204020203" pitchFamily="34" charset="0"/>
+                <a:cs typeface="Segoe UI Light" panose="020B0502040204020203" pitchFamily="34" charset="0"/>
+              </a:rPr>
+              <a:t>Type</a:t>
+            </a:r>
+            <a:r>
+              <a:rPr lang="en-US" sz="1100" dirty="0" smtClean="0">
+                <a:latin typeface="Segoe UI Light" panose="020B0502040204020203" pitchFamily="34" charset="0"/>
+                <a:cs typeface="Segoe UI Light" panose="020B0502040204020203" pitchFamily="34" charset="0"/>
+              </a:rPr>
+              <a:t>Script – </a:t>
+            </a:r>
+            <a:r>
+              <a:rPr lang="en-US" sz="1100" dirty="0" smtClean="0">
+                <a:solidFill>
+                  <a:srgbClr val="FFFF00"/>
+                </a:solidFill>
+                <a:latin typeface="Segoe UI Light" panose="020B0502040204020203" pitchFamily="34" charset="0"/>
+                <a:cs typeface="Segoe UI Light" panose="020B0502040204020203" pitchFamily="34" charset="0"/>
+              </a:rPr>
+              <a:t>www.typescriptlang.org</a:t>
+            </a:r>
+            <a:endParaRPr lang="en-US" sz="1100" dirty="0">
+              <a:solidFill>
+                <a:srgbClr val="FFFF00"/>
+              </a:solidFill>
+              <a:latin typeface="Segoe UI Light" panose="020B0502040204020203" pitchFamily="34" charset="0"/>
+              <a:cs typeface="Segoe UI Light" panose="020B0502040204020203" pitchFamily="34" charset="0"/>
+            </a:endParaRPr>
+          </a:p>
+        </p:txBody>
+      </p:sp>
+      <p:sp>
+        <p:nvSpPr>
+          <p:cNvPr id="5" name="TextBox 4"/>
+          <p:cNvSpPr txBox="1"/>
+          <p:nvPr/>
+        </p:nvSpPr>
+        <p:spPr>
+          <a:xfrm>
+            <a:off x="1219200" y="1290027"/>
+            <a:ext cx="8648700" cy="1477328"/>
+          </a:xfrm>
+          <a:prstGeom prst="rect">
+            <a:avLst/>
+          </a:prstGeom>
+          <a:noFill/>
+        </p:spPr>
+        <p:txBody>
+          <a:bodyPr wrap="square" rtlCol="0">
+            <a:spAutoFit/>
+          </a:bodyPr>
+          <a:lstStyle/>
+          <a:p>
+            <a:pPr marL="285750" indent="-285750">
+              <a:buClr>
+                <a:srgbClr val="FFFF00"/>
+              </a:buClr>
+              <a:buFont typeface="Arial" panose="020B0604020202020204" pitchFamily="34" charset="0"/>
+              <a:buChar char="•"/>
+            </a:pPr>
+            <a:r>
+              <a:rPr lang="en-US" dirty="0" smtClean="0">
+                <a:solidFill>
+                  <a:schemeClr val="bg1"/>
+                </a:solidFill>
+                <a:latin typeface="Segoe UI Light" panose="020B0502040204020203" pitchFamily="34" charset="0"/>
+                <a:cs typeface="Segoe UI Light" panose="020B0502040204020203" pitchFamily="34" charset="0"/>
+              </a:rPr>
+              <a:t>Use the vertical bar ( </a:t>
+            </a:r>
+            <a:r>
+              <a:rPr lang="en-US" dirty="0" smtClean="0">
+                <a:solidFill>
+                  <a:srgbClr val="FFFF00"/>
+                </a:solidFill>
+                <a:latin typeface="Segoe UI Light" panose="020B0502040204020203" pitchFamily="34" charset="0"/>
+                <a:cs typeface="Segoe UI Light" panose="020B0502040204020203" pitchFamily="34" charset="0"/>
+              </a:rPr>
+              <a:t>|</a:t>
+            </a:r>
+            <a:r>
+              <a:rPr lang="en-US" dirty="0" smtClean="0">
+                <a:solidFill>
+                  <a:schemeClr val="bg1"/>
+                </a:solidFill>
+                <a:latin typeface="Segoe UI Light" panose="020B0502040204020203" pitchFamily="34" charset="0"/>
+                <a:cs typeface="Segoe UI Light" panose="020B0502040204020203" pitchFamily="34" charset="0"/>
+              </a:rPr>
+              <a:t> ) to separate each type</a:t>
+            </a:r>
+          </a:p>
+          <a:p>
+            <a:pPr marL="285750" indent="-285750">
+              <a:buClr>
+                <a:srgbClr val="FFFF00"/>
+              </a:buClr>
+              <a:buFont typeface="Arial" panose="020B0604020202020204" pitchFamily="34" charset="0"/>
+              <a:buChar char="•"/>
+            </a:pPr>
+            <a:endParaRPr lang="en-US" i="1" dirty="0" smtClean="0">
+              <a:solidFill>
+                <a:srgbClr val="FFFF00"/>
+              </a:solidFill>
+              <a:latin typeface="Segoe UI Light" panose="020B0502040204020203" pitchFamily="34" charset="0"/>
+              <a:cs typeface="Segoe UI Light" panose="020B0502040204020203" pitchFamily="34" charset="0"/>
+            </a:endParaRPr>
+          </a:p>
+          <a:p>
+            <a:pPr marL="285750" indent="-285750">
+              <a:buClr>
+                <a:srgbClr val="FFFF00"/>
+              </a:buClr>
+              <a:buFont typeface="Arial" panose="020B0604020202020204" pitchFamily="34" charset="0"/>
+              <a:buChar char="•"/>
+            </a:pPr>
+            <a:endParaRPr lang="en-US" i="1" dirty="0">
+              <a:solidFill>
+                <a:srgbClr val="FFFF00"/>
+              </a:solidFill>
+              <a:latin typeface="Segoe UI Light" panose="020B0502040204020203" pitchFamily="34" charset="0"/>
+              <a:cs typeface="Segoe UI Light" panose="020B0502040204020203" pitchFamily="34" charset="0"/>
+            </a:endParaRPr>
+          </a:p>
+          <a:p>
+            <a:pPr marL="285750" indent="-285750">
+              <a:buClr>
+                <a:srgbClr val="FFFF00"/>
+              </a:buClr>
+              <a:buFont typeface="Arial" panose="020B0604020202020204" pitchFamily="34" charset="0"/>
+              <a:buChar char="•"/>
+            </a:pPr>
+            <a:r>
+              <a:rPr lang="en-US" dirty="0" smtClean="0">
+                <a:solidFill>
+                  <a:schemeClr val="bg1"/>
+                </a:solidFill>
+                <a:latin typeface="Segoe UI Light" panose="020B0502040204020203" pitchFamily="34" charset="0"/>
+                <a:cs typeface="Segoe UI Light" panose="020B0502040204020203" pitchFamily="34" charset="0"/>
+              </a:rPr>
+              <a:t>Can only access members are common to all types in the union</a:t>
+            </a:r>
+            <a:endParaRPr lang="en-US" dirty="0" smtClean="0">
+              <a:solidFill>
+                <a:schemeClr val="bg1"/>
+              </a:solidFill>
+              <a:latin typeface="Segoe UI Light" panose="020B0502040204020203" pitchFamily="34" charset="0"/>
+              <a:cs typeface="Segoe UI Light" panose="020B0502040204020203" pitchFamily="34" charset="0"/>
+            </a:endParaRPr>
+          </a:p>
+          <a:p>
+            <a:pPr>
+              <a:buClr>
+                <a:srgbClr val="FFFF00"/>
+              </a:buClr>
+            </a:pPr>
+            <a:endParaRPr lang="en-US" dirty="0">
+              <a:solidFill>
+                <a:schemeClr val="bg1"/>
+              </a:solidFill>
+              <a:latin typeface="Segoe UI Light" panose="020B0502040204020203" pitchFamily="34" charset="0"/>
+              <a:cs typeface="Segoe UI Light" panose="020B0502040204020203" pitchFamily="34" charset="0"/>
+            </a:endParaRPr>
+          </a:p>
+        </p:txBody>
+      </p:sp>
+      <p:pic>
+        <p:nvPicPr>
+          <p:cNvPr id="7" name="Picture 6"/>
+          <p:cNvPicPr>
+            <a:picLocks noChangeAspect="1"/>
+          </p:cNvPicPr>
+          <p:nvPr/>
+        </p:nvPicPr>
+        <p:blipFill>
+          <a:blip r:embed="rId2"/>
+          <a:stretch>
+            <a:fillRect/>
+          </a:stretch>
+        </p:blipFill>
+        <p:spPr>
+          <a:xfrm>
+            <a:off x="6195440" y="1438141"/>
+            <a:ext cx="4410075" cy="590550"/>
+          </a:xfrm>
+          <a:prstGeom prst="rect">
+            <a:avLst/>
+          </a:prstGeom>
+        </p:spPr>
+      </p:pic>
+      <p:pic>
+        <p:nvPicPr>
+          <p:cNvPr id="11" name="Picture 10"/>
+          <p:cNvPicPr>
+            <a:picLocks noChangeAspect="1"/>
+          </p:cNvPicPr>
+          <p:nvPr/>
+        </p:nvPicPr>
+        <p:blipFill>
+          <a:blip r:embed="rId3"/>
+          <a:stretch>
+            <a:fillRect/>
+          </a:stretch>
+        </p:blipFill>
+        <p:spPr>
+          <a:xfrm>
+            <a:off x="5909690" y="2557653"/>
+            <a:ext cx="4695825" cy="3333750"/>
+          </a:xfrm>
+          <a:prstGeom prst="rect">
+            <a:avLst/>
+          </a:prstGeom>
+        </p:spPr>
+      </p:pic>
+      <p:pic>
+        <p:nvPicPr>
+          <p:cNvPr id="12" name="Picture 11"/>
+          <p:cNvPicPr>
+            <a:picLocks noChangeAspect="1"/>
+          </p:cNvPicPr>
+          <p:nvPr/>
+        </p:nvPicPr>
+        <p:blipFill>
+          <a:blip r:embed="rId4"/>
+          <a:stretch>
+            <a:fillRect/>
+          </a:stretch>
+        </p:blipFill>
+        <p:spPr>
+          <a:xfrm>
+            <a:off x="1541483" y="2557653"/>
+            <a:ext cx="3819525" cy="3076575"/>
+          </a:xfrm>
+          <a:prstGeom prst="rect">
+            <a:avLst/>
+          </a:prstGeom>
+        </p:spPr>
+      </p:pic>
+    </p:spTree>
+    <p:extLst>
+      <p:ext uri="{BB962C8B-B14F-4D97-AF65-F5344CB8AC3E}">
+        <p14:creationId xmlns:p14="http://schemas.microsoft.com/office/powerpoint/2010/main" val="2488412675"/>
+      </p:ext>
+    </p:extLst>
+  </p:cSld>
+  <p:clrMapOvr>
+    <a:masterClrMapping/>
+  </p:clrMapOvr>
+  <p:timing>
+    <p:tnLst>
+      <p:par>
+        <p:cTn id="1" dur="indefinite" restart="never" nodeType="tmRoot">
+          <p:childTnLst>
+            <p:seq concurrent="1" nextAc="seek">
+              <p:cTn id="2" dur="indefinite" nodeType="mainSeq">
+                <p:childTnLst>
+                  <p:par>
+                    <p:cTn id="3" fill="hold">
+                      <p:stCondLst>
+                        <p:cond delay="indefinite"/>
+                      </p:stCondLst>
+                      <p:childTnLst>
+                        <p:par>
+                          <p:cTn id="4" fill="hold">
+                            <p:stCondLst>
+                              <p:cond delay="0"/>
+                            </p:stCondLst>
+                            <p:childTnLst>
+                              <p:par>
+                                <p:cTn id="5" presetID="1" presetClass="entr" presetSubtype="0" fill="hold" nodeType="clickEffect">
+                                  <p:stCondLst>
+                                    <p:cond delay="0"/>
+                                  </p:stCondLst>
+                                  <p:childTnLst>
+                                    <p:set>
+                                      <p:cBhvr>
+                                        <p:cTn id="6" dur="1" fill="hold">
+                                          <p:stCondLst>
+                                            <p:cond delay="0"/>
+                                          </p:stCondLst>
+                                        </p:cTn>
+                                        <p:tgtEl>
+                                          <p:spTgt spid="5">
+                                            <p:txEl>
+                                              <p:pRg st="0" end="0"/>
+                                            </p:txEl>
+                                          </p:spTgt>
+                                        </p:tgtEl>
+                                        <p:attrNameLst>
+                                          <p:attrName>style.visibility</p:attrName>
+                                        </p:attrNameLst>
+                                      </p:cBhvr>
+                                      <p:to>
+                                        <p:strVal val="visible"/>
+                                      </p:to>
+                                    </p:set>
+                                  </p:childTnLst>
+                                </p:cTn>
+                              </p:par>
+                              <p:par>
+                                <p:cTn id="7" presetID="1" presetClass="entr" presetSubtype="0" fill="hold" nodeType="withEffect">
+                                  <p:stCondLst>
+                                    <p:cond delay="0"/>
+                                  </p:stCondLst>
+                                  <p:childTnLst>
+                                    <p:set>
+                                      <p:cBhvr>
+                                        <p:cTn id="8" dur="1" fill="hold">
+                                          <p:stCondLst>
+                                            <p:cond delay="0"/>
+                                          </p:stCondLst>
+                                        </p:cTn>
+                                        <p:tgtEl>
+                                          <p:spTgt spid="7"/>
+                                        </p:tgtEl>
+                                        <p:attrNameLst>
+                                          <p:attrName>style.visibility</p:attrName>
+                                        </p:attrNameLst>
+                                      </p:cBhvr>
+                                      <p:to>
+                                        <p:strVal val="visible"/>
+                                      </p:to>
+                                    </p:set>
+                                  </p:childTnLst>
+                                </p:cTn>
+                              </p:par>
+                            </p:childTnLst>
+                          </p:cTn>
+                        </p:par>
+                      </p:childTnLst>
+                    </p:cTn>
+                  </p:par>
+                  <p:par>
+                    <p:cTn id="9" fill="hold">
+                      <p:stCondLst>
+                        <p:cond delay="indefinite"/>
+                      </p:stCondLst>
+                      <p:childTnLst>
+                        <p:par>
+                          <p:cTn id="10" fill="hold">
+                            <p:stCondLst>
+                              <p:cond delay="0"/>
+                            </p:stCondLst>
+                            <p:childTnLst>
+                              <p:par>
+                                <p:cTn id="11" presetID="1" presetClass="entr" presetSubtype="0" fill="hold" nodeType="clickEffect">
+                                  <p:stCondLst>
+                                    <p:cond delay="0"/>
+                                  </p:stCondLst>
+                                  <p:childTnLst>
+                                    <p:set>
+                                      <p:cBhvr>
+                                        <p:cTn id="12" dur="1" fill="hold">
+                                          <p:stCondLst>
+                                            <p:cond delay="0"/>
+                                          </p:stCondLst>
+                                        </p:cTn>
+                                        <p:tgtEl>
+                                          <p:spTgt spid="5">
+                                            <p:txEl>
+                                              <p:pRg st="3" end="3"/>
+                                            </p:txEl>
+                                          </p:spTgt>
+                                        </p:tgtEl>
+                                        <p:attrNameLst>
+                                          <p:attrName>style.visibility</p:attrName>
+                                        </p:attrNameLst>
+                                      </p:cBhvr>
+                                      <p:to>
+                                        <p:strVal val="visible"/>
+                                      </p:to>
+                                    </p:set>
+                                  </p:childTnLst>
+                                </p:cTn>
+                              </p:par>
+                              <p:par>
+                                <p:cTn id="13" presetID="1" presetClass="entr" presetSubtype="0" fill="hold" nodeType="withEffect">
+                                  <p:stCondLst>
+                                    <p:cond delay="0"/>
+                                  </p:stCondLst>
+                                  <p:childTnLst>
+                                    <p:set>
+                                      <p:cBhvr>
+                                        <p:cTn id="14" dur="1" fill="hold">
+                                          <p:stCondLst>
+                                            <p:cond delay="0"/>
+                                          </p:stCondLst>
+                                        </p:cTn>
+                                        <p:tgtEl>
+                                          <p:spTgt spid="11"/>
+                                        </p:tgtEl>
+                                        <p:attrNameLst>
+                                          <p:attrName>style.visibility</p:attrName>
+                                        </p:attrNameLst>
+                                      </p:cBhvr>
+                                      <p:to>
+                                        <p:strVal val="visible"/>
+                                      </p:to>
+                                    </p:set>
+                                  </p:childTnLst>
+                                </p:cTn>
+                              </p:par>
+                              <p:par>
+                                <p:cTn id="15" presetID="1" presetClass="entr" presetSubtype="0" fill="hold" nodeType="withEffect">
+                                  <p:stCondLst>
+                                    <p:cond delay="0"/>
+                                  </p:stCondLst>
+                                  <p:childTnLst>
+                                    <p:set>
+                                      <p:cBhvr>
+                                        <p:cTn id="16" dur="1" fill="hold">
+                                          <p:stCondLst>
+                                            <p:cond delay="0"/>
+                                          </p:stCondLst>
+                                        </p:cTn>
+                                        <p:tgtEl>
+                                          <p:spTgt spid="12"/>
+                                        </p:tgtEl>
+                                        <p:attrNameLst>
+                                          <p:attrName>style.visibility</p:attrName>
+                                        </p:attrNameLst>
+                                      </p:cBhvr>
+                                      <p:to>
+                                        <p:strVal val="visible"/>
+                                      </p:to>
+                                    </p:set>
+                                  </p:childTnLst>
+                                </p:cTn>
+                              </p:par>
+                            </p:childTnLst>
+                          </p:cTn>
+                        </p:par>
+                      </p:childTnLst>
+                    </p:cTn>
+                  </p:par>
+                </p:childTnLst>
+              </p:cTn>
+              <p:prevCondLst>
+                <p:cond evt="onPrev" delay="0">
+                  <p:tgtEl>
+                    <p:sldTgt/>
+                  </p:tgtEl>
+                </p:cond>
+              </p:prevCondLst>
+              <p:nextCondLst>
+                <p:cond evt="onNext" delay="0">
+                  <p:tgtEl>
+                    <p:sldTgt/>
+                  </p:tgtEl>
+                </p:cond>
+              </p:nextCondLst>
+            </p:seq>
+          </p:childTnLst>
+        </p:cTn>
+      </p:par>
+    </p:tnLst>
+  </p:timing>
+</p:sld>
+</file>
+
+<file path=ppt/slides/slide14.xml><?xml version="1.0" encoding="utf-8"?>
+<p:sld xmlns:a="http://schemas.openxmlformats.org/drawingml/2006/main" xmlns:r="http://schemas.openxmlformats.org/officeDocument/2006/relationships" xmlns:p="http://schemas.openxmlformats.org/presentationml/2006/main">
+  <p:cSld>
+    <p:bg>
+      <p:bgPr>
+        <a:solidFill>
+          <a:schemeClr val="bg1"/>
+        </a:solidFill>
+        <a:effectLst/>
+      </p:bgPr>
+    </p:bg>
+    <p:spTree>
+      <p:nvGrpSpPr>
+        <p:cNvPr id="1" name=""/>
+        <p:cNvGrpSpPr/>
+        <p:nvPr/>
+      </p:nvGrpSpPr>
+      <p:grpSpPr>
+        <a:xfrm>
+          <a:off x="0" y="0"/>
+          <a:ext cx="0" cy="0"/>
+          <a:chOff x="0" y="0"/>
+          <a:chExt cx="0" cy="0"/>
+        </a:xfrm>
+      </p:grpSpPr>
+      <p:sp>
+        <p:nvSpPr>
+          <p:cNvPr id="6" name="Slide Number Placeholder 6"/>
+          <p:cNvSpPr>
+            <a:spLocks noGrp="1"/>
+          </p:cNvSpPr>
+          <p:nvPr>
+            <p:ph type="sldNum" sz="quarter" idx="12"/>
+          </p:nvPr>
+        </p:nvSpPr>
+        <p:spPr>
+          <a:xfrm>
+            <a:off x="10351008" y="292608"/>
+            <a:ext cx="838199" cy="767687"/>
+          </a:xfrm>
+        </p:spPr>
+        <p:txBody>
+          <a:bodyPr/>
+          <a:lstStyle/>
+          <a:p>
+            <a:r>
+              <a:rPr lang="en-US" dirty="0" smtClean="0"/>
+              <a:t>13</a:t>
+            </a:r>
+            <a:endParaRPr lang="en-US" dirty="0"/>
+          </a:p>
+        </p:txBody>
+      </p:sp>
+      <p:sp>
+        <p:nvSpPr>
+          <p:cNvPr id="8" name="TextBox 7"/>
+          <p:cNvSpPr txBox="1"/>
+          <p:nvPr/>
+        </p:nvSpPr>
+        <p:spPr>
+          <a:xfrm>
+            <a:off x="604448" y="537075"/>
+            <a:ext cx="9631233" cy="523220"/>
+          </a:xfrm>
+          <a:prstGeom prst="rect">
+            <a:avLst/>
+          </a:prstGeom>
+          <a:noFill/>
+        </p:spPr>
+        <p:txBody>
+          <a:bodyPr wrap="square" rtlCol="0">
+            <a:spAutoFit/>
+          </a:bodyPr>
+          <a:lstStyle/>
+          <a:p>
+            <a:r>
+              <a:rPr lang="en-US" sz="2800" dirty="0" smtClean="0">
+                <a:solidFill>
+                  <a:schemeClr val="bg1"/>
+                </a:solidFill>
+                <a:latin typeface="Segoe UI Light" panose="020B0502040204020203" pitchFamily="34" charset="0"/>
+                <a:cs typeface="Segoe UI Light" panose="020B0502040204020203" pitchFamily="34" charset="0"/>
+              </a:rPr>
+              <a:t>Features – </a:t>
+            </a:r>
+            <a:r>
+              <a:rPr lang="en-US" sz="2400" dirty="0" smtClean="0">
+                <a:solidFill>
+                  <a:schemeClr val="bg1"/>
+                </a:solidFill>
+                <a:latin typeface="Segoe UI Light" panose="020B0502040204020203" pitchFamily="34" charset="0"/>
+                <a:cs typeface="Segoe UI Light" panose="020B0502040204020203" pitchFamily="34" charset="0"/>
+              </a:rPr>
+              <a:t>Advanced –</a:t>
+            </a:r>
+            <a:r>
+              <a:rPr lang="en-US" sz="2400" dirty="0" smtClean="0">
+                <a:solidFill>
+                  <a:srgbClr val="FFFF00"/>
+                </a:solidFill>
+                <a:latin typeface="Segoe UI Light" panose="020B0502040204020203" pitchFamily="34" charset="0"/>
+                <a:cs typeface="Segoe UI Light" panose="020B0502040204020203" pitchFamily="34" charset="0"/>
+              </a:rPr>
+              <a:t> </a:t>
+            </a:r>
+            <a:r>
+              <a:rPr lang="en-US" sz="1600" dirty="0" smtClean="0">
+                <a:solidFill>
+                  <a:srgbClr val="FFFF00"/>
+                </a:solidFill>
+                <a:latin typeface="Segoe UI Light" panose="020B0502040204020203" pitchFamily="34" charset="0"/>
+                <a:cs typeface="Segoe UI Light" panose="020B0502040204020203" pitchFamily="34" charset="0"/>
+              </a:rPr>
+              <a:t>Advanced Types – </a:t>
+            </a:r>
+            <a:r>
+              <a:rPr lang="en-US" sz="1600" dirty="0" smtClean="0">
+                <a:solidFill>
+                  <a:srgbClr val="00B0F0"/>
+                </a:solidFill>
+                <a:latin typeface="Segoe UI Light" panose="020B0502040204020203" pitchFamily="34" charset="0"/>
+                <a:cs typeface="Segoe UI Light" panose="020B0502040204020203" pitchFamily="34" charset="0"/>
+              </a:rPr>
+              <a:t>Intersection Types</a:t>
+            </a:r>
+            <a:endParaRPr lang="en-US" sz="1600" dirty="0">
+              <a:solidFill>
+                <a:srgbClr val="00B0F0"/>
+              </a:solidFill>
+              <a:latin typeface="Segoe UI Light" panose="020B0502040204020203" pitchFamily="34" charset="0"/>
+              <a:cs typeface="Segoe UI Light" panose="020B0502040204020203" pitchFamily="34" charset="0"/>
+            </a:endParaRPr>
+          </a:p>
+        </p:txBody>
+      </p:sp>
+      <p:sp>
+        <p:nvSpPr>
+          <p:cNvPr id="10" name="TextBox 9"/>
+          <p:cNvSpPr txBox="1"/>
+          <p:nvPr/>
+        </p:nvSpPr>
+        <p:spPr>
+          <a:xfrm>
+            <a:off x="1054554" y="1388221"/>
+            <a:ext cx="3390900" cy="646331"/>
+          </a:xfrm>
+          <a:prstGeom prst="rect">
+            <a:avLst/>
+          </a:prstGeom>
+          <a:noFill/>
+        </p:spPr>
+        <p:txBody>
+          <a:bodyPr wrap="square" rtlCol="0">
+            <a:spAutoFit/>
+          </a:bodyPr>
+          <a:lstStyle/>
+          <a:p>
+            <a:pPr>
+              <a:buClr>
+                <a:srgbClr val="FFFF00"/>
+              </a:buClr>
+            </a:pPr>
+            <a:endParaRPr lang="en-US" dirty="0" smtClean="0">
+              <a:solidFill>
+                <a:schemeClr val="bg1"/>
+              </a:solidFill>
+              <a:latin typeface="Segoe UI Light" panose="020B0502040204020203" pitchFamily="34" charset="0"/>
+              <a:cs typeface="Segoe UI Light" panose="020B0502040204020203" pitchFamily="34" charset="0"/>
+            </a:endParaRPr>
+          </a:p>
+          <a:p>
+            <a:pPr>
+              <a:buClr>
+                <a:srgbClr val="FFFF00"/>
+              </a:buClr>
+            </a:pPr>
+            <a:endParaRPr lang="en-US" dirty="0" smtClean="0">
+              <a:solidFill>
+                <a:schemeClr val="bg1"/>
+              </a:solidFill>
+              <a:latin typeface="Segoe UI Light" panose="020B0502040204020203" pitchFamily="34" charset="0"/>
+              <a:cs typeface="Segoe UI Light" panose="020B0502040204020203" pitchFamily="34" charset="0"/>
+            </a:endParaRPr>
+          </a:p>
+        </p:txBody>
+      </p:sp>
+      <p:sp>
+        <p:nvSpPr>
+          <p:cNvPr id="9" name="Title 1"/>
+          <p:cNvSpPr>
+            <a:spLocks noGrp="1"/>
+          </p:cNvSpPr>
+          <p:nvPr>
+            <p:ph type="ctrTitle"/>
+          </p:nvPr>
+        </p:nvSpPr>
+        <p:spPr>
+          <a:xfrm>
+            <a:off x="9377266" y="6148873"/>
+            <a:ext cx="2313992" cy="220543"/>
+          </a:xfrm>
+        </p:spPr>
+        <p:txBody>
+          <a:bodyPr/>
+          <a:lstStyle/>
+          <a:p>
+            <a:pPr algn="ctr"/>
+            <a:r>
+              <a:rPr lang="en-US" sz="1100" b="1" dirty="0" smtClean="0">
+                <a:latin typeface="Segoe UI Light" panose="020B0502040204020203" pitchFamily="34" charset="0"/>
+                <a:cs typeface="Segoe UI Light" panose="020B0502040204020203" pitchFamily="34" charset="0"/>
+              </a:rPr>
+              <a:t>Type</a:t>
+            </a:r>
+            <a:r>
+              <a:rPr lang="en-US" sz="1100" dirty="0" smtClean="0">
+                <a:latin typeface="Segoe UI Light" panose="020B0502040204020203" pitchFamily="34" charset="0"/>
+                <a:cs typeface="Segoe UI Light" panose="020B0502040204020203" pitchFamily="34" charset="0"/>
+              </a:rPr>
+              <a:t>Script – </a:t>
+            </a:r>
+            <a:r>
+              <a:rPr lang="en-US" sz="1100" dirty="0" smtClean="0">
+                <a:solidFill>
+                  <a:srgbClr val="FFFF00"/>
+                </a:solidFill>
+                <a:latin typeface="Segoe UI Light" panose="020B0502040204020203" pitchFamily="34" charset="0"/>
+                <a:cs typeface="Segoe UI Light" panose="020B0502040204020203" pitchFamily="34" charset="0"/>
+              </a:rPr>
+              <a:t>www.typescriptlang.org</a:t>
+            </a:r>
+            <a:endParaRPr lang="en-US" sz="1100" dirty="0">
+              <a:solidFill>
+                <a:srgbClr val="FFFF00"/>
+              </a:solidFill>
+              <a:latin typeface="Segoe UI Light" panose="020B0502040204020203" pitchFamily="34" charset="0"/>
+              <a:cs typeface="Segoe UI Light" panose="020B0502040204020203" pitchFamily="34" charset="0"/>
+            </a:endParaRPr>
+          </a:p>
+        </p:txBody>
+      </p:sp>
+      <p:sp>
+        <p:nvSpPr>
+          <p:cNvPr id="12" name="TextBox 11"/>
+          <p:cNvSpPr txBox="1"/>
+          <p:nvPr/>
+        </p:nvSpPr>
+        <p:spPr>
+          <a:xfrm>
+            <a:off x="1219199" y="1290027"/>
+            <a:ext cx="9970007" cy="1477328"/>
+          </a:xfrm>
+          <a:prstGeom prst="rect">
+            <a:avLst/>
+          </a:prstGeom>
+          <a:noFill/>
+        </p:spPr>
+        <p:txBody>
+          <a:bodyPr wrap="square" rtlCol="0">
+            <a:spAutoFit/>
+          </a:bodyPr>
+          <a:lstStyle/>
+          <a:p>
+            <a:pPr marL="285750" indent="-285750">
+              <a:buClr>
+                <a:srgbClr val="FFFF00"/>
+              </a:buClr>
+              <a:buFont typeface="Arial" panose="020B0604020202020204" pitchFamily="34" charset="0"/>
+              <a:buChar char="•"/>
+            </a:pPr>
+            <a:r>
+              <a:rPr lang="en-US" dirty="0" smtClean="0">
+                <a:solidFill>
+                  <a:schemeClr val="bg1"/>
+                </a:solidFill>
+                <a:latin typeface="Segoe UI Light" panose="020B0502040204020203" pitchFamily="34" charset="0"/>
+                <a:cs typeface="Segoe UI Light" panose="020B0502040204020203" pitchFamily="34" charset="0"/>
+              </a:rPr>
+              <a:t>Use  </a:t>
+            </a:r>
+            <a:r>
+              <a:rPr lang="en-US" b="1" dirty="0" smtClean="0">
+                <a:solidFill>
+                  <a:srgbClr val="FFFF00"/>
+                </a:solidFill>
+                <a:latin typeface="Segoe UI Light" panose="020B0502040204020203" pitchFamily="34" charset="0"/>
+                <a:cs typeface="Segoe UI Light" panose="020B0502040204020203" pitchFamily="34" charset="0"/>
+              </a:rPr>
+              <a:t>&amp;</a:t>
+            </a:r>
+            <a:r>
+              <a:rPr lang="en-US" dirty="0" smtClean="0">
+                <a:solidFill>
+                  <a:schemeClr val="bg1"/>
+                </a:solidFill>
+                <a:latin typeface="Segoe UI Light" panose="020B0502040204020203" pitchFamily="34" charset="0"/>
+                <a:cs typeface="Segoe UI Light" panose="020B0502040204020203" pitchFamily="34" charset="0"/>
+              </a:rPr>
+              <a:t>  to intersect types </a:t>
+            </a:r>
+          </a:p>
+          <a:p>
+            <a:pPr>
+              <a:buClr>
+                <a:srgbClr val="FFFF00"/>
+              </a:buClr>
+            </a:pPr>
+            <a:endParaRPr lang="en-US" i="1" dirty="0">
+              <a:solidFill>
+                <a:srgbClr val="FFFF00"/>
+              </a:solidFill>
+              <a:latin typeface="Segoe UI Light" panose="020B0502040204020203" pitchFamily="34" charset="0"/>
+              <a:cs typeface="Segoe UI Light" panose="020B0502040204020203" pitchFamily="34" charset="0"/>
+            </a:endParaRPr>
+          </a:p>
+          <a:p>
+            <a:pPr marL="285750" indent="-285750">
+              <a:buClr>
+                <a:srgbClr val="FFFF00"/>
+              </a:buClr>
+              <a:buFont typeface="Arial" panose="020B0604020202020204" pitchFamily="34" charset="0"/>
+              <a:buChar char="•"/>
+            </a:pPr>
+            <a:r>
+              <a:rPr lang="en-US" dirty="0" smtClean="0">
+                <a:solidFill>
+                  <a:schemeClr val="bg1"/>
+                </a:solidFill>
+                <a:latin typeface="Segoe UI Light" panose="020B0502040204020203" pitchFamily="34" charset="0"/>
+                <a:cs typeface="Segoe UI Light" panose="020B0502040204020203" pitchFamily="34" charset="0"/>
+              </a:rPr>
+              <a:t>Object of intersected types will have all members of all others types</a:t>
+            </a:r>
+          </a:p>
+          <a:p>
+            <a:pPr>
+              <a:buClr>
+                <a:srgbClr val="FFFF00"/>
+              </a:buClr>
+            </a:pPr>
+            <a:endParaRPr lang="en-US" dirty="0" smtClean="0">
+              <a:solidFill>
+                <a:schemeClr val="bg1"/>
+              </a:solidFill>
+              <a:latin typeface="Segoe UI Light" panose="020B0502040204020203" pitchFamily="34" charset="0"/>
+              <a:cs typeface="Segoe UI Light" panose="020B0502040204020203" pitchFamily="34" charset="0"/>
+            </a:endParaRPr>
+          </a:p>
+          <a:p>
+            <a:pPr>
+              <a:buClr>
+                <a:srgbClr val="FFFF00"/>
+              </a:buClr>
+            </a:pPr>
+            <a:endParaRPr lang="en-US" dirty="0">
+              <a:solidFill>
+                <a:schemeClr val="bg1"/>
+              </a:solidFill>
+              <a:latin typeface="Segoe UI Light" panose="020B0502040204020203" pitchFamily="34" charset="0"/>
+              <a:cs typeface="Segoe UI Light" panose="020B0502040204020203" pitchFamily="34" charset="0"/>
+            </a:endParaRPr>
+          </a:p>
+        </p:txBody>
+      </p:sp>
+      <p:pic>
+        <p:nvPicPr>
+          <p:cNvPr id="2" name="Picture 1"/>
+          <p:cNvPicPr>
+            <a:picLocks noChangeAspect="1"/>
+          </p:cNvPicPr>
+          <p:nvPr/>
+        </p:nvPicPr>
+        <p:blipFill>
+          <a:blip r:embed="rId2"/>
+          <a:stretch>
+            <a:fillRect/>
+          </a:stretch>
+        </p:blipFill>
+        <p:spPr>
+          <a:xfrm>
+            <a:off x="1219199" y="2313481"/>
+            <a:ext cx="3771900" cy="2419350"/>
+          </a:xfrm>
+          <a:prstGeom prst="rect">
+            <a:avLst/>
+          </a:prstGeom>
+        </p:spPr>
+      </p:pic>
+      <p:pic>
+        <p:nvPicPr>
+          <p:cNvPr id="3" name="Picture 2"/>
+          <p:cNvPicPr>
+            <a:picLocks noChangeAspect="1"/>
+          </p:cNvPicPr>
+          <p:nvPr/>
+        </p:nvPicPr>
+        <p:blipFill>
+          <a:blip r:embed="rId3"/>
+          <a:stretch>
+            <a:fillRect/>
+          </a:stretch>
+        </p:blipFill>
+        <p:spPr>
+          <a:xfrm>
+            <a:off x="5781103" y="2313481"/>
+            <a:ext cx="4086225" cy="2266950"/>
+          </a:xfrm>
+          <a:prstGeom prst="rect">
+            <a:avLst/>
+          </a:prstGeom>
+        </p:spPr>
+      </p:pic>
+      <p:pic>
+        <p:nvPicPr>
+          <p:cNvPr id="17" name="Picture 16"/>
+          <p:cNvPicPr>
+            <a:picLocks noChangeAspect="1"/>
+          </p:cNvPicPr>
+          <p:nvPr/>
+        </p:nvPicPr>
+        <p:blipFill>
+          <a:blip r:embed="rId4"/>
+          <a:stretch>
+            <a:fillRect/>
+          </a:stretch>
+        </p:blipFill>
+        <p:spPr>
+          <a:xfrm>
+            <a:off x="1219199" y="5108585"/>
+            <a:ext cx="4352925" cy="647700"/>
+          </a:xfrm>
+          <a:prstGeom prst="rect">
+            <a:avLst/>
+          </a:prstGeom>
+        </p:spPr>
+      </p:pic>
+    </p:spTree>
+    <p:extLst>
+      <p:ext uri="{BB962C8B-B14F-4D97-AF65-F5344CB8AC3E}">
+        <p14:creationId xmlns:p14="http://schemas.microsoft.com/office/powerpoint/2010/main" val="385667061"/>
+      </p:ext>
+    </p:extLst>
+  </p:cSld>
+  <p:clrMapOvr>
+    <a:masterClrMapping/>
+  </p:clrMapOvr>
+  <p:timing>
+    <p:tnLst>
+      <p:par>
+        <p:cTn id="1" dur="indefinite" restart="never" nodeType="tmRoot">
+          <p:childTnLst>
+            <p:seq concurrent="1" nextAc="seek">
+              <p:cTn id="2" dur="indefinite" nodeType="mainSeq">
+                <p:childTnLst>
+                  <p:par>
+                    <p:cTn id="3" fill="hold">
+                      <p:stCondLst>
+                        <p:cond delay="indefinite"/>
+                      </p:stCondLst>
+                      <p:childTnLst>
+                        <p:par>
+                          <p:cTn id="4" fill="hold">
+                            <p:stCondLst>
+                              <p:cond delay="0"/>
+                            </p:stCondLst>
+                            <p:childTnLst>
+                              <p:par>
+                                <p:cTn id="5" presetID="1" presetClass="entr" presetSubtype="0" fill="hold" nodeType="clickEffect">
+                                  <p:stCondLst>
+                                    <p:cond delay="0"/>
+                                  </p:stCondLst>
+                                  <p:childTnLst>
+                                    <p:set>
+                                      <p:cBhvr>
+                                        <p:cTn id="6" dur="1" fill="hold">
+                                          <p:stCondLst>
+                                            <p:cond delay="0"/>
+                                          </p:stCondLst>
+                                        </p:cTn>
+                                        <p:tgtEl>
+                                          <p:spTgt spid="12">
+                                            <p:txEl>
+                                              <p:pRg st="0" end="0"/>
+                                            </p:txEl>
+                                          </p:spTgt>
+                                        </p:tgtEl>
+                                        <p:attrNameLst>
+                                          <p:attrName>style.visibility</p:attrName>
+                                        </p:attrNameLst>
+                                      </p:cBhvr>
+                                      <p:to>
+                                        <p:strVal val="visible"/>
+                                      </p:to>
+                                    </p:set>
+                                  </p:childTnLst>
+                                </p:cTn>
+                              </p:par>
+                              <p:par>
+                                <p:cTn id="7" presetID="1" presetClass="entr" presetSubtype="0" fill="hold" nodeType="withEffect">
+                                  <p:stCondLst>
+                                    <p:cond delay="0"/>
+                                  </p:stCondLst>
+                                  <p:childTnLst>
+                                    <p:set>
+                                      <p:cBhvr>
+                                        <p:cTn id="8" dur="1" fill="hold">
+                                          <p:stCondLst>
+                                            <p:cond delay="0"/>
+                                          </p:stCondLst>
+                                        </p:cTn>
+                                        <p:tgtEl>
+                                          <p:spTgt spid="12">
+                                            <p:txEl>
+                                              <p:pRg st="2" end="2"/>
+                                            </p:txEl>
+                                          </p:spTgt>
+                                        </p:tgtEl>
+                                        <p:attrNameLst>
+                                          <p:attrName>style.visibility</p:attrName>
+                                        </p:attrNameLst>
+                                      </p:cBhvr>
+                                      <p:to>
+                                        <p:strVal val="visible"/>
+                                      </p:to>
+                                    </p:set>
+                                  </p:childTnLst>
+                                </p:cTn>
+                              </p:par>
+                            </p:childTnLst>
+                          </p:cTn>
+                        </p:par>
+                      </p:childTnLst>
+                    </p:cTn>
+                  </p:par>
+                  <p:par>
+                    <p:cTn id="9" fill="hold">
+                      <p:stCondLst>
+                        <p:cond delay="indefinite"/>
+                      </p:stCondLst>
+                      <p:childTnLst>
+                        <p:par>
+                          <p:cTn id="10" fill="hold">
+                            <p:stCondLst>
+                              <p:cond delay="0"/>
+                            </p:stCondLst>
+                            <p:childTnLst>
+                              <p:par>
+                                <p:cTn id="11" presetID="1" presetClass="entr" presetSubtype="0" fill="hold" nodeType="clickEffect">
+                                  <p:stCondLst>
+                                    <p:cond delay="0"/>
+                                  </p:stCondLst>
+                                  <p:childTnLst>
+                                    <p:set>
+                                      <p:cBhvr>
+                                        <p:cTn id="12" dur="1" fill="hold">
+                                          <p:stCondLst>
+                                            <p:cond delay="0"/>
+                                          </p:stCondLst>
+                                        </p:cTn>
+                                        <p:tgtEl>
+                                          <p:spTgt spid="2"/>
+                                        </p:tgtEl>
+                                        <p:attrNameLst>
+                                          <p:attrName>style.visibility</p:attrName>
+                                        </p:attrNameLst>
+                                      </p:cBhvr>
+                                      <p:to>
+                                        <p:strVal val="visible"/>
+                                      </p:to>
+                                    </p:set>
+                                  </p:childTnLst>
+                                </p:cTn>
+                              </p:par>
+                            </p:childTnLst>
+                          </p:cTn>
+                        </p:par>
+                      </p:childTnLst>
+                    </p:cTn>
+                  </p:par>
+                  <p:par>
+                    <p:cTn id="13" fill="hold">
+                      <p:stCondLst>
+                        <p:cond delay="indefinite"/>
+                      </p:stCondLst>
+                      <p:childTnLst>
+                        <p:par>
+                          <p:cTn id="14" fill="hold">
+                            <p:stCondLst>
+                              <p:cond delay="0"/>
+                            </p:stCondLst>
+                            <p:childTnLst>
+                              <p:par>
+                                <p:cTn id="15" presetID="1" presetClass="entr" presetSubtype="0" fill="hold" nodeType="clickEffect">
+                                  <p:stCondLst>
+                                    <p:cond delay="0"/>
+                                  </p:stCondLst>
+                                  <p:childTnLst>
+                                    <p:set>
+                                      <p:cBhvr>
+                                        <p:cTn id="16" dur="1" fill="hold">
+                                          <p:stCondLst>
+                                            <p:cond delay="0"/>
+                                          </p:stCondLst>
+                                        </p:cTn>
+                                        <p:tgtEl>
+                                          <p:spTgt spid="3"/>
+                                        </p:tgtEl>
+                                        <p:attrNameLst>
+                                          <p:attrName>style.visibility</p:attrName>
+                                        </p:attrNameLst>
+                                      </p:cBhvr>
+                                      <p:to>
+                                        <p:strVal val="visible"/>
+                                      </p:to>
+                                    </p:set>
+                                  </p:childTnLst>
+                                </p:cTn>
+                              </p:par>
+                            </p:childTnLst>
+                          </p:cTn>
+                        </p:par>
+                      </p:childTnLst>
+                    </p:cTn>
+                  </p:par>
+                  <p:par>
+                    <p:cTn id="17" fill="hold">
+                      <p:stCondLst>
+                        <p:cond delay="indefinite"/>
+                      </p:stCondLst>
+                      <p:childTnLst>
+                        <p:par>
+                          <p:cTn id="18" fill="hold">
+                            <p:stCondLst>
+                              <p:cond delay="0"/>
+                            </p:stCondLst>
+                            <p:childTnLst>
+                              <p:par>
+                                <p:cTn id="19" presetID="1" presetClass="entr" presetSubtype="0" fill="hold" nodeType="clickEffect">
+                                  <p:stCondLst>
+                                    <p:cond delay="0"/>
+                                  </p:stCondLst>
+                                  <p:childTnLst>
+                                    <p:set>
+                                      <p:cBhvr>
+                                        <p:cTn id="20" dur="1" fill="hold">
+                                          <p:stCondLst>
+                                            <p:cond delay="0"/>
+                                          </p:stCondLst>
+                                        </p:cTn>
+                                        <p:tgtEl>
+                                          <p:spTgt spid="17"/>
+                                        </p:tgtEl>
+                                        <p:attrNameLst>
+                                          <p:attrName>style.visibility</p:attrName>
+                                        </p:attrNameLst>
+                                      </p:cBhvr>
+                                      <p:to>
+                                        <p:strVal val="visible"/>
+                                      </p:to>
+                                    </p:set>
+                                  </p:childTnLst>
+                                </p:cTn>
+                              </p:par>
+                            </p:childTnLst>
+                          </p:cTn>
+                        </p:par>
+                      </p:childTnLst>
+                    </p:cTn>
+                  </p:par>
+                </p:childTnLst>
+              </p:cTn>
+              <p:prevCondLst>
+                <p:cond evt="onPrev" delay="0">
+                  <p:tgtEl>
+                    <p:sldTgt/>
+                  </p:tgtEl>
+                </p:cond>
+              </p:prevCondLst>
+              <p:nextCondLst>
+                <p:cond evt="onNext" delay="0">
+                  <p:tgtEl>
+                    <p:sldTgt/>
+                  </p:tgtEl>
+                </p:cond>
+              </p:nextCondLst>
+            </p:seq>
+          </p:childTnLst>
+        </p:cTn>
+      </p:par>
+    </p:tnLst>
+  </p:timing>
+</p:sld>
+</file>
+
+<file path=ppt/slides/slide15.xml><?xml version="1.0" encoding="utf-8"?>
+<p:sld xmlns:a="http://schemas.openxmlformats.org/drawingml/2006/main" xmlns:r="http://schemas.openxmlformats.org/officeDocument/2006/relationships" xmlns:p="http://schemas.openxmlformats.org/presentationml/2006/main">
+  <p:cSld>
+    <p:bg>
+      <p:bgPr>
+        <a:solidFill>
+          <a:schemeClr val="bg1"/>
+        </a:solidFill>
+        <a:effectLst/>
+      </p:bgPr>
+    </p:bg>
+    <p:spTree>
+      <p:nvGrpSpPr>
+        <p:cNvPr id="1" name=""/>
+        <p:cNvGrpSpPr/>
+        <p:nvPr/>
+      </p:nvGrpSpPr>
+      <p:grpSpPr>
+        <a:xfrm>
+          <a:off x="0" y="0"/>
+          <a:ext cx="0" cy="0"/>
+          <a:chOff x="0" y="0"/>
+          <a:chExt cx="0" cy="0"/>
+        </a:xfrm>
+      </p:grpSpPr>
+      <p:sp>
+        <p:nvSpPr>
+          <p:cNvPr id="6" name="Slide Number Placeholder 6"/>
+          <p:cNvSpPr>
+            <a:spLocks noGrp="1"/>
+          </p:cNvSpPr>
+          <p:nvPr>
+            <p:ph type="sldNum" sz="quarter" idx="12"/>
+          </p:nvPr>
+        </p:nvSpPr>
+        <p:spPr>
+          <a:xfrm>
+            <a:off x="10351008" y="292608"/>
+            <a:ext cx="838199" cy="767687"/>
+          </a:xfrm>
+        </p:spPr>
+        <p:txBody>
+          <a:bodyPr/>
+          <a:lstStyle/>
+          <a:p>
+            <a:r>
+              <a:rPr lang="en-US" dirty="0" smtClean="0"/>
+              <a:t>14</a:t>
+            </a:r>
+            <a:endParaRPr lang="en-US" dirty="0"/>
+          </a:p>
+        </p:txBody>
+      </p:sp>
+      <p:sp>
+        <p:nvSpPr>
+          <p:cNvPr id="8" name="TextBox 7"/>
+          <p:cNvSpPr txBox="1"/>
+          <p:nvPr/>
+        </p:nvSpPr>
+        <p:spPr>
+          <a:xfrm>
+            <a:off x="604448" y="537075"/>
+            <a:ext cx="9631233" cy="523220"/>
+          </a:xfrm>
+          <a:prstGeom prst="rect">
+            <a:avLst/>
+          </a:prstGeom>
+          <a:noFill/>
+        </p:spPr>
+        <p:txBody>
+          <a:bodyPr wrap="square" rtlCol="0">
+            <a:spAutoFit/>
+          </a:bodyPr>
+          <a:lstStyle/>
+          <a:p>
+            <a:r>
+              <a:rPr lang="en-US" sz="2800" dirty="0" smtClean="0">
+                <a:solidFill>
+                  <a:schemeClr val="bg1"/>
+                </a:solidFill>
+                <a:latin typeface="Segoe UI Light" panose="020B0502040204020203" pitchFamily="34" charset="0"/>
+                <a:cs typeface="Segoe UI Light" panose="020B0502040204020203" pitchFamily="34" charset="0"/>
+              </a:rPr>
+              <a:t>Features – </a:t>
+            </a:r>
+            <a:r>
+              <a:rPr lang="en-US" sz="2400" dirty="0" smtClean="0">
+                <a:solidFill>
+                  <a:schemeClr val="bg1"/>
+                </a:solidFill>
+                <a:latin typeface="Segoe UI Light" panose="020B0502040204020203" pitchFamily="34" charset="0"/>
+                <a:cs typeface="Segoe UI Light" panose="020B0502040204020203" pitchFamily="34" charset="0"/>
+              </a:rPr>
+              <a:t>Advanced –</a:t>
+            </a:r>
+            <a:r>
+              <a:rPr lang="en-US" sz="2400" dirty="0" smtClean="0">
+                <a:solidFill>
+                  <a:srgbClr val="FFFF00"/>
+                </a:solidFill>
+                <a:latin typeface="Segoe UI Light" panose="020B0502040204020203" pitchFamily="34" charset="0"/>
+                <a:cs typeface="Segoe UI Light" panose="020B0502040204020203" pitchFamily="34" charset="0"/>
+              </a:rPr>
+              <a:t> </a:t>
+            </a:r>
+            <a:r>
+              <a:rPr lang="en-US" sz="1600" dirty="0" smtClean="0">
+                <a:solidFill>
+                  <a:srgbClr val="FFFF00"/>
+                </a:solidFill>
+                <a:latin typeface="Segoe UI Light" panose="020B0502040204020203" pitchFamily="34" charset="0"/>
+                <a:cs typeface="Segoe UI Light" panose="020B0502040204020203" pitchFamily="34" charset="0"/>
+              </a:rPr>
+              <a:t>Advanced Types – </a:t>
+            </a:r>
+            <a:r>
+              <a:rPr lang="en-US" sz="1600" dirty="0" smtClean="0">
+                <a:solidFill>
+                  <a:srgbClr val="00B0F0"/>
+                </a:solidFill>
+                <a:latin typeface="Segoe UI Light" panose="020B0502040204020203" pitchFamily="34" charset="0"/>
+                <a:cs typeface="Segoe UI Light" panose="020B0502040204020203" pitchFamily="34" charset="0"/>
+              </a:rPr>
+              <a:t>Alias Types</a:t>
+            </a:r>
+            <a:endParaRPr lang="en-US" sz="1600" dirty="0">
+              <a:solidFill>
+                <a:srgbClr val="00B0F0"/>
+              </a:solidFill>
+              <a:latin typeface="Segoe UI Light" panose="020B0502040204020203" pitchFamily="34" charset="0"/>
+              <a:cs typeface="Segoe UI Light" panose="020B0502040204020203" pitchFamily="34" charset="0"/>
+            </a:endParaRPr>
+          </a:p>
+        </p:txBody>
+      </p:sp>
+      <p:sp>
+        <p:nvSpPr>
+          <p:cNvPr id="10" name="TextBox 9"/>
+          <p:cNvSpPr txBox="1"/>
+          <p:nvPr/>
+        </p:nvSpPr>
+        <p:spPr>
+          <a:xfrm>
+            <a:off x="1054554" y="1388221"/>
+            <a:ext cx="3390900" cy="646331"/>
+          </a:xfrm>
+          <a:prstGeom prst="rect">
+            <a:avLst/>
+          </a:prstGeom>
+          <a:noFill/>
+        </p:spPr>
+        <p:txBody>
+          <a:bodyPr wrap="square" rtlCol="0">
+            <a:spAutoFit/>
+          </a:bodyPr>
+          <a:lstStyle/>
+          <a:p>
+            <a:pPr>
+              <a:buClr>
+                <a:srgbClr val="FFFF00"/>
+              </a:buClr>
+            </a:pPr>
+            <a:endParaRPr lang="en-US" dirty="0" smtClean="0">
+              <a:solidFill>
+                <a:schemeClr val="bg1"/>
+              </a:solidFill>
+              <a:latin typeface="Segoe UI Light" panose="020B0502040204020203" pitchFamily="34" charset="0"/>
+              <a:cs typeface="Segoe UI Light" panose="020B0502040204020203" pitchFamily="34" charset="0"/>
+            </a:endParaRPr>
+          </a:p>
+          <a:p>
+            <a:pPr>
+              <a:buClr>
+                <a:srgbClr val="FFFF00"/>
+              </a:buClr>
+            </a:pPr>
+            <a:endParaRPr lang="en-US" dirty="0" smtClean="0">
+              <a:solidFill>
+                <a:schemeClr val="bg1"/>
+              </a:solidFill>
+              <a:latin typeface="Segoe UI Light" panose="020B0502040204020203" pitchFamily="34" charset="0"/>
+              <a:cs typeface="Segoe UI Light" panose="020B0502040204020203" pitchFamily="34" charset="0"/>
+            </a:endParaRPr>
+          </a:p>
+        </p:txBody>
+      </p:sp>
+      <p:sp>
+        <p:nvSpPr>
+          <p:cNvPr id="9" name="Title 1"/>
+          <p:cNvSpPr>
+            <a:spLocks noGrp="1"/>
+          </p:cNvSpPr>
+          <p:nvPr>
+            <p:ph type="ctrTitle"/>
+          </p:nvPr>
+        </p:nvSpPr>
+        <p:spPr>
+          <a:xfrm>
+            <a:off x="9377266" y="6148873"/>
+            <a:ext cx="2313992" cy="220543"/>
+          </a:xfrm>
+        </p:spPr>
+        <p:txBody>
+          <a:bodyPr/>
+          <a:lstStyle/>
+          <a:p>
+            <a:pPr algn="ctr"/>
+            <a:r>
+              <a:rPr lang="en-US" sz="1100" b="1" dirty="0" smtClean="0">
+                <a:latin typeface="Segoe UI Light" panose="020B0502040204020203" pitchFamily="34" charset="0"/>
+                <a:cs typeface="Segoe UI Light" panose="020B0502040204020203" pitchFamily="34" charset="0"/>
+              </a:rPr>
+              <a:t>Type</a:t>
+            </a:r>
+            <a:r>
+              <a:rPr lang="en-US" sz="1100" dirty="0" smtClean="0">
+                <a:latin typeface="Segoe UI Light" panose="020B0502040204020203" pitchFamily="34" charset="0"/>
+                <a:cs typeface="Segoe UI Light" panose="020B0502040204020203" pitchFamily="34" charset="0"/>
+              </a:rPr>
+              <a:t>Script – </a:t>
+            </a:r>
+            <a:r>
+              <a:rPr lang="en-US" sz="1100" dirty="0" smtClean="0">
+                <a:solidFill>
+                  <a:srgbClr val="FFFF00"/>
+                </a:solidFill>
+                <a:latin typeface="Segoe UI Light" panose="020B0502040204020203" pitchFamily="34" charset="0"/>
+                <a:cs typeface="Segoe UI Light" panose="020B0502040204020203" pitchFamily="34" charset="0"/>
+              </a:rPr>
+              <a:t>www.typescriptlang.org</a:t>
+            </a:r>
+            <a:endParaRPr lang="en-US" sz="1100" dirty="0">
+              <a:solidFill>
+                <a:srgbClr val="FFFF00"/>
+              </a:solidFill>
+              <a:latin typeface="Segoe UI Light" panose="020B0502040204020203" pitchFamily="34" charset="0"/>
+              <a:cs typeface="Segoe UI Light" panose="020B0502040204020203" pitchFamily="34" charset="0"/>
+            </a:endParaRPr>
+          </a:p>
+        </p:txBody>
+      </p:sp>
+      <p:sp>
+        <p:nvSpPr>
+          <p:cNvPr id="12" name="TextBox 11"/>
+          <p:cNvSpPr txBox="1"/>
+          <p:nvPr/>
+        </p:nvSpPr>
+        <p:spPr>
+          <a:xfrm>
+            <a:off x="1219199" y="1290027"/>
+            <a:ext cx="9970007" cy="3693319"/>
+          </a:xfrm>
+          <a:prstGeom prst="rect">
+            <a:avLst/>
+          </a:prstGeom>
+          <a:noFill/>
+        </p:spPr>
+        <p:txBody>
+          <a:bodyPr wrap="square" rtlCol="0">
+            <a:spAutoFit/>
+          </a:bodyPr>
+          <a:lstStyle/>
+          <a:p>
+            <a:pPr marL="285750" indent="-285750">
+              <a:buClr>
+                <a:srgbClr val="FFFF00"/>
+              </a:buClr>
+              <a:buFont typeface="Arial" panose="020B0604020202020204" pitchFamily="34" charset="0"/>
+              <a:buChar char="•"/>
+            </a:pPr>
+            <a:r>
+              <a:rPr lang="en-US" dirty="0" smtClean="0">
+                <a:solidFill>
+                  <a:schemeClr val="bg1"/>
+                </a:solidFill>
+                <a:latin typeface="Segoe UI Light" panose="020B0502040204020203" pitchFamily="34" charset="0"/>
+                <a:cs typeface="Segoe UI Light" panose="020B0502040204020203" pitchFamily="34" charset="0"/>
+              </a:rPr>
+              <a:t>Create a new </a:t>
+            </a:r>
+            <a:r>
+              <a:rPr lang="en-US" i="1" dirty="0" smtClean="0">
+                <a:solidFill>
+                  <a:srgbClr val="FFFF00"/>
+                </a:solidFill>
+                <a:latin typeface="Segoe UI Light" panose="020B0502040204020203" pitchFamily="34" charset="0"/>
+                <a:cs typeface="Segoe UI Light" panose="020B0502040204020203" pitchFamily="34" charset="0"/>
+              </a:rPr>
+              <a:t>name</a:t>
+            </a:r>
+            <a:r>
+              <a:rPr lang="en-US" i="1" dirty="0" smtClean="0">
+                <a:solidFill>
+                  <a:schemeClr val="bg1"/>
+                </a:solidFill>
+                <a:latin typeface="Segoe UI Light" panose="020B0502040204020203" pitchFamily="34" charset="0"/>
+                <a:cs typeface="Segoe UI Light" panose="020B0502040204020203" pitchFamily="34" charset="0"/>
+              </a:rPr>
+              <a:t> </a:t>
+            </a:r>
+            <a:r>
+              <a:rPr lang="en-US" dirty="0" smtClean="0">
+                <a:solidFill>
+                  <a:schemeClr val="bg1"/>
+                </a:solidFill>
+                <a:latin typeface="Segoe UI Light" panose="020B0502040204020203" pitchFamily="34" charset="0"/>
+                <a:cs typeface="Segoe UI Light" panose="020B0502040204020203" pitchFamily="34" charset="0"/>
+              </a:rPr>
+              <a:t>to refer that type</a:t>
+            </a:r>
+            <a:r>
+              <a:rPr lang="en-US" dirty="0" smtClean="0">
+                <a:solidFill>
+                  <a:schemeClr val="bg1"/>
+                </a:solidFill>
+                <a:latin typeface="Segoe UI Light" panose="020B0502040204020203" pitchFamily="34" charset="0"/>
+                <a:cs typeface="Segoe UI Light" panose="020B0502040204020203" pitchFamily="34" charset="0"/>
+              </a:rPr>
+              <a:t> </a:t>
+            </a:r>
+          </a:p>
+          <a:p>
+            <a:pPr marL="285750" indent="-285750">
+              <a:buClr>
+                <a:srgbClr val="FFFF00"/>
+              </a:buClr>
+              <a:buFont typeface="Arial" panose="020B0604020202020204" pitchFamily="34" charset="0"/>
+              <a:buChar char="•"/>
+            </a:pPr>
+            <a:endParaRPr lang="en-US" dirty="0">
+              <a:solidFill>
+                <a:schemeClr val="bg1"/>
+              </a:solidFill>
+              <a:latin typeface="Segoe UI Light" panose="020B0502040204020203" pitchFamily="34" charset="0"/>
+              <a:cs typeface="Segoe UI Light" panose="020B0502040204020203" pitchFamily="34" charset="0"/>
+            </a:endParaRPr>
+          </a:p>
+          <a:p>
+            <a:pPr marL="285750" indent="-285750">
+              <a:buClr>
+                <a:srgbClr val="FFFF00"/>
+              </a:buClr>
+              <a:buFont typeface="Arial" panose="020B0604020202020204" pitchFamily="34" charset="0"/>
+              <a:buChar char="•"/>
+            </a:pPr>
+            <a:endParaRPr lang="en-US" dirty="0" smtClean="0">
+              <a:solidFill>
+                <a:schemeClr val="bg1"/>
+              </a:solidFill>
+              <a:latin typeface="Segoe UI Light" panose="020B0502040204020203" pitchFamily="34" charset="0"/>
+              <a:cs typeface="Segoe UI Light" panose="020B0502040204020203" pitchFamily="34" charset="0"/>
+            </a:endParaRPr>
+          </a:p>
+          <a:p>
+            <a:pPr marL="285750" indent="-285750">
+              <a:buClr>
+                <a:srgbClr val="FFFF00"/>
+              </a:buClr>
+              <a:buFont typeface="Arial" panose="020B0604020202020204" pitchFamily="34" charset="0"/>
+              <a:buChar char="•"/>
+            </a:pPr>
+            <a:endParaRPr lang="en-US" dirty="0">
+              <a:solidFill>
+                <a:schemeClr val="bg1"/>
+              </a:solidFill>
+              <a:latin typeface="Segoe UI Light" panose="020B0502040204020203" pitchFamily="34" charset="0"/>
+              <a:cs typeface="Segoe UI Light" panose="020B0502040204020203" pitchFamily="34" charset="0"/>
+            </a:endParaRPr>
+          </a:p>
+          <a:p>
+            <a:pPr marL="285750" indent="-285750">
+              <a:buClr>
+                <a:srgbClr val="FFFF00"/>
+              </a:buClr>
+              <a:buFont typeface="Arial" panose="020B0604020202020204" pitchFamily="34" charset="0"/>
+              <a:buChar char="•"/>
+            </a:pPr>
+            <a:endParaRPr lang="en-US" dirty="0" smtClean="0">
+              <a:solidFill>
+                <a:schemeClr val="bg1"/>
+              </a:solidFill>
+              <a:latin typeface="Segoe UI Light" panose="020B0502040204020203" pitchFamily="34" charset="0"/>
+              <a:cs typeface="Segoe UI Light" panose="020B0502040204020203" pitchFamily="34" charset="0"/>
+            </a:endParaRPr>
+          </a:p>
+          <a:p>
+            <a:pPr marL="285750" indent="-285750">
+              <a:buClr>
+                <a:srgbClr val="FFFF00"/>
+              </a:buClr>
+              <a:buFont typeface="Arial" panose="020B0604020202020204" pitchFamily="34" charset="0"/>
+              <a:buChar char="•"/>
+            </a:pPr>
+            <a:endParaRPr lang="en-US" dirty="0">
+              <a:solidFill>
+                <a:schemeClr val="bg1"/>
+              </a:solidFill>
+              <a:latin typeface="Segoe UI Light" panose="020B0502040204020203" pitchFamily="34" charset="0"/>
+              <a:cs typeface="Segoe UI Light" panose="020B0502040204020203" pitchFamily="34" charset="0"/>
+            </a:endParaRPr>
+          </a:p>
+          <a:p>
+            <a:pPr marL="285750" indent="-285750">
+              <a:buClr>
+                <a:srgbClr val="FFFF00"/>
+              </a:buClr>
+              <a:buFont typeface="Arial" panose="020B0604020202020204" pitchFamily="34" charset="0"/>
+              <a:buChar char="•"/>
+            </a:pPr>
+            <a:endParaRPr lang="en-US" dirty="0" smtClean="0">
+              <a:solidFill>
+                <a:schemeClr val="bg1"/>
+              </a:solidFill>
+              <a:latin typeface="Segoe UI Light" panose="020B0502040204020203" pitchFamily="34" charset="0"/>
+              <a:cs typeface="Segoe UI Light" panose="020B0502040204020203" pitchFamily="34" charset="0"/>
+            </a:endParaRPr>
+          </a:p>
+          <a:p>
+            <a:pPr marL="285750" indent="-285750">
+              <a:buClr>
+                <a:srgbClr val="FFFF00"/>
+              </a:buClr>
+              <a:buFont typeface="Arial" panose="020B0604020202020204" pitchFamily="34" charset="0"/>
+              <a:buChar char="•"/>
+            </a:pPr>
+            <a:r>
+              <a:rPr lang="en-US" dirty="0" smtClean="0">
+                <a:solidFill>
+                  <a:schemeClr val="bg1"/>
+                </a:solidFill>
+                <a:latin typeface="Segoe UI Light" panose="020B0502040204020203" pitchFamily="34" charset="0"/>
+                <a:cs typeface="Segoe UI Light" panose="020B0502040204020203" pitchFamily="34" charset="0"/>
+              </a:rPr>
+              <a:t>Sometimes act sort like of interfaces</a:t>
+            </a:r>
+          </a:p>
+          <a:p>
+            <a:pPr marL="285750" indent="-285750">
+              <a:buClr>
+                <a:srgbClr val="FFFF00"/>
+              </a:buClr>
+              <a:buFont typeface="Arial" panose="020B0604020202020204" pitchFamily="34" charset="0"/>
+              <a:buChar char="•"/>
+            </a:pPr>
+            <a:endParaRPr lang="en-US" dirty="0" smtClean="0">
+              <a:solidFill>
+                <a:schemeClr val="bg1"/>
+              </a:solidFill>
+              <a:latin typeface="Segoe UI Light" panose="020B0502040204020203" pitchFamily="34" charset="0"/>
+              <a:cs typeface="Segoe UI Light" panose="020B0502040204020203" pitchFamily="34" charset="0"/>
+            </a:endParaRPr>
+          </a:p>
+          <a:p>
+            <a:pPr>
+              <a:buClr>
+                <a:srgbClr val="FFFF00"/>
+              </a:buClr>
+            </a:pPr>
+            <a:endParaRPr lang="en-US" i="1" dirty="0">
+              <a:solidFill>
+                <a:srgbClr val="FFFF00"/>
+              </a:solidFill>
+              <a:latin typeface="Segoe UI Light" panose="020B0502040204020203" pitchFamily="34" charset="0"/>
+              <a:cs typeface="Segoe UI Light" panose="020B0502040204020203" pitchFamily="34" charset="0"/>
+            </a:endParaRPr>
+          </a:p>
+          <a:p>
+            <a:pPr marL="285750" indent="-285750">
+              <a:buClr>
+                <a:srgbClr val="FFFF00"/>
+              </a:buClr>
+              <a:buFont typeface="Arial" panose="020B0604020202020204" pitchFamily="34" charset="0"/>
+              <a:buChar char="•"/>
+            </a:pPr>
+            <a:endParaRPr lang="en-US" dirty="0" smtClean="0">
+              <a:solidFill>
+                <a:schemeClr val="bg1"/>
+              </a:solidFill>
+              <a:latin typeface="Segoe UI Light" panose="020B0502040204020203" pitchFamily="34" charset="0"/>
+              <a:cs typeface="Segoe UI Light" panose="020B0502040204020203" pitchFamily="34" charset="0"/>
+            </a:endParaRPr>
+          </a:p>
+          <a:p>
+            <a:pPr>
+              <a:buClr>
+                <a:srgbClr val="FFFF00"/>
+              </a:buClr>
+            </a:pPr>
+            <a:endParaRPr lang="en-US" dirty="0" smtClean="0">
+              <a:solidFill>
+                <a:schemeClr val="bg1"/>
+              </a:solidFill>
+              <a:latin typeface="Segoe UI Light" panose="020B0502040204020203" pitchFamily="34" charset="0"/>
+              <a:cs typeface="Segoe UI Light" panose="020B0502040204020203" pitchFamily="34" charset="0"/>
+            </a:endParaRPr>
+          </a:p>
+          <a:p>
+            <a:pPr>
+              <a:buClr>
+                <a:srgbClr val="FFFF00"/>
+              </a:buClr>
+            </a:pPr>
+            <a:endParaRPr lang="en-US" dirty="0">
+              <a:solidFill>
+                <a:schemeClr val="bg1"/>
+              </a:solidFill>
+              <a:latin typeface="Segoe UI Light" panose="020B0502040204020203" pitchFamily="34" charset="0"/>
+              <a:cs typeface="Segoe UI Light" panose="020B0502040204020203" pitchFamily="34" charset="0"/>
+            </a:endParaRPr>
+          </a:p>
+        </p:txBody>
+      </p:sp>
+      <p:pic>
+        <p:nvPicPr>
+          <p:cNvPr id="5" name="Picture 4"/>
+          <p:cNvPicPr>
+            <a:picLocks noChangeAspect="1"/>
+          </p:cNvPicPr>
+          <p:nvPr/>
+        </p:nvPicPr>
+        <p:blipFill>
+          <a:blip r:embed="rId3"/>
+          <a:stretch>
+            <a:fillRect/>
+          </a:stretch>
+        </p:blipFill>
+        <p:spPr>
+          <a:xfrm>
+            <a:off x="6331455" y="1388221"/>
+            <a:ext cx="5022396" cy="1676400"/>
+          </a:xfrm>
+          <a:prstGeom prst="rect">
+            <a:avLst/>
+          </a:prstGeom>
+        </p:spPr>
+      </p:pic>
+      <p:pic>
+        <p:nvPicPr>
+          <p:cNvPr id="7" name="Picture 6"/>
+          <p:cNvPicPr>
+            <a:picLocks noChangeAspect="1"/>
+          </p:cNvPicPr>
+          <p:nvPr/>
+        </p:nvPicPr>
+        <p:blipFill>
+          <a:blip r:embed="rId4"/>
+          <a:stretch>
+            <a:fillRect/>
+          </a:stretch>
+        </p:blipFill>
+        <p:spPr>
+          <a:xfrm>
+            <a:off x="1654629" y="3663447"/>
+            <a:ext cx="2190750" cy="1647825"/>
+          </a:xfrm>
+          <a:prstGeom prst="rect">
+            <a:avLst/>
+          </a:prstGeom>
+        </p:spPr>
+      </p:pic>
+      <p:pic>
+        <p:nvPicPr>
+          <p:cNvPr id="11" name="Picture 10"/>
+          <p:cNvPicPr>
+            <a:picLocks noChangeAspect="1"/>
+          </p:cNvPicPr>
+          <p:nvPr/>
+        </p:nvPicPr>
+        <p:blipFill>
+          <a:blip r:embed="rId5"/>
+          <a:stretch>
+            <a:fillRect/>
+          </a:stretch>
+        </p:blipFill>
+        <p:spPr>
+          <a:xfrm>
+            <a:off x="6331455" y="3663447"/>
+            <a:ext cx="3162300" cy="1562100"/>
+          </a:xfrm>
+          <a:prstGeom prst="rect">
+            <a:avLst/>
+          </a:prstGeom>
+        </p:spPr>
+      </p:pic>
+    </p:spTree>
+    <p:extLst>
+      <p:ext uri="{BB962C8B-B14F-4D97-AF65-F5344CB8AC3E}">
+        <p14:creationId xmlns:p14="http://schemas.microsoft.com/office/powerpoint/2010/main" val="686343784"/>
+      </p:ext>
+    </p:extLst>
+  </p:cSld>
+  <p:clrMapOvr>
+    <a:masterClrMapping/>
+  </p:clrMapOvr>
+  <p:timing>
+    <p:tnLst>
+      <p:par>
+        <p:cTn id="1" dur="indefinite" restart="never" nodeType="tmRoot">
+          <p:childTnLst>
+            <p:seq concurrent="1" nextAc="seek">
+              <p:cTn id="2" dur="indefinite" nodeType="mainSeq">
+                <p:childTnLst>
+                  <p:par>
+                    <p:cTn id="3" fill="hold">
+                      <p:stCondLst>
+                        <p:cond delay="indefinite"/>
+                      </p:stCondLst>
+                      <p:childTnLst>
+                        <p:par>
+                          <p:cTn id="4" fill="hold">
+                            <p:stCondLst>
+                              <p:cond delay="0"/>
+                            </p:stCondLst>
+                            <p:childTnLst>
+                              <p:par>
+                                <p:cTn id="5" presetID="1" presetClass="entr" presetSubtype="0" fill="hold" grpId="0" nodeType="clickEffect">
+                                  <p:stCondLst>
+                                    <p:cond delay="0"/>
+                                  </p:stCondLst>
+                                  <p:childTnLst>
+                                    <p:set>
+                                      <p:cBhvr>
+                                        <p:cTn id="6" dur="1" fill="hold">
+                                          <p:stCondLst>
+                                            <p:cond delay="0"/>
+                                          </p:stCondLst>
+                                        </p:cTn>
+                                        <p:tgtEl>
+                                          <p:spTgt spid="12"/>
+                                        </p:tgtEl>
+                                        <p:attrNameLst>
+                                          <p:attrName>style.visibility</p:attrName>
+                                        </p:attrNameLst>
+                                      </p:cBhvr>
+                                      <p:to>
+                                        <p:strVal val="visible"/>
+                                      </p:to>
+                                    </p:set>
+                                  </p:childTnLst>
+                                </p:cTn>
+                              </p:par>
+                              <p:par>
+                                <p:cTn id="7" presetID="1" presetClass="entr" presetSubtype="0" fill="hold" nodeType="withEffect">
+                                  <p:stCondLst>
+                                    <p:cond delay="0"/>
+                                  </p:stCondLst>
+                                  <p:childTnLst>
+                                    <p:set>
+                                      <p:cBhvr>
+                                        <p:cTn id="8" dur="1" fill="hold">
+                                          <p:stCondLst>
+                                            <p:cond delay="0"/>
+                                          </p:stCondLst>
+                                        </p:cTn>
+                                        <p:tgtEl>
+                                          <p:spTgt spid="5"/>
+                                        </p:tgtEl>
+                                        <p:attrNameLst>
+                                          <p:attrName>style.visibility</p:attrName>
+                                        </p:attrNameLst>
+                                      </p:cBhvr>
+                                      <p:to>
+                                        <p:strVal val="visible"/>
+                                      </p:to>
+                                    </p:set>
+                                  </p:childTnLst>
+                                </p:cTn>
+                              </p:par>
+                            </p:childTnLst>
+                          </p:cTn>
+                        </p:par>
+                      </p:childTnLst>
+                    </p:cTn>
+                  </p:par>
+                  <p:par>
+                    <p:cTn id="9" fill="hold">
+                      <p:stCondLst>
+                        <p:cond delay="indefinite"/>
+                      </p:stCondLst>
+                      <p:childTnLst>
+                        <p:par>
+                          <p:cTn id="10" fill="hold">
+                            <p:stCondLst>
+                              <p:cond delay="0"/>
+                            </p:stCondLst>
+                            <p:childTnLst>
+                              <p:par>
+                                <p:cTn id="11" presetID="1" presetClass="entr" presetSubtype="0" fill="hold" nodeType="clickEffect">
+                                  <p:stCondLst>
+                                    <p:cond delay="0"/>
+                                  </p:stCondLst>
+                                  <p:childTnLst>
+                                    <p:set>
+                                      <p:cBhvr>
+                                        <p:cTn id="12" dur="1" fill="hold">
+                                          <p:stCondLst>
+                                            <p:cond delay="0"/>
+                                          </p:stCondLst>
+                                        </p:cTn>
+                                        <p:tgtEl>
+                                          <p:spTgt spid="12">
+                                            <p:txEl>
+                                              <p:pRg st="7" end="7"/>
+                                            </p:txEl>
+                                          </p:spTgt>
+                                        </p:tgtEl>
+                                        <p:attrNameLst>
+                                          <p:attrName>style.visibility</p:attrName>
+                                        </p:attrNameLst>
+                                      </p:cBhvr>
+                                      <p:to>
+                                        <p:strVal val="visible"/>
+                                      </p:to>
+                                    </p:set>
+                                  </p:childTnLst>
+                                </p:cTn>
+                              </p:par>
+                              <p:par>
+                                <p:cTn id="13" presetID="1" presetClass="entr" presetSubtype="0" fill="hold" nodeType="withEffect">
+                                  <p:stCondLst>
+                                    <p:cond delay="0"/>
+                                  </p:stCondLst>
+                                  <p:childTnLst>
+                                    <p:set>
+                                      <p:cBhvr>
+                                        <p:cTn id="14" dur="1" fill="hold">
+                                          <p:stCondLst>
+                                            <p:cond delay="0"/>
+                                          </p:stCondLst>
+                                        </p:cTn>
+                                        <p:tgtEl>
+                                          <p:spTgt spid="7"/>
+                                        </p:tgtEl>
+                                        <p:attrNameLst>
+                                          <p:attrName>style.visibility</p:attrName>
+                                        </p:attrNameLst>
+                                      </p:cBhvr>
+                                      <p:to>
+                                        <p:strVal val="visible"/>
+                                      </p:to>
+                                    </p:set>
+                                  </p:childTnLst>
+                                </p:cTn>
+                              </p:par>
+                              <p:par>
+                                <p:cTn id="15" presetID="1" presetClass="entr" presetSubtype="0" fill="hold" nodeType="withEffect">
+                                  <p:stCondLst>
+                                    <p:cond delay="0"/>
+                                  </p:stCondLst>
+                                  <p:childTnLst>
+                                    <p:set>
+                                      <p:cBhvr>
+                                        <p:cTn id="16" dur="1" fill="hold">
+                                          <p:stCondLst>
+                                            <p:cond delay="0"/>
+                                          </p:stCondLst>
+                                        </p:cTn>
+                                        <p:tgtEl>
+                                          <p:spTgt spid="11"/>
+                                        </p:tgtEl>
+                                        <p:attrNameLst>
+                                          <p:attrName>style.visibility</p:attrName>
+                                        </p:attrNameLst>
+                                      </p:cBhvr>
+                                      <p:to>
+                                        <p:strVal val="visible"/>
+                                      </p:to>
+                                    </p:set>
+                                  </p:childTnLst>
+                                </p:cTn>
+                              </p:par>
+                            </p:childTnLst>
+                          </p:cTn>
+                        </p:par>
+                      </p:childTnLst>
+                    </p:cTn>
+                  </p:par>
+                </p:childTnLst>
+              </p:cTn>
+              <p:prevCondLst>
+                <p:cond evt="onPrev" delay="0">
+                  <p:tgtEl>
+                    <p:sldTgt/>
+                  </p:tgtEl>
+                </p:cond>
+              </p:prevCondLst>
+              <p:nextCondLst>
+                <p:cond evt="onNext" delay="0">
+                  <p:tgtEl>
+                    <p:sldTgt/>
+                  </p:tgtEl>
+                </p:cond>
+              </p:nextCondLst>
+            </p:seq>
+          </p:childTnLst>
+        </p:cTn>
+      </p:par>
+    </p:tnLst>
+    <p:bldLst>
+      <p:bldP spid="12" grpId="0"/>
+    </p:bldLst>
+  </p:timing>
+</p:sld>
+</file>
+
+<file path=ppt/slides/slide16.xml><?xml version="1.0" encoding="utf-8"?>
+<p:sld xmlns:a="http://schemas.openxmlformats.org/drawingml/2006/main" xmlns:r="http://schemas.openxmlformats.org/officeDocument/2006/relationships" xmlns:p="http://schemas.openxmlformats.org/presentationml/2006/main">
+  <p:cSld>
+    <p:bg>
+      <p:bgPr>
+        <a:solidFill>
+          <a:schemeClr val="bg1"/>
+        </a:solidFill>
+        <a:effectLst/>
+      </p:bgPr>
+    </p:bg>
+    <p:spTree>
+      <p:nvGrpSpPr>
+        <p:cNvPr id="1" name=""/>
+        <p:cNvGrpSpPr/>
+        <p:nvPr/>
+      </p:nvGrpSpPr>
+      <p:grpSpPr>
+        <a:xfrm>
+          <a:off x="0" y="0"/>
+          <a:ext cx="0" cy="0"/>
+          <a:chOff x="0" y="0"/>
+          <a:chExt cx="0" cy="0"/>
+        </a:xfrm>
+      </p:grpSpPr>
+      <p:sp>
+        <p:nvSpPr>
+          <p:cNvPr id="6" name="Slide Number Placeholder 6"/>
+          <p:cNvSpPr>
+            <a:spLocks noGrp="1"/>
+          </p:cNvSpPr>
+          <p:nvPr>
+            <p:ph type="sldNum" sz="quarter" idx="12"/>
+          </p:nvPr>
+        </p:nvSpPr>
+        <p:spPr>
+          <a:xfrm>
+            <a:off x="10351008" y="292608"/>
+            <a:ext cx="838199" cy="767687"/>
+          </a:xfrm>
+        </p:spPr>
+        <p:txBody>
+          <a:bodyPr/>
+          <a:lstStyle/>
+          <a:p>
+            <a:r>
+              <a:rPr lang="en-US" dirty="0" smtClean="0"/>
+              <a:t>14</a:t>
+            </a:r>
+            <a:endParaRPr lang="en-US" dirty="0"/>
+          </a:p>
+        </p:txBody>
+      </p:sp>
+      <p:sp>
+        <p:nvSpPr>
+          <p:cNvPr id="8" name="TextBox 7"/>
+          <p:cNvSpPr txBox="1"/>
+          <p:nvPr/>
+        </p:nvSpPr>
+        <p:spPr>
+          <a:xfrm>
+            <a:off x="604448" y="537075"/>
+            <a:ext cx="9631233" cy="523220"/>
+          </a:xfrm>
+          <a:prstGeom prst="rect">
+            <a:avLst/>
+          </a:prstGeom>
+          <a:noFill/>
+        </p:spPr>
+        <p:txBody>
+          <a:bodyPr wrap="square" rtlCol="0">
+            <a:spAutoFit/>
+          </a:bodyPr>
+          <a:lstStyle/>
+          <a:p>
+            <a:r>
+              <a:rPr lang="en-US" sz="2800" dirty="0" smtClean="0">
+                <a:solidFill>
+                  <a:schemeClr val="bg1"/>
+                </a:solidFill>
+                <a:latin typeface="Segoe UI Light" panose="020B0502040204020203" pitchFamily="34" charset="0"/>
+                <a:cs typeface="Segoe UI Light" panose="020B0502040204020203" pitchFamily="34" charset="0"/>
+              </a:rPr>
+              <a:t>Features – </a:t>
+            </a:r>
+            <a:r>
+              <a:rPr lang="en-US" sz="2400" dirty="0" smtClean="0">
+                <a:solidFill>
+                  <a:schemeClr val="bg1"/>
+                </a:solidFill>
+                <a:latin typeface="Segoe UI Light" panose="020B0502040204020203" pitchFamily="34" charset="0"/>
+                <a:cs typeface="Segoe UI Light" panose="020B0502040204020203" pitchFamily="34" charset="0"/>
+              </a:rPr>
+              <a:t>Advanced –</a:t>
+            </a:r>
+            <a:r>
+              <a:rPr lang="en-US" sz="2400" dirty="0" smtClean="0">
+                <a:solidFill>
+                  <a:srgbClr val="FFFF00"/>
+                </a:solidFill>
+                <a:latin typeface="Segoe UI Light" panose="020B0502040204020203" pitchFamily="34" charset="0"/>
+                <a:cs typeface="Segoe UI Light" panose="020B0502040204020203" pitchFamily="34" charset="0"/>
+              </a:rPr>
+              <a:t> </a:t>
+            </a:r>
+            <a:r>
+              <a:rPr lang="en-US" sz="1600" dirty="0" smtClean="0">
+                <a:solidFill>
+                  <a:srgbClr val="FFFF00"/>
+                </a:solidFill>
+                <a:latin typeface="Segoe UI Light" panose="020B0502040204020203" pitchFamily="34" charset="0"/>
+                <a:cs typeface="Segoe UI Light" panose="020B0502040204020203" pitchFamily="34" charset="0"/>
+              </a:rPr>
+              <a:t>Advanced Types – </a:t>
+            </a:r>
+            <a:r>
+              <a:rPr lang="en-US" sz="1600" dirty="0" smtClean="0">
+                <a:solidFill>
+                  <a:srgbClr val="00B0F0"/>
+                </a:solidFill>
+                <a:latin typeface="Segoe UI Light" panose="020B0502040204020203" pitchFamily="34" charset="0"/>
+                <a:cs typeface="Segoe UI Light" panose="020B0502040204020203" pitchFamily="34" charset="0"/>
+              </a:rPr>
+              <a:t>Alias Types (cont.)</a:t>
+            </a:r>
+            <a:endParaRPr lang="en-US" sz="1600" dirty="0">
+              <a:solidFill>
+                <a:srgbClr val="00B0F0"/>
+              </a:solidFill>
+              <a:latin typeface="Segoe UI Light" panose="020B0502040204020203" pitchFamily="34" charset="0"/>
+              <a:cs typeface="Segoe UI Light" panose="020B0502040204020203" pitchFamily="34" charset="0"/>
+            </a:endParaRPr>
+          </a:p>
+        </p:txBody>
+      </p:sp>
+      <p:sp>
+        <p:nvSpPr>
+          <p:cNvPr id="10" name="TextBox 9"/>
+          <p:cNvSpPr txBox="1"/>
+          <p:nvPr/>
+        </p:nvSpPr>
+        <p:spPr>
+          <a:xfrm>
+            <a:off x="1054554" y="1388221"/>
+            <a:ext cx="3390900" cy="646331"/>
+          </a:xfrm>
+          <a:prstGeom prst="rect">
+            <a:avLst/>
+          </a:prstGeom>
+          <a:noFill/>
+        </p:spPr>
+        <p:txBody>
+          <a:bodyPr wrap="square" rtlCol="0">
+            <a:spAutoFit/>
+          </a:bodyPr>
+          <a:lstStyle/>
+          <a:p>
+            <a:pPr>
+              <a:buClr>
+                <a:srgbClr val="FFFF00"/>
+              </a:buClr>
+            </a:pPr>
+            <a:endParaRPr lang="en-US" dirty="0" smtClean="0">
+              <a:solidFill>
+                <a:schemeClr val="bg1"/>
+              </a:solidFill>
+              <a:latin typeface="Segoe UI Light" panose="020B0502040204020203" pitchFamily="34" charset="0"/>
+              <a:cs typeface="Segoe UI Light" panose="020B0502040204020203" pitchFamily="34" charset="0"/>
+            </a:endParaRPr>
+          </a:p>
+          <a:p>
+            <a:pPr>
+              <a:buClr>
+                <a:srgbClr val="FFFF00"/>
+              </a:buClr>
+            </a:pPr>
+            <a:endParaRPr lang="en-US" dirty="0" smtClean="0">
+              <a:solidFill>
+                <a:schemeClr val="bg1"/>
+              </a:solidFill>
+              <a:latin typeface="Segoe UI Light" panose="020B0502040204020203" pitchFamily="34" charset="0"/>
+              <a:cs typeface="Segoe UI Light" panose="020B0502040204020203" pitchFamily="34" charset="0"/>
+            </a:endParaRPr>
+          </a:p>
+        </p:txBody>
+      </p:sp>
+      <p:sp>
+        <p:nvSpPr>
+          <p:cNvPr id="9" name="Title 1"/>
+          <p:cNvSpPr>
+            <a:spLocks noGrp="1"/>
+          </p:cNvSpPr>
+          <p:nvPr>
+            <p:ph type="ctrTitle"/>
+          </p:nvPr>
+        </p:nvSpPr>
+        <p:spPr>
+          <a:xfrm>
+            <a:off x="9377266" y="6148873"/>
+            <a:ext cx="2313992" cy="220543"/>
+          </a:xfrm>
+        </p:spPr>
+        <p:txBody>
+          <a:bodyPr/>
+          <a:lstStyle/>
+          <a:p>
+            <a:pPr algn="ctr"/>
+            <a:r>
+              <a:rPr lang="en-US" sz="1100" b="1" dirty="0" smtClean="0">
+                <a:latin typeface="Segoe UI Light" panose="020B0502040204020203" pitchFamily="34" charset="0"/>
+                <a:cs typeface="Segoe UI Light" panose="020B0502040204020203" pitchFamily="34" charset="0"/>
+              </a:rPr>
+              <a:t>Type</a:t>
+            </a:r>
+            <a:r>
+              <a:rPr lang="en-US" sz="1100" dirty="0" smtClean="0">
+                <a:latin typeface="Segoe UI Light" panose="020B0502040204020203" pitchFamily="34" charset="0"/>
+                <a:cs typeface="Segoe UI Light" panose="020B0502040204020203" pitchFamily="34" charset="0"/>
+              </a:rPr>
+              <a:t>Script – </a:t>
+            </a:r>
+            <a:r>
+              <a:rPr lang="en-US" sz="1100" dirty="0" smtClean="0">
+                <a:solidFill>
+                  <a:srgbClr val="FFFF00"/>
+                </a:solidFill>
+                <a:latin typeface="Segoe UI Light" panose="020B0502040204020203" pitchFamily="34" charset="0"/>
+                <a:cs typeface="Segoe UI Light" panose="020B0502040204020203" pitchFamily="34" charset="0"/>
+              </a:rPr>
+              <a:t>www.typescriptlang.org</a:t>
+            </a:r>
+            <a:endParaRPr lang="en-US" sz="1100" dirty="0">
+              <a:solidFill>
+                <a:srgbClr val="FFFF00"/>
+              </a:solidFill>
+              <a:latin typeface="Segoe UI Light" panose="020B0502040204020203" pitchFamily="34" charset="0"/>
+              <a:cs typeface="Segoe UI Light" panose="020B0502040204020203" pitchFamily="34" charset="0"/>
+            </a:endParaRPr>
+          </a:p>
+        </p:txBody>
+      </p:sp>
+      <p:sp>
+        <p:nvSpPr>
+          <p:cNvPr id="12" name="TextBox 11"/>
+          <p:cNvSpPr txBox="1"/>
+          <p:nvPr/>
+        </p:nvSpPr>
+        <p:spPr>
+          <a:xfrm>
+            <a:off x="1219199" y="1290027"/>
+            <a:ext cx="9970007" cy="5078313"/>
+          </a:xfrm>
+          <a:prstGeom prst="rect">
+            <a:avLst/>
+          </a:prstGeom>
+          <a:noFill/>
+        </p:spPr>
+        <p:txBody>
+          <a:bodyPr wrap="square" rtlCol="0">
+            <a:spAutoFit/>
+          </a:bodyPr>
+          <a:lstStyle/>
+          <a:p>
+            <a:pPr marL="285750" indent="-285750">
+              <a:buClr>
+                <a:srgbClr val="FFFF00"/>
+              </a:buClr>
+              <a:buFont typeface="Arial" panose="020B0604020202020204" pitchFamily="34" charset="0"/>
+              <a:buChar char="•"/>
+            </a:pPr>
+            <a:r>
+              <a:rPr lang="en-US" dirty="0" smtClean="0">
+                <a:solidFill>
+                  <a:schemeClr val="bg1"/>
+                </a:solidFill>
+                <a:latin typeface="Segoe UI Light" panose="020B0502040204020203" pitchFamily="34" charset="0"/>
+                <a:cs typeface="Segoe UI Light" panose="020B0502040204020203" pitchFamily="34" charset="0"/>
+              </a:rPr>
+              <a:t>Can be generic and refer to itself in a property</a:t>
+            </a:r>
+            <a:endParaRPr lang="en-US" dirty="0" smtClean="0">
+              <a:solidFill>
+                <a:schemeClr val="bg1"/>
+              </a:solidFill>
+              <a:latin typeface="Segoe UI Light" panose="020B0502040204020203" pitchFamily="34" charset="0"/>
+              <a:cs typeface="Segoe UI Light" panose="020B0502040204020203" pitchFamily="34" charset="0"/>
+            </a:endParaRPr>
+          </a:p>
+          <a:p>
+            <a:pPr marL="285750" indent="-285750">
+              <a:buClr>
+                <a:srgbClr val="FFFF00"/>
+              </a:buClr>
+              <a:buFont typeface="Arial" panose="020B0604020202020204" pitchFamily="34" charset="0"/>
+              <a:buChar char="•"/>
+            </a:pPr>
+            <a:endParaRPr lang="en-US" dirty="0">
+              <a:solidFill>
+                <a:schemeClr val="bg1"/>
+              </a:solidFill>
+              <a:latin typeface="Segoe UI Light" panose="020B0502040204020203" pitchFamily="34" charset="0"/>
+              <a:cs typeface="Segoe UI Light" panose="020B0502040204020203" pitchFamily="34" charset="0"/>
+            </a:endParaRPr>
+          </a:p>
+          <a:p>
+            <a:pPr marL="285750" indent="-285750">
+              <a:buClr>
+                <a:srgbClr val="FFFF00"/>
+              </a:buClr>
+              <a:buFont typeface="Arial" panose="020B0604020202020204" pitchFamily="34" charset="0"/>
+              <a:buChar char="•"/>
+            </a:pPr>
+            <a:endParaRPr lang="en-US" dirty="0" smtClean="0">
+              <a:solidFill>
+                <a:schemeClr val="bg1"/>
+              </a:solidFill>
+              <a:latin typeface="Segoe UI Light" panose="020B0502040204020203" pitchFamily="34" charset="0"/>
+              <a:cs typeface="Segoe UI Light" panose="020B0502040204020203" pitchFamily="34" charset="0"/>
+            </a:endParaRPr>
+          </a:p>
+          <a:p>
+            <a:pPr>
+              <a:buClr>
+                <a:srgbClr val="FFFF00"/>
+              </a:buClr>
+            </a:pPr>
+            <a:endParaRPr lang="en-US" dirty="0">
+              <a:solidFill>
+                <a:schemeClr val="bg1"/>
+              </a:solidFill>
+              <a:latin typeface="Segoe UI Light" panose="020B0502040204020203" pitchFamily="34" charset="0"/>
+              <a:cs typeface="Segoe UI Light" panose="020B0502040204020203" pitchFamily="34" charset="0"/>
+            </a:endParaRPr>
+          </a:p>
+          <a:p>
+            <a:pPr marL="285750" indent="-285750">
+              <a:buClr>
+                <a:srgbClr val="FFFF00"/>
+              </a:buClr>
+              <a:buFont typeface="Arial" panose="020B0604020202020204" pitchFamily="34" charset="0"/>
+              <a:buChar char="•"/>
+            </a:pPr>
+            <a:endParaRPr lang="en-US" dirty="0" smtClean="0">
+              <a:solidFill>
+                <a:schemeClr val="bg1"/>
+              </a:solidFill>
+              <a:latin typeface="Segoe UI Light" panose="020B0502040204020203" pitchFamily="34" charset="0"/>
+              <a:cs typeface="Segoe UI Light" panose="020B0502040204020203" pitchFamily="34" charset="0"/>
+            </a:endParaRPr>
+          </a:p>
+          <a:p>
+            <a:pPr marL="285750" indent="-285750">
+              <a:buClr>
+                <a:srgbClr val="FFFF00"/>
+              </a:buClr>
+              <a:buFont typeface="Arial" panose="020B0604020202020204" pitchFamily="34" charset="0"/>
+              <a:buChar char="•"/>
+            </a:pPr>
+            <a:endParaRPr lang="en-US" dirty="0" smtClean="0">
+              <a:solidFill>
+                <a:schemeClr val="bg1"/>
+              </a:solidFill>
+              <a:latin typeface="Segoe UI Light" panose="020B0502040204020203" pitchFamily="34" charset="0"/>
+              <a:cs typeface="Segoe UI Light" panose="020B0502040204020203" pitchFamily="34" charset="0"/>
+            </a:endParaRPr>
+          </a:p>
+          <a:p>
+            <a:pPr marL="285750" indent="-285750">
+              <a:buClr>
+                <a:srgbClr val="FFFF00"/>
+              </a:buClr>
+              <a:buFont typeface="Arial" panose="020B0604020202020204" pitchFamily="34" charset="0"/>
+              <a:buChar char="•"/>
+            </a:pPr>
+            <a:endParaRPr lang="en-US" dirty="0">
+              <a:solidFill>
+                <a:schemeClr val="bg1"/>
+              </a:solidFill>
+              <a:latin typeface="Segoe UI Light" panose="020B0502040204020203" pitchFamily="34" charset="0"/>
+              <a:cs typeface="Segoe UI Light" panose="020B0502040204020203" pitchFamily="34" charset="0"/>
+            </a:endParaRPr>
+          </a:p>
+          <a:p>
+            <a:pPr marL="285750" indent="-285750">
+              <a:buClr>
+                <a:srgbClr val="FFFF00"/>
+              </a:buClr>
+              <a:buFont typeface="Arial" panose="020B0604020202020204" pitchFamily="34" charset="0"/>
+              <a:buChar char="•"/>
+            </a:pPr>
+            <a:endParaRPr lang="en-US" dirty="0" smtClean="0">
+              <a:solidFill>
+                <a:schemeClr val="bg1"/>
+              </a:solidFill>
+              <a:latin typeface="Segoe UI Light" panose="020B0502040204020203" pitchFamily="34" charset="0"/>
+              <a:cs typeface="Segoe UI Light" panose="020B0502040204020203" pitchFamily="34" charset="0"/>
+            </a:endParaRPr>
+          </a:p>
+          <a:p>
+            <a:pPr marL="285750" indent="-285750">
+              <a:buClr>
+                <a:srgbClr val="FFFF00"/>
+              </a:buClr>
+              <a:buFont typeface="Arial" panose="020B0604020202020204" pitchFamily="34" charset="0"/>
+              <a:buChar char="•"/>
+            </a:pPr>
+            <a:endParaRPr lang="en-US" dirty="0">
+              <a:solidFill>
+                <a:schemeClr val="bg1"/>
+              </a:solidFill>
+              <a:latin typeface="Segoe UI Light" panose="020B0502040204020203" pitchFamily="34" charset="0"/>
+              <a:cs typeface="Segoe UI Light" panose="020B0502040204020203" pitchFamily="34" charset="0"/>
+            </a:endParaRPr>
+          </a:p>
+          <a:p>
+            <a:pPr marL="285750" indent="-285750">
+              <a:buClr>
+                <a:srgbClr val="FFFF00"/>
+              </a:buClr>
+              <a:buFont typeface="Arial" panose="020B0604020202020204" pitchFamily="34" charset="0"/>
+              <a:buChar char="•"/>
+            </a:pPr>
+            <a:endParaRPr lang="en-US" dirty="0" smtClean="0">
+              <a:solidFill>
+                <a:schemeClr val="bg1"/>
+              </a:solidFill>
+              <a:latin typeface="Segoe UI Light" panose="020B0502040204020203" pitchFamily="34" charset="0"/>
+              <a:cs typeface="Segoe UI Light" panose="020B0502040204020203" pitchFamily="34" charset="0"/>
+            </a:endParaRPr>
+          </a:p>
+          <a:p>
+            <a:pPr marL="285750" indent="-285750">
+              <a:buClr>
+                <a:srgbClr val="FFFF00"/>
+              </a:buClr>
+              <a:buFont typeface="Arial" panose="020B0604020202020204" pitchFamily="34" charset="0"/>
+              <a:buChar char="•"/>
+            </a:pPr>
+            <a:endParaRPr lang="en-US" dirty="0">
+              <a:solidFill>
+                <a:schemeClr val="bg1"/>
+              </a:solidFill>
+              <a:latin typeface="Segoe UI Light" panose="020B0502040204020203" pitchFamily="34" charset="0"/>
+              <a:cs typeface="Segoe UI Light" panose="020B0502040204020203" pitchFamily="34" charset="0"/>
+            </a:endParaRPr>
+          </a:p>
+          <a:p>
+            <a:pPr marL="285750" indent="-285750">
+              <a:buClr>
+                <a:srgbClr val="FFFF00"/>
+              </a:buClr>
+              <a:buFont typeface="Arial" panose="020B0604020202020204" pitchFamily="34" charset="0"/>
+              <a:buChar char="•"/>
+            </a:pPr>
+            <a:endParaRPr lang="en-US" dirty="0" smtClean="0">
+              <a:solidFill>
+                <a:schemeClr val="bg1"/>
+              </a:solidFill>
+              <a:latin typeface="Segoe UI Light" panose="020B0502040204020203" pitchFamily="34" charset="0"/>
+              <a:cs typeface="Segoe UI Light" panose="020B0502040204020203" pitchFamily="34" charset="0"/>
+            </a:endParaRPr>
+          </a:p>
+          <a:p>
+            <a:pPr marL="285750" indent="-285750">
+              <a:buClr>
+                <a:srgbClr val="FFFF00"/>
+              </a:buClr>
+              <a:buFont typeface="Arial" panose="020B0604020202020204" pitchFamily="34" charset="0"/>
+              <a:buChar char="•"/>
+            </a:pPr>
+            <a:r>
+              <a:rPr lang="en-US" dirty="0" smtClean="0">
+                <a:solidFill>
+                  <a:srgbClr val="FFFF00"/>
+                </a:solidFill>
+                <a:latin typeface="Segoe UI Light" panose="020B0502040204020203" pitchFamily="34" charset="0"/>
+                <a:cs typeface="Segoe UI Light" panose="020B0502040204020203" pitchFamily="34" charset="0"/>
+              </a:rPr>
+              <a:t>Cannot be extended or implemented</a:t>
+            </a:r>
+          </a:p>
+          <a:p>
+            <a:pPr marL="285750" indent="-285750">
+              <a:buClr>
+                <a:srgbClr val="FFFF00"/>
+              </a:buClr>
+              <a:buFont typeface="Arial" panose="020B0604020202020204" pitchFamily="34" charset="0"/>
+              <a:buChar char="•"/>
+            </a:pPr>
+            <a:endParaRPr lang="en-US" dirty="0" smtClean="0">
+              <a:solidFill>
+                <a:schemeClr val="bg1"/>
+              </a:solidFill>
+              <a:latin typeface="Segoe UI Light" panose="020B0502040204020203" pitchFamily="34" charset="0"/>
+              <a:cs typeface="Segoe UI Light" panose="020B0502040204020203" pitchFamily="34" charset="0"/>
+            </a:endParaRPr>
+          </a:p>
+          <a:p>
+            <a:pPr>
+              <a:buClr>
+                <a:srgbClr val="FFFF00"/>
+              </a:buClr>
+            </a:pPr>
+            <a:endParaRPr lang="en-US" i="1" dirty="0">
+              <a:solidFill>
+                <a:srgbClr val="FFFF00"/>
+              </a:solidFill>
+              <a:latin typeface="Segoe UI Light" panose="020B0502040204020203" pitchFamily="34" charset="0"/>
+              <a:cs typeface="Segoe UI Light" panose="020B0502040204020203" pitchFamily="34" charset="0"/>
+            </a:endParaRPr>
+          </a:p>
+          <a:p>
+            <a:pPr marL="285750" indent="-285750">
+              <a:buClr>
+                <a:srgbClr val="FFFF00"/>
+              </a:buClr>
+              <a:buFont typeface="Arial" panose="020B0604020202020204" pitchFamily="34" charset="0"/>
+              <a:buChar char="•"/>
+            </a:pPr>
+            <a:endParaRPr lang="en-US" dirty="0" smtClean="0">
+              <a:solidFill>
+                <a:schemeClr val="bg1"/>
+              </a:solidFill>
+              <a:latin typeface="Segoe UI Light" panose="020B0502040204020203" pitchFamily="34" charset="0"/>
+              <a:cs typeface="Segoe UI Light" panose="020B0502040204020203" pitchFamily="34" charset="0"/>
+            </a:endParaRPr>
+          </a:p>
+          <a:p>
+            <a:pPr>
+              <a:buClr>
+                <a:srgbClr val="FFFF00"/>
+              </a:buClr>
+            </a:pPr>
+            <a:endParaRPr lang="en-US" dirty="0" smtClean="0">
+              <a:solidFill>
+                <a:schemeClr val="bg1"/>
+              </a:solidFill>
+              <a:latin typeface="Segoe UI Light" panose="020B0502040204020203" pitchFamily="34" charset="0"/>
+              <a:cs typeface="Segoe UI Light" panose="020B0502040204020203" pitchFamily="34" charset="0"/>
+            </a:endParaRPr>
+          </a:p>
+          <a:p>
+            <a:pPr>
+              <a:buClr>
+                <a:srgbClr val="FFFF00"/>
+              </a:buClr>
+            </a:pPr>
+            <a:endParaRPr lang="en-US" dirty="0">
+              <a:solidFill>
+                <a:schemeClr val="bg1"/>
+              </a:solidFill>
+              <a:latin typeface="Segoe UI Light" panose="020B0502040204020203" pitchFamily="34" charset="0"/>
+              <a:cs typeface="Segoe UI Light" panose="020B0502040204020203" pitchFamily="34" charset="0"/>
+            </a:endParaRPr>
+          </a:p>
+        </p:txBody>
+      </p:sp>
+      <p:pic>
+        <p:nvPicPr>
+          <p:cNvPr id="2" name="Picture 1"/>
+          <p:cNvPicPr>
+            <a:picLocks noChangeAspect="1"/>
+          </p:cNvPicPr>
+          <p:nvPr/>
+        </p:nvPicPr>
+        <p:blipFill>
+          <a:blip r:embed="rId3"/>
+          <a:stretch>
+            <a:fillRect/>
+          </a:stretch>
+        </p:blipFill>
+        <p:spPr>
+          <a:xfrm>
+            <a:off x="1664683" y="1642208"/>
+            <a:ext cx="2619375" cy="981075"/>
+          </a:xfrm>
+          <a:prstGeom prst="rect">
+            <a:avLst/>
+          </a:prstGeom>
+        </p:spPr>
+      </p:pic>
+      <p:pic>
+        <p:nvPicPr>
+          <p:cNvPr id="3" name="Picture 2"/>
+          <p:cNvPicPr>
+            <a:picLocks noChangeAspect="1"/>
+          </p:cNvPicPr>
+          <p:nvPr/>
+        </p:nvPicPr>
+        <p:blipFill>
+          <a:blip r:embed="rId4"/>
+          <a:stretch>
+            <a:fillRect/>
+          </a:stretch>
+        </p:blipFill>
+        <p:spPr>
+          <a:xfrm>
+            <a:off x="6578155" y="1642208"/>
+            <a:ext cx="4467225" cy="2352675"/>
+          </a:xfrm>
+          <a:prstGeom prst="rect">
+            <a:avLst/>
+          </a:prstGeom>
+        </p:spPr>
+      </p:pic>
+    </p:spTree>
+    <p:extLst>
+      <p:ext uri="{BB962C8B-B14F-4D97-AF65-F5344CB8AC3E}">
+        <p14:creationId xmlns:p14="http://schemas.microsoft.com/office/powerpoint/2010/main" val="208708446"/>
+      </p:ext>
+    </p:extLst>
+  </p:cSld>
+  <p:clrMapOvr>
+    <a:masterClrMapping/>
+  </p:clrMapOvr>
+  <p:timing>
+    <p:tnLst>
+      <p:par>
+        <p:cTn id="1" dur="indefinite" restart="never" nodeType="tmRoot">
+          <p:childTnLst>
+            <p:seq concurrent="1" nextAc="seek">
+              <p:cTn id="2" dur="indefinite" nodeType="mainSeq">
+                <p:childTnLst>
+                  <p:par>
+                    <p:cTn id="3" fill="hold">
+                      <p:stCondLst>
+                        <p:cond delay="indefinite"/>
+                      </p:stCondLst>
+                      <p:childTnLst>
+                        <p:par>
+                          <p:cTn id="4" fill="hold">
+                            <p:stCondLst>
+                              <p:cond delay="0"/>
+                            </p:stCondLst>
+                            <p:childTnLst>
+                              <p:par>
+                                <p:cTn id="5" presetID="1" presetClass="entr" presetSubtype="0" fill="hold" nodeType="clickEffect">
+                                  <p:stCondLst>
+                                    <p:cond delay="0"/>
+                                  </p:stCondLst>
+                                  <p:childTnLst>
+                                    <p:set>
+                                      <p:cBhvr>
+                                        <p:cTn id="6" dur="1" fill="hold">
+                                          <p:stCondLst>
+                                            <p:cond delay="0"/>
+                                          </p:stCondLst>
+                                        </p:cTn>
+                                        <p:tgtEl>
+                                          <p:spTgt spid="12">
+                                            <p:txEl>
+                                              <p:pRg st="0" end="0"/>
+                                            </p:txEl>
+                                          </p:spTgt>
+                                        </p:tgtEl>
+                                        <p:attrNameLst>
+                                          <p:attrName>style.visibility</p:attrName>
+                                        </p:attrNameLst>
+                                      </p:cBhvr>
+                                      <p:to>
+                                        <p:strVal val="visible"/>
+                                      </p:to>
+                                    </p:set>
+                                  </p:childTnLst>
+                                </p:cTn>
+                              </p:par>
+                              <p:par>
+                                <p:cTn id="7" presetID="1" presetClass="entr" presetSubtype="0" fill="hold" nodeType="withEffect">
+                                  <p:stCondLst>
+                                    <p:cond delay="0"/>
+                                  </p:stCondLst>
+                                  <p:childTnLst>
+                                    <p:set>
+                                      <p:cBhvr>
+                                        <p:cTn id="8" dur="1" fill="hold">
+                                          <p:stCondLst>
+                                            <p:cond delay="0"/>
+                                          </p:stCondLst>
+                                        </p:cTn>
+                                        <p:tgtEl>
+                                          <p:spTgt spid="2"/>
+                                        </p:tgtEl>
+                                        <p:attrNameLst>
+                                          <p:attrName>style.visibility</p:attrName>
+                                        </p:attrNameLst>
+                                      </p:cBhvr>
+                                      <p:to>
+                                        <p:strVal val="visible"/>
+                                      </p:to>
+                                    </p:set>
+                                  </p:childTnLst>
+                                </p:cTn>
+                              </p:par>
+                            </p:childTnLst>
+                          </p:cTn>
+                        </p:par>
+                      </p:childTnLst>
+                    </p:cTn>
+                  </p:par>
+                  <p:par>
+                    <p:cTn id="9" fill="hold">
+                      <p:stCondLst>
+                        <p:cond delay="indefinite"/>
+                      </p:stCondLst>
+                      <p:childTnLst>
+                        <p:par>
+                          <p:cTn id="10" fill="hold">
+                            <p:stCondLst>
+                              <p:cond delay="0"/>
+                            </p:stCondLst>
+                            <p:childTnLst>
+                              <p:par>
+                                <p:cTn id="11" presetID="1" presetClass="entr" presetSubtype="0" fill="hold" nodeType="clickEffect">
+                                  <p:stCondLst>
+                                    <p:cond delay="0"/>
+                                  </p:stCondLst>
+                                  <p:childTnLst>
+                                    <p:set>
+                                      <p:cBhvr>
+                                        <p:cTn id="12" dur="1" fill="hold">
+                                          <p:stCondLst>
+                                            <p:cond delay="0"/>
+                                          </p:stCondLst>
+                                        </p:cTn>
+                                        <p:tgtEl>
+                                          <p:spTgt spid="3"/>
+                                        </p:tgtEl>
+                                        <p:attrNameLst>
+                                          <p:attrName>style.visibility</p:attrName>
+                                        </p:attrNameLst>
+                                      </p:cBhvr>
+                                      <p:to>
+                                        <p:strVal val="visible"/>
+                                      </p:to>
+                                    </p:set>
+                                  </p:childTnLst>
+                                </p:cTn>
+                              </p:par>
+                            </p:childTnLst>
+                          </p:cTn>
+                        </p:par>
+                      </p:childTnLst>
+                    </p:cTn>
+                  </p:par>
+                  <p:par>
+                    <p:cTn id="13" fill="hold">
+                      <p:stCondLst>
+                        <p:cond delay="indefinite"/>
+                      </p:stCondLst>
+                      <p:childTnLst>
+                        <p:par>
+                          <p:cTn id="14" fill="hold">
+                            <p:stCondLst>
+                              <p:cond delay="0"/>
+                            </p:stCondLst>
+                            <p:childTnLst>
+                              <p:par>
+                                <p:cTn id="15" presetID="1" presetClass="entr" presetSubtype="0" fill="hold" nodeType="clickEffect">
+                                  <p:stCondLst>
+                                    <p:cond delay="0"/>
+                                  </p:stCondLst>
+                                  <p:childTnLst>
+                                    <p:set>
+                                      <p:cBhvr>
+                                        <p:cTn id="16" dur="1" fill="hold">
+                                          <p:stCondLst>
+                                            <p:cond delay="0"/>
+                                          </p:stCondLst>
+                                        </p:cTn>
+                                        <p:tgtEl>
+                                          <p:spTgt spid="12">
+                                            <p:txEl>
+                                              <p:pRg st="12" end="12"/>
+                                            </p:txEl>
+                                          </p:spTgt>
+                                        </p:tgtEl>
+                                        <p:attrNameLst>
+                                          <p:attrName>style.visibility</p:attrName>
+                                        </p:attrNameLst>
+                                      </p:cBhvr>
+                                      <p:to>
+                                        <p:strVal val="visible"/>
+                                      </p:to>
+                                    </p:set>
+                                  </p:childTnLst>
+                                </p:cTn>
+                              </p:par>
+                            </p:childTnLst>
+                          </p:cTn>
+                        </p:par>
+                      </p:childTnLst>
+                    </p:cTn>
+                  </p:par>
+                </p:childTnLst>
+              </p:cTn>
+              <p:prevCondLst>
+                <p:cond evt="onPrev" delay="0">
+                  <p:tgtEl>
+                    <p:sldTgt/>
+                  </p:tgtEl>
+                </p:cond>
+              </p:prevCondLst>
+              <p:nextCondLst>
+                <p:cond evt="onNext" delay="0">
+                  <p:tgtEl>
+                    <p:sldTgt/>
+                  </p:tgtEl>
+                </p:cond>
+              </p:nextCondLst>
+            </p:seq>
+          </p:childTnLst>
+        </p:cTn>
+      </p:par>
+    </p:tnLst>
+  </p:timing>
+</p:sld>
+</file>
+
+<file path=ppt/slides/slide17.xml><?xml version="1.0" encoding="utf-8"?>
+<p:sld xmlns:a="http://schemas.openxmlformats.org/drawingml/2006/main" xmlns:r="http://schemas.openxmlformats.org/officeDocument/2006/relationships" xmlns:p="http://schemas.openxmlformats.org/presentationml/2006/main">
+  <p:cSld>
+    <p:bg>
+      <p:bgPr>
+        <a:solidFill>
+          <a:schemeClr val="bg1"/>
+        </a:solidFill>
+        <a:effectLst/>
+      </p:bgPr>
+    </p:bg>
+    <p:spTree>
+      <p:nvGrpSpPr>
+        <p:cNvPr id="1" name=""/>
+        <p:cNvGrpSpPr/>
+        <p:nvPr/>
+      </p:nvGrpSpPr>
+      <p:grpSpPr>
+        <a:xfrm>
+          <a:off x="0" y="0"/>
+          <a:ext cx="0" cy="0"/>
+          <a:chOff x="0" y="0"/>
+          <a:chExt cx="0" cy="0"/>
+        </a:xfrm>
+      </p:grpSpPr>
+      <p:sp>
+        <p:nvSpPr>
+          <p:cNvPr id="6" name="Slide Number Placeholder 6"/>
+          <p:cNvSpPr>
+            <a:spLocks noGrp="1"/>
+          </p:cNvSpPr>
+          <p:nvPr>
+            <p:ph type="sldNum" sz="quarter" idx="12"/>
+          </p:nvPr>
+        </p:nvSpPr>
+        <p:spPr>
+          <a:xfrm>
+            <a:off x="10351008" y="292608"/>
+            <a:ext cx="838199" cy="767687"/>
+          </a:xfrm>
+        </p:spPr>
+        <p:txBody>
+          <a:bodyPr/>
+          <a:lstStyle/>
+          <a:p>
+            <a:r>
+              <a:rPr lang="en-US" dirty="0" smtClean="0"/>
+              <a:t>13</a:t>
+            </a:r>
+            <a:endParaRPr lang="en-US" dirty="0"/>
+          </a:p>
+        </p:txBody>
+      </p:sp>
+      <p:sp>
+        <p:nvSpPr>
+          <p:cNvPr id="8" name="TextBox 7"/>
+          <p:cNvSpPr txBox="1"/>
+          <p:nvPr/>
+        </p:nvSpPr>
+        <p:spPr>
+          <a:xfrm>
+            <a:off x="604448" y="537075"/>
+            <a:ext cx="9631233" cy="523220"/>
+          </a:xfrm>
+          <a:prstGeom prst="rect">
+            <a:avLst/>
+          </a:prstGeom>
+          <a:noFill/>
+        </p:spPr>
+        <p:txBody>
+          <a:bodyPr wrap="square" rtlCol="0">
+            <a:spAutoFit/>
+          </a:bodyPr>
+          <a:lstStyle/>
+          <a:p>
+            <a:r>
+              <a:rPr lang="en-US" sz="2800" dirty="0" smtClean="0">
+                <a:solidFill>
+                  <a:schemeClr val="bg1"/>
+                </a:solidFill>
+                <a:latin typeface="Segoe UI Light" panose="020B0502040204020203" pitchFamily="34" charset="0"/>
+                <a:cs typeface="Segoe UI Light" panose="020B0502040204020203" pitchFamily="34" charset="0"/>
+              </a:rPr>
+              <a:t>Features – </a:t>
+            </a:r>
+            <a:r>
+              <a:rPr lang="en-US" sz="2400" dirty="0" smtClean="0">
+                <a:solidFill>
+                  <a:schemeClr val="bg1"/>
+                </a:solidFill>
+                <a:latin typeface="Segoe UI Light" panose="020B0502040204020203" pitchFamily="34" charset="0"/>
+                <a:cs typeface="Segoe UI Light" panose="020B0502040204020203" pitchFamily="34" charset="0"/>
+              </a:rPr>
+              <a:t>Advanced –</a:t>
+            </a:r>
+            <a:r>
+              <a:rPr lang="en-US" sz="1600" dirty="0" smtClean="0">
+                <a:solidFill>
+                  <a:srgbClr val="FFFF00"/>
+                </a:solidFill>
+                <a:latin typeface="Segoe UI Light" panose="020B0502040204020203" pitchFamily="34" charset="0"/>
+                <a:cs typeface="Segoe UI Light" panose="020B0502040204020203" pitchFamily="34" charset="0"/>
+              </a:rPr>
+              <a:t> Declaration Merging</a:t>
+            </a:r>
+            <a:endParaRPr lang="en-US" sz="1600" dirty="0">
+              <a:solidFill>
+                <a:srgbClr val="FFFF00"/>
+              </a:solidFill>
+              <a:latin typeface="Segoe UI Light" panose="020B0502040204020203" pitchFamily="34" charset="0"/>
+              <a:cs typeface="Segoe UI Light" panose="020B0502040204020203" pitchFamily="34" charset="0"/>
+            </a:endParaRPr>
+          </a:p>
+        </p:txBody>
+      </p:sp>
+      <p:sp>
+        <p:nvSpPr>
+          <p:cNvPr id="10" name="TextBox 9"/>
+          <p:cNvSpPr txBox="1"/>
+          <p:nvPr/>
+        </p:nvSpPr>
+        <p:spPr>
+          <a:xfrm>
+            <a:off x="1054554" y="1388221"/>
+            <a:ext cx="3390900" cy="646331"/>
+          </a:xfrm>
+          <a:prstGeom prst="rect">
+            <a:avLst/>
+          </a:prstGeom>
+          <a:noFill/>
+        </p:spPr>
+        <p:txBody>
+          <a:bodyPr wrap="square" rtlCol="0">
+            <a:spAutoFit/>
+          </a:bodyPr>
+          <a:lstStyle/>
+          <a:p>
+            <a:pPr>
+              <a:buClr>
+                <a:srgbClr val="FFFF00"/>
+              </a:buClr>
+            </a:pPr>
+            <a:endParaRPr lang="en-US" dirty="0" smtClean="0">
+              <a:solidFill>
+                <a:schemeClr val="bg1"/>
+              </a:solidFill>
+              <a:latin typeface="Segoe UI Light" panose="020B0502040204020203" pitchFamily="34" charset="0"/>
+              <a:cs typeface="Segoe UI Light" panose="020B0502040204020203" pitchFamily="34" charset="0"/>
+            </a:endParaRPr>
+          </a:p>
+          <a:p>
+            <a:pPr>
+              <a:buClr>
+                <a:srgbClr val="FFFF00"/>
+              </a:buClr>
+            </a:pPr>
+            <a:endParaRPr lang="en-US" dirty="0" smtClean="0">
+              <a:solidFill>
+                <a:schemeClr val="bg1"/>
+              </a:solidFill>
+              <a:latin typeface="Segoe UI Light" panose="020B0502040204020203" pitchFamily="34" charset="0"/>
+              <a:cs typeface="Segoe UI Light" panose="020B0502040204020203" pitchFamily="34" charset="0"/>
+            </a:endParaRPr>
+          </a:p>
+        </p:txBody>
+      </p:sp>
+      <p:sp>
+        <p:nvSpPr>
+          <p:cNvPr id="9" name="Title 1"/>
+          <p:cNvSpPr>
+            <a:spLocks noGrp="1"/>
+          </p:cNvSpPr>
+          <p:nvPr>
+            <p:ph type="ctrTitle"/>
+          </p:nvPr>
+        </p:nvSpPr>
+        <p:spPr>
+          <a:xfrm>
+            <a:off x="9377266" y="6148873"/>
+            <a:ext cx="2313992" cy="220543"/>
+          </a:xfrm>
+        </p:spPr>
+        <p:txBody>
+          <a:bodyPr/>
+          <a:lstStyle/>
+          <a:p>
+            <a:pPr algn="ctr"/>
+            <a:r>
+              <a:rPr lang="en-US" sz="1100" b="1" dirty="0" smtClean="0">
+                <a:latin typeface="Segoe UI Light" panose="020B0502040204020203" pitchFamily="34" charset="0"/>
+                <a:cs typeface="Segoe UI Light" panose="020B0502040204020203" pitchFamily="34" charset="0"/>
+              </a:rPr>
+              <a:t>Type</a:t>
+            </a:r>
+            <a:r>
+              <a:rPr lang="en-US" sz="1100" dirty="0" smtClean="0">
+                <a:latin typeface="Segoe UI Light" panose="020B0502040204020203" pitchFamily="34" charset="0"/>
+                <a:cs typeface="Segoe UI Light" panose="020B0502040204020203" pitchFamily="34" charset="0"/>
+              </a:rPr>
+              <a:t>Script – </a:t>
+            </a:r>
+            <a:r>
+              <a:rPr lang="en-US" sz="1100" dirty="0" smtClean="0">
+                <a:solidFill>
+                  <a:srgbClr val="FFFF00"/>
+                </a:solidFill>
+                <a:latin typeface="Segoe UI Light" panose="020B0502040204020203" pitchFamily="34" charset="0"/>
+                <a:cs typeface="Segoe UI Light" panose="020B0502040204020203" pitchFamily="34" charset="0"/>
+              </a:rPr>
+              <a:t>www.typescriptlang.org</a:t>
+            </a:r>
+            <a:endParaRPr lang="en-US" sz="1100" dirty="0">
+              <a:solidFill>
+                <a:srgbClr val="FFFF00"/>
+              </a:solidFill>
+              <a:latin typeface="Segoe UI Light" panose="020B0502040204020203" pitchFamily="34" charset="0"/>
+              <a:cs typeface="Segoe UI Light" panose="020B0502040204020203" pitchFamily="34" charset="0"/>
+            </a:endParaRPr>
+          </a:p>
+        </p:txBody>
+      </p:sp>
+      <p:sp>
+        <p:nvSpPr>
+          <p:cNvPr id="5" name="TextBox 4"/>
+          <p:cNvSpPr txBox="1"/>
+          <p:nvPr/>
+        </p:nvSpPr>
+        <p:spPr>
+          <a:xfrm>
+            <a:off x="1219199" y="1290027"/>
+            <a:ext cx="9970008" cy="4339650"/>
+          </a:xfrm>
+          <a:prstGeom prst="rect">
+            <a:avLst/>
+          </a:prstGeom>
+          <a:noFill/>
+        </p:spPr>
+        <p:txBody>
+          <a:bodyPr wrap="square" rtlCol="0">
+            <a:spAutoFit/>
+          </a:bodyPr>
+          <a:lstStyle/>
+          <a:p>
+            <a:pPr marL="285750" indent="-285750">
+              <a:buClr>
+                <a:srgbClr val="FFFF00"/>
+              </a:buClr>
+              <a:buFont typeface="Arial" panose="020B0604020202020204" pitchFamily="34" charset="0"/>
+              <a:buChar char="•"/>
+            </a:pPr>
+            <a:r>
+              <a:rPr lang="en-US" dirty="0" smtClean="0">
+                <a:solidFill>
+                  <a:schemeClr val="bg1"/>
+                </a:solidFill>
+                <a:latin typeface="Segoe UI Light" panose="020B0502040204020203" pitchFamily="34" charset="0"/>
+                <a:cs typeface="Segoe UI Light" panose="020B0502040204020203" pitchFamily="34" charset="0"/>
+              </a:rPr>
+              <a:t>Is a unique concept in Typescript</a:t>
+            </a:r>
+            <a:endParaRPr lang="en-US" i="1" dirty="0" smtClean="0">
+              <a:solidFill>
+                <a:srgbClr val="FFFF00"/>
+              </a:solidFill>
+              <a:latin typeface="Segoe UI Light" panose="020B0502040204020203" pitchFamily="34" charset="0"/>
+              <a:cs typeface="Segoe UI Light" panose="020B0502040204020203" pitchFamily="34" charset="0"/>
+            </a:endParaRPr>
+          </a:p>
+          <a:p>
+            <a:pPr marL="285750" indent="-285750">
+              <a:buClr>
+                <a:srgbClr val="FFFF00"/>
+              </a:buClr>
+              <a:buFont typeface="Arial" panose="020B0604020202020204" pitchFamily="34" charset="0"/>
+              <a:buChar char="•"/>
+            </a:pPr>
+            <a:endParaRPr lang="en-US" i="1" dirty="0">
+              <a:solidFill>
+                <a:srgbClr val="FFFF00"/>
+              </a:solidFill>
+              <a:latin typeface="Segoe UI Light" panose="020B0502040204020203" pitchFamily="34" charset="0"/>
+              <a:cs typeface="Segoe UI Light" panose="020B0502040204020203" pitchFamily="34" charset="0"/>
+            </a:endParaRPr>
+          </a:p>
+          <a:p>
+            <a:pPr marL="285750" indent="-285750">
+              <a:buClr>
+                <a:srgbClr val="FFFF00"/>
+              </a:buClr>
+              <a:buFont typeface="Arial" panose="020B0604020202020204" pitchFamily="34" charset="0"/>
+              <a:buChar char="•"/>
+            </a:pPr>
+            <a:r>
+              <a:rPr lang="en-US" dirty="0" smtClean="0">
+                <a:solidFill>
+                  <a:schemeClr val="bg1"/>
+                </a:solidFill>
+                <a:latin typeface="Segoe UI Light" panose="020B0502040204020203" pitchFamily="34" charset="0"/>
+                <a:cs typeface="Segoe UI Light" panose="020B0502040204020203" pitchFamily="34" charset="0"/>
+              </a:rPr>
+              <a:t>Mean that compiler merges two separation declarations with same name into a single one</a:t>
+            </a:r>
+          </a:p>
+          <a:p>
+            <a:pPr marL="285750" indent="-285750">
+              <a:buClr>
+                <a:srgbClr val="FFFF00"/>
+              </a:buClr>
+              <a:buFont typeface="Arial" panose="020B0604020202020204" pitchFamily="34" charset="0"/>
+              <a:buChar char="•"/>
+            </a:pPr>
+            <a:endParaRPr lang="en-US" dirty="0">
+              <a:solidFill>
+                <a:schemeClr val="bg1"/>
+              </a:solidFill>
+              <a:latin typeface="Segoe UI Light" panose="020B0502040204020203" pitchFamily="34" charset="0"/>
+              <a:cs typeface="Segoe UI Light" panose="020B0502040204020203" pitchFamily="34" charset="0"/>
+            </a:endParaRPr>
+          </a:p>
+          <a:p>
+            <a:pPr marL="285750" indent="-285750">
+              <a:buClr>
+                <a:srgbClr val="FFFF00"/>
+              </a:buClr>
+              <a:buFont typeface="Arial" panose="020B0604020202020204" pitchFamily="34" charset="0"/>
+              <a:buChar char="•"/>
+            </a:pPr>
+            <a:r>
+              <a:rPr lang="en-US" dirty="0" smtClean="0">
+                <a:solidFill>
+                  <a:schemeClr val="bg1"/>
+                </a:solidFill>
+                <a:latin typeface="Segoe UI Light" panose="020B0502040204020203" pitchFamily="34" charset="0"/>
+                <a:cs typeface="Segoe UI Light" panose="020B0502040204020203" pitchFamily="34" charset="0"/>
+              </a:rPr>
+              <a:t>Merged definition has the feature of the original declarations</a:t>
+            </a:r>
+          </a:p>
+          <a:p>
+            <a:pPr marL="285750" indent="-285750">
+              <a:buClr>
+                <a:srgbClr val="FFFF00"/>
+              </a:buClr>
+              <a:buFont typeface="Arial" panose="020B0604020202020204" pitchFamily="34" charset="0"/>
+              <a:buChar char="•"/>
+            </a:pPr>
+            <a:endParaRPr lang="en-US" dirty="0">
+              <a:solidFill>
+                <a:schemeClr val="bg1"/>
+              </a:solidFill>
+              <a:latin typeface="Segoe UI Light" panose="020B0502040204020203" pitchFamily="34" charset="0"/>
+              <a:cs typeface="Segoe UI Light" panose="020B0502040204020203" pitchFamily="34" charset="0"/>
+            </a:endParaRPr>
+          </a:p>
+          <a:p>
+            <a:pPr marL="285750" indent="-285750">
+              <a:buClr>
+                <a:srgbClr val="FFFF00"/>
+              </a:buClr>
+              <a:buFont typeface="Arial" panose="020B0604020202020204" pitchFamily="34" charset="0"/>
+              <a:buChar char="•"/>
+            </a:pPr>
+            <a:r>
+              <a:rPr lang="en-US" dirty="0" smtClean="0">
+                <a:solidFill>
+                  <a:schemeClr val="bg1"/>
+                </a:solidFill>
+                <a:latin typeface="Segoe UI Light" panose="020B0502040204020203" pitchFamily="34" charset="0"/>
+                <a:cs typeface="Segoe UI Light" panose="020B0502040204020203" pitchFamily="34" charset="0"/>
+              </a:rPr>
+              <a:t>Any number of declarations can be merged</a:t>
+            </a:r>
+          </a:p>
+          <a:p>
+            <a:pPr marL="285750" indent="-285750">
+              <a:buClr>
+                <a:srgbClr val="FFFF00"/>
+              </a:buClr>
+              <a:buFont typeface="Arial" panose="020B0604020202020204" pitchFamily="34" charset="0"/>
+              <a:buChar char="•"/>
+            </a:pPr>
+            <a:endParaRPr lang="en-US" dirty="0">
+              <a:solidFill>
+                <a:schemeClr val="bg1"/>
+              </a:solidFill>
+              <a:latin typeface="Segoe UI Light" panose="020B0502040204020203" pitchFamily="34" charset="0"/>
+              <a:cs typeface="Segoe UI Light" panose="020B0502040204020203" pitchFamily="34" charset="0"/>
+            </a:endParaRPr>
+          </a:p>
+          <a:p>
+            <a:pPr marL="285750" indent="-285750">
+              <a:buClr>
+                <a:srgbClr val="FFFF00"/>
+              </a:buClr>
+              <a:buFont typeface="Arial" panose="020B0604020202020204" pitchFamily="34" charset="0"/>
+              <a:buChar char="•"/>
+            </a:pPr>
+            <a:r>
+              <a:rPr lang="en-US" dirty="0" smtClean="0">
+                <a:solidFill>
+                  <a:schemeClr val="bg1"/>
+                </a:solidFill>
+                <a:latin typeface="Segoe UI Light" panose="020B0502040204020203" pitchFamily="34" charset="0"/>
+                <a:cs typeface="Segoe UI Light" panose="020B0502040204020203" pitchFamily="34" charset="0"/>
+              </a:rPr>
+              <a:t>Three groups:</a:t>
+            </a:r>
+          </a:p>
+          <a:p>
+            <a:pPr marL="742950" lvl="1" indent="-285750">
+              <a:buClr>
+                <a:srgbClr val="FFFF00"/>
+              </a:buClr>
+              <a:buFont typeface="Wingdings" panose="05000000000000000000" pitchFamily="2" charset="2"/>
+              <a:buChar char="§"/>
+            </a:pPr>
+            <a:r>
+              <a:rPr lang="en-US" sz="1400" dirty="0" smtClean="0">
+                <a:solidFill>
+                  <a:schemeClr val="bg1"/>
+                </a:solidFill>
+                <a:latin typeface="Segoe UI Light" panose="020B0502040204020203" pitchFamily="34" charset="0"/>
+                <a:cs typeface="Segoe UI Light" panose="020B0502040204020203" pitchFamily="34" charset="0"/>
+              </a:rPr>
+              <a:t>Namespace</a:t>
+            </a:r>
+          </a:p>
+          <a:p>
+            <a:pPr marL="742950" lvl="1" indent="-285750">
+              <a:buClr>
+                <a:srgbClr val="FFFF00"/>
+              </a:buClr>
+              <a:buFont typeface="Wingdings" panose="05000000000000000000" pitchFamily="2" charset="2"/>
+              <a:buChar char="§"/>
+            </a:pPr>
+            <a:r>
+              <a:rPr lang="en-US" sz="1400" dirty="0" smtClean="0">
+                <a:solidFill>
+                  <a:schemeClr val="bg1"/>
+                </a:solidFill>
+                <a:latin typeface="Segoe UI Light" panose="020B0502040204020203" pitchFamily="34" charset="0"/>
+                <a:cs typeface="Segoe UI Light" panose="020B0502040204020203" pitchFamily="34" charset="0"/>
+              </a:rPr>
+              <a:t>Type</a:t>
+            </a:r>
+          </a:p>
+          <a:p>
+            <a:pPr marL="742950" lvl="1" indent="-285750">
+              <a:buClr>
+                <a:srgbClr val="FFFF00"/>
+              </a:buClr>
+              <a:buFont typeface="Wingdings" panose="05000000000000000000" pitchFamily="2" charset="2"/>
+              <a:buChar char="§"/>
+            </a:pPr>
+            <a:r>
+              <a:rPr lang="en-US" sz="1400" dirty="0" smtClean="0">
+                <a:solidFill>
+                  <a:schemeClr val="bg1"/>
+                </a:solidFill>
+                <a:latin typeface="Segoe UI Light" panose="020B0502040204020203" pitchFamily="34" charset="0"/>
+                <a:cs typeface="Segoe UI Light" panose="020B0502040204020203" pitchFamily="34" charset="0"/>
+              </a:rPr>
+              <a:t>Value</a:t>
+            </a:r>
+          </a:p>
+          <a:p>
+            <a:pPr marL="285750" indent="-285750">
+              <a:buClr>
+                <a:srgbClr val="FFFF00"/>
+              </a:buClr>
+              <a:buFont typeface="Arial" panose="020B0604020202020204" pitchFamily="34" charset="0"/>
+              <a:buChar char="•"/>
+            </a:pPr>
+            <a:endParaRPr lang="en-US" dirty="0" smtClean="0">
+              <a:solidFill>
+                <a:schemeClr val="bg1"/>
+              </a:solidFill>
+              <a:latin typeface="Segoe UI Light" panose="020B0502040204020203" pitchFamily="34" charset="0"/>
+              <a:cs typeface="Segoe UI Light" panose="020B0502040204020203" pitchFamily="34" charset="0"/>
+            </a:endParaRPr>
+          </a:p>
+          <a:p>
+            <a:pPr marL="285750" indent="-285750">
+              <a:buClr>
+                <a:srgbClr val="FFFF00"/>
+              </a:buClr>
+              <a:buFont typeface="Arial" panose="020B0604020202020204" pitchFamily="34" charset="0"/>
+              <a:buChar char="•"/>
+            </a:pPr>
+            <a:endParaRPr lang="en-US" dirty="0" smtClean="0">
+              <a:solidFill>
+                <a:schemeClr val="bg1"/>
+              </a:solidFill>
+              <a:latin typeface="Segoe UI Light" panose="020B0502040204020203" pitchFamily="34" charset="0"/>
+              <a:cs typeface="Segoe UI Light" panose="020B0502040204020203" pitchFamily="34" charset="0"/>
+            </a:endParaRPr>
+          </a:p>
+          <a:p>
+            <a:pPr marL="285750" indent="-285750">
+              <a:buClr>
+                <a:srgbClr val="FFFF00"/>
+              </a:buClr>
+              <a:buFont typeface="Arial" panose="020B0604020202020204" pitchFamily="34" charset="0"/>
+              <a:buChar char="•"/>
+            </a:pPr>
+            <a:endParaRPr lang="en-US" dirty="0">
+              <a:solidFill>
+                <a:schemeClr val="bg1"/>
+              </a:solidFill>
+              <a:latin typeface="Segoe UI Light" panose="020B0502040204020203" pitchFamily="34" charset="0"/>
+              <a:cs typeface="Segoe UI Light" panose="020B0502040204020203" pitchFamily="34" charset="0"/>
+            </a:endParaRPr>
+          </a:p>
+          <a:p>
+            <a:pPr marL="285750" indent="-285750">
+              <a:buClr>
+                <a:srgbClr val="FFFF00"/>
+              </a:buClr>
+              <a:buFont typeface="Arial" panose="020B0604020202020204" pitchFamily="34" charset="0"/>
+              <a:buChar char="•"/>
+            </a:pPr>
+            <a:endParaRPr lang="en-US" dirty="0" smtClean="0">
+              <a:solidFill>
+                <a:schemeClr val="bg1"/>
+              </a:solidFill>
+              <a:latin typeface="Segoe UI Light" panose="020B0502040204020203" pitchFamily="34" charset="0"/>
+              <a:cs typeface="Segoe UI Light" panose="020B0502040204020203" pitchFamily="34" charset="0"/>
+            </a:endParaRPr>
+          </a:p>
+        </p:txBody>
+      </p:sp>
+    </p:spTree>
+    <p:extLst>
+      <p:ext uri="{BB962C8B-B14F-4D97-AF65-F5344CB8AC3E}">
+        <p14:creationId xmlns:p14="http://schemas.microsoft.com/office/powerpoint/2010/main" val="466742402"/>
+      </p:ext>
+    </p:extLst>
+  </p:cSld>
+  <p:clrMapOvr>
+    <a:masterClrMapping/>
+  </p:clrMapOvr>
+  <p:timing>
+    <p:tnLst>
+      <p:par>
+        <p:cTn id="1" dur="indefinite" restart="never" nodeType="tmRoot"/>
+      </p:par>
+    </p:tnLst>
+  </p:timing>
+</p:sld>
+</file>
+
+<file path=ppt/slides/slide18.xml><?xml version="1.0" encoding="utf-8"?>
+<p:sld xmlns:a="http://schemas.openxmlformats.org/drawingml/2006/main" xmlns:r="http://schemas.openxmlformats.org/officeDocument/2006/relationships" xmlns:p="http://schemas.openxmlformats.org/presentationml/2006/main">
+  <p:cSld>
+    <p:bg>
+      <p:bgPr>
+        <a:solidFill>
+          <a:schemeClr val="bg1"/>
+        </a:solidFill>
+        <a:effectLst/>
+      </p:bgPr>
+    </p:bg>
+    <p:spTree>
+      <p:nvGrpSpPr>
+        <p:cNvPr id="1" name=""/>
+        <p:cNvGrpSpPr/>
+        <p:nvPr/>
+      </p:nvGrpSpPr>
+      <p:grpSpPr>
+        <a:xfrm>
+          <a:off x="0" y="0"/>
+          <a:ext cx="0" cy="0"/>
+          <a:chOff x="0" y="0"/>
+          <a:chExt cx="0" cy="0"/>
+        </a:xfrm>
+      </p:grpSpPr>
+      <p:sp>
+        <p:nvSpPr>
+          <p:cNvPr id="6" name="Slide Number Placeholder 6"/>
+          <p:cNvSpPr>
+            <a:spLocks noGrp="1"/>
+          </p:cNvSpPr>
+          <p:nvPr>
+            <p:ph type="sldNum" sz="quarter" idx="12"/>
+          </p:nvPr>
+        </p:nvSpPr>
+        <p:spPr>
+          <a:xfrm>
+            <a:off x="10351008" y="292608"/>
+            <a:ext cx="838199" cy="767687"/>
+          </a:xfrm>
+        </p:spPr>
+        <p:txBody>
+          <a:bodyPr/>
+          <a:lstStyle/>
+          <a:p>
+            <a:r>
+              <a:rPr lang="en-US" dirty="0" smtClean="0"/>
+              <a:t>14</a:t>
+            </a:r>
+            <a:endParaRPr lang="en-US" dirty="0"/>
+          </a:p>
+        </p:txBody>
+      </p:sp>
+      <p:sp>
+        <p:nvSpPr>
+          <p:cNvPr id="8" name="TextBox 7"/>
+          <p:cNvSpPr txBox="1"/>
+          <p:nvPr/>
+        </p:nvSpPr>
+        <p:spPr>
+          <a:xfrm>
+            <a:off x="604448" y="537075"/>
+            <a:ext cx="9631233" cy="523220"/>
+          </a:xfrm>
+          <a:prstGeom prst="rect">
+            <a:avLst/>
+          </a:prstGeom>
+          <a:noFill/>
+        </p:spPr>
+        <p:txBody>
+          <a:bodyPr wrap="square" rtlCol="0">
+            <a:spAutoFit/>
+          </a:bodyPr>
+          <a:lstStyle/>
+          <a:p>
+            <a:r>
+              <a:rPr lang="en-US" sz="2800" dirty="0" smtClean="0">
+                <a:solidFill>
+                  <a:schemeClr val="bg1"/>
+                </a:solidFill>
+                <a:latin typeface="Segoe UI Light" panose="020B0502040204020203" pitchFamily="34" charset="0"/>
+                <a:cs typeface="Segoe UI Light" panose="020B0502040204020203" pitchFamily="34" charset="0"/>
+              </a:rPr>
+              <a:t>Features – </a:t>
+            </a:r>
+            <a:r>
+              <a:rPr lang="en-US" sz="2400" dirty="0" smtClean="0">
+                <a:solidFill>
+                  <a:schemeClr val="bg1"/>
+                </a:solidFill>
+                <a:latin typeface="Segoe UI Light" panose="020B0502040204020203" pitchFamily="34" charset="0"/>
+                <a:cs typeface="Segoe UI Light" panose="020B0502040204020203" pitchFamily="34" charset="0"/>
+              </a:rPr>
+              <a:t>Advanced –</a:t>
+            </a:r>
+            <a:r>
+              <a:rPr lang="en-US" sz="1600" dirty="0" smtClean="0">
+                <a:solidFill>
+                  <a:srgbClr val="FFFF00"/>
+                </a:solidFill>
+                <a:latin typeface="Segoe UI Light" panose="020B0502040204020203" pitchFamily="34" charset="0"/>
+                <a:cs typeface="Segoe UI Light" panose="020B0502040204020203" pitchFamily="34" charset="0"/>
+              </a:rPr>
+              <a:t> Declaration Merging (cont.)</a:t>
+            </a:r>
+            <a:endParaRPr lang="en-US" sz="1600" dirty="0">
+              <a:solidFill>
+                <a:srgbClr val="FFFF00"/>
+              </a:solidFill>
+              <a:latin typeface="Segoe UI Light" panose="020B0502040204020203" pitchFamily="34" charset="0"/>
+              <a:cs typeface="Segoe UI Light" panose="020B0502040204020203" pitchFamily="34" charset="0"/>
+            </a:endParaRPr>
+          </a:p>
+        </p:txBody>
+      </p:sp>
+      <p:sp>
+        <p:nvSpPr>
+          <p:cNvPr id="10" name="TextBox 9"/>
+          <p:cNvSpPr txBox="1"/>
+          <p:nvPr/>
+        </p:nvSpPr>
+        <p:spPr>
+          <a:xfrm>
+            <a:off x="1054554" y="1388221"/>
+            <a:ext cx="3390900" cy="646331"/>
+          </a:xfrm>
+          <a:prstGeom prst="rect">
+            <a:avLst/>
+          </a:prstGeom>
+          <a:noFill/>
+        </p:spPr>
+        <p:txBody>
+          <a:bodyPr wrap="square" rtlCol="0">
+            <a:spAutoFit/>
+          </a:bodyPr>
+          <a:lstStyle/>
+          <a:p>
+            <a:pPr>
+              <a:buClr>
+                <a:srgbClr val="FFFF00"/>
+              </a:buClr>
+            </a:pPr>
+            <a:endParaRPr lang="en-US" dirty="0" smtClean="0">
+              <a:solidFill>
+                <a:schemeClr val="bg1"/>
+              </a:solidFill>
+              <a:latin typeface="Segoe UI Light" panose="020B0502040204020203" pitchFamily="34" charset="0"/>
+              <a:cs typeface="Segoe UI Light" panose="020B0502040204020203" pitchFamily="34" charset="0"/>
+            </a:endParaRPr>
+          </a:p>
+          <a:p>
+            <a:pPr>
+              <a:buClr>
+                <a:srgbClr val="FFFF00"/>
+              </a:buClr>
+            </a:pPr>
+            <a:endParaRPr lang="en-US" dirty="0" smtClean="0">
+              <a:solidFill>
+                <a:schemeClr val="bg1"/>
+              </a:solidFill>
+              <a:latin typeface="Segoe UI Light" panose="020B0502040204020203" pitchFamily="34" charset="0"/>
+              <a:cs typeface="Segoe UI Light" panose="020B0502040204020203" pitchFamily="34" charset="0"/>
+            </a:endParaRPr>
+          </a:p>
+        </p:txBody>
+      </p:sp>
+      <p:sp>
+        <p:nvSpPr>
+          <p:cNvPr id="9" name="Title 1"/>
+          <p:cNvSpPr>
+            <a:spLocks noGrp="1"/>
+          </p:cNvSpPr>
+          <p:nvPr>
+            <p:ph type="ctrTitle"/>
+          </p:nvPr>
+        </p:nvSpPr>
+        <p:spPr>
+          <a:xfrm>
+            <a:off x="9377266" y="6148873"/>
+            <a:ext cx="2313992" cy="220543"/>
+          </a:xfrm>
+        </p:spPr>
+        <p:txBody>
+          <a:bodyPr/>
+          <a:lstStyle/>
+          <a:p>
+            <a:pPr algn="ctr"/>
+            <a:r>
+              <a:rPr lang="en-US" sz="1100" b="1" dirty="0" smtClean="0">
+                <a:latin typeface="Segoe UI Light" panose="020B0502040204020203" pitchFamily="34" charset="0"/>
+                <a:cs typeface="Segoe UI Light" panose="020B0502040204020203" pitchFamily="34" charset="0"/>
+              </a:rPr>
+              <a:t>Type</a:t>
+            </a:r>
+            <a:r>
+              <a:rPr lang="en-US" sz="1100" dirty="0" smtClean="0">
+                <a:latin typeface="Segoe UI Light" panose="020B0502040204020203" pitchFamily="34" charset="0"/>
+                <a:cs typeface="Segoe UI Light" panose="020B0502040204020203" pitchFamily="34" charset="0"/>
+              </a:rPr>
+              <a:t>Script – </a:t>
+            </a:r>
+            <a:r>
+              <a:rPr lang="en-US" sz="1100" dirty="0" smtClean="0">
+                <a:solidFill>
+                  <a:srgbClr val="FFFF00"/>
+                </a:solidFill>
+                <a:latin typeface="Segoe UI Light" panose="020B0502040204020203" pitchFamily="34" charset="0"/>
+                <a:cs typeface="Segoe UI Light" panose="020B0502040204020203" pitchFamily="34" charset="0"/>
+              </a:rPr>
+              <a:t>www.typescriptlang.org</a:t>
+            </a:r>
+            <a:endParaRPr lang="en-US" sz="1100" dirty="0">
+              <a:solidFill>
+                <a:srgbClr val="FFFF00"/>
+              </a:solidFill>
+              <a:latin typeface="Segoe UI Light" panose="020B0502040204020203" pitchFamily="34" charset="0"/>
+              <a:cs typeface="Segoe UI Light" panose="020B0502040204020203" pitchFamily="34" charset="0"/>
+            </a:endParaRPr>
+          </a:p>
+        </p:txBody>
+      </p:sp>
+      <p:pic>
+        <p:nvPicPr>
+          <p:cNvPr id="2" name="Picture 1"/>
+          <p:cNvPicPr>
+            <a:picLocks noChangeAspect="1"/>
+          </p:cNvPicPr>
+          <p:nvPr/>
+        </p:nvPicPr>
+        <p:blipFill>
+          <a:blip r:embed="rId3"/>
+          <a:stretch>
+            <a:fillRect/>
+          </a:stretch>
+        </p:blipFill>
+        <p:spPr>
+          <a:xfrm>
+            <a:off x="1990725" y="1943100"/>
+            <a:ext cx="8210550" cy="2971800"/>
+          </a:xfrm>
+          <a:prstGeom prst="rect">
+            <a:avLst/>
+          </a:prstGeom>
+        </p:spPr>
+      </p:pic>
+    </p:spTree>
+    <p:extLst>
+      <p:ext uri="{BB962C8B-B14F-4D97-AF65-F5344CB8AC3E}">
+        <p14:creationId xmlns:p14="http://schemas.microsoft.com/office/powerpoint/2010/main" val="49165370"/>
+      </p:ext>
+    </p:extLst>
+  </p:cSld>
+  <p:clrMapOvr>
+    <a:masterClrMapping/>
+  </p:clrMapOvr>
+  <p:timing>
+    <p:tnLst>
+      <p:par>
+        <p:cTn id="1" dur="indefinite" restart="never" nodeType="tmRoot"/>
+      </p:par>
+    </p:tnLst>
+  </p:timing>
+</p:sld>
+</file>
+
+<file path=ppt/slides/slide19.xml><?xml version="1.0" encoding="utf-8"?>
+<p:sld xmlns:a="http://schemas.openxmlformats.org/drawingml/2006/main" xmlns:r="http://schemas.openxmlformats.org/officeDocument/2006/relationships" xmlns:p="http://schemas.openxmlformats.org/presentationml/2006/main">
+  <p:cSld>
+    <p:bg>
+      <p:bgPr>
+        <a:solidFill>
+          <a:schemeClr val="bg1"/>
+        </a:solidFill>
+        <a:effectLst/>
+      </p:bgPr>
+    </p:bg>
+    <p:spTree>
+      <p:nvGrpSpPr>
+        <p:cNvPr id="1" name=""/>
+        <p:cNvGrpSpPr/>
+        <p:nvPr/>
+      </p:nvGrpSpPr>
+      <p:grpSpPr>
+        <a:xfrm>
+          <a:off x="0" y="0"/>
+          <a:ext cx="0" cy="0"/>
+          <a:chOff x="0" y="0"/>
+          <a:chExt cx="0" cy="0"/>
+        </a:xfrm>
+      </p:grpSpPr>
+      <p:sp>
+        <p:nvSpPr>
+          <p:cNvPr id="6" name="Slide Number Placeholder 6"/>
+          <p:cNvSpPr>
+            <a:spLocks noGrp="1"/>
+          </p:cNvSpPr>
+          <p:nvPr>
+            <p:ph type="sldNum" sz="quarter" idx="12"/>
+          </p:nvPr>
+        </p:nvSpPr>
+        <p:spPr>
+          <a:xfrm>
+            <a:off x="10351008" y="292608"/>
+            <a:ext cx="838199" cy="767687"/>
+          </a:xfrm>
+        </p:spPr>
+        <p:txBody>
+          <a:bodyPr/>
+          <a:lstStyle/>
+          <a:p>
+            <a:r>
+              <a:rPr lang="en-US" dirty="0" smtClean="0"/>
+              <a:t>15</a:t>
+            </a:r>
+            <a:endParaRPr lang="en-US" dirty="0"/>
+          </a:p>
+        </p:txBody>
+      </p:sp>
+      <p:sp>
+        <p:nvSpPr>
+          <p:cNvPr id="8" name="TextBox 7"/>
+          <p:cNvSpPr txBox="1"/>
+          <p:nvPr/>
+        </p:nvSpPr>
+        <p:spPr>
+          <a:xfrm>
+            <a:off x="604448" y="537075"/>
+            <a:ext cx="9631233" cy="523220"/>
+          </a:xfrm>
+          <a:prstGeom prst="rect">
+            <a:avLst/>
+          </a:prstGeom>
+          <a:noFill/>
+        </p:spPr>
+        <p:txBody>
+          <a:bodyPr wrap="square" rtlCol="0">
+            <a:spAutoFit/>
+          </a:bodyPr>
+          <a:lstStyle/>
+          <a:p>
+            <a:r>
+              <a:rPr lang="en-US" sz="2800" dirty="0" smtClean="0">
+                <a:solidFill>
+                  <a:schemeClr val="bg1"/>
+                </a:solidFill>
+                <a:latin typeface="Segoe UI Light" panose="020B0502040204020203" pitchFamily="34" charset="0"/>
+                <a:cs typeface="Segoe UI Light" panose="020B0502040204020203" pitchFamily="34" charset="0"/>
+              </a:rPr>
+              <a:t>Features – </a:t>
+            </a:r>
+            <a:r>
+              <a:rPr lang="en-US" sz="2400" dirty="0" smtClean="0">
+                <a:solidFill>
+                  <a:schemeClr val="bg1"/>
+                </a:solidFill>
+                <a:latin typeface="Segoe UI Light" panose="020B0502040204020203" pitchFamily="34" charset="0"/>
+                <a:cs typeface="Segoe UI Light" panose="020B0502040204020203" pitchFamily="34" charset="0"/>
+              </a:rPr>
+              <a:t>Advanced –</a:t>
+            </a:r>
+            <a:r>
+              <a:rPr lang="en-US" sz="1600" dirty="0" smtClean="0">
+                <a:solidFill>
+                  <a:srgbClr val="FFFF00"/>
+                </a:solidFill>
+                <a:latin typeface="Segoe UI Light" panose="020B0502040204020203" pitchFamily="34" charset="0"/>
+                <a:cs typeface="Segoe UI Light" panose="020B0502040204020203" pitchFamily="34" charset="0"/>
+              </a:rPr>
+              <a:t> Declaration Merging (cont.)</a:t>
+            </a:r>
+            <a:endParaRPr lang="en-US" sz="1600" dirty="0">
+              <a:solidFill>
+                <a:srgbClr val="FFFF00"/>
+              </a:solidFill>
+              <a:latin typeface="Segoe UI Light" panose="020B0502040204020203" pitchFamily="34" charset="0"/>
+              <a:cs typeface="Segoe UI Light" panose="020B0502040204020203" pitchFamily="34" charset="0"/>
+            </a:endParaRPr>
+          </a:p>
+        </p:txBody>
+      </p:sp>
+      <p:sp>
+        <p:nvSpPr>
+          <p:cNvPr id="10" name="TextBox 9"/>
+          <p:cNvSpPr txBox="1"/>
+          <p:nvPr/>
+        </p:nvSpPr>
+        <p:spPr>
+          <a:xfrm>
+            <a:off x="1054554" y="1388221"/>
+            <a:ext cx="3390900" cy="646331"/>
+          </a:xfrm>
+          <a:prstGeom prst="rect">
+            <a:avLst/>
+          </a:prstGeom>
+          <a:noFill/>
+        </p:spPr>
+        <p:txBody>
+          <a:bodyPr wrap="square" rtlCol="0">
+            <a:spAutoFit/>
+          </a:bodyPr>
+          <a:lstStyle/>
+          <a:p>
+            <a:pPr>
+              <a:buClr>
+                <a:srgbClr val="FFFF00"/>
+              </a:buClr>
+            </a:pPr>
+            <a:endParaRPr lang="en-US" dirty="0" smtClean="0">
+              <a:solidFill>
+                <a:schemeClr val="bg1"/>
+              </a:solidFill>
+              <a:latin typeface="Segoe UI Light" panose="020B0502040204020203" pitchFamily="34" charset="0"/>
+              <a:cs typeface="Segoe UI Light" panose="020B0502040204020203" pitchFamily="34" charset="0"/>
+            </a:endParaRPr>
+          </a:p>
+          <a:p>
+            <a:pPr>
+              <a:buClr>
+                <a:srgbClr val="FFFF00"/>
+              </a:buClr>
+            </a:pPr>
+            <a:endParaRPr lang="en-US" dirty="0" smtClean="0">
+              <a:solidFill>
+                <a:schemeClr val="bg1"/>
+              </a:solidFill>
+              <a:latin typeface="Segoe UI Light" panose="020B0502040204020203" pitchFamily="34" charset="0"/>
+              <a:cs typeface="Segoe UI Light" panose="020B0502040204020203" pitchFamily="34" charset="0"/>
+            </a:endParaRPr>
+          </a:p>
+        </p:txBody>
+      </p:sp>
+      <p:sp>
+        <p:nvSpPr>
+          <p:cNvPr id="9" name="Title 1"/>
+          <p:cNvSpPr>
+            <a:spLocks noGrp="1"/>
+          </p:cNvSpPr>
+          <p:nvPr>
+            <p:ph type="ctrTitle"/>
+          </p:nvPr>
+        </p:nvSpPr>
+        <p:spPr>
+          <a:xfrm>
+            <a:off x="9377266" y="6148873"/>
+            <a:ext cx="2313992" cy="220543"/>
+          </a:xfrm>
+        </p:spPr>
+        <p:txBody>
+          <a:bodyPr/>
+          <a:lstStyle/>
+          <a:p>
+            <a:pPr algn="ctr"/>
+            <a:r>
+              <a:rPr lang="en-US" sz="1100" b="1" dirty="0" smtClean="0">
+                <a:latin typeface="Segoe UI Light" panose="020B0502040204020203" pitchFamily="34" charset="0"/>
+                <a:cs typeface="Segoe UI Light" panose="020B0502040204020203" pitchFamily="34" charset="0"/>
+              </a:rPr>
+              <a:t>Type</a:t>
+            </a:r>
+            <a:r>
+              <a:rPr lang="en-US" sz="1100" dirty="0" smtClean="0">
+                <a:latin typeface="Segoe UI Light" panose="020B0502040204020203" pitchFamily="34" charset="0"/>
+                <a:cs typeface="Segoe UI Light" panose="020B0502040204020203" pitchFamily="34" charset="0"/>
+              </a:rPr>
+              <a:t>Script – </a:t>
+            </a:r>
+            <a:r>
+              <a:rPr lang="en-US" sz="1100" dirty="0" smtClean="0">
+                <a:solidFill>
+                  <a:srgbClr val="FFFF00"/>
+                </a:solidFill>
+                <a:latin typeface="Segoe UI Light" panose="020B0502040204020203" pitchFamily="34" charset="0"/>
+                <a:cs typeface="Segoe UI Light" panose="020B0502040204020203" pitchFamily="34" charset="0"/>
+              </a:rPr>
+              <a:t>www.typescriptlang.org</a:t>
+            </a:r>
+            <a:endParaRPr lang="en-US" sz="1100" dirty="0">
+              <a:solidFill>
+                <a:srgbClr val="FFFF00"/>
+              </a:solidFill>
+              <a:latin typeface="Segoe UI Light" panose="020B0502040204020203" pitchFamily="34" charset="0"/>
+              <a:cs typeface="Segoe UI Light" panose="020B0502040204020203" pitchFamily="34" charset="0"/>
+            </a:endParaRPr>
+          </a:p>
+        </p:txBody>
+      </p:sp>
+      <p:sp>
+        <p:nvSpPr>
+          <p:cNvPr id="7" name="TextBox 6"/>
+          <p:cNvSpPr txBox="1"/>
+          <p:nvPr/>
+        </p:nvSpPr>
+        <p:spPr>
+          <a:xfrm>
+            <a:off x="1219199" y="1290027"/>
+            <a:ext cx="9970008" cy="2185214"/>
+          </a:xfrm>
+          <a:prstGeom prst="rect">
+            <a:avLst/>
+          </a:prstGeom>
+          <a:noFill/>
+        </p:spPr>
+        <p:txBody>
+          <a:bodyPr wrap="square" rtlCol="0">
+            <a:spAutoFit/>
+          </a:bodyPr>
+          <a:lstStyle/>
+          <a:p>
+            <a:pPr marL="285750" indent="-285750">
+              <a:buClr>
+                <a:srgbClr val="FFFF00"/>
+              </a:buClr>
+              <a:buFont typeface="Arial" panose="020B0604020202020204" pitchFamily="34" charset="0"/>
+              <a:buChar char="•"/>
+            </a:pPr>
+            <a:r>
+              <a:rPr lang="en-US" dirty="0" smtClean="0">
+                <a:solidFill>
+                  <a:schemeClr val="bg1"/>
+                </a:solidFill>
+                <a:latin typeface="Segoe UI Light" panose="020B0502040204020203" pitchFamily="34" charset="0"/>
+                <a:cs typeface="Segoe UI Light" panose="020B0502040204020203" pitchFamily="34" charset="0"/>
+              </a:rPr>
+              <a:t>Merging Interfaces</a:t>
+            </a:r>
+          </a:p>
+          <a:p>
+            <a:pPr marL="742950" lvl="1" indent="-285750">
+              <a:buClr>
+                <a:srgbClr val="FFFF00"/>
+              </a:buClr>
+              <a:buFont typeface="Wingdings" panose="05000000000000000000" pitchFamily="2" charset="2"/>
+              <a:buChar char="§"/>
+            </a:pPr>
+            <a:r>
+              <a:rPr lang="en-US" sz="1400" dirty="0" smtClean="0">
+                <a:solidFill>
+                  <a:schemeClr val="bg1"/>
+                </a:solidFill>
+                <a:latin typeface="Segoe UI Light" panose="020B0502040204020203" pitchFamily="34" charset="0"/>
+                <a:cs typeface="Segoe UI Light" panose="020B0502040204020203" pitchFamily="34" charset="0"/>
+              </a:rPr>
+              <a:t>Non-function members must be unique</a:t>
+            </a:r>
+          </a:p>
+          <a:p>
+            <a:pPr marL="742950" lvl="1" indent="-285750">
+              <a:buClr>
+                <a:srgbClr val="FFFF00"/>
+              </a:buClr>
+              <a:buFont typeface="Wingdings" panose="05000000000000000000" pitchFamily="2" charset="2"/>
+              <a:buChar char="§"/>
+            </a:pPr>
+            <a:r>
+              <a:rPr lang="en-US" sz="1400" dirty="0" smtClean="0">
+                <a:solidFill>
+                  <a:schemeClr val="bg1"/>
+                </a:solidFill>
+                <a:latin typeface="Segoe UI Light" panose="020B0502040204020203" pitchFamily="34" charset="0"/>
+                <a:cs typeface="Segoe UI Light" panose="020B0502040204020203" pitchFamily="34" charset="0"/>
+              </a:rPr>
+              <a:t>Function members has same name is treated as an overload</a:t>
+            </a:r>
+            <a:endParaRPr lang="en-US" sz="1400" dirty="0" smtClean="0">
+              <a:solidFill>
+                <a:srgbClr val="FFFF00"/>
+              </a:solidFill>
+              <a:latin typeface="Segoe UI Light" panose="020B0502040204020203" pitchFamily="34" charset="0"/>
+              <a:cs typeface="Segoe UI Light" panose="020B0502040204020203" pitchFamily="34" charset="0"/>
+            </a:endParaRPr>
+          </a:p>
+          <a:p>
+            <a:pPr marL="285750" indent="-285750">
+              <a:buClr>
+                <a:srgbClr val="FFFF00"/>
+              </a:buClr>
+              <a:buFont typeface="Arial" panose="020B0604020202020204" pitchFamily="34" charset="0"/>
+              <a:buChar char="•"/>
+            </a:pPr>
+            <a:endParaRPr lang="en-US" i="1" dirty="0">
+              <a:solidFill>
+                <a:srgbClr val="FFFF00"/>
+              </a:solidFill>
+              <a:latin typeface="Segoe UI Light" panose="020B0502040204020203" pitchFamily="34" charset="0"/>
+              <a:cs typeface="Segoe UI Light" panose="020B0502040204020203" pitchFamily="34" charset="0"/>
+            </a:endParaRPr>
+          </a:p>
+          <a:p>
+            <a:pPr marL="285750" indent="-285750">
+              <a:buClr>
+                <a:srgbClr val="FFFF00"/>
+              </a:buClr>
+              <a:buFont typeface="Arial" panose="020B0604020202020204" pitchFamily="34" charset="0"/>
+              <a:buChar char="•"/>
+            </a:pPr>
+            <a:endParaRPr lang="en-US" dirty="0" smtClean="0">
+              <a:solidFill>
+                <a:schemeClr val="bg1"/>
+              </a:solidFill>
+              <a:latin typeface="Segoe UI Light" panose="020B0502040204020203" pitchFamily="34" charset="0"/>
+              <a:cs typeface="Segoe UI Light" panose="020B0502040204020203" pitchFamily="34" charset="0"/>
+            </a:endParaRPr>
+          </a:p>
+          <a:p>
+            <a:pPr marL="285750" indent="-285750">
+              <a:buClr>
+                <a:srgbClr val="FFFF00"/>
+              </a:buClr>
+              <a:buFont typeface="Arial" panose="020B0604020202020204" pitchFamily="34" charset="0"/>
+              <a:buChar char="•"/>
+            </a:pPr>
+            <a:endParaRPr lang="en-US" dirty="0" smtClean="0">
+              <a:solidFill>
+                <a:schemeClr val="bg1"/>
+              </a:solidFill>
+              <a:latin typeface="Segoe UI Light" panose="020B0502040204020203" pitchFamily="34" charset="0"/>
+              <a:cs typeface="Segoe UI Light" panose="020B0502040204020203" pitchFamily="34" charset="0"/>
+            </a:endParaRPr>
+          </a:p>
+          <a:p>
+            <a:pPr marL="285750" indent="-285750">
+              <a:buClr>
+                <a:srgbClr val="FFFF00"/>
+              </a:buClr>
+              <a:buFont typeface="Arial" panose="020B0604020202020204" pitchFamily="34" charset="0"/>
+              <a:buChar char="•"/>
+            </a:pPr>
+            <a:endParaRPr lang="en-US" dirty="0">
+              <a:solidFill>
+                <a:schemeClr val="bg1"/>
+              </a:solidFill>
+              <a:latin typeface="Segoe UI Light" panose="020B0502040204020203" pitchFamily="34" charset="0"/>
+              <a:cs typeface="Segoe UI Light" panose="020B0502040204020203" pitchFamily="34" charset="0"/>
+            </a:endParaRPr>
+          </a:p>
+          <a:p>
+            <a:pPr marL="285750" indent="-285750">
+              <a:buClr>
+                <a:srgbClr val="FFFF00"/>
+              </a:buClr>
+              <a:buFont typeface="Arial" panose="020B0604020202020204" pitchFamily="34" charset="0"/>
+              <a:buChar char="•"/>
+            </a:pPr>
+            <a:endParaRPr lang="en-US" dirty="0" smtClean="0">
+              <a:solidFill>
+                <a:schemeClr val="bg1"/>
+              </a:solidFill>
+              <a:latin typeface="Segoe UI Light" panose="020B0502040204020203" pitchFamily="34" charset="0"/>
+              <a:cs typeface="Segoe UI Light" panose="020B0502040204020203" pitchFamily="34" charset="0"/>
+            </a:endParaRPr>
+          </a:p>
+        </p:txBody>
+      </p:sp>
+      <p:pic>
+        <p:nvPicPr>
+          <p:cNvPr id="3" name="Picture 2"/>
+          <p:cNvPicPr>
+            <a:picLocks noChangeAspect="1"/>
+          </p:cNvPicPr>
+          <p:nvPr/>
+        </p:nvPicPr>
+        <p:blipFill>
+          <a:blip r:embed="rId3"/>
+          <a:stretch>
+            <a:fillRect/>
+          </a:stretch>
+        </p:blipFill>
+        <p:spPr>
+          <a:xfrm>
+            <a:off x="1219199" y="2132746"/>
+            <a:ext cx="3724275" cy="1885950"/>
+          </a:xfrm>
+          <a:prstGeom prst="rect">
+            <a:avLst/>
+          </a:prstGeom>
+        </p:spPr>
+      </p:pic>
+      <p:pic>
+        <p:nvPicPr>
+          <p:cNvPr id="5" name="Picture 4"/>
+          <p:cNvPicPr>
+            <a:picLocks noChangeAspect="1"/>
+          </p:cNvPicPr>
+          <p:nvPr/>
+        </p:nvPicPr>
+        <p:blipFill>
+          <a:blip r:embed="rId4"/>
+          <a:stretch>
+            <a:fillRect/>
+          </a:stretch>
+        </p:blipFill>
+        <p:spPr>
+          <a:xfrm>
+            <a:off x="5501638" y="2130341"/>
+            <a:ext cx="5305425" cy="2981325"/>
+          </a:xfrm>
+          <a:prstGeom prst="rect">
+            <a:avLst/>
+          </a:prstGeom>
+        </p:spPr>
+      </p:pic>
+    </p:spTree>
+    <p:extLst>
+      <p:ext uri="{BB962C8B-B14F-4D97-AF65-F5344CB8AC3E}">
+        <p14:creationId xmlns:p14="http://schemas.microsoft.com/office/powerpoint/2010/main" val="3424558832"/>
+      </p:ext>
+    </p:extLst>
+  </p:cSld>
+  <p:clrMapOvr>
+    <a:masterClrMapping/>
+  </p:clrMapOvr>
+  <p:timing>
+    <p:tnLst>
+      <p:par>
+        <p:cTn id="1" dur="indefinite" restart="never" nodeType="tmRoot"/>
+      </p:par>
+    </p:tnLst>
+  </p:timing>
+</p:sld>
+</file>
+
 <file path=ppt/slides/slide2.xml><?xml version="1.0" encoding="utf-8"?>
 <p:sld xmlns:a="http://schemas.openxmlformats.org/drawingml/2006/main" xmlns:r="http://schemas.openxmlformats.org/officeDocument/2006/relationships" xmlns:p="http://schemas.openxmlformats.org/presentationml/2006/main">
   <p:cSld>
@@ -14904,6 +20019,2795 @@
     <p:tnLst>
       <p:par>
         <p:cTn id="1" dur="indefinite" restart="never" nodeType="tmRoot"/>
+      </p:par>
+    </p:tnLst>
+  </p:timing>
+</p:sld>
+</file>
+
+<file path=ppt/slides/slide20.xml><?xml version="1.0" encoding="utf-8"?>
+<p:sld xmlns:a="http://schemas.openxmlformats.org/drawingml/2006/main" xmlns:r="http://schemas.openxmlformats.org/officeDocument/2006/relationships" xmlns:p="http://schemas.openxmlformats.org/presentationml/2006/main">
+  <p:cSld>
+    <p:bg>
+      <p:bgPr>
+        <a:solidFill>
+          <a:schemeClr val="bg1"/>
+        </a:solidFill>
+        <a:effectLst/>
+      </p:bgPr>
+    </p:bg>
+    <p:spTree>
+      <p:nvGrpSpPr>
+        <p:cNvPr id="1" name=""/>
+        <p:cNvGrpSpPr/>
+        <p:nvPr/>
+      </p:nvGrpSpPr>
+      <p:grpSpPr>
+        <a:xfrm>
+          <a:off x="0" y="0"/>
+          <a:ext cx="0" cy="0"/>
+          <a:chOff x="0" y="0"/>
+          <a:chExt cx="0" cy="0"/>
+        </a:xfrm>
+      </p:grpSpPr>
+      <p:sp>
+        <p:nvSpPr>
+          <p:cNvPr id="6" name="Slide Number Placeholder 6"/>
+          <p:cNvSpPr>
+            <a:spLocks noGrp="1"/>
+          </p:cNvSpPr>
+          <p:nvPr>
+            <p:ph type="sldNum" sz="quarter" idx="12"/>
+          </p:nvPr>
+        </p:nvSpPr>
+        <p:spPr>
+          <a:xfrm>
+            <a:off x="10351008" y="292608"/>
+            <a:ext cx="838199" cy="767687"/>
+          </a:xfrm>
+        </p:spPr>
+        <p:txBody>
+          <a:bodyPr/>
+          <a:lstStyle/>
+          <a:p>
+            <a:r>
+              <a:rPr lang="en-US" dirty="0" smtClean="0"/>
+              <a:t>16</a:t>
+            </a:r>
+            <a:endParaRPr lang="en-US" dirty="0"/>
+          </a:p>
+        </p:txBody>
+      </p:sp>
+      <p:sp>
+        <p:nvSpPr>
+          <p:cNvPr id="8" name="TextBox 7"/>
+          <p:cNvSpPr txBox="1"/>
+          <p:nvPr/>
+        </p:nvSpPr>
+        <p:spPr>
+          <a:xfrm>
+            <a:off x="604448" y="537075"/>
+            <a:ext cx="9631233" cy="523220"/>
+          </a:xfrm>
+          <a:prstGeom prst="rect">
+            <a:avLst/>
+          </a:prstGeom>
+          <a:noFill/>
+        </p:spPr>
+        <p:txBody>
+          <a:bodyPr wrap="square" rtlCol="0">
+            <a:spAutoFit/>
+          </a:bodyPr>
+          <a:lstStyle/>
+          <a:p>
+            <a:r>
+              <a:rPr lang="en-US" sz="2800" dirty="0" smtClean="0">
+                <a:solidFill>
+                  <a:schemeClr val="bg1"/>
+                </a:solidFill>
+                <a:latin typeface="Segoe UI Light" panose="020B0502040204020203" pitchFamily="34" charset="0"/>
+                <a:cs typeface="Segoe UI Light" panose="020B0502040204020203" pitchFamily="34" charset="0"/>
+              </a:rPr>
+              <a:t>Features – </a:t>
+            </a:r>
+            <a:r>
+              <a:rPr lang="en-US" sz="2400" dirty="0" smtClean="0">
+                <a:solidFill>
+                  <a:schemeClr val="bg1"/>
+                </a:solidFill>
+                <a:latin typeface="Segoe UI Light" panose="020B0502040204020203" pitchFamily="34" charset="0"/>
+                <a:cs typeface="Segoe UI Light" panose="020B0502040204020203" pitchFamily="34" charset="0"/>
+              </a:rPr>
+              <a:t>Advanced –</a:t>
+            </a:r>
+            <a:r>
+              <a:rPr lang="en-US" sz="1600" dirty="0" smtClean="0">
+                <a:solidFill>
+                  <a:srgbClr val="FFFF00"/>
+                </a:solidFill>
+                <a:latin typeface="Segoe UI Light" panose="020B0502040204020203" pitchFamily="34" charset="0"/>
+                <a:cs typeface="Segoe UI Light" panose="020B0502040204020203" pitchFamily="34" charset="0"/>
+              </a:rPr>
+              <a:t> Declaration Merging (cont.)</a:t>
+            </a:r>
+            <a:endParaRPr lang="en-US" sz="1600" dirty="0">
+              <a:solidFill>
+                <a:srgbClr val="FFFF00"/>
+              </a:solidFill>
+              <a:latin typeface="Segoe UI Light" panose="020B0502040204020203" pitchFamily="34" charset="0"/>
+              <a:cs typeface="Segoe UI Light" panose="020B0502040204020203" pitchFamily="34" charset="0"/>
+            </a:endParaRPr>
+          </a:p>
+        </p:txBody>
+      </p:sp>
+      <p:sp>
+        <p:nvSpPr>
+          <p:cNvPr id="10" name="TextBox 9"/>
+          <p:cNvSpPr txBox="1"/>
+          <p:nvPr/>
+        </p:nvSpPr>
+        <p:spPr>
+          <a:xfrm>
+            <a:off x="1054554" y="1388221"/>
+            <a:ext cx="3390900" cy="646331"/>
+          </a:xfrm>
+          <a:prstGeom prst="rect">
+            <a:avLst/>
+          </a:prstGeom>
+          <a:noFill/>
+        </p:spPr>
+        <p:txBody>
+          <a:bodyPr wrap="square" rtlCol="0">
+            <a:spAutoFit/>
+          </a:bodyPr>
+          <a:lstStyle/>
+          <a:p>
+            <a:pPr>
+              <a:buClr>
+                <a:srgbClr val="FFFF00"/>
+              </a:buClr>
+            </a:pPr>
+            <a:endParaRPr lang="en-US" dirty="0" smtClean="0">
+              <a:solidFill>
+                <a:schemeClr val="bg1"/>
+              </a:solidFill>
+              <a:latin typeface="Segoe UI Light" panose="020B0502040204020203" pitchFamily="34" charset="0"/>
+              <a:cs typeface="Segoe UI Light" panose="020B0502040204020203" pitchFamily="34" charset="0"/>
+            </a:endParaRPr>
+          </a:p>
+          <a:p>
+            <a:pPr>
+              <a:buClr>
+                <a:srgbClr val="FFFF00"/>
+              </a:buClr>
+            </a:pPr>
+            <a:endParaRPr lang="en-US" dirty="0" smtClean="0">
+              <a:solidFill>
+                <a:schemeClr val="bg1"/>
+              </a:solidFill>
+              <a:latin typeface="Segoe UI Light" panose="020B0502040204020203" pitchFamily="34" charset="0"/>
+              <a:cs typeface="Segoe UI Light" panose="020B0502040204020203" pitchFamily="34" charset="0"/>
+            </a:endParaRPr>
+          </a:p>
+        </p:txBody>
+      </p:sp>
+      <p:sp>
+        <p:nvSpPr>
+          <p:cNvPr id="9" name="Title 1"/>
+          <p:cNvSpPr>
+            <a:spLocks noGrp="1"/>
+          </p:cNvSpPr>
+          <p:nvPr>
+            <p:ph type="ctrTitle"/>
+          </p:nvPr>
+        </p:nvSpPr>
+        <p:spPr>
+          <a:xfrm>
+            <a:off x="9377266" y="6148873"/>
+            <a:ext cx="2313992" cy="220543"/>
+          </a:xfrm>
+        </p:spPr>
+        <p:txBody>
+          <a:bodyPr/>
+          <a:lstStyle/>
+          <a:p>
+            <a:pPr algn="ctr"/>
+            <a:r>
+              <a:rPr lang="en-US" sz="1100" b="1" dirty="0" smtClean="0">
+                <a:latin typeface="Segoe UI Light" panose="020B0502040204020203" pitchFamily="34" charset="0"/>
+                <a:cs typeface="Segoe UI Light" panose="020B0502040204020203" pitchFamily="34" charset="0"/>
+              </a:rPr>
+              <a:t>Type</a:t>
+            </a:r>
+            <a:r>
+              <a:rPr lang="en-US" sz="1100" dirty="0" smtClean="0">
+                <a:latin typeface="Segoe UI Light" panose="020B0502040204020203" pitchFamily="34" charset="0"/>
+                <a:cs typeface="Segoe UI Light" panose="020B0502040204020203" pitchFamily="34" charset="0"/>
+              </a:rPr>
+              <a:t>Script – </a:t>
+            </a:r>
+            <a:r>
+              <a:rPr lang="en-US" sz="1100" dirty="0" smtClean="0">
+                <a:solidFill>
+                  <a:srgbClr val="FFFF00"/>
+                </a:solidFill>
+                <a:latin typeface="Segoe UI Light" panose="020B0502040204020203" pitchFamily="34" charset="0"/>
+                <a:cs typeface="Segoe UI Light" panose="020B0502040204020203" pitchFamily="34" charset="0"/>
+              </a:rPr>
+              <a:t>www.typescriptlang.org</a:t>
+            </a:r>
+            <a:endParaRPr lang="en-US" sz="1100" dirty="0">
+              <a:solidFill>
+                <a:srgbClr val="FFFF00"/>
+              </a:solidFill>
+              <a:latin typeface="Segoe UI Light" panose="020B0502040204020203" pitchFamily="34" charset="0"/>
+              <a:cs typeface="Segoe UI Light" panose="020B0502040204020203" pitchFamily="34" charset="0"/>
+            </a:endParaRPr>
+          </a:p>
+        </p:txBody>
+      </p:sp>
+      <p:sp>
+        <p:nvSpPr>
+          <p:cNvPr id="7" name="TextBox 6"/>
+          <p:cNvSpPr txBox="1"/>
+          <p:nvPr/>
+        </p:nvSpPr>
+        <p:spPr>
+          <a:xfrm>
+            <a:off x="1219199" y="1290027"/>
+            <a:ext cx="9970008" cy="2185214"/>
+          </a:xfrm>
+          <a:prstGeom prst="rect">
+            <a:avLst/>
+          </a:prstGeom>
+          <a:noFill/>
+        </p:spPr>
+        <p:txBody>
+          <a:bodyPr wrap="square" rtlCol="0">
+            <a:spAutoFit/>
+          </a:bodyPr>
+          <a:lstStyle/>
+          <a:p>
+            <a:pPr marL="285750" indent="-285750">
+              <a:buClr>
+                <a:srgbClr val="FFFF00"/>
+              </a:buClr>
+              <a:buFont typeface="Arial" panose="020B0604020202020204" pitchFamily="34" charset="0"/>
+              <a:buChar char="•"/>
+            </a:pPr>
+            <a:r>
+              <a:rPr lang="en-US" dirty="0" smtClean="0">
+                <a:solidFill>
+                  <a:schemeClr val="bg1"/>
+                </a:solidFill>
+                <a:latin typeface="Segoe UI Light" panose="020B0502040204020203" pitchFamily="34" charset="0"/>
+                <a:cs typeface="Segoe UI Light" panose="020B0502040204020203" pitchFamily="34" charset="0"/>
+              </a:rPr>
+              <a:t>Merging Namespaces</a:t>
+            </a:r>
+          </a:p>
+          <a:p>
+            <a:pPr marL="742950" lvl="1" indent="-285750">
+              <a:buClr>
+                <a:srgbClr val="FFFF00"/>
+              </a:buClr>
+              <a:buFont typeface="Wingdings" panose="05000000000000000000" pitchFamily="2" charset="2"/>
+              <a:buChar char="§"/>
+            </a:pPr>
+            <a:r>
+              <a:rPr lang="en-US" sz="1400" dirty="0" smtClean="0">
+                <a:solidFill>
+                  <a:schemeClr val="bg1"/>
+                </a:solidFill>
+                <a:latin typeface="Segoe UI Light" panose="020B0502040204020203" pitchFamily="34" charset="0"/>
+                <a:cs typeface="Segoe UI Light" panose="020B0502040204020203" pitchFamily="34" charset="0"/>
+              </a:rPr>
+              <a:t>Non-exported members are only visible in the original (un-merged) namespace</a:t>
+            </a:r>
+          </a:p>
+          <a:p>
+            <a:pPr lvl="1">
+              <a:buClr>
+                <a:srgbClr val="FFFF00"/>
+              </a:buClr>
+            </a:pPr>
+            <a:endParaRPr lang="en-US" sz="1400" dirty="0" smtClean="0">
+              <a:solidFill>
+                <a:schemeClr val="bg1"/>
+              </a:solidFill>
+              <a:latin typeface="Segoe UI Light" panose="020B0502040204020203" pitchFamily="34" charset="0"/>
+              <a:cs typeface="Segoe UI Light" panose="020B0502040204020203" pitchFamily="34" charset="0"/>
+            </a:endParaRPr>
+          </a:p>
+          <a:p>
+            <a:pPr>
+              <a:buClr>
+                <a:srgbClr val="FFFF00"/>
+              </a:buClr>
+            </a:pPr>
+            <a:endParaRPr lang="en-US" i="1" dirty="0">
+              <a:solidFill>
+                <a:srgbClr val="FFFF00"/>
+              </a:solidFill>
+              <a:latin typeface="Segoe UI Light" panose="020B0502040204020203" pitchFamily="34" charset="0"/>
+              <a:cs typeface="Segoe UI Light" panose="020B0502040204020203" pitchFamily="34" charset="0"/>
+            </a:endParaRPr>
+          </a:p>
+          <a:p>
+            <a:pPr marL="285750" indent="-285750">
+              <a:buClr>
+                <a:srgbClr val="FFFF00"/>
+              </a:buClr>
+              <a:buFont typeface="Arial" panose="020B0604020202020204" pitchFamily="34" charset="0"/>
+              <a:buChar char="•"/>
+            </a:pPr>
+            <a:endParaRPr lang="en-US" dirty="0" smtClean="0">
+              <a:solidFill>
+                <a:schemeClr val="bg1"/>
+              </a:solidFill>
+              <a:latin typeface="Segoe UI Light" panose="020B0502040204020203" pitchFamily="34" charset="0"/>
+              <a:cs typeface="Segoe UI Light" panose="020B0502040204020203" pitchFamily="34" charset="0"/>
+            </a:endParaRPr>
+          </a:p>
+          <a:p>
+            <a:pPr marL="285750" indent="-285750">
+              <a:buClr>
+                <a:srgbClr val="FFFF00"/>
+              </a:buClr>
+              <a:buFont typeface="Arial" panose="020B0604020202020204" pitchFamily="34" charset="0"/>
+              <a:buChar char="•"/>
+            </a:pPr>
+            <a:endParaRPr lang="en-US" dirty="0" smtClean="0">
+              <a:solidFill>
+                <a:schemeClr val="bg1"/>
+              </a:solidFill>
+              <a:latin typeface="Segoe UI Light" panose="020B0502040204020203" pitchFamily="34" charset="0"/>
+              <a:cs typeface="Segoe UI Light" panose="020B0502040204020203" pitchFamily="34" charset="0"/>
+            </a:endParaRPr>
+          </a:p>
+          <a:p>
+            <a:pPr marL="285750" indent="-285750">
+              <a:buClr>
+                <a:srgbClr val="FFFF00"/>
+              </a:buClr>
+              <a:buFont typeface="Arial" panose="020B0604020202020204" pitchFamily="34" charset="0"/>
+              <a:buChar char="•"/>
+            </a:pPr>
+            <a:endParaRPr lang="en-US" dirty="0">
+              <a:solidFill>
+                <a:schemeClr val="bg1"/>
+              </a:solidFill>
+              <a:latin typeface="Segoe UI Light" panose="020B0502040204020203" pitchFamily="34" charset="0"/>
+              <a:cs typeface="Segoe UI Light" panose="020B0502040204020203" pitchFamily="34" charset="0"/>
+            </a:endParaRPr>
+          </a:p>
+          <a:p>
+            <a:pPr marL="285750" indent="-285750">
+              <a:buClr>
+                <a:srgbClr val="FFFF00"/>
+              </a:buClr>
+              <a:buFont typeface="Arial" panose="020B0604020202020204" pitchFamily="34" charset="0"/>
+              <a:buChar char="•"/>
+            </a:pPr>
+            <a:endParaRPr lang="en-US" dirty="0" smtClean="0">
+              <a:solidFill>
+                <a:schemeClr val="bg1"/>
+              </a:solidFill>
+              <a:latin typeface="Segoe UI Light" panose="020B0502040204020203" pitchFamily="34" charset="0"/>
+              <a:cs typeface="Segoe UI Light" panose="020B0502040204020203" pitchFamily="34" charset="0"/>
+            </a:endParaRPr>
+          </a:p>
+        </p:txBody>
+      </p:sp>
+      <p:pic>
+        <p:nvPicPr>
+          <p:cNvPr id="2" name="Picture 1"/>
+          <p:cNvPicPr>
+            <a:picLocks noChangeAspect="1"/>
+          </p:cNvPicPr>
+          <p:nvPr/>
+        </p:nvPicPr>
+        <p:blipFill>
+          <a:blip r:embed="rId3"/>
+          <a:stretch>
+            <a:fillRect/>
+          </a:stretch>
+        </p:blipFill>
+        <p:spPr>
+          <a:xfrm>
+            <a:off x="1219199" y="2034552"/>
+            <a:ext cx="4572000" cy="3333750"/>
+          </a:xfrm>
+          <a:prstGeom prst="rect">
+            <a:avLst/>
+          </a:prstGeom>
+        </p:spPr>
+      </p:pic>
+      <p:pic>
+        <p:nvPicPr>
+          <p:cNvPr id="4" name="Picture 3"/>
+          <p:cNvPicPr>
+            <a:picLocks noChangeAspect="1"/>
+          </p:cNvPicPr>
+          <p:nvPr/>
+        </p:nvPicPr>
+        <p:blipFill>
+          <a:blip r:embed="rId4"/>
+          <a:stretch>
+            <a:fillRect/>
+          </a:stretch>
+        </p:blipFill>
+        <p:spPr>
+          <a:xfrm>
+            <a:off x="6081903" y="2034552"/>
+            <a:ext cx="4362450" cy="3190875"/>
+          </a:xfrm>
+          <a:prstGeom prst="rect">
+            <a:avLst/>
+          </a:prstGeom>
+        </p:spPr>
+      </p:pic>
+      <p:pic>
+        <p:nvPicPr>
+          <p:cNvPr id="11" name="Picture 10"/>
+          <p:cNvPicPr>
+            <a:picLocks noChangeAspect="1"/>
+          </p:cNvPicPr>
+          <p:nvPr/>
+        </p:nvPicPr>
+        <p:blipFill>
+          <a:blip r:embed="rId5"/>
+          <a:stretch>
+            <a:fillRect/>
+          </a:stretch>
+        </p:blipFill>
+        <p:spPr>
+          <a:xfrm>
+            <a:off x="2931127" y="3114572"/>
+            <a:ext cx="4200525" cy="3171825"/>
+          </a:xfrm>
+          <a:prstGeom prst="rect">
+            <a:avLst/>
+          </a:prstGeom>
+        </p:spPr>
+      </p:pic>
+    </p:spTree>
+    <p:extLst>
+      <p:ext uri="{BB962C8B-B14F-4D97-AF65-F5344CB8AC3E}">
+        <p14:creationId xmlns:p14="http://schemas.microsoft.com/office/powerpoint/2010/main" val="3862420503"/>
+      </p:ext>
+    </p:extLst>
+  </p:cSld>
+  <p:clrMapOvr>
+    <a:masterClrMapping/>
+  </p:clrMapOvr>
+  <p:timing>
+    <p:tnLst>
+      <p:par>
+        <p:cTn id="1" dur="indefinite" restart="never" nodeType="tmRoot">
+          <p:childTnLst>
+            <p:seq concurrent="1" nextAc="seek">
+              <p:cTn id="2" dur="indefinite" nodeType="mainSeq">
+                <p:childTnLst>
+                  <p:par>
+                    <p:cTn id="3" fill="hold">
+                      <p:stCondLst>
+                        <p:cond delay="indefinite"/>
+                      </p:stCondLst>
+                      <p:childTnLst>
+                        <p:par>
+                          <p:cTn id="4" fill="hold">
+                            <p:stCondLst>
+                              <p:cond delay="0"/>
+                            </p:stCondLst>
+                            <p:childTnLst>
+                              <p:par>
+                                <p:cTn id="5" presetID="1" presetClass="entr" presetSubtype="0" fill="hold" nodeType="clickEffect">
+                                  <p:stCondLst>
+                                    <p:cond delay="0"/>
+                                  </p:stCondLst>
+                                  <p:childTnLst>
+                                    <p:set>
+                                      <p:cBhvr>
+                                        <p:cTn id="6" dur="1" fill="hold">
+                                          <p:stCondLst>
+                                            <p:cond delay="0"/>
+                                          </p:stCondLst>
+                                        </p:cTn>
+                                        <p:tgtEl>
+                                          <p:spTgt spid="2"/>
+                                        </p:tgtEl>
+                                        <p:attrNameLst>
+                                          <p:attrName>style.visibility</p:attrName>
+                                        </p:attrNameLst>
+                                      </p:cBhvr>
+                                      <p:to>
+                                        <p:strVal val="visible"/>
+                                      </p:to>
+                                    </p:set>
+                                  </p:childTnLst>
+                                </p:cTn>
+                              </p:par>
+                            </p:childTnLst>
+                          </p:cTn>
+                        </p:par>
+                      </p:childTnLst>
+                    </p:cTn>
+                  </p:par>
+                  <p:par>
+                    <p:cTn id="7" fill="hold">
+                      <p:stCondLst>
+                        <p:cond delay="indefinite"/>
+                      </p:stCondLst>
+                      <p:childTnLst>
+                        <p:par>
+                          <p:cTn id="8" fill="hold">
+                            <p:stCondLst>
+                              <p:cond delay="0"/>
+                            </p:stCondLst>
+                            <p:childTnLst>
+                              <p:par>
+                                <p:cTn id="9" presetID="1" presetClass="entr" presetSubtype="0" fill="hold" nodeType="clickEffect">
+                                  <p:stCondLst>
+                                    <p:cond delay="0"/>
+                                  </p:stCondLst>
+                                  <p:childTnLst>
+                                    <p:set>
+                                      <p:cBhvr>
+                                        <p:cTn id="10" dur="1" fill="hold">
+                                          <p:stCondLst>
+                                            <p:cond delay="0"/>
+                                          </p:stCondLst>
+                                        </p:cTn>
+                                        <p:tgtEl>
+                                          <p:spTgt spid="4"/>
+                                        </p:tgtEl>
+                                        <p:attrNameLst>
+                                          <p:attrName>style.visibility</p:attrName>
+                                        </p:attrNameLst>
+                                      </p:cBhvr>
+                                      <p:to>
+                                        <p:strVal val="visible"/>
+                                      </p:to>
+                                    </p:set>
+                                  </p:childTnLst>
+                                </p:cTn>
+                              </p:par>
+                            </p:childTnLst>
+                          </p:cTn>
+                        </p:par>
+                      </p:childTnLst>
+                    </p:cTn>
+                  </p:par>
+                  <p:par>
+                    <p:cTn id="11" fill="hold">
+                      <p:stCondLst>
+                        <p:cond delay="indefinite"/>
+                      </p:stCondLst>
+                      <p:childTnLst>
+                        <p:par>
+                          <p:cTn id="12" fill="hold">
+                            <p:stCondLst>
+                              <p:cond delay="0"/>
+                            </p:stCondLst>
+                            <p:childTnLst>
+                              <p:par>
+                                <p:cTn id="13" presetID="1" presetClass="entr" presetSubtype="0" fill="hold" nodeType="clickEffect">
+                                  <p:stCondLst>
+                                    <p:cond delay="0"/>
+                                  </p:stCondLst>
+                                  <p:childTnLst>
+                                    <p:set>
+                                      <p:cBhvr>
+                                        <p:cTn id="14" dur="1" fill="hold">
+                                          <p:stCondLst>
+                                            <p:cond delay="0"/>
+                                          </p:stCondLst>
+                                        </p:cTn>
+                                        <p:tgtEl>
+                                          <p:spTgt spid="11"/>
+                                        </p:tgtEl>
+                                        <p:attrNameLst>
+                                          <p:attrName>style.visibility</p:attrName>
+                                        </p:attrNameLst>
+                                      </p:cBhvr>
+                                      <p:to>
+                                        <p:strVal val="visible"/>
+                                      </p:to>
+                                    </p:set>
+                                  </p:childTnLst>
+                                </p:cTn>
+                              </p:par>
+                            </p:childTnLst>
+                          </p:cTn>
+                        </p:par>
+                      </p:childTnLst>
+                    </p:cTn>
+                  </p:par>
+                </p:childTnLst>
+              </p:cTn>
+              <p:prevCondLst>
+                <p:cond evt="onPrev" delay="0">
+                  <p:tgtEl>
+                    <p:sldTgt/>
+                  </p:tgtEl>
+                </p:cond>
+              </p:prevCondLst>
+              <p:nextCondLst>
+                <p:cond evt="onNext" delay="0">
+                  <p:tgtEl>
+                    <p:sldTgt/>
+                  </p:tgtEl>
+                </p:cond>
+              </p:nextCondLst>
+            </p:seq>
+          </p:childTnLst>
+        </p:cTn>
+      </p:par>
+    </p:tnLst>
+  </p:timing>
+</p:sld>
+</file>
+
+<file path=ppt/slides/slide21.xml><?xml version="1.0" encoding="utf-8"?>
+<p:sld xmlns:a="http://schemas.openxmlformats.org/drawingml/2006/main" xmlns:r="http://schemas.openxmlformats.org/officeDocument/2006/relationships" xmlns:p="http://schemas.openxmlformats.org/presentationml/2006/main">
+  <p:cSld>
+    <p:bg>
+      <p:bgPr>
+        <a:solidFill>
+          <a:schemeClr val="bg1"/>
+        </a:solidFill>
+        <a:effectLst/>
+      </p:bgPr>
+    </p:bg>
+    <p:spTree>
+      <p:nvGrpSpPr>
+        <p:cNvPr id="1" name=""/>
+        <p:cNvGrpSpPr/>
+        <p:nvPr/>
+      </p:nvGrpSpPr>
+      <p:grpSpPr>
+        <a:xfrm>
+          <a:off x="0" y="0"/>
+          <a:ext cx="0" cy="0"/>
+          <a:chOff x="0" y="0"/>
+          <a:chExt cx="0" cy="0"/>
+        </a:xfrm>
+      </p:grpSpPr>
+      <p:sp>
+        <p:nvSpPr>
+          <p:cNvPr id="6" name="Slide Number Placeholder 6"/>
+          <p:cNvSpPr>
+            <a:spLocks noGrp="1"/>
+          </p:cNvSpPr>
+          <p:nvPr>
+            <p:ph type="sldNum" sz="quarter" idx="12"/>
+          </p:nvPr>
+        </p:nvSpPr>
+        <p:spPr>
+          <a:xfrm>
+            <a:off x="10351008" y="292608"/>
+            <a:ext cx="838199" cy="767687"/>
+          </a:xfrm>
+        </p:spPr>
+        <p:txBody>
+          <a:bodyPr/>
+          <a:lstStyle/>
+          <a:p>
+            <a:r>
+              <a:rPr lang="en-US" dirty="0" smtClean="0"/>
+              <a:t>17</a:t>
+            </a:r>
+            <a:endParaRPr lang="en-US" dirty="0"/>
+          </a:p>
+        </p:txBody>
+      </p:sp>
+      <p:sp>
+        <p:nvSpPr>
+          <p:cNvPr id="8" name="TextBox 7"/>
+          <p:cNvSpPr txBox="1"/>
+          <p:nvPr/>
+        </p:nvSpPr>
+        <p:spPr>
+          <a:xfrm>
+            <a:off x="604448" y="537075"/>
+            <a:ext cx="9631233" cy="523220"/>
+          </a:xfrm>
+          <a:prstGeom prst="rect">
+            <a:avLst/>
+          </a:prstGeom>
+          <a:noFill/>
+        </p:spPr>
+        <p:txBody>
+          <a:bodyPr wrap="square" rtlCol="0">
+            <a:spAutoFit/>
+          </a:bodyPr>
+          <a:lstStyle/>
+          <a:p>
+            <a:r>
+              <a:rPr lang="en-US" sz="2800" dirty="0" smtClean="0">
+                <a:solidFill>
+                  <a:schemeClr val="bg1"/>
+                </a:solidFill>
+                <a:latin typeface="Segoe UI Light" panose="020B0502040204020203" pitchFamily="34" charset="0"/>
+                <a:cs typeface="Segoe UI Light" panose="020B0502040204020203" pitchFamily="34" charset="0"/>
+              </a:rPr>
+              <a:t>Features – </a:t>
+            </a:r>
+            <a:r>
+              <a:rPr lang="en-US" sz="2400" dirty="0" smtClean="0">
+                <a:solidFill>
+                  <a:schemeClr val="bg1"/>
+                </a:solidFill>
+                <a:latin typeface="Segoe UI Light" panose="020B0502040204020203" pitchFamily="34" charset="0"/>
+                <a:cs typeface="Segoe UI Light" panose="020B0502040204020203" pitchFamily="34" charset="0"/>
+              </a:rPr>
+              <a:t>Advanced –</a:t>
+            </a:r>
+            <a:r>
+              <a:rPr lang="en-US" sz="1600" dirty="0" smtClean="0">
+                <a:solidFill>
+                  <a:srgbClr val="FFFF00"/>
+                </a:solidFill>
+                <a:latin typeface="Segoe UI Light" panose="020B0502040204020203" pitchFamily="34" charset="0"/>
+                <a:cs typeface="Segoe UI Light" panose="020B0502040204020203" pitchFamily="34" charset="0"/>
+              </a:rPr>
+              <a:t> Declaration Merging (cont.)</a:t>
+            </a:r>
+            <a:endParaRPr lang="en-US" sz="1600" dirty="0">
+              <a:solidFill>
+                <a:srgbClr val="FFFF00"/>
+              </a:solidFill>
+              <a:latin typeface="Segoe UI Light" panose="020B0502040204020203" pitchFamily="34" charset="0"/>
+              <a:cs typeface="Segoe UI Light" panose="020B0502040204020203" pitchFamily="34" charset="0"/>
+            </a:endParaRPr>
+          </a:p>
+        </p:txBody>
+      </p:sp>
+      <p:sp>
+        <p:nvSpPr>
+          <p:cNvPr id="10" name="TextBox 9"/>
+          <p:cNvSpPr txBox="1"/>
+          <p:nvPr/>
+        </p:nvSpPr>
+        <p:spPr>
+          <a:xfrm>
+            <a:off x="1054554" y="1388221"/>
+            <a:ext cx="3390900" cy="646331"/>
+          </a:xfrm>
+          <a:prstGeom prst="rect">
+            <a:avLst/>
+          </a:prstGeom>
+          <a:noFill/>
+        </p:spPr>
+        <p:txBody>
+          <a:bodyPr wrap="square" rtlCol="0">
+            <a:spAutoFit/>
+          </a:bodyPr>
+          <a:lstStyle/>
+          <a:p>
+            <a:pPr>
+              <a:buClr>
+                <a:srgbClr val="FFFF00"/>
+              </a:buClr>
+            </a:pPr>
+            <a:endParaRPr lang="en-US" dirty="0" smtClean="0">
+              <a:solidFill>
+                <a:schemeClr val="bg1"/>
+              </a:solidFill>
+              <a:latin typeface="Segoe UI Light" panose="020B0502040204020203" pitchFamily="34" charset="0"/>
+              <a:cs typeface="Segoe UI Light" panose="020B0502040204020203" pitchFamily="34" charset="0"/>
+            </a:endParaRPr>
+          </a:p>
+          <a:p>
+            <a:pPr>
+              <a:buClr>
+                <a:srgbClr val="FFFF00"/>
+              </a:buClr>
+            </a:pPr>
+            <a:endParaRPr lang="en-US" dirty="0" smtClean="0">
+              <a:solidFill>
+                <a:schemeClr val="bg1"/>
+              </a:solidFill>
+              <a:latin typeface="Segoe UI Light" panose="020B0502040204020203" pitchFamily="34" charset="0"/>
+              <a:cs typeface="Segoe UI Light" panose="020B0502040204020203" pitchFamily="34" charset="0"/>
+            </a:endParaRPr>
+          </a:p>
+        </p:txBody>
+      </p:sp>
+      <p:sp>
+        <p:nvSpPr>
+          <p:cNvPr id="9" name="Title 1"/>
+          <p:cNvSpPr>
+            <a:spLocks noGrp="1"/>
+          </p:cNvSpPr>
+          <p:nvPr>
+            <p:ph type="ctrTitle"/>
+          </p:nvPr>
+        </p:nvSpPr>
+        <p:spPr>
+          <a:xfrm>
+            <a:off x="9377266" y="6148873"/>
+            <a:ext cx="2313992" cy="220543"/>
+          </a:xfrm>
+        </p:spPr>
+        <p:txBody>
+          <a:bodyPr/>
+          <a:lstStyle/>
+          <a:p>
+            <a:pPr algn="ctr"/>
+            <a:r>
+              <a:rPr lang="en-US" sz="1100" b="1" dirty="0" smtClean="0">
+                <a:latin typeface="Segoe UI Light" panose="020B0502040204020203" pitchFamily="34" charset="0"/>
+                <a:cs typeface="Segoe UI Light" panose="020B0502040204020203" pitchFamily="34" charset="0"/>
+              </a:rPr>
+              <a:t>Type</a:t>
+            </a:r>
+            <a:r>
+              <a:rPr lang="en-US" sz="1100" dirty="0" smtClean="0">
+                <a:latin typeface="Segoe UI Light" panose="020B0502040204020203" pitchFamily="34" charset="0"/>
+                <a:cs typeface="Segoe UI Light" panose="020B0502040204020203" pitchFamily="34" charset="0"/>
+              </a:rPr>
+              <a:t>Script – </a:t>
+            </a:r>
+            <a:r>
+              <a:rPr lang="en-US" sz="1100" dirty="0" smtClean="0">
+                <a:solidFill>
+                  <a:srgbClr val="FFFF00"/>
+                </a:solidFill>
+                <a:latin typeface="Segoe UI Light" panose="020B0502040204020203" pitchFamily="34" charset="0"/>
+                <a:cs typeface="Segoe UI Light" panose="020B0502040204020203" pitchFamily="34" charset="0"/>
+              </a:rPr>
+              <a:t>www.typescriptlang.org</a:t>
+            </a:r>
+            <a:endParaRPr lang="en-US" sz="1100" dirty="0">
+              <a:solidFill>
+                <a:srgbClr val="FFFF00"/>
+              </a:solidFill>
+              <a:latin typeface="Segoe UI Light" panose="020B0502040204020203" pitchFamily="34" charset="0"/>
+              <a:cs typeface="Segoe UI Light" panose="020B0502040204020203" pitchFamily="34" charset="0"/>
+            </a:endParaRPr>
+          </a:p>
+        </p:txBody>
+      </p:sp>
+      <p:sp>
+        <p:nvSpPr>
+          <p:cNvPr id="7" name="TextBox 6"/>
+          <p:cNvSpPr txBox="1"/>
+          <p:nvPr/>
+        </p:nvSpPr>
+        <p:spPr>
+          <a:xfrm>
+            <a:off x="1219199" y="1290027"/>
+            <a:ext cx="3764281" cy="2246769"/>
+          </a:xfrm>
+          <a:prstGeom prst="rect">
+            <a:avLst/>
+          </a:prstGeom>
+          <a:noFill/>
+        </p:spPr>
+        <p:txBody>
+          <a:bodyPr wrap="square" rtlCol="0">
+            <a:spAutoFit/>
+          </a:bodyPr>
+          <a:lstStyle/>
+          <a:p>
+            <a:pPr marL="285750" indent="-285750">
+              <a:buClr>
+                <a:srgbClr val="FFFF00"/>
+              </a:buClr>
+              <a:buFont typeface="Arial" panose="020B0604020202020204" pitchFamily="34" charset="0"/>
+              <a:buChar char="•"/>
+            </a:pPr>
+            <a:r>
+              <a:rPr lang="en-US" dirty="0" smtClean="0">
+                <a:solidFill>
+                  <a:schemeClr val="bg1"/>
+                </a:solidFill>
+                <a:latin typeface="Segoe UI Light" panose="020B0502040204020203" pitchFamily="34" charset="0"/>
+                <a:cs typeface="Segoe UI Light" panose="020B0502040204020203" pitchFamily="34" charset="0"/>
+              </a:rPr>
+              <a:t>Merging Namespaces with Classes</a:t>
+            </a:r>
+          </a:p>
+          <a:p>
+            <a:pPr marL="742950" lvl="1" indent="-285750">
+              <a:buClr>
+                <a:srgbClr val="FFFF00"/>
+              </a:buClr>
+              <a:buFont typeface="Arial" panose="020B0604020202020204" pitchFamily="34" charset="0"/>
+              <a:buChar char="•"/>
+            </a:pPr>
+            <a:endParaRPr lang="en-US" dirty="0" smtClean="0">
+              <a:solidFill>
+                <a:schemeClr val="bg1"/>
+              </a:solidFill>
+              <a:latin typeface="Segoe UI Light" panose="020B0502040204020203" pitchFamily="34" charset="0"/>
+              <a:cs typeface="Segoe UI Light" panose="020B0502040204020203" pitchFamily="34" charset="0"/>
+            </a:endParaRPr>
+          </a:p>
+          <a:p>
+            <a:pPr lvl="1">
+              <a:buClr>
+                <a:srgbClr val="FFFF00"/>
+              </a:buClr>
+            </a:pPr>
+            <a:endParaRPr lang="en-US" sz="1400" dirty="0" smtClean="0">
+              <a:solidFill>
+                <a:schemeClr val="bg1"/>
+              </a:solidFill>
+              <a:latin typeface="Segoe UI Light" panose="020B0502040204020203" pitchFamily="34" charset="0"/>
+              <a:cs typeface="Segoe UI Light" panose="020B0502040204020203" pitchFamily="34" charset="0"/>
+            </a:endParaRPr>
+          </a:p>
+          <a:p>
+            <a:pPr>
+              <a:buClr>
+                <a:srgbClr val="FFFF00"/>
+              </a:buClr>
+            </a:pPr>
+            <a:endParaRPr lang="en-US" i="1" dirty="0">
+              <a:solidFill>
+                <a:srgbClr val="FFFF00"/>
+              </a:solidFill>
+              <a:latin typeface="Segoe UI Light" panose="020B0502040204020203" pitchFamily="34" charset="0"/>
+              <a:cs typeface="Segoe UI Light" panose="020B0502040204020203" pitchFamily="34" charset="0"/>
+            </a:endParaRPr>
+          </a:p>
+          <a:p>
+            <a:pPr marL="285750" indent="-285750">
+              <a:buClr>
+                <a:srgbClr val="FFFF00"/>
+              </a:buClr>
+              <a:buFont typeface="Arial" panose="020B0604020202020204" pitchFamily="34" charset="0"/>
+              <a:buChar char="•"/>
+            </a:pPr>
+            <a:endParaRPr lang="en-US" dirty="0" smtClean="0">
+              <a:solidFill>
+                <a:schemeClr val="bg1"/>
+              </a:solidFill>
+              <a:latin typeface="Segoe UI Light" panose="020B0502040204020203" pitchFamily="34" charset="0"/>
+              <a:cs typeface="Segoe UI Light" panose="020B0502040204020203" pitchFamily="34" charset="0"/>
+            </a:endParaRPr>
+          </a:p>
+          <a:p>
+            <a:pPr marL="285750" indent="-285750">
+              <a:buClr>
+                <a:srgbClr val="FFFF00"/>
+              </a:buClr>
+              <a:buFont typeface="Arial" panose="020B0604020202020204" pitchFamily="34" charset="0"/>
+              <a:buChar char="•"/>
+            </a:pPr>
+            <a:endParaRPr lang="en-US" dirty="0" smtClean="0">
+              <a:solidFill>
+                <a:schemeClr val="bg1"/>
+              </a:solidFill>
+              <a:latin typeface="Segoe UI Light" panose="020B0502040204020203" pitchFamily="34" charset="0"/>
+              <a:cs typeface="Segoe UI Light" panose="020B0502040204020203" pitchFamily="34" charset="0"/>
+            </a:endParaRPr>
+          </a:p>
+          <a:p>
+            <a:pPr marL="285750" indent="-285750">
+              <a:buClr>
+                <a:srgbClr val="FFFF00"/>
+              </a:buClr>
+              <a:buFont typeface="Arial" panose="020B0604020202020204" pitchFamily="34" charset="0"/>
+              <a:buChar char="•"/>
+            </a:pPr>
+            <a:endParaRPr lang="en-US" dirty="0">
+              <a:solidFill>
+                <a:schemeClr val="bg1"/>
+              </a:solidFill>
+              <a:latin typeface="Segoe UI Light" panose="020B0502040204020203" pitchFamily="34" charset="0"/>
+              <a:cs typeface="Segoe UI Light" panose="020B0502040204020203" pitchFamily="34" charset="0"/>
+            </a:endParaRPr>
+          </a:p>
+          <a:p>
+            <a:pPr marL="285750" indent="-285750">
+              <a:buClr>
+                <a:srgbClr val="FFFF00"/>
+              </a:buClr>
+              <a:buFont typeface="Arial" panose="020B0604020202020204" pitchFamily="34" charset="0"/>
+              <a:buChar char="•"/>
+            </a:pPr>
+            <a:endParaRPr lang="en-US" dirty="0" smtClean="0">
+              <a:solidFill>
+                <a:schemeClr val="bg1"/>
+              </a:solidFill>
+              <a:latin typeface="Segoe UI Light" panose="020B0502040204020203" pitchFamily="34" charset="0"/>
+              <a:cs typeface="Segoe UI Light" panose="020B0502040204020203" pitchFamily="34" charset="0"/>
+            </a:endParaRPr>
+          </a:p>
+        </p:txBody>
+      </p:sp>
+      <p:pic>
+        <p:nvPicPr>
+          <p:cNvPr id="3" name="Picture 2"/>
+          <p:cNvPicPr>
+            <a:picLocks noChangeAspect="1"/>
+          </p:cNvPicPr>
+          <p:nvPr/>
+        </p:nvPicPr>
+        <p:blipFill>
+          <a:blip r:embed="rId3"/>
+          <a:stretch>
+            <a:fillRect/>
+          </a:stretch>
+        </p:blipFill>
+        <p:spPr>
+          <a:xfrm>
+            <a:off x="1582101" y="1883522"/>
+            <a:ext cx="3038475" cy="1981200"/>
+          </a:xfrm>
+          <a:prstGeom prst="rect">
+            <a:avLst/>
+          </a:prstGeom>
+        </p:spPr>
+      </p:pic>
+      <p:sp>
+        <p:nvSpPr>
+          <p:cNvPr id="12" name="TextBox 11"/>
+          <p:cNvSpPr txBox="1"/>
+          <p:nvPr/>
+        </p:nvSpPr>
+        <p:spPr>
+          <a:xfrm>
+            <a:off x="5971031" y="1290027"/>
+            <a:ext cx="5321809" cy="2246769"/>
+          </a:xfrm>
+          <a:prstGeom prst="rect">
+            <a:avLst/>
+          </a:prstGeom>
+          <a:noFill/>
+        </p:spPr>
+        <p:txBody>
+          <a:bodyPr wrap="square" rtlCol="0">
+            <a:spAutoFit/>
+          </a:bodyPr>
+          <a:lstStyle/>
+          <a:p>
+            <a:pPr marL="285750" indent="-285750">
+              <a:buClr>
+                <a:srgbClr val="FFFF00"/>
+              </a:buClr>
+              <a:buFont typeface="Arial" panose="020B0604020202020204" pitchFamily="34" charset="0"/>
+              <a:buChar char="•"/>
+            </a:pPr>
+            <a:r>
+              <a:rPr lang="en-US" dirty="0" smtClean="0">
+                <a:solidFill>
+                  <a:schemeClr val="bg1"/>
+                </a:solidFill>
+                <a:latin typeface="Segoe UI Light" panose="020B0502040204020203" pitchFamily="34" charset="0"/>
+                <a:cs typeface="Segoe UI Light" panose="020B0502040204020203" pitchFamily="34" charset="0"/>
+              </a:rPr>
+              <a:t>Merging Namespaces with Functions</a:t>
+            </a:r>
+          </a:p>
+          <a:p>
+            <a:pPr marL="742950" lvl="1" indent="-285750">
+              <a:buClr>
+                <a:srgbClr val="FFFF00"/>
+              </a:buClr>
+              <a:buFont typeface="Arial" panose="020B0604020202020204" pitchFamily="34" charset="0"/>
+              <a:buChar char="•"/>
+            </a:pPr>
+            <a:endParaRPr lang="en-US" dirty="0" smtClean="0">
+              <a:solidFill>
+                <a:schemeClr val="bg1"/>
+              </a:solidFill>
+              <a:latin typeface="Segoe UI Light" panose="020B0502040204020203" pitchFamily="34" charset="0"/>
+              <a:cs typeface="Segoe UI Light" panose="020B0502040204020203" pitchFamily="34" charset="0"/>
+            </a:endParaRPr>
+          </a:p>
+          <a:p>
+            <a:pPr lvl="1">
+              <a:buClr>
+                <a:srgbClr val="FFFF00"/>
+              </a:buClr>
+            </a:pPr>
+            <a:endParaRPr lang="en-US" sz="1400" dirty="0" smtClean="0">
+              <a:solidFill>
+                <a:schemeClr val="bg1"/>
+              </a:solidFill>
+              <a:latin typeface="Segoe UI Light" panose="020B0502040204020203" pitchFamily="34" charset="0"/>
+              <a:cs typeface="Segoe UI Light" panose="020B0502040204020203" pitchFamily="34" charset="0"/>
+            </a:endParaRPr>
+          </a:p>
+          <a:p>
+            <a:pPr>
+              <a:buClr>
+                <a:srgbClr val="FFFF00"/>
+              </a:buClr>
+            </a:pPr>
+            <a:endParaRPr lang="en-US" i="1" dirty="0">
+              <a:solidFill>
+                <a:srgbClr val="FFFF00"/>
+              </a:solidFill>
+              <a:latin typeface="Segoe UI Light" panose="020B0502040204020203" pitchFamily="34" charset="0"/>
+              <a:cs typeface="Segoe UI Light" panose="020B0502040204020203" pitchFamily="34" charset="0"/>
+            </a:endParaRPr>
+          </a:p>
+          <a:p>
+            <a:pPr marL="285750" indent="-285750">
+              <a:buClr>
+                <a:srgbClr val="FFFF00"/>
+              </a:buClr>
+              <a:buFont typeface="Arial" panose="020B0604020202020204" pitchFamily="34" charset="0"/>
+              <a:buChar char="•"/>
+            </a:pPr>
+            <a:endParaRPr lang="en-US" dirty="0" smtClean="0">
+              <a:solidFill>
+                <a:schemeClr val="bg1"/>
+              </a:solidFill>
+              <a:latin typeface="Segoe UI Light" panose="020B0502040204020203" pitchFamily="34" charset="0"/>
+              <a:cs typeface="Segoe UI Light" panose="020B0502040204020203" pitchFamily="34" charset="0"/>
+            </a:endParaRPr>
+          </a:p>
+          <a:p>
+            <a:pPr marL="285750" indent="-285750">
+              <a:buClr>
+                <a:srgbClr val="FFFF00"/>
+              </a:buClr>
+              <a:buFont typeface="Arial" panose="020B0604020202020204" pitchFamily="34" charset="0"/>
+              <a:buChar char="•"/>
+            </a:pPr>
+            <a:endParaRPr lang="en-US" dirty="0" smtClean="0">
+              <a:solidFill>
+                <a:schemeClr val="bg1"/>
+              </a:solidFill>
+              <a:latin typeface="Segoe UI Light" panose="020B0502040204020203" pitchFamily="34" charset="0"/>
+              <a:cs typeface="Segoe UI Light" panose="020B0502040204020203" pitchFamily="34" charset="0"/>
+            </a:endParaRPr>
+          </a:p>
+          <a:p>
+            <a:pPr marL="285750" indent="-285750">
+              <a:buClr>
+                <a:srgbClr val="FFFF00"/>
+              </a:buClr>
+              <a:buFont typeface="Arial" panose="020B0604020202020204" pitchFamily="34" charset="0"/>
+              <a:buChar char="•"/>
+            </a:pPr>
+            <a:endParaRPr lang="en-US" dirty="0">
+              <a:solidFill>
+                <a:schemeClr val="bg1"/>
+              </a:solidFill>
+              <a:latin typeface="Segoe UI Light" panose="020B0502040204020203" pitchFamily="34" charset="0"/>
+              <a:cs typeface="Segoe UI Light" panose="020B0502040204020203" pitchFamily="34" charset="0"/>
+            </a:endParaRPr>
+          </a:p>
+          <a:p>
+            <a:pPr marL="285750" indent="-285750">
+              <a:buClr>
+                <a:srgbClr val="FFFF00"/>
+              </a:buClr>
+              <a:buFont typeface="Arial" panose="020B0604020202020204" pitchFamily="34" charset="0"/>
+              <a:buChar char="•"/>
+            </a:pPr>
+            <a:endParaRPr lang="en-US" dirty="0" smtClean="0">
+              <a:solidFill>
+                <a:schemeClr val="bg1"/>
+              </a:solidFill>
+              <a:latin typeface="Segoe UI Light" panose="020B0502040204020203" pitchFamily="34" charset="0"/>
+              <a:cs typeface="Segoe UI Light" panose="020B0502040204020203" pitchFamily="34" charset="0"/>
+            </a:endParaRPr>
+          </a:p>
+        </p:txBody>
+      </p:sp>
+      <p:pic>
+        <p:nvPicPr>
+          <p:cNvPr id="5" name="Picture 4"/>
+          <p:cNvPicPr>
+            <a:picLocks noChangeAspect="1"/>
+          </p:cNvPicPr>
+          <p:nvPr/>
+        </p:nvPicPr>
+        <p:blipFill>
+          <a:blip r:embed="rId4"/>
+          <a:stretch>
+            <a:fillRect/>
+          </a:stretch>
+        </p:blipFill>
+        <p:spPr>
+          <a:xfrm>
+            <a:off x="6274497" y="1883522"/>
+            <a:ext cx="4714875" cy="1590675"/>
+          </a:xfrm>
+          <a:prstGeom prst="rect">
+            <a:avLst/>
+          </a:prstGeom>
+        </p:spPr>
+      </p:pic>
+    </p:spTree>
+    <p:extLst>
+      <p:ext uri="{BB962C8B-B14F-4D97-AF65-F5344CB8AC3E}">
+        <p14:creationId xmlns:p14="http://schemas.microsoft.com/office/powerpoint/2010/main" val="4018190699"/>
+      </p:ext>
+    </p:extLst>
+  </p:cSld>
+  <p:clrMapOvr>
+    <a:masterClrMapping/>
+  </p:clrMapOvr>
+  <p:timing>
+    <p:tnLst>
+      <p:par>
+        <p:cTn id="1" dur="indefinite" restart="never" nodeType="tmRoot"/>
+      </p:par>
+    </p:tnLst>
+  </p:timing>
+</p:sld>
+</file>
+
+<file path=ppt/slides/slide22.xml><?xml version="1.0" encoding="utf-8"?>
+<p:sld xmlns:a="http://schemas.openxmlformats.org/drawingml/2006/main" xmlns:r="http://schemas.openxmlformats.org/officeDocument/2006/relationships" xmlns:p="http://schemas.openxmlformats.org/presentationml/2006/main">
+  <p:cSld>
+    <p:bg>
+      <p:bgPr>
+        <a:solidFill>
+          <a:schemeClr val="bg1"/>
+        </a:solidFill>
+        <a:effectLst/>
+      </p:bgPr>
+    </p:bg>
+    <p:spTree>
+      <p:nvGrpSpPr>
+        <p:cNvPr id="1" name=""/>
+        <p:cNvGrpSpPr/>
+        <p:nvPr/>
+      </p:nvGrpSpPr>
+      <p:grpSpPr>
+        <a:xfrm>
+          <a:off x="0" y="0"/>
+          <a:ext cx="0" cy="0"/>
+          <a:chOff x="0" y="0"/>
+          <a:chExt cx="0" cy="0"/>
+        </a:xfrm>
+      </p:grpSpPr>
+      <p:sp>
+        <p:nvSpPr>
+          <p:cNvPr id="6" name="Slide Number Placeholder 6"/>
+          <p:cNvSpPr>
+            <a:spLocks noGrp="1"/>
+          </p:cNvSpPr>
+          <p:nvPr>
+            <p:ph type="sldNum" sz="quarter" idx="12"/>
+          </p:nvPr>
+        </p:nvSpPr>
+        <p:spPr>
+          <a:xfrm>
+            <a:off x="10351008" y="292608"/>
+            <a:ext cx="838199" cy="767687"/>
+          </a:xfrm>
+        </p:spPr>
+        <p:txBody>
+          <a:bodyPr/>
+          <a:lstStyle/>
+          <a:p>
+            <a:r>
+              <a:rPr lang="en-US" dirty="0" smtClean="0"/>
+              <a:t>18</a:t>
+            </a:r>
+            <a:endParaRPr lang="en-US" dirty="0"/>
+          </a:p>
+        </p:txBody>
+      </p:sp>
+      <p:sp>
+        <p:nvSpPr>
+          <p:cNvPr id="8" name="TextBox 7"/>
+          <p:cNvSpPr txBox="1"/>
+          <p:nvPr/>
+        </p:nvSpPr>
+        <p:spPr>
+          <a:xfrm>
+            <a:off x="604448" y="537075"/>
+            <a:ext cx="9631233" cy="523220"/>
+          </a:xfrm>
+          <a:prstGeom prst="rect">
+            <a:avLst/>
+          </a:prstGeom>
+          <a:noFill/>
+        </p:spPr>
+        <p:txBody>
+          <a:bodyPr wrap="square" rtlCol="0">
+            <a:spAutoFit/>
+          </a:bodyPr>
+          <a:lstStyle/>
+          <a:p>
+            <a:r>
+              <a:rPr lang="en-US" sz="2800" dirty="0" smtClean="0">
+                <a:solidFill>
+                  <a:schemeClr val="bg1"/>
+                </a:solidFill>
+                <a:latin typeface="Segoe UI Light" panose="020B0502040204020203" pitchFamily="34" charset="0"/>
+                <a:cs typeface="Segoe UI Light" panose="020B0502040204020203" pitchFamily="34" charset="0"/>
+              </a:rPr>
+              <a:t>Features – </a:t>
+            </a:r>
+            <a:r>
+              <a:rPr lang="en-US" sz="2400" dirty="0" smtClean="0">
+                <a:solidFill>
+                  <a:schemeClr val="bg1"/>
+                </a:solidFill>
+                <a:latin typeface="Segoe UI Light" panose="020B0502040204020203" pitchFamily="34" charset="0"/>
+                <a:cs typeface="Segoe UI Light" panose="020B0502040204020203" pitchFamily="34" charset="0"/>
+              </a:rPr>
+              <a:t>Advanced –</a:t>
+            </a:r>
+            <a:r>
+              <a:rPr lang="en-US" sz="1600" dirty="0" smtClean="0">
+                <a:solidFill>
+                  <a:srgbClr val="FFFF00"/>
+                </a:solidFill>
+                <a:latin typeface="Segoe UI Light" panose="020B0502040204020203" pitchFamily="34" charset="0"/>
+                <a:cs typeface="Segoe UI Light" panose="020B0502040204020203" pitchFamily="34" charset="0"/>
+              </a:rPr>
+              <a:t> Declaration Merging (cont.)</a:t>
+            </a:r>
+            <a:endParaRPr lang="en-US" sz="1600" dirty="0">
+              <a:solidFill>
+                <a:srgbClr val="FFFF00"/>
+              </a:solidFill>
+              <a:latin typeface="Segoe UI Light" panose="020B0502040204020203" pitchFamily="34" charset="0"/>
+              <a:cs typeface="Segoe UI Light" panose="020B0502040204020203" pitchFamily="34" charset="0"/>
+            </a:endParaRPr>
+          </a:p>
+        </p:txBody>
+      </p:sp>
+      <p:sp>
+        <p:nvSpPr>
+          <p:cNvPr id="10" name="TextBox 9"/>
+          <p:cNvSpPr txBox="1"/>
+          <p:nvPr/>
+        </p:nvSpPr>
+        <p:spPr>
+          <a:xfrm>
+            <a:off x="1054554" y="1388221"/>
+            <a:ext cx="3390900" cy="646331"/>
+          </a:xfrm>
+          <a:prstGeom prst="rect">
+            <a:avLst/>
+          </a:prstGeom>
+          <a:noFill/>
+        </p:spPr>
+        <p:txBody>
+          <a:bodyPr wrap="square" rtlCol="0">
+            <a:spAutoFit/>
+          </a:bodyPr>
+          <a:lstStyle/>
+          <a:p>
+            <a:pPr>
+              <a:buClr>
+                <a:srgbClr val="FFFF00"/>
+              </a:buClr>
+            </a:pPr>
+            <a:endParaRPr lang="en-US" dirty="0" smtClean="0">
+              <a:solidFill>
+                <a:schemeClr val="bg1"/>
+              </a:solidFill>
+              <a:latin typeface="Segoe UI Light" panose="020B0502040204020203" pitchFamily="34" charset="0"/>
+              <a:cs typeface="Segoe UI Light" panose="020B0502040204020203" pitchFamily="34" charset="0"/>
+            </a:endParaRPr>
+          </a:p>
+          <a:p>
+            <a:pPr>
+              <a:buClr>
+                <a:srgbClr val="FFFF00"/>
+              </a:buClr>
+            </a:pPr>
+            <a:endParaRPr lang="en-US" dirty="0" smtClean="0">
+              <a:solidFill>
+                <a:schemeClr val="bg1"/>
+              </a:solidFill>
+              <a:latin typeface="Segoe UI Light" panose="020B0502040204020203" pitchFamily="34" charset="0"/>
+              <a:cs typeface="Segoe UI Light" panose="020B0502040204020203" pitchFamily="34" charset="0"/>
+            </a:endParaRPr>
+          </a:p>
+        </p:txBody>
+      </p:sp>
+      <p:sp>
+        <p:nvSpPr>
+          <p:cNvPr id="9" name="Title 1"/>
+          <p:cNvSpPr>
+            <a:spLocks noGrp="1"/>
+          </p:cNvSpPr>
+          <p:nvPr>
+            <p:ph type="ctrTitle"/>
+          </p:nvPr>
+        </p:nvSpPr>
+        <p:spPr>
+          <a:xfrm>
+            <a:off x="9377266" y="6148873"/>
+            <a:ext cx="2313992" cy="220543"/>
+          </a:xfrm>
+        </p:spPr>
+        <p:txBody>
+          <a:bodyPr/>
+          <a:lstStyle/>
+          <a:p>
+            <a:pPr algn="ctr"/>
+            <a:r>
+              <a:rPr lang="en-US" sz="1100" b="1" dirty="0" smtClean="0">
+                <a:latin typeface="Segoe UI Light" panose="020B0502040204020203" pitchFamily="34" charset="0"/>
+                <a:cs typeface="Segoe UI Light" panose="020B0502040204020203" pitchFamily="34" charset="0"/>
+              </a:rPr>
+              <a:t>Type</a:t>
+            </a:r>
+            <a:r>
+              <a:rPr lang="en-US" sz="1100" dirty="0" smtClean="0">
+                <a:latin typeface="Segoe UI Light" panose="020B0502040204020203" pitchFamily="34" charset="0"/>
+                <a:cs typeface="Segoe UI Light" panose="020B0502040204020203" pitchFamily="34" charset="0"/>
+              </a:rPr>
+              <a:t>Script – </a:t>
+            </a:r>
+            <a:r>
+              <a:rPr lang="en-US" sz="1100" dirty="0" smtClean="0">
+                <a:solidFill>
+                  <a:srgbClr val="FFFF00"/>
+                </a:solidFill>
+                <a:latin typeface="Segoe UI Light" panose="020B0502040204020203" pitchFamily="34" charset="0"/>
+                <a:cs typeface="Segoe UI Light" panose="020B0502040204020203" pitchFamily="34" charset="0"/>
+              </a:rPr>
+              <a:t>www.typescriptlang.org</a:t>
+            </a:r>
+            <a:endParaRPr lang="en-US" sz="1100" dirty="0">
+              <a:solidFill>
+                <a:srgbClr val="FFFF00"/>
+              </a:solidFill>
+              <a:latin typeface="Segoe UI Light" panose="020B0502040204020203" pitchFamily="34" charset="0"/>
+              <a:cs typeface="Segoe UI Light" panose="020B0502040204020203" pitchFamily="34" charset="0"/>
+            </a:endParaRPr>
+          </a:p>
+        </p:txBody>
+      </p:sp>
+      <p:sp>
+        <p:nvSpPr>
+          <p:cNvPr id="7" name="TextBox 6"/>
+          <p:cNvSpPr txBox="1"/>
+          <p:nvPr/>
+        </p:nvSpPr>
+        <p:spPr>
+          <a:xfrm>
+            <a:off x="1219199" y="1290027"/>
+            <a:ext cx="8683753" cy="2246769"/>
+          </a:xfrm>
+          <a:prstGeom prst="rect">
+            <a:avLst/>
+          </a:prstGeom>
+          <a:noFill/>
+        </p:spPr>
+        <p:txBody>
+          <a:bodyPr wrap="square" rtlCol="0">
+            <a:spAutoFit/>
+          </a:bodyPr>
+          <a:lstStyle/>
+          <a:p>
+            <a:pPr marL="285750" indent="-285750">
+              <a:buClr>
+                <a:srgbClr val="FFFF00"/>
+              </a:buClr>
+              <a:buFont typeface="Arial" panose="020B0604020202020204" pitchFamily="34" charset="0"/>
+              <a:buChar char="•"/>
+            </a:pPr>
+            <a:r>
+              <a:rPr lang="en-US" dirty="0" smtClean="0">
+                <a:solidFill>
+                  <a:schemeClr val="bg1"/>
+                </a:solidFill>
+                <a:latin typeface="Segoe UI Light" panose="020B0502040204020203" pitchFamily="34" charset="0"/>
+                <a:cs typeface="Segoe UI Light" panose="020B0502040204020203" pitchFamily="34" charset="0"/>
+              </a:rPr>
+              <a:t>Merging Namespaces with Enum</a:t>
+            </a:r>
+          </a:p>
+          <a:p>
+            <a:pPr marL="742950" lvl="1" indent="-285750">
+              <a:buClr>
+                <a:srgbClr val="FFFF00"/>
+              </a:buClr>
+              <a:buFont typeface="Arial" panose="020B0604020202020204" pitchFamily="34" charset="0"/>
+              <a:buChar char="•"/>
+            </a:pPr>
+            <a:endParaRPr lang="en-US" dirty="0" smtClean="0">
+              <a:solidFill>
+                <a:schemeClr val="bg1"/>
+              </a:solidFill>
+              <a:latin typeface="Segoe UI Light" panose="020B0502040204020203" pitchFamily="34" charset="0"/>
+              <a:cs typeface="Segoe UI Light" panose="020B0502040204020203" pitchFamily="34" charset="0"/>
+            </a:endParaRPr>
+          </a:p>
+          <a:p>
+            <a:pPr lvl="1">
+              <a:buClr>
+                <a:srgbClr val="FFFF00"/>
+              </a:buClr>
+            </a:pPr>
+            <a:endParaRPr lang="en-US" sz="1400" dirty="0" smtClean="0">
+              <a:solidFill>
+                <a:schemeClr val="bg1"/>
+              </a:solidFill>
+              <a:latin typeface="Segoe UI Light" panose="020B0502040204020203" pitchFamily="34" charset="0"/>
+              <a:cs typeface="Segoe UI Light" panose="020B0502040204020203" pitchFamily="34" charset="0"/>
+            </a:endParaRPr>
+          </a:p>
+          <a:p>
+            <a:pPr>
+              <a:buClr>
+                <a:srgbClr val="FFFF00"/>
+              </a:buClr>
+            </a:pPr>
+            <a:endParaRPr lang="en-US" i="1" dirty="0">
+              <a:solidFill>
+                <a:srgbClr val="FFFF00"/>
+              </a:solidFill>
+              <a:latin typeface="Segoe UI Light" panose="020B0502040204020203" pitchFamily="34" charset="0"/>
+              <a:cs typeface="Segoe UI Light" panose="020B0502040204020203" pitchFamily="34" charset="0"/>
+            </a:endParaRPr>
+          </a:p>
+          <a:p>
+            <a:pPr marL="285750" indent="-285750">
+              <a:buClr>
+                <a:srgbClr val="FFFF00"/>
+              </a:buClr>
+              <a:buFont typeface="Arial" panose="020B0604020202020204" pitchFamily="34" charset="0"/>
+              <a:buChar char="•"/>
+            </a:pPr>
+            <a:endParaRPr lang="en-US" dirty="0" smtClean="0">
+              <a:solidFill>
+                <a:schemeClr val="bg1"/>
+              </a:solidFill>
+              <a:latin typeface="Segoe UI Light" panose="020B0502040204020203" pitchFamily="34" charset="0"/>
+              <a:cs typeface="Segoe UI Light" panose="020B0502040204020203" pitchFamily="34" charset="0"/>
+            </a:endParaRPr>
+          </a:p>
+          <a:p>
+            <a:pPr marL="285750" indent="-285750">
+              <a:buClr>
+                <a:srgbClr val="FFFF00"/>
+              </a:buClr>
+              <a:buFont typeface="Arial" panose="020B0604020202020204" pitchFamily="34" charset="0"/>
+              <a:buChar char="•"/>
+            </a:pPr>
+            <a:endParaRPr lang="en-US" dirty="0" smtClean="0">
+              <a:solidFill>
+                <a:schemeClr val="bg1"/>
+              </a:solidFill>
+              <a:latin typeface="Segoe UI Light" panose="020B0502040204020203" pitchFamily="34" charset="0"/>
+              <a:cs typeface="Segoe UI Light" panose="020B0502040204020203" pitchFamily="34" charset="0"/>
+            </a:endParaRPr>
+          </a:p>
+          <a:p>
+            <a:pPr marL="285750" indent="-285750">
+              <a:buClr>
+                <a:srgbClr val="FFFF00"/>
+              </a:buClr>
+              <a:buFont typeface="Arial" panose="020B0604020202020204" pitchFamily="34" charset="0"/>
+              <a:buChar char="•"/>
+            </a:pPr>
+            <a:endParaRPr lang="en-US" dirty="0">
+              <a:solidFill>
+                <a:schemeClr val="bg1"/>
+              </a:solidFill>
+              <a:latin typeface="Segoe UI Light" panose="020B0502040204020203" pitchFamily="34" charset="0"/>
+              <a:cs typeface="Segoe UI Light" panose="020B0502040204020203" pitchFamily="34" charset="0"/>
+            </a:endParaRPr>
+          </a:p>
+          <a:p>
+            <a:pPr marL="285750" indent="-285750">
+              <a:buClr>
+                <a:srgbClr val="FFFF00"/>
+              </a:buClr>
+              <a:buFont typeface="Arial" panose="020B0604020202020204" pitchFamily="34" charset="0"/>
+              <a:buChar char="•"/>
+            </a:pPr>
+            <a:endParaRPr lang="en-US" dirty="0" smtClean="0">
+              <a:solidFill>
+                <a:schemeClr val="bg1"/>
+              </a:solidFill>
+              <a:latin typeface="Segoe UI Light" panose="020B0502040204020203" pitchFamily="34" charset="0"/>
+              <a:cs typeface="Segoe UI Light" panose="020B0502040204020203" pitchFamily="34" charset="0"/>
+            </a:endParaRPr>
+          </a:p>
+        </p:txBody>
+      </p:sp>
+      <p:pic>
+        <p:nvPicPr>
+          <p:cNvPr id="2" name="Picture 1"/>
+          <p:cNvPicPr>
+            <a:picLocks noChangeAspect="1"/>
+          </p:cNvPicPr>
+          <p:nvPr/>
+        </p:nvPicPr>
+        <p:blipFill>
+          <a:blip r:embed="rId3"/>
+          <a:stretch>
+            <a:fillRect/>
+          </a:stretch>
+        </p:blipFill>
+        <p:spPr>
+          <a:xfrm>
+            <a:off x="4191952" y="1766278"/>
+            <a:ext cx="4448175" cy="4000500"/>
+          </a:xfrm>
+          <a:prstGeom prst="rect">
+            <a:avLst/>
+          </a:prstGeom>
+        </p:spPr>
+      </p:pic>
+    </p:spTree>
+    <p:extLst>
+      <p:ext uri="{BB962C8B-B14F-4D97-AF65-F5344CB8AC3E}">
+        <p14:creationId xmlns:p14="http://schemas.microsoft.com/office/powerpoint/2010/main" val="4025415103"/>
+      </p:ext>
+    </p:extLst>
+  </p:cSld>
+  <p:clrMapOvr>
+    <a:masterClrMapping/>
+  </p:clrMapOvr>
+  <p:timing>
+    <p:tnLst>
+      <p:par>
+        <p:cTn id="1" dur="indefinite" restart="never" nodeType="tmRoot"/>
+      </p:par>
+    </p:tnLst>
+  </p:timing>
+</p:sld>
+</file>
+
+<file path=ppt/slides/slide23.xml><?xml version="1.0" encoding="utf-8"?>
+<p:sld xmlns:a="http://schemas.openxmlformats.org/drawingml/2006/main" xmlns:r="http://schemas.openxmlformats.org/officeDocument/2006/relationships" xmlns:p="http://schemas.openxmlformats.org/presentationml/2006/main">
+  <p:cSld>
+    <p:bg>
+      <p:bgPr>
+        <a:solidFill>
+          <a:schemeClr val="bg1"/>
+        </a:solidFill>
+        <a:effectLst/>
+      </p:bgPr>
+    </p:bg>
+    <p:spTree>
+      <p:nvGrpSpPr>
+        <p:cNvPr id="1" name=""/>
+        <p:cNvGrpSpPr/>
+        <p:nvPr/>
+      </p:nvGrpSpPr>
+      <p:grpSpPr>
+        <a:xfrm>
+          <a:off x="0" y="0"/>
+          <a:ext cx="0" cy="0"/>
+          <a:chOff x="0" y="0"/>
+          <a:chExt cx="0" cy="0"/>
+        </a:xfrm>
+      </p:grpSpPr>
+      <p:sp>
+        <p:nvSpPr>
+          <p:cNvPr id="6" name="Slide Number Placeholder 6"/>
+          <p:cNvSpPr>
+            <a:spLocks noGrp="1"/>
+          </p:cNvSpPr>
+          <p:nvPr>
+            <p:ph type="sldNum" sz="quarter" idx="12"/>
+          </p:nvPr>
+        </p:nvSpPr>
+        <p:spPr>
+          <a:xfrm>
+            <a:off x="10351008" y="292608"/>
+            <a:ext cx="838199" cy="767687"/>
+          </a:xfrm>
+        </p:spPr>
+        <p:txBody>
+          <a:bodyPr/>
+          <a:lstStyle/>
+          <a:p>
+            <a:r>
+              <a:rPr lang="en-US" dirty="0" smtClean="0"/>
+              <a:t>19</a:t>
+            </a:r>
+            <a:endParaRPr lang="en-US" dirty="0"/>
+          </a:p>
+        </p:txBody>
+      </p:sp>
+      <p:sp>
+        <p:nvSpPr>
+          <p:cNvPr id="8" name="TextBox 7"/>
+          <p:cNvSpPr txBox="1"/>
+          <p:nvPr/>
+        </p:nvSpPr>
+        <p:spPr>
+          <a:xfrm>
+            <a:off x="604448" y="537075"/>
+            <a:ext cx="9631233" cy="523220"/>
+          </a:xfrm>
+          <a:prstGeom prst="rect">
+            <a:avLst/>
+          </a:prstGeom>
+          <a:noFill/>
+        </p:spPr>
+        <p:txBody>
+          <a:bodyPr wrap="square" rtlCol="0">
+            <a:spAutoFit/>
+          </a:bodyPr>
+          <a:lstStyle/>
+          <a:p>
+            <a:r>
+              <a:rPr lang="en-US" sz="2800" dirty="0" smtClean="0">
+                <a:solidFill>
+                  <a:schemeClr val="bg1"/>
+                </a:solidFill>
+                <a:latin typeface="Segoe UI Light" panose="020B0502040204020203" pitchFamily="34" charset="0"/>
+                <a:cs typeface="Segoe UI Light" panose="020B0502040204020203" pitchFamily="34" charset="0"/>
+              </a:rPr>
+              <a:t>Features – </a:t>
+            </a:r>
+            <a:r>
+              <a:rPr lang="en-US" sz="2400" dirty="0" smtClean="0">
+                <a:solidFill>
+                  <a:schemeClr val="bg1"/>
+                </a:solidFill>
+                <a:latin typeface="Segoe UI Light" panose="020B0502040204020203" pitchFamily="34" charset="0"/>
+                <a:cs typeface="Segoe UI Light" panose="020B0502040204020203" pitchFamily="34" charset="0"/>
+              </a:rPr>
+              <a:t>Advanced –</a:t>
+            </a:r>
+            <a:r>
+              <a:rPr lang="en-US" sz="1600" dirty="0" smtClean="0">
+                <a:solidFill>
+                  <a:srgbClr val="FFFF00"/>
+                </a:solidFill>
+                <a:latin typeface="Segoe UI Light" panose="020B0502040204020203" pitchFamily="34" charset="0"/>
+                <a:cs typeface="Segoe UI Light" panose="020B0502040204020203" pitchFamily="34" charset="0"/>
+              </a:rPr>
+              <a:t> Mixins</a:t>
+            </a:r>
+            <a:endParaRPr lang="en-US" sz="1600" dirty="0">
+              <a:solidFill>
+                <a:srgbClr val="FFFF00"/>
+              </a:solidFill>
+              <a:latin typeface="Segoe UI Light" panose="020B0502040204020203" pitchFamily="34" charset="0"/>
+              <a:cs typeface="Segoe UI Light" panose="020B0502040204020203" pitchFamily="34" charset="0"/>
+            </a:endParaRPr>
+          </a:p>
+        </p:txBody>
+      </p:sp>
+      <p:sp>
+        <p:nvSpPr>
+          <p:cNvPr id="10" name="TextBox 9"/>
+          <p:cNvSpPr txBox="1"/>
+          <p:nvPr/>
+        </p:nvSpPr>
+        <p:spPr>
+          <a:xfrm>
+            <a:off x="1054554" y="1388221"/>
+            <a:ext cx="3390900" cy="646331"/>
+          </a:xfrm>
+          <a:prstGeom prst="rect">
+            <a:avLst/>
+          </a:prstGeom>
+          <a:noFill/>
+        </p:spPr>
+        <p:txBody>
+          <a:bodyPr wrap="square" rtlCol="0">
+            <a:spAutoFit/>
+          </a:bodyPr>
+          <a:lstStyle/>
+          <a:p>
+            <a:pPr>
+              <a:buClr>
+                <a:srgbClr val="FFFF00"/>
+              </a:buClr>
+            </a:pPr>
+            <a:endParaRPr lang="en-US" dirty="0" smtClean="0">
+              <a:solidFill>
+                <a:schemeClr val="bg1"/>
+              </a:solidFill>
+              <a:latin typeface="Segoe UI Light" panose="020B0502040204020203" pitchFamily="34" charset="0"/>
+              <a:cs typeface="Segoe UI Light" panose="020B0502040204020203" pitchFamily="34" charset="0"/>
+            </a:endParaRPr>
+          </a:p>
+          <a:p>
+            <a:pPr>
+              <a:buClr>
+                <a:srgbClr val="FFFF00"/>
+              </a:buClr>
+            </a:pPr>
+            <a:endParaRPr lang="en-US" dirty="0" smtClean="0">
+              <a:solidFill>
+                <a:schemeClr val="bg1"/>
+              </a:solidFill>
+              <a:latin typeface="Segoe UI Light" panose="020B0502040204020203" pitchFamily="34" charset="0"/>
+              <a:cs typeface="Segoe UI Light" panose="020B0502040204020203" pitchFamily="34" charset="0"/>
+            </a:endParaRPr>
+          </a:p>
+        </p:txBody>
+      </p:sp>
+      <p:sp>
+        <p:nvSpPr>
+          <p:cNvPr id="9" name="Title 1"/>
+          <p:cNvSpPr>
+            <a:spLocks noGrp="1"/>
+          </p:cNvSpPr>
+          <p:nvPr>
+            <p:ph type="ctrTitle"/>
+          </p:nvPr>
+        </p:nvSpPr>
+        <p:spPr>
+          <a:xfrm>
+            <a:off x="9377266" y="6148873"/>
+            <a:ext cx="2313992" cy="220543"/>
+          </a:xfrm>
+        </p:spPr>
+        <p:txBody>
+          <a:bodyPr/>
+          <a:lstStyle/>
+          <a:p>
+            <a:pPr algn="ctr"/>
+            <a:r>
+              <a:rPr lang="en-US" sz="1100" b="1" dirty="0" smtClean="0">
+                <a:latin typeface="Segoe UI Light" panose="020B0502040204020203" pitchFamily="34" charset="0"/>
+                <a:cs typeface="Segoe UI Light" panose="020B0502040204020203" pitchFamily="34" charset="0"/>
+              </a:rPr>
+              <a:t>Type</a:t>
+            </a:r>
+            <a:r>
+              <a:rPr lang="en-US" sz="1100" dirty="0" smtClean="0">
+                <a:latin typeface="Segoe UI Light" panose="020B0502040204020203" pitchFamily="34" charset="0"/>
+                <a:cs typeface="Segoe UI Light" panose="020B0502040204020203" pitchFamily="34" charset="0"/>
+              </a:rPr>
+              <a:t>Script – </a:t>
+            </a:r>
+            <a:r>
+              <a:rPr lang="en-US" sz="1100" dirty="0" smtClean="0">
+                <a:solidFill>
+                  <a:srgbClr val="FFFF00"/>
+                </a:solidFill>
+                <a:latin typeface="Segoe UI Light" panose="020B0502040204020203" pitchFamily="34" charset="0"/>
+                <a:cs typeface="Segoe UI Light" panose="020B0502040204020203" pitchFamily="34" charset="0"/>
+              </a:rPr>
+              <a:t>www.typescriptlang.org</a:t>
+            </a:r>
+            <a:endParaRPr lang="en-US" sz="1100" dirty="0">
+              <a:solidFill>
+                <a:srgbClr val="FFFF00"/>
+              </a:solidFill>
+              <a:latin typeface="Segoe UI Light" panose="020B0502040204020203" pitchFamily="34" charset="0"/>
+              <a:cs typeface="Segoe UI Light" panose="020B0502040204020203" pitchFamily="34" charset="0"/>
+            </a:endParaRPr>
+          </a:p>
+        </p:txBody>
+      </p:sp>
+      <p:sp>
+        <p:nvSpPr>
+          <p:cNvPr id="7" name="TextBox 6"/>
+          <p:cNvSpPr txBox="1"/>
+          <p:nvPr/>
+        </p:nvSpPr>
+        <p:spPr>
+          <a:xfrm>
+            <a:off x="1219199" y="1290027"/>
+            <a:ext cx="9970008" cy="2800767"/>
+          </a:xfrm>
+          <a:prstGeom prst="rect">
+            <a:avLst/>
+          </a:prstGeom>
+          <a:noFill/>
+        </p:spPr>
+        <p:txBody>
+          <a:bodyPr wrap="square" rtlCol="0">
+            <a:spAutoFit/>
+          </a:bodyPr>
+          <a:lstStyle/>
+          <a:p>
+            <a:pPr marL="285750" indent="-285750">
+              <a:buClr>
+                <a:srgbClr val="FFFF00"/>
+              </a:buClr>
+              <a:buFont typeface="Arial" panose="020B0604020202020204" pitchFamily="34" charset="0"/>
+              <a:buChar char="•"/>
+            </a:pPr>
+            <a:r>
+              <a:rPr lang="en-US" dirty="0" smtClean="0">
+                <a:solidFill>
+                  <a:schemeClr val="bg1"/>
+                </a:solidFill>
+                <a:latin typeface="Segoe UI Light" panose="020B0502040204020203" pitchFamily="34" charset="0"/>
+                <a:cs typeface="Segoe UI Light" panose="020B0502040204020203" pitchFamily="34" charset="0"/>
+              </a:rPr>
+              <a:t>Is another popular way of building up classes from reusable components</a:t>
+            </a:r>
+          </a:p>
+          <a:p>
+            <a:pPr marL="285750" indent="-285750">
+              <a:buClr>
+                <a:srgbClr val="FFFF00"/>
+              </a:buClr>
+              <a:buFont typeface="Arial" panose="020B0604020202020204" pitchFamily="34" charset="0"/>
+              <a:buChar char="•"/>
+            </a:pPr>
+            <a:endParaRPr lang="en-US" dirty="0">
+              <a:solidFill>
+                <a:schemeClr val="bg1"/>
+              </a:solidFill>
+              <a:latin typeface="Segoe UI Light" panose="020B0502040204020203" pitchFamily="34" charset="0"/>
+              <a:cs typeface="Segoe UI Light" panose="020B0502040204020203" pitchFamily="34" charset="0"/>
+            </a:endParaRPr>
+          </a:p>
+          <a:p>
+            <a:pPr marL="285750" indent="-285750">
+              <a:buClr>
+                <a:srgbClr val="FFFF00"/>
+              </a:buClr>
+              <a:buFont typeface="Arial" panose="020B0604020202020204" pitchFamily="34" charset="0"/>
+              <a:buChar char="•"/>
+            </a:pPr>
+            <a:r>
+              <a:rPr lang="en-US" dirty="0" smtClean="0">
+                <a:solidFill>
+                  <a:schemeClr val="bg1"/>
+                </a:solidFill>
+                <a:latin typeface="Segoe UI Light" panose="020B0502040204020203" pitchFamily="34" charset="0"/>
+                <a:cs typeface="Segoe UI Light" panose="020B0502040204020203" pitchFamily="34" charset="0"/>
+              </a:rPr>
+              <a:t>Combine simpler partial classes</a:t>
+            </a:r>
+          </a:p>
+          <a:p>
+            <a:pPr marL="742950" lvl="1" indent="-285750">
+              <a:buClr>
+                <a:srgbClr val="FFFF00"/>
+              </a:buClr>
+              <a:buFont typeface="Arial" panose="020B0604020202020204" pitchFamily="34" charset="0"/>
+              <a:buChar char="•"/>
+            </a:pPr>
+            <a:endParaRPr lang="en-US" dirty="0" smtClean="0">
+              <a:solidFill>
+                <a:schemeClr val="bg1"/>
+              </a:solidFill>
+              <a:latin typeface="Segoe UI Light" panose="020B0502040204020203" pitchFamily="34" charset="0"/>
+              <a:cs typeface="Segoe UI Light" panose="020B0502040204020203" pitchFamily="34" charset="0"/>
+            </a:endParaRPr>
+          </a:p>
+          <a:p>
+            <a:pPr lvl="1">
+              <a:buClr>
+                <a:srgbClr val="FFFF00"/>
+              </a:buClr>
+            </a:pPr>
+            <a:endParaRPr lang="en-US" sz="1400" dirty="0" smtClean="0">
+              <a:solidFill>
+                <a:schemeClr val="bg1"/>
+              </a:solidFill>
+              <a:latin typeface="Segoe UI Light" panose="020B0502040204020203" pitchFamily="34" charset="0"/>
+              <a:cs typeface="Segoe UI Light" panose="020B0502040204020203" pitchFamily="34" charset="0"/>
+            </a:endParaRPr>
+          </a:p>
+          <a:p>
+            <a:pPr>
+              <a:buClr>
+                <a:srgbClr val="FFFF00"/>
+              </a:buClr>
+            </a:pPr>
+            <a:endParaRPr lang="en-US" i="1" dirty="0">
+              <a:solidFill>
+                <a:srgbClr val="FFFF00"/>
+              </a:solidFill>
+              <a:latin typeface="Segoe UI Light" panose="020B0502040204020203" pitchFamily="34" charset="0"/>
+              <a:cs typeface="Segoe UI Light" panose="020B0502040204020203" pitchFamily="34" charset="0"/>
+            </a:endParaRPr>
+          </a:p>
+          <a:p>
+            <a:pPr marL="285750" indent="-285750">
+              <a:buClr>
+                <a:srgbClr val="FFFF00"/>
+              </a:buClr>
+              <a:buFont typeface="Arial" panose="020B0604020202020204" pitchFamily="34" charset="0"/>
+              <a:buChar char="•"/>
+            </a:pPr>
+            <a:endParaRPr lang="en-US" dirty="0" smtClean="0">
+              <a:solidFill>
+                <a:schemeClr val="bg1"/>
+              </a:solidFill>
+              <a:latin typeface="Segoe UI Light" panose="020B0502040204020203" pitchFamily="34" charset="0"/>
+              <a:cs typeface="Segoe UI Light" panose="020B0502040204020203" pitchFamily="34" charset="0"/>
+            </a:endParaRPr>
+          </a:p>
+          <a:p>
+            <a:pPr marL="285750" indent="-285750">
+              <a:buClr>
+                <a:srgbClr val="FFFF00"/>
+              </a:buClr>
+              <a:buFont typeface="Arial" panose="020B0604020202020204" pitchFamily="34" charset="0"/>
+              <a:buChar char="•"/>
+            </a:pPr>
+            <a:endParaRPr lang="en-US" dirty="0" smtClean="0">
+              <a:solidFill>
+                <a:schemeClr val="bg1"/>
+              </a:solidFill>
+              <a:latin typeface="Segoe UI Light" panose="020B0502040204020203" pitchFamily="34" charset="0"/>
+              <a:cs typeface="Segoe UI Light" panose="020B0502040204020203" pitchFamily="34" charset="0"/>
+            </a:endParaRPr>
+          </a:p>
+          <a:p>
+            <a:pPr marL="285750" indent="-285750">
+              <a:buClr>
+                <a:srgbClr val="FFFF00"/>
+              </a:buClr>
+              <a:buFont typeface="Arial" panose="020B0604020202020204" pitchFamily="34" charset="0"/>
+              <a:buChar char="•"/>
+            </a:pPr>
+            <a:endParaRPr lang="en-US" dirty="0">
+              <a:solidFill>
+                <a:schemeClr val="bg1"/>
+              </a:solidFill>
+              <a:latin typeface="Segoe UI Light" panose="020B0502040204020203" pitchFamily="34" charset="0"/>
+              <a:cs typeface="Segoe UI Light" panose="020B0502040204020203" pitchFamily="34" charset="0"/>
+            </a:endParaRPr>
+          </a:p>
+          <a:p>
+            <a:pPr marL="285750" indent="-285750">
+              <a:buClr>
+                <a:srgbClr val="FFFF00"/>
+              </a:buClr>
+              <a:buFont typeface="Arial" panose="020B0604020202020204" pitchFamily="34" charset="0"/>
+              <a:buChar char="•"/>
+            </a:pPr>
+            <a:endParaRPr lang="en-US" dirty="0" smtClean="0">
+              <a:solidFill>
+                <a:schemeClr val="bg1"/>
+              </a:solidFill>
+              <a:latin typeface="Segoe UI Light" panose="020B0502040204020203" pitchFamily="34" charset="0"/>
+              <a:cs typeface="Segoe UI Light" panose="020B0502040204020203" pitchFamily="34" charset="0"/>
+            </a:endParaRPr>
+          </a:p>
+        </p:txBody>
+      </p:sp>
+      <p:pic>
+        <p:nvPicPr>
+          <p:cNvPr id="3" name="Picture 2"/>
+          <p:cNvPicPr>
+            <a:picLocks noChangeAspect="1"/>
+          </p:cNvPicPr>
+          <p:nvPr/>
+        </p:nvPicPr>
+        <p:blipFill>
+          <a:blip r:embed="rId3"/>
+          <a:stretch>
+            <a:fillRect/>
+          </a:stretch>
+        </p:blipFill>
+        <p:spPr>
+          <a:xfrm>
+            <a:off x="1219199" y="2297620"/>
+            <a:ext cx="2705100" cy="3305175"/>
+          </a:xfrm>
+          <a:prstGeom prst="rect">
+            <a:avLst/>
+          </a:prstGeom>
+        </p:spPr>
+      </p:pic>
+      <p:pic>
+        <p:nvPicPr>
+          <p:cNvPr id="4" name="Picture 3"/>
+          <p:cNvPicPr>
+            <a:picLocks noChangeAspect="1"/>
+          </p:cNvPicPr>
+          <p:nvPr/>
+        </p:nvPicPr>
+        <p:blipFill>
+          <a:blip r:embed="rId4"/>
+          <a:stretch>
+            <a:fillRect/>
+          </a:stretch>
+        </p:blipFill>
+        <p:spPr>
+          <a:xfrm>
+            <a:off x="6386131" y="2297620"/>
+            <a:ext cx="2638425" cy="1133475"/>
+          </a:xfrm>
+          <a:prstGeom prst="rect">
+            <a:avLst/>
+          </a:prstGeom>
+        </p:spPr>
+      </p:pic>
+    </p:spTree>
+    <p:extLst>
+      <p:ext uri="{BB962C8B-B14F-4D97-AF65-F5344CB8AC3E}">
+        <p14:creationId xmlns:p14="http://schemas.microsoft.com/office/powerpoint/2010/main" val="1598294829"/>
+      </p:ext>
+    </p:extLst>
+  </p:cSld>
+  <p:clrMapOvr>
+    <a:masterClrMapping/>
+  </p:clrMapOvr>
+  <p:timing>
+    <p:tnLst>
+      <p:par>
+        <p:cTn id="1" dur="indefinite" restart="never" nodeType="tmRoot">
+          <p:childTnLst>
+            <p:seq concurrent="1" nextAc="seek">
+              <p:cTn id="2" dur="indefinite" nodeType="mainSeq">
+                <p:childTnLst>
+                  <p:par>
+                    <p:cTn id="3" fill="hold">
+                      <p:stCondLst>
+                        <p:cond delay="indefinite"/>
+                      </p:stCondLst>
+                      <p:childTnLst>
+                        <p:par>
+                          <p:cTn id="4" fill="hold">
+                            <p:stCondLst>
+                              <p:cond delay="0"/>
+                            </p:stCondLst>
+                            <p:childTnLst>
+                              <p:par>
+                                <p:cTn id="5" presetID="1" presetClass="entr" presetSubtype="0" fill="hold" nodeType="clickEffect">
+                                  <p:stCondLst>
+                                    <p:cond delay="0"/>
+                                  </p:stCondLst>
+                                  <p:childTnLst>
+                                    <p:set>
+                                      <p:cBhvr>
+                                        <p:cTn id="6" dur="1" fill="hold">
+                                          <p:stCondLst>
+                                            <p:cond delay="0"/>
+                                          </p:stCondLst>
+                                        </p:cTn>
+                                        <p:tgtEl>
+                                          <p:spTgt spid="3"/>
+                                        </p:tgtEl>
+                                        <p:attrNameLst>
+                                          <p:attrName>style.visibility</p:attrName>
+                                        </p:attrNameLst>
+                                      </p:cBhvr>
+                                      <p:to>
+                                        <p:strVal val="visible"/>
+                                      </p:to>
+                                    </p:set>
+                                  </p:childTnLst>
+                                </p:cTn>
+                              </p:par>
+                              <p:par>
+                                <p:cTn id="7" presetID="1" presetClass="entr" presetSubtype="0" fill="hold" nodeType="withEffect">
+                                  <p:stCondLst>
+                                    <p:cond delay="0"/>
+                                  </p:stCondLst>
+                                  <p:childTnLst>
+                                    <p:set>
+                                      <p:cBhvr>
+                                        <p:cTn id="8" dur="1" fill="hold">
+                                          <p:stCondLst>
+                                            <p:cond delay="0"/>
+                                          </p:stCondLst>
+                                        </p:cTn>
+                                        <p:tgtEl>
+                                          <p:spTgt spid="4"/>
+                                        </p:tgtEl>
+                                        <p:attrNameLst>
+                                          <p:attrName>style.visibility</p:attrName>
+                                        </p:attrNameLst>
+                                      </p:cBhvr>
+                                      <p:to>
+                                        <p:strVal val="visible"/>
+                                      </p:to>
+                                    </p:set>
+                                  </p:childTnLst>
+                                </p:cTn>
+                              </p:par>
+                            </p:childTnLst>
+                          </p:cTn>
+                        </p:par>
+                      </p:childTnLst>
+                    </p:cTn>
+                  </p:par>
+                </p:childTnLst>
+              </p:cTn>
+              <p:prevCondLst>
+                <p:cond evt="onPrev" delay="0">
+                  <p:tgtEl>
+                    <p:sldTgt/>
+                  </p:tgtEl>
+                </p:cond>
+              </p:prevCondLst>
+              <p:nextCondLst>
+                <p:cond evt="onNext" delay="0">
+                  <p:tgtEl>
+                    <p:sldTgt/>
+                  </p:tgtEl>
+                </p:cond>
+              </p:nextCondLst>
+            </p:seq>
+          </p:childTnLst>
+        </p:cTn>
+      </p:par>
+    </p:tnLst>
+  </p:timing>
+</p:sld>
+</file>
+
+<file path=ppt/slides/slide24.xml><?xml version="1.0" encoding="utf-8"?>
+<p:sld xmlns:a="http://schemas.openxmlformats.org/drawingml/2006/main" xmlns:r="http://schemas.openxmlformats.org/officeDocument/2006/relationships" xmlns:p="http://schemas.openxmlformats.org/presentationml/2006/main">
+  <p:cSld>
+    <p:bg>
+      <p:bgPr>
+        <a:solidFill>
+          <a:schemeClr val="bg1"/>
+        </a:solidFill>
+        <a:effectLst/>
+      </p:bgPr>
+    </p:bg>
+    <p:spTree>
+      <p:nvGrpSpPr>
+        <p:cNvPr id="1" name=""/>
+        <p:cNvGrpSpPr/>
+        <p:nvPr/>
+      </p:nvGrpSpPr>
+      <p:grpSpPr>
+        <a:xfrm>
+          <a:off x="0" y="0"/>
+          <a:ext cx="0" cy="0"/>
+          <a:chOff x="0" y="0"/>
+          <a:chExt cx="0" cy="0"/>
+        </a:xfrm>
+      </p:grpSpPr>
+      <p:sp>
+        <p:nvSpPr>
+          <p:cNvPr id="6" name="Slide Number Placeholder 6"/>
+          <p:cNvSpPr>
+            <a:spLocks noGrp="1"/>
+          </p:cNvSpPr>
+          <p:nvPr>
+            <p:ph type="sldNum" sz="quarter" idx="12"/>
+          </p:nvPr>
+        </p:nvSpPr>
+        <p:spPr>
+          <a:xfrm>
+            <a:off x="10351008" y="292608"/>
+            <a:ext cx="838199" cy="767687"/>
+          </a:xfrm>
+        </p:spPr>
+        <p:txBody>
+          <a:bodyPr/>
+          <a:lstStyle/>
+          <a:p>
+            <a:r>
+              <a:rPr lang="en-US" dirty="0" smtClean="0"/>
+              <a:t>20</a:t>
+            </a:r>
+            <a:endParaRPr lang="en-US" dirty="0"/>
+          </a:p>
+        </p:txBody>
+      </p:sp>
+      <p:sp>
+        <p:nvSpPr>
+          <p:cNvPr id="8" name="TextBox 7"/>
+          <p:cNvSpPr txBox="1"/>
+          <p:nvPr/>
+        </p:nvSpPr>
+        <p:spPr>
+          <a:xfrm>
+            <a:off x="604448" y="537075"/>
+            <a:ext cx="9631233" cy="523220"/>
+          </a:xfrm>
+          <a:prstGeom prst="rect">
+            <a:avLst/>
+          </a:prstGeom>
+          <a:noFill/>
+        </p:spPr>
+        <p:txBody>
+          <a:bodyPr wrap="square" rtlCol="0">
+            <a:spAutoFit/>
+          </a:bodyPr>
+          <a:lstStyle/>
+          <a:p>
+            <a:r>
+              <a:rPr lang="en-US" sz="2800" dirty="0" smtClean="0">
+                <a:solidFill>
+                  <a:schemeClr val="bg1"/>
+                </a:solidFill>
+                <a:latin typeface="Segoe UI Light" panose="020B0502040204020203" pitchFamily="34" charset="0"/>
+                <a:cs typeface="Segoe UI Light" panose="020B0502040204020203" pitchFamily="34" charset="0"/>
+              </a:rPr>
+              <a:t>Features – </a:t>
+            </a:r>
+            <a:r>
+              <a:rPr lang="en-US" sz="2400" dirty="0" smtClean="0">
+                <a:solidFill>
+                  <a:schemeClr val="bg1"/>
+                </a:solidFill>
+                <a:latin typeface="Segoe UI Light" panose="020B0502040204020203" pitchFamily="34" charset="0"/>
+                <a:cs typeface="Segoe UI Light" panose="020B0502040204020203" pitchFamily="34" charset="0"/>
+              </a:rPr>
+              <a:t>Advanced –</a:t>
+            </a:r>
+            <a:r>
+              <a:rPr lang="en-US" sz="1600" dirty="0" smtClean="0">
+                <a:solidFill>
+                  <a:srgbClr val="FFFF00"/>
+                </a:solidFill>
+                <a:latin typeface="Segoe UI Light" panose="020B0502040204020203" pitchFamily="34" charset="0"/>
+                <a:cs typeface="Segoe UI Light" panose="020B0502040204020203" pitchFamily="34" charset="0"/>
+              </a:rPr>
+              <a:t> Mixins (cont.)</a:t>
+            </a:r>
+            <a:endParaRPr lang="en-US" sz="1600" dirty="0">
+              <a:solidFill>
+                <a:srgbClr val="FFFF00"/>
+              </a:solidFill>
+              <a:latin typeface="Segoe UI Light" panose="020B0502040204020203" pitchFamily="34" charset="0"/>
+              <a:cs typeface="Segoe UI Light" panose="020B0502040204020203" pitchFamily="34" charset="0"/>
+            </a:endParaRPr>
+          </a:p>
+        </p:txBody>
+      </p:sp>
+      <p:sp>
+        <p:nvSpPr>
+          <p:cNvPr id="10" name="TextBox 9"/>
+          <p:cNvSpPr txBox="1"/>
+          <p:nvPr/>
+        </p:nvSpPr>
+        <p:spPr>
+          <a:xfrm>
+            <a:off x="1054554" y="1388221"/>
+            <a:ext cx="3390900" cy="646331"/>
+          </a:xfrm>
+          <a:prstGeom prst="rect">
+            <a:avLst/>
+          </a:prstGeom>
+          <a:noFill/>
+        </p:spPr>
+        <p:txBody>
+          <a:bodyPr wrap="square" rtlCol="0">
+            <a:spAutoFit/>
+          </a:bodyPr>
+          <a:lstStyle/>
+          <a:p>
+            <a:pPr>
+              <a:buClr>
+                <a:srgbClr val="FFFF00"/>
+              </a:buClr>
+            </a:pPr>
+            <a:endParaRPr lang="en-US" dirty="0" smtClean="0">
+              <a:solidFill>
+                <a:schemeClr val="bg1"/>
+              </a:solidFill>
+              <a:latin typeface="Segoe UI Light" panose="020B0502040204020203" pitchFamily="34" charset="0"/>
+              <a:cs typeface="Segoe UI Light" panose="020B0502040204020203" pitchFamily="34" charset="0"/>
+            </a:endParaRPr>
+          </a:p>
+          <a:p>
+            <a:pPr>
+              <a:buClr>
+                <a:srgbClr val="FFFF00"/>
+              </a:buClr>
+            </a:pPr>
+            <a:endParaRPr lang="en-US" dirty="0" smtClean="0">
+              <a:solidFill>
+                <a:schemeClr val="bg1"/>
+              </a:solidFill>
+              <a:latin typeface="Segoe UI Light" panose="020B0502040204020203" pitchFamily="34" charset="0"/>
+              <a:cs typeface="Segoe UI Light" panose="020B0502040204020203" pitchFamily="34" charset="0"/>
+            </a:endParaRPr>
+          </a:p>
+        </p:txBody>
+      </p:sp>
+      <p:sp>
+        <p:nvSpPr>
+          <p:cNvPr id="9" name="Title 1"/>
+          <p:cNvSpPr>
+            <a:spLocks noGrp="1"/>
+          </p:cNvSpPr>
+          <p:nvPr>
+            <p:ph type="ctrTitle"/>
+          </p:nvPr>
+        </p:nvSpPr>
+        <p:spPr>
+          <a:xfrm>
+            <a:off x="9377266" y="6148873"/>
+            <a:ext cx="2313992" cy="220543"/>
+          </a:xfrm>
+        </p:spPr>
+        <p:txBody>
+          <a:bodyPr/>
+          <a:lstStyle/>
+          <a:p>
+            <a:pPr algn="ctr"/>
+            <a:r>
+              <a:rPr lang="en-US" sz="1100" b="1" dirty="0" smtClean="0">
+                <a:latin typeface="Segoe UI Light" panose="020B0502040204020203" pitchFamily="34" charset="0"/>
+                <a:cs typeface="Segoe UI Light" panose="020B0502040204020203" pitchFamily="34" charset="0"/>
+              </a:rPr>
+              <a:t>Type</a:t>
+            </a:r>
+            <a:r>
+              <a:rPr lang="en-US" sz="1100" dirty="0" smtClean="0">
+                <a:latin typeface="Segoe UI Light" panose="020B0502040204020203" pitchFamily="34" charset="0"/>
+                <a:cs typeface="Segoe UI Light" panose="020B0502040204020203" pitchFamily="34" charset="0"/>
+              </a:rPr>
+              <a:t>Script – </a:t>
+            </a:r>
+            <a:r>
+              <a:rPr lang="en-US" sz="1100" dirty="0" smtClean="0">
+                <a:solidFill>
+                  <a:srgbClr val="FFFF00"/>
+                </a:solidFill>
+                <a:latin typeface="Segoe UI Light" panose="020B0502040204020203" pitchFamily="34" charset="0"/>
+                <a:cs typeface="Segoe UI Light" panose="020B0502040204020203" pitchFamily="34" charset="0"/>
+              </a:rPr>
+              <a:t>www.typescriptlang.org</a:t>
+            </a:r>
+            <a:endParaRPr lang="en-US" sz="1100" dirty="0">
+              <a:solidFill>
+                <a:srgbClr val="FFFF00"/>
+              </a:solidFill>
+              <a:latin typeface="Segoe UI Light" panose="020B0502040204020203" pitchFamily="34" charset="0"/>
+              <a:cs typeface="Segoe UI Light" panose="020B0502040204020203" pitchFamily="34" charset="0"/>
+            </a:endParaRPr>
+          </a:p>
+        </p:txBody>
+      </p:sp>
+      <p:sp>
+        <p:nvSpPr>
+          <p:cNvPr id="7" name="TextBox 6"/>
+          <p:cNvSpPr txBox="1"/>
+          <p:nvPr/>
+        </p:nvSpPr>
+        <p:spPr>
+          <a:xfrm>
+            <a:off x="1219199" y="1290027"/>
+            <a:ext cx="9970008" cy="1969770"/>
+          </a:xfrm>
+          <a:prstGeom prst="rect">
+            <a:avLst/>
+          </a:prstGeom>
+          <a:noFill/>
+        </p:spPr>
+        <p:txBody>
+          <a:bodyPr wrap="square" rtlCol="0">
+            <a:spAutoFit/>
+          </a:bodyPr>
+          <a:lstStyle/>
+          <a:p>
+            <a:pPr marL="742950" lvl="1" indent="-285750">
+              <a:buClr>
+                <a:srgbClr val="FFFF00"/>
+              </a:buClr>
+              <a:buFont typeface="Arial" panose="020B0604020202020204" pitchFamily="34" charset="0"/>
+              <a:buChar char="•"/>
+            </a:pPr>
+            <a:endParaRPr lang="en-US" dirty="0" smtClean="0">
+              <a:solidFill>
+                <a:schemeClr val="bg1"/>
+              </a:solidFill>
+              <a:latin typeface="Segoe UI Light" panose="020B0502040204020203" pitchFamily="34" charset="0"/>
+              <a:cs typeface="Segoe UI Light" panose="020B0502040204020203" pitchFamily="34" charset="0"/>
+            </a:endParaRPr>
+          </a:p>
+          <a:p>
+            <a:pPr lvl="1">
+              <a:buClr>
+                <a:srgbClr val="FFFF00"/>
+              </a:buClr>
+            </a:pPr>
+            <a:endParaRPr lang="en-US" sz="1400" dirty="0" smtClean="0">
+              <a:solidFill>
+                <a:schemeClr val="bg1"/>
+              </a:solidFill>
+              <a:latin typeface="Segoe UI Light" panose="020B0502040204020203" pitchFamily="34" charset="0"/>
+              <a:cs typeface="Segoe UI Light" panose="020B0502040204020203" pitchFamily="34" charset="0"/>
+            </a:endParaRPr>
+          </a:p>
+          <a:p>
+            <a:pPr>
+              <a:buClr>
+                <a:srgbClr val="FFFF00"/>
+              </a:buClr>
+            </a:pPr>
+            <a:endParaRPr lang="en-US" i="1" dirty="0">
+              <a:solidFill>
+                <a:srgbClr val="FFFF00"/>
+              </a:solidFill>
+              <a:latin typeface="Segoe UI Light" panose="020B0502040204020203" pitchFamily="34" charset="0"/>
+              <a:cs typeface="Segoe UI Light" panose="020B0502040204020203" pitchFamily="34" charset="0"/>
+            </a:endParaRPr>
+          </a:p>
+          <a:p>
+            <a:pPr marL="285750" indent="-285750">
+              <a:buClr>
+                <a:srgbClr val="FFFF00"/>
+              </a:buClr>
+              <a:buFont typeface="Arial" panose="020B0604020202020204" pitchFamily="34" charset="0"/>
+              <a:buChar char="•"/>
+            </a:pPr>
+            <a:endParaRPr lang="en-US" dirty="0" smtClean="0">
+              <a:solidFill>
+                <a:schemeClr val="bg1"/>
+              </a:solidFill>
+              <a:latin typeface="Segoe UI Light" panose="020B0502040204020203" pitchFamily="34" charset="0"/>
+              <a:cs typeface="Segoe UI Light" panose="020B0502040204020203" pitchFamily="34" charset="0"/>
+            </a:endParaRPr>
+          </a:p>
+          <a:p>
+            <a:pPr marL="285750" indent="-285750">
+              <a:buClr>
+                <a:srgbClr val="FFFF00"/>
+              </a:buClr>
+              <a:buFont typeface="Arial" panose="020B0604020202020204" pitchFamily="34" charset="0"/>
+              <a:buChar char="•"/>
+            </a:pPr>
+            <a:endParaRPr lang="en-US" dirty="0" smtClean="0">
+              <a:solidFill>
+                <a:schemeClr val="bg1"/>
+              </a:solidFill>
+              <a:latin typeface="Segoe UI Light" panose="020B0502040204020203" pitchFamily="34" charset="0"/>
+              <a:cs typeface="Segoe UI Light" panose="020B0502040204020203" pitchFamily="34" charset="0"/>
+            </a:endParaRPr>
+          </a:p>
+          <a:p>
+            <a:pPr marL="285750" indent="-285750">
+              <a:buClr>
+                <a:srgbClr val="FFFF00"/>
+              </a:buClr>
+              <a:buFont typeface="Arial" panose="020B0604020202020204" pitchFamily="34" charset="0"/>
+              <a:buChar char="•"/>
+            </a:pPr>
+            <a:endParaRPr lang="en-US" dirty="0">
+              <a:solidFill>
+                <a:schemeClr val="bg1"/>
+              </a:solidFill>
+              <a:latin typeface="Segoe UI Light" panose="020B0502040204020203" pitchFamily="34" charset="0"/>
+              <a:cs typeface="Segoe UI Light" panose="020B0502040204020203" pitchFamily="34" charset="0"/>
+            </a:endParaRPr>
+          </a:p>
+          <a:p>
+            <a:pPr marL="285750" indent="-285750">
+              <a:buClr>
+                <a:srgbClr val="FFFF00"/>
+              </a:buClr>
+              <a:buFont typeface="Arial" panose="020B0604020202020204" pitchFamily="34" charset="0"/>
+              <a:buChar char="•"/>
+            </a:pPr>
+            <a:endParaRPr lang="en-US" dirty="0" smtClean="0">
+              <a:solidFill>
+                <a:schemeClr val="bg1"/>
+              </a:solidFill>
+              <a:latin typeface="Segoe UI Light" panose="020B0502040204020203" pitchFamily="34" charset="0"/>
+              <a:cs typeface="Segoe UI Light" panose="020B0502040204020203" pitchFamily="34" charset="0"/>
+            </a:endParaRPr>
+          </a:p>
+        </p:txBody>
+      </p:sp>
+      <p:pic>
+        <p:nvPicPr>
+          <p:cNvPr id="2" name="Picture 1"/>
+          <p:cNvPicPr>
+            <a:picLocks noChangeAspect="1"/>
+          </p:cNvPicPr>
+          <p:nvPr/>
+        </p:nvPicPr>
+        <p:blipFill>
+          <a:blip r:embed="rId3"/>
+          <a:stretch>
+            <a:fillRect/>
+          </a:stretch>
+        </p:blipFill>
+        <p:spPr>
+          <a:xfrm>
+            <a:off x="604448" y="1290027"/>
+            <a:ext cx="7820025" cy="3381375"/>
+          </a:xfrm>
+          <a:prstGeom prst="rect">
+            <a:avLst/>
+          </a:prstGeom>
+        </p:spPr>
+      </p:pic>
+      <p:pic>
+        <p:nvPicPr>
+          <p:cNvPr id="5" name="Picture 4"/>
+          <p:cNvPicPr>
+            <a:picLocks noChangeAspect="1"/>
+          </p:cNvPicPr>
+          <p:nvPr/>
+        </p:nvPicPr>
+        <p:blipFill>
+          <a:blip r:embed="rId4"/>
+          <a:stretch>
+            <a:fillRect/>
+          </a:stretch>
+        </p:blipFill>
+        <p:spPr>
+          <a:xfrm>
+            <a:off x="604448" y="4749205"/>
+            <a:ext cx="5695950" cy="1381125"/>
+          </a:xfrm>
+          <a:prstGeom prst="rect">
+            <a:avLst/>
+          </a:prstGeom>
+        </p:spPr>
+      </p:pic>
+      <p:pic>
+        <p:nvPicPr>
+          <p:cNvPr id="12" name="Picture 11"/>
+          <p:cNvPicPr>
+            <a:picLocks noChangeAspect="1"/>
+          </p:cNvPicPr>
+          <p:nvPr/>
+        </p:nvPicPr>
+        <p:blipFill>
+          <a:blip r:embed="rId5"/>
+          <a:stretch>
+            <a:fillRect/>
+          </a:stretch>
+        </p:blipFill>
+        <p:spPr>
+          <a:xfrm>
+            <a:off x="6781038" y="4749205"/>
+            <a:ext cx="4152900" cy="704850"/>
+          </a:xfrm>
+          <a:prstGeom prst="rect">
+            <a:avLst/>
+          </a:prstGeom>
+        </p:spPr>
+      </p:pic>
+      <p:cxnSp>
+        <p:nvCxnSpPr>
+          <p:cNvPr id="14" name="Straight Connector 13"/>
+          <p:cNvCxnSpPr/>
+          <p:nvPr/>
+        </p:nvCxnSpPr>
+        <p:spPr>
+          <a:xfrm>
+            <a:off x="2002536" y="1527048"/>
+            <a:ext cx="747468" cy="0"/>
+          </a:xfrm>
+          <a:prstGeom prst="line">
+            <a:avLst/>
+          </a:prstGeom>
+          <a:ln>
+            <a:solidFill>
+              <a:srgbClr val="FFFF00"/>
+            </a:solidFill>
+          </a:ln>
+        </p:spPr>
+        <p:style>
+          <a:lnRef idx="1">
+            <a:schemeClr val="accent1"/>
+          </a:lnRef>
+          <a:fillRef idx="0">
+            <a:schemeClr val="accent1"/>
+          </a:fillRef>
+          <a:effectRef idx="0">
+            <a:schemeClr val="accent1"/>
+          </a:effectRef>
+          <a:fontRef idx="minor">
+            <a:schemeClr val="tx1"/>
+          </a:fontRef>
+        </p:style>
+      </p:cxnSp>
+    </p:spTree>
+    <p:extLst>
+      <p:ext uri="{BB962C8B-B14F-4D97-AF65-F5344CB8AC3E}">
+        <p14:creationId xmlns:p14="http://schemas.microsoft.com/office/powerpoint/2010/main" val="2903234985"/>
+      </p:ext>
+    </p:extLst>
+  </p:cSld>
+  <p:clrMapOvr>
+    <a:masterClrMapping/>
+  </p:clrMapOvr>
+  <p:timing>
+    <p:tnLst>
+      <p:par>
+        <p:cTn id="1" dur="indefinite" restart="never" nodeType="tmRoot">
+          <p:childTnLst>
+            <p:seq concurrent="1" nextAc="seek">
+              <p:cTn id="2" dur="indefinite" nodeType="mainSeq">
+                <p:childTnLst>
+                  <p:par>
+                    <p:cTn id="3" fill="hold">
+                      <p:stCondLst>
+                        <p:cond delay="indefinite"/>
+                      </p:stCondLst>
+                      <p:childTnLst>
+                        <p:par>
+                          <p:cTn id="4" fill="hold">
+                            <p:stCondLst>
+                              <p:cond delay="0"/>
+                            </p:stCondLst>
+                            <p:childTnLst>
+                              <p:par>
+                                <p:cTn id="5" presetID="1" presetClass="entr" presetSubtype="0" fill="hold" nodeType="clickEffect">
+                                  <p:stCondLst>
+                                    <p:cond delay="0"/>
+                                  </p:stCondLst>
+                                  <p:childTnLst>
+                                    <p:set>
+                                      <p:cBhvr>
+                                        <p:cTn id="6" dur="1" fill="hold">
+                                          <p:stCondLst>
+                                            <p:cond delay="0"/>
+                                          </p:stCondLst>
+                                        </p:cTn>
+                                        <p:tgtEl>
+                                          <p:spTgt spid="2"/>
+                                        </p:tgtEl>
+                                        <p:attrNameLst>
+                                          <p:attrName>style.visibility</p:attrName>
+                                        </p:attrNameLst>
+                                      </p:cBhvr>
+                                      <p:to>
+                                        <p:strVal val="visible"/>
+                                      </p:to>
+                                    </p:set>
+                                  </p:childTnLst>
+                                </p:cTn>
+                              </p:par>
+                            </p:childTnLst>
+                          </p:cTn>
+                        </p:par>
+                      </p:childTnLst>
+                    </p:cTn>
+                  </p:par>
+                  <p:par>
+                    <p:cTn id="7" fill="hold">
+                      <p:stCondLst>
+                        <p:cond delay="indefinite"/>
+                      </p:stCondLst>
+                      <p:childTnLst>
+                        <p:par>
+                          <p:cTn id="8" fill="hold">
+                            <p:stCondLst>
+                              <p:cond delay="0"/>
+                            </p:stCondLst>
+                            <p:childTnLst>
+                              <p:par>
+                                <p:cTn id="9" presetID="1" presetClass="entr" presetSubtype="0" fill="hold" nodeType="clickEffect">
+                                  <p:stCondLst>
+                                    <p:cond delay="0"/>
+                                  </p:stCondLst>
+                                  <p:childTnLst>
+                                    <p:set>
+                                      <p:cBhvr>
+                                        <p:cTn id="10" dur="1" fill="hold">
+                                          <p:stCondLst>
+                                            <p:cond delay="0"/>
+                                          </p:stCondLst>
+                                        </p:cTn>
+                                        <p:tgtEl>
+                                          <p:spTgt spid="5"/>
+                                        </p:tgtEl>
+                                        <p:attrNameLst>
+                                          <p:attrName>style.visibility</p:attrName>
+                                        </p:attrNameLst>
+                                      </p:cBhvr>
+                                      <p:to>
+                                        <p:strVal val="visible"/>
+                                      </p:to>
+                                    </p:set>
+                                  </p:childTnLst>
+                                </p:cTn>
+                              </p:par>
+                            </p:childTnLst>
+                          </p:cTn>
+                        </p:par>
+                      </p:childTnLst>
+                    </p:cTn>
+                  </p:par>
+                </p:childTnLst>
+              </p:cTn>
+              <p:prevCondLst>
+                <p:cond evt="onPrev" delay="0">
+                  <p:tgtEl>
+                    <p:sldTgt/>
+                  </p:tgtEl>
+                </p:cond>
+              </p:prevCondLst>
+              <p:nextCondLst>
+                <p:cond evt="onNext" delay="0">
+                  <p:tgtEl>
+                    <p:sldTgt/>
+                  </p:tgtEl>
+                </p:cond>
+              </p:nextCondLst>
+            </p:seq>
+          </p:childTnLst>
+        </p:cTn>
       </p:par>
     </p:tnLst>
   </p:timing>
@@ -19177,7 +27081,7 @@
               <a:t>That interface type can only be implemented by that class or a subclass of it in case base class has </a:t>
             </a:r>
             <a:r>
-              <a:rPr lang="en-US" sz="1400" i="1" u="sng" dirty="0" smtClean="0">
+              <a:rPr lang="en-US" sz="1400" b="1" i="1" u="sng" dirty="0" smtClean="0">
                 <a:solidFill>
                   <a:srgbClr val="FFFF00"/>
                 </a:solidFill>
@@ -19197,7 +27101,7 @@
               <a:t> or </a:t>
             </a:r>
             <a:r>
-              <a:rPr lang="en-US" sz="1400" i="1" u="sng" dirty="0" smtClean="0">
+              <a:rPr lang="en-US" sz="1400" b="1" i="1" u="sng" dirty="0" smtClean="0">
                 <a:solidFill>
                   <a:srgbClr val="FFFF00"/>
                 </a:solidFill>
@@ -19905,7 +27809,6 @@
               <a:rPr lang="en-US" dirty="0"/>
               <a:t>8</a:t>
             </a:r>
-            <a:endParaRPr lang="en-US" dirty="0"/>
           </a:p>
         </p:txBody>
       </p:sp>
@@ -20123,32 +28026,8 @@
         </p:blipFill>
         <p:spPr>
           <a:xfrm>
-            <a:off x="1045029" y="1526721"/>
+            <a:off x="1113472" y="1849886"/>
             <a:ext cx="3390900" cy="2019300"/>
-          </a:xfrm>
-          <a:prstGeom prst="rect">
-            <a:avLst/>
-          </a:prstGeom>
-        </p:spPr>
-      </p:pic>
-      <p:pic>
-        <p:nvPicPr>
-          <p:cNvPr id="3" name="Picture 2"/>
-          <p:cNvPicPr>
-            <a:picLocks noChangeAspect="1"/>
-          </p:cNvPicPr>
-          <p:nvPr/>
-        </p:nvPicPr>
-        <p:blipFill>
-          <a:blip r:embed="rId3"/>
-          <a:stretch>
-            <a:fillRect/>
-          </a:stretch>
-        </p:blipFill>
-        <p:spPr>
-          <a:xfrm>
-            <a:off x="5952636" y="1866894"/>
-            <a:ext cx="4953000" cy="1076325"/>
           </a:xfrm>
           <a:prstGeom prst="rect">
             <a:avLst/>
@@ -20186,6 +28065,249 @@
                 <a:cs typeface="Segoe UI Light" panose="020B0502040204020203" pitchFamily="34" charset="0"/>
               </a:rPr>
               <a:t>Parameter Properties</a:t>
+            </a:r>
+            <a:endParaRPr lang="en-US" dirty="0">
+              <a:solidFill>
+                <a:schemeClr val="bg1"/>
+              </a:solidFill>
+              <a:latin typeface="Segoe UI Light" panose="020B0502040204020203" pitchFamily="34" charset="0"/>
+              <a:cs typeface="Segoe UI Light" panose="020B0502040204020203" pitchFamily="34" charset="0"/>
+            </a:endParaRPr>
+          </a:p>
+        </p:txBody>
+      </p:sp>
+      <p:sp>
+        <p:nvSpPr>
+          <p:cNvPr id="11" name="TextBox 10"/>
+          <p:cNvSpPr txBox="1"/>
+          <p:nvPr/>
+        </p:nvSpPr>
+        <p:spPr>
+          <a:xfrm>
+            <a:off x="1113472" y="1278928"/>
+            <a:ext cx="3322457" cy="369332"/>
+          </a:xfrm>
+          <a:prstGeom prst="rect">
+            <a:avLst/>
+          </a:prstGeom>
+          <a:noFill/>
+        </p:spPr>
+        <p:txBody>
+          <a:bodyPr wrap="square" rtlCol="0">
+            <a:spAutoFit/>
+          </a:bodyPr>
+          <a:lstStyle/>
+          <a:p>
+            <a:pPr algn="ctr"/>
+            <a:r>
+              <a:rPr lang="en-US" dirty="0" smtClean="0">
+                <a:solidFill>
+                  <a:schemeClr val="bg1"/>
+                </a:solidFill>
+                <a:latin typeface="Segoe UI Light" panose="020B0502040204020203" pitchFamily="34" charset="0"/>
+                <a:cs typeface="Segoe UI Light" panose="020B0502040204020203" pitchFamily="34" charset="0"/>
+              </a:rPr>
+              <a:t>Simple class-based</a:t>
+            </a:r>
+            <a:endParaRPr lang="en-US" dirty="0">
+              <a:solidFill>
+                <a:schemeClr val="bg1"/>
+              </a:solidFill>
+              <a:latin typeface="Segoe UI Light" panose="020B0502040204020203" pitchFamily="34" charset="0"/>
+              <a:cs typeface="Segoe UI Light" panose="020B0502040204020203" pitchFamily="34" charset="0"/>
+            </a:endParaRPr>
+          </a:p>
+        </p:txBody>
+      </p:sp>
+      <p:pic>
+        <p:nvPicPr>
+          <p:cNvPr id="5" name="Picture 4"/>
+          <p:cNvPicPr>
+            <a:picLocks noChangeAspect="1"/>
+          </p:cNvPicPr>
+          <p:nvPr/>
+        </p:nvPicPr>
+        <p:blipFill>
+          <a:blip r:embed="rId3"/>
+          <a:stretch>
+            <a:fillRect/>
+          </a:stretch>
+        </p:blipFill>
+        <p:spPr>
+          <a:xfrm>
+            <a:off x="6348412" y="1849886"/>
+            <a:ext cx="3771900" cy="1819275"/>
+          </a:xfrm>
+          <a:prstGeom prst="rect">
+            <a:avLst/>
+          </a:prstGeom>
+        </p:spPr>
+      </p:pic>
+      <p:sp>
+        <p:nvSpPr>
+          <p:cNvPr id="12" name="TextBox 11"/>
+          <p:cNvSpPr txBox="1"/>
+          <p:nvPr/>
+        </p:nvSpPr>
+        <p:spPr>
+          <a:xfrm>
+            <a:off x="1045029" y="4192351"/>
+            <a:ext cx="10144178" cy="1477328"/>
+          </a:xfrm>
+          <a:prstGeom prst="rect">
+            <a:avLst/>
+          </a:prstGeom>
+          <a:noFill/>
+        </p:spPr>
+        <p:txBody>
+          <a:bodyPr wrap="square" rtlCol="0">
+            <a:spAutoFit/>
+          </a:bodyPr>
+          <a:lstStyle/>
+          <a:p>
+            <a:pPr marL="285750" indent="-285750">
+              <a:buClr>
+                <a:srgbClr val="FFFF00"/>
+              </a:buClr>
+              <a:buFont typeface="Arial" panose="020B0604020202020204" pitchFamily="34" charset="0"/>
+              <a:buChar char="•"/>
+            </a:pPr>
+            <a:r>
+              <a:rPr lang="en-US" dirty="0" smtClean="0">
+                <a:solidFill>
+                  <a:schemeClr val="bg1"/>
+                </a:solidFill>
+                <a:latin typeface="Segoe UI Light" panose="020B0502040204020203" pitchFamily="34" charset="0"/>
+                <a:cs typeface="Segoe UI Light" panose="020B0502040204020203" pitchFamily="34" charset="0"/>
+              </a:rPr>
+              <a:t>Three modifiers : </a:t>
+            </a:r>
+            <a:r>
+              <a:rPr lang="en-US" b="1" i="1" dirty="0" smtClean="0">
+                <a:solidFill>
+                  <a:srgbClr val="00B0F0"/>
+                </a:solidFill>
+                <a:latin typeface="Segoe UI Light" panose="020B0502040204020203" pitchFamily="34" charset="0"/>
+                <a:cs typeface="Segoe UI Light" panose="020B0502040204020203" pitchFamily="34" charset="0"/>
+              </a:rPr>
+              <a:t>public</a:t>
+            </a:r>
+            <a:r>
+              <a:rPr lang="en-US" b="1" i="1" dirty="0" smtClean="0">
+                <a:solidFill>
+                  <a:srgbClr val="FFFF00"/>
+                </a:solidFill>
+                <a:latin typeface="Segoe UI Light" panose="020B0502040204020203" pitchFamily="34" charset="0"/>
+                <a:cs typeface="Segoe UI Light" panose="020B0502040204020203" pitchFamily="34" charset="0"/>
+              </a:rPr>
+              <a:t> , private, protected</a:t>
+            </a:r>
+          </a:p>
+          <a:p>
+            <a:pPr marL="285750" indent="-285750">
+              <a:buClr>
+                <a:srgbClr val="FFFF00"/>
+              </a:buClr>
+              <a:buFont typeface="Arial" panose="020B0604020202020204" pitchFamily="34" charset="0"/>
+              <a:buChar char="•"/>
+            </a:pPr>
+            <a:endParaRPr lang="en-US" b="1" i="1" dirty="0" smtClean="0">
+              <a:solidFill>
+                <a:srgbClr val="FFFF00"/>
+              </a:solidFill>
+              <a:latin typeface="Segoe UI Light" panose="020B0502040204020203" pitchFamily="34" charset="0"/>
+              <a:cs typeface="Segoe UI Light" panose="020B0502040204020203" pitchFamily="34" charset="0"/>
+            </a:endParaRPr>
+          </a:p>
+          <a:p>
+            <a:pPr marL="285750" indent="-285750">
+              <a:buClr>
+                <a:srgbClr val="FFFF00"/>
+              </a:buClr>
+              <a:buFont typeface="Arial" panose="020B0604020202020204" pitchFamily="34" charset="0"/>
+              <a:buChar char="•"/>
+            </a:pPr>
+            <a:r>
+              <a:rPr lang="en-US" i="1" dirty="0" smtClean="0">
+                <a:solidFill>
+                  <a:srgbClr val="FFFF00"/>
+                </a:solidFill>
+                <a:latin typeface="Segoe UI Light" panose="020B0502040204020203" pitchFamily="34" charset="0"/>
+                <a:cs typeface="Segoe UI Light" panose="020B0502040204020203" pitchFamily="34" charset="0"/>
+              </a:rPr>
+              <a:t>Private </a:t>
+            </a:r>
+            <a:r>
+              <a:rPr lang="en-US" dirty="0" smtClean="0">
+                <a:solidFill>
+                  <a:schemeClr val="bg1"/>
+                </a:solidFill>
+                <a:latin typeface="Segoe UI Light" panose="020B0502040204020203" pitchFamily="34" charset="0"/>
+                <a:cs typeface="Segoe UI Light" panose="020B0502040204020203" pitchFamily="34" charset="0"/>
+              </a:rPr>
+              <a:t>member cannot be accessed from outside of it containing class</a:t>
+            </a:r>
+            <a:endParaRPr lang="en-US" i="1" dirty="0">
+              <a:solidFill>
+                <a:schemeClr val="bg1"/>
+              </a:solidFill>
+              <a:latin typeface="Segoe UI Light" panose="020B0502040204020203" pitchFamily="34" charset="0"/>
+              <a:cs typeface="Segoe UI Light" panose="020B0502040204020203" pitchFamily="34" charset="0"/>
+            </a:endParaRPr>
+          </a:p>
+          <a:p>
+            <a:pPr marL="285750" indent="-285750">
+              <a:buClr>
+                <a:srgbClr val="FFFF00"/>
+              </a:buClr>
+              <a:buFont typeface="Arial" panose="020B0604020202020204" pitchFamily="34" charset="0"/>
+              <a:buChar char="•"/>
+            </a:pPr>
+            <a:endParaRPr lang="en-US" dirty="0" smtClean="0">
+              <a:solidFill>
+                <a:srgbClr val="FFFF00"/>
+              </a:solidFill>
+              <a:latin typeface="Segoe UI Light" panose="020B0502040204020203" pitchFamily="34" charset="0"/>
+              <a:cs typeface="Segoe UI Light" panose="020B0502040204020203" pitchFamily="34" charset="0"/>
+            </a:endParaRPr>
+          </a:p>
+          <a:p>
+            <a:pPr marL="285750" indent="-285750">
+              <a:buClr>
+                <a:srgbClr val="FFFF00"/>
+              </a:buClr>
+              <a:buFont typeface="Arial" panose="020B0604020202020204" pitchFamily="34" charset="0"/>
+              <a:buChar char="•"/>
+            </a:pPr>
+            <a:r>
+              <a:rPr lang="en-US" i="1" dirty="0" smtClean="0">
+                <a:solidFill>
+                  <a:srgbClr val="FFFF00"/>
+                </a:solidFill>
+                <a:latin typeface="Segoe UI Light" panose="020B0502040204020203" pitchFamily="34" charset="0"/>
+                <a:cs typeface="Segoe UI Light" panose="020B0502040204020203" pitchFamily="34" charset="0"/>
+              </a:rPr>
+              <a:t>Protected</a:t>
+            </a:r>
+            <a:r>
+              <a:rPr lang="en-US" dirty="0" smtClean="0">
+                <a:solidFill>
+                  <a:srgbClr val="FFFF00"/>
+                </a:solidFill>
+                <a:latin typeface="Segoe UI Light" panose="020B0502040204020203" pitchFamily="34" charset="0"/>
+                <a:cs typeface="Segoe UI Light" panose="020B0502040204020203" pitchFamily="34" charset="0"/>
+              </a:rPr>
+              <a:t> </a:t>
+            </a:r>
+            <a:r>
+              <a:rPr lang="en-US" dirty="0" smtClean="0">
+                <a:solidFill>
+                  <a:schemeClr val="bg1"/>
+                </a:solidFill>
+                <a:latin typeface="Segoe UI Light" panose="020B0502040204020203" pitchFamily="34" charset="0"/>
+                <a:cs typeface="Segoe UI Light" panose="020B0502040204020203" pitchFamily="34" charset="0"/>
+              </a:rPr>
+              <a:t>member can also be access from instances of deriving classes</a:t>
             </a:r>
             <a:endParaRPr lang="en-US" dirty="0">
               <a:solidFill>
@@ -20241,7 +28363,7 @@
                                           </p:stCondLst>
                                         </p:cTn>
                                         <p:tgtEl>
-                                          <p:spTgt spid="4"/>
+                                          <p:spTgt spid="11"/>
                                         </p:tgtEl>
                                         <p:attrNameLst>
                                           <p:attrName>style.visibility</p:attrName>
@@ -20268,7 +28390,124 @@
                                           </p:stCondLst>
                                         </p:cTn>
                                         <p:tgtEl>
-                                          <p:spTgt spid="3"/>
+                                          <p:spTgt spid="2"/>
+                                        </p:tgtEl>
+                                        <p:attrNameLst>
+                                          <p:attrName>style.visibility</p:attrName>
+                                        </p:attrNameLst>
+                                      </p:cBhvr>
+                                      <p:to>
+                                        <p:strVal val="visible"/>
+                                      </p:to>
+                                    </p:set>
+                                  </p:childTnLst>
+                                </p:cTn>
+                              </p:par>
+                            </p:childTnLst>
+                          </p:cTn>
+                        </p:par>
+                      </p:childTnLst>
+                    </p:cTn>
+                  </p:par>
+                  <p:par>
+                    <p:cTn id="9" fill="hold">
+                      <p:stCondLst>
+                        <p:cond delay="indefinite"/>
+                      </p:stCondLst>
+                      <p:childTnLst>
+                        <p:par>
+                          <p:cTn id="10" fill="hold">
+                            <p:stCondLst>
+                              <p:cond delay="0"/>
+                            </p:stCondLst>
+                            <p:childTnLst>
+                              <p:par>
+                                <p:cTn id="11" presetID="1" presetClass="entr" presetSubtype="0" fill="hold" grpId="0" nodeType="clickEffect">
+                                  <p:stCondLst>
+                                    <p:cond delay="0"/>
+                                  </p:stCondLst>
+                                  <p:childTnLst>
+                                    <p:set>
+                                      <p:cBhvr>
+                                        <p:cTn id="12" dur="1" fill="hold">
+                                          <p:stCondLst>
+                                            <p:cond delay="0"/>
+                                          </p:stCondLst>
+                                        </p:cTn>
+                                        <p:tgtEl>
+                                          <p:spTgt spid="4"/>
+                                        </p:tgtEl>
+                                        <p:attrNameLst>
+                                          <p:attrName>style.visibility</p:attrName>
+                                        </p:attrNameLst>
+                                      </p:cBhvr>
+                                      <p:to>
+                                        <p:strVal val="visible"/>
+                                      </p:to>
+                                    </p:set>
+                                  </p:childTnLst>
+                                </p:cTn>
+                              </p:par>
+                              <p:par>
+                                <p:cTn id="13" presetID="1" presetClass="entr" presetSubtype="0" fill="hold" nodeType="withEffect">
+                                  <p:stCondLst>
+                                    <p:cond delay="0"/>
+                                  </p:stCondLst>
+                                  <p:childTnLst>
+                                    <p:set>
+                                      <p:cBhvr>
+                                        <p:cTn id="14" dur="1" fill="hold">
+                                          <p:stCondLst>
+                                            <p:cond delay="0"/>
+                                          </p:stCondLst>
+                                        </p:cTn>
+                                        <p:tgtEl>
+                                          <p:spTgt spid="5"/>
+                                        </p:tgtEl>
+                                        <p:attrNameLst>
+                                          <p:attrName>style.visibility</p:attrName>
+                                        </p:attrNameLst>
+                                      </p:cBhvr>
+                                      <p:to>
+                                        <p:strVal val="visible"/>
+                                      </p:to>
+                                    </p:set>
+                                  </p:childTnLst>
+                                </p:cTn>
+                              </p:par>
+                            </p:childTnLst>
+                          </p:cTn>
+                        </p:par>
+                      </p:childTnLst>
+                    </p:cTn>
+                  </p:par>
+                  <p:par>
+                    <p:cTn id="15" fill="hold">
+                      <p:stCondLst>
+                        <p:cond delay="indefinite"/>
+                      </p:stCondLst>
+                      <p:childTnLst>
+                        <p:par>
+                          <p:cTn id="16" fill="hold">
+                            <p:stCondLst>
+                              <p:cond delay="0"/>
+                            </p:stCondLst>
+                            <p:childTnLst>
+                              <p:par>
+                                <p:cTn id="17" presetID="1" presetClass="entr" presetSubtype="0" fill="hold" grpId="0" nodeType="clickEffect">
+                                  <p:stCondLst>
+                                    <p:cond delay="0"/>
+                                  </p:stCondLst>
+                                  <p:childTnLst>
+                                    <p:set>
+                                      <p:cBhvr>
+                                        <p:cTn id="18" dur="1" fill="hold">
+                                          <p:stCondLst>
+                                            <p:cond delay="0"/>
+                                          </p:stCondLst>
+                                        </p:cTn>
+                                        <p:tgtEl>
+                                          <p:spTgt spid="12"/>
                                         </p:tgtEl>
                                         <p:attrNameLst>
                                           <p:attrName>style.visibility</p:attrName>
@@ -20310,6 +28549,8 @@
     </p:tnLst>
     <p:bldLst>
       <p:bldP spid="4" grpId="0"/>
+      <p:bldP spid="11" grpId="0"/>
+      <p:bldP spid="12" grpId="0"/>
     </p:bldLst>
   </p:timing>
 </p:sld>
@@ -20364,7 +28605,6 @@
               <a:rPr lang="en-US" dirty="0"/>
               <a:t>9</a:t>
             </a:r>
-            <a:endParaRPr lang="en-US" dirty="0"/>
           </a:p>
         </p:txBody>
       </p:sp>
@@ -20448,11 +28688,21 @@
                 <a:latin typeface="Segoe UI Light" panose="020B0502040204020203" pitchFamily="34" charset="0"/>
                 <a:cs typeface="Segoe UI Light" panose="020B0502040204020203" pitchFamily="34" charset="0"/>
               </a:rPr>
-              <a:t>Classes</a:t>
+              <a:t>Classes - </a:t>
+            </a:r>
+            <a:r>
+              <a:rPr lang="en-US" sz="1600" dirty="0" smtClean="0">
+                <a:solidFill>
+                  <a:srgbClr val="00B0F0"/>
+                </a:solidFill>
+                <a:latin typeface="Segoe UI Light" panose="020B0502040204020203" pitchFamily="34" charset="0"/>
+                <a:cs typeface="Segoe UI Light" panose="020B0502040204020203" pitchFamily="34" charset="0"/>
+              </a:rPr>
+              <a:t>Inheritance</a:t>
             </a:r>
             <a:endParaRPr lang="en-US" sz="1600" dirty="0">
               <a:solidFill>
-                <a:srgbClr val="FFFF00"/>
+                <a:srgbClr val="00B0F0"/>
               </a:solidFill>
               <a:latin typeface="Segoe UI Light" panose="020B0502040204020203" pitchFamily="34" charset="0"/>
               <a:cs typeface="Segoe UI Light" panose="020B0502040204020203" pitchFamily="34" charset="0"/>
@@ -20582,7 +28832,7 @@
         </p:blipFill>
         <p:spPr>
           <a:xfrm>
-            <a:off x="3763352" y="1290027"/>
+            <a:off x="4979504" y="1223334"/>
             <a:ext cx="4743450" cy="4762500"/>
           </a:xfrm>
           <a:prstGeom prst="rect">
@@ -20592,14 +28842,14 @@
       </p:pic>
       <p:sp>
         <p:nvSpPr>
-          <p:cNvPr id="5" name="TextBox 4"/>
+          <p:cNvPr id="2" name="TextBox 1"/>
           <p:cNvSpPr txBox="1"/>
           <p:nvPr/>
         </p:nvSpPr>
         <p:spPr>
           <a:xfrm>
-            <a:off x="1219200" y="1290027"/>
-            <a:ext cx="1838325" cy="369332"/>
+            <a:off x="1054554" y="1223334"/>
+            <a:ext cx="3672894" cy="1754326"/>
           </a:xfrm>
           <a:prstGeom prst="rect">
             <a:avLst/>
@@ -20627,11 +28877,98 @@
                 <a:latin typeface="Segoe UI Light" panose="020B0502040204020203" pitchFamily="34" charset="0"/>
                 <a:cs typeface="Segoe UI Light" panose="020B0502040204020203" pitchFamily="34" charset="0"/>
               </a:rPr>
-              <a:t>Inheritance</a:t>
-            </a:r>
-            <a:endParaRPr lang="en-US" dirty="0">
+              <a:t>Use keyword </a:t>
+            </a:r>
+            <a:r>
+              <a:rPr lang="en-US" b="1" i="1" dirty="0" smtClean="0">
+                <a:solidFill>
+                  <a:srgbClr val="FFFF00"/>
+                </a:solidFill>
+                <a:latin typeface="Segoe UI Light" panose="020B0502040204020203" pitchFamily="34" charset="0"/>
+                <a:cs typeface="Segoe UI Light" panose="020B0502040204020203" pitchFamily="34" charset="0"/>
+              </a:rPr>
+              <a:t>extends</a:t>
+            </a:r>
+          </a:p>
+          <a:p>
+            <a:pPr marL="285750" indent="-285750">
+              <a:buClr>
+                <a:srgbClr val="FFFF00"/>
+              </a:buClr>
+              <a:buFont typeface="Arial" panose="020B0604020202020204" pitchFamily="34" charset="0"/>
+              <a:buChar char="•"/>
+            </a:pPr>
+            <a:endParaRPr lang="en-US" b="1" i="1" dirty="0">
               <a:solidFill>
-                <a:schemeClr val="bg1"/>
+                <a:srgbClr val="FFFF00"/>
+              </a:solidFill>
+              <a:latin typeface="Segoe UI Light" panose="020B0502040204020203" pitchFamily="34" charset="0"/>
+              <a:cs typeface="Segoe UI Light" panose="020B0502040204020203" pitchFamily="34" charset="0"/>
+            </a:endParaRPr>
+          </a:p>
+          <a:p>
+            <a:pPr marL="285750" indent="-285750">
+              <a:buClr>
+                <a:srgbClr val="FFFF00"/>
+              </a:buClr>
+              <a:buFont typeface="Arial" panose="020B0604020202020204" pitchFamily="34" charset="0"/>
+              <a:buChar char="•"/>
+            </a:pPr>
+            <a:r>
+              <a:rPr lang="en-US" dirty="0" smtClean="0">
+                <a:solidFill>
+                  <a:schemeClr val="bg1"/>
+                </a:solidFill>
+                <a:latin typeface="Segoe UI Light" panose="020B0502040204020203" pitchFamily="34" charset="0"/>
+                <a:cs typeface="Segoe UI Light" panose="020B0502040204020203" pitchFamily="34" charset="0"/>
+              </a:rPr>
+              <a:t>Derived class contain constructor function must call </a:t>
+            </a:r>
+            <a:r>
+              <a:rPr lang="en-US" b="1" i="1" dirty="0" smtClean="0">
+                <a:solidFill>
+                  <a:srgbClr val="FFFF00"/>
+                </a:solidFill>
+                <a:latin typeface="Segoe UI Light" panose="020B0502040204020203" pitchFamily="34" charset="0"/>
+                <a:cs typeface="Segoe UI Light" panose="020B0502040204020203" pitchFamily="34" charset="0"/>
+              </a:rPr>
+              <a:t>super()</a:t>
+            </a:r>
+            <a:endParaRPr lang="en-US" b="1" dirty="0" smtClean="0">
+              <a:solidFill>
+                <a:srgbClr val="FFFF00"/>
+              </a:solidFill>
+              <a:latin typeface="Segoe UI Light" panose="020B0502040204020203" pitchFamily="34" charset="0"/>
+              <a:cs typeface="Segoe UI Light" panose="020B0502040204020203" pitchFamily="34" charset="0"/>
+            </a:endParaRPr>
+          </a:p>
+          <a:p>
+            <a:pPr marL="285750" indent="-285750">
+              <a:buClr>
+                <a:srgbClr val="FFFF00"/>
+              </a:buClr>
+              <a:buFont typeface="Arial" panose="020B0604020202020204" pitchFamily="34" charset="0"/>
+              <a:buChar char="•"/>
+            </a:pPr>
+            <a:endParaRPr lang="en-US" b="1" i="1" dirty="0">
+              <a:solidFill>
+                <a:srgbClr val="FFFF00"/>
+              </a:solidFill>
+              <a:latin typeface="Segoe UI Light" panose="020B0502040204020203" pitchFamily="34" charset="0"/>
+              <a:cs typeface="Segoe UI Light" panose="020B0502040204020203" pitchFamily="34" charset="0"/>
+            </a:endParaRPr>
+          </a:p>
+          <a:p>
+            <a:pPr marL="285750" indent="-285750">
+              <a:buClr>
+                <a:srgbClr val="FFFF00"/>
+              </a:buClr>
+              <a:buFont typeface="Arial" panose="020B0604020202020204" pitchFamily="34" charset="0"/>
+              <a:buChar char="•"/>
+            </a:pPr>
+            <a:endParaRPr lang="en-US" b="1" dirty="0">
+              <a:solidFill>
+                <a:srgbClr val="FFFF00"/>
               </a:solidFill>
               <a:latin typeface="Segoe UI Light" panose="020B0502040204020203" pitchFamily="34" charset="0"/>
               <a:cs typeface="Segoe UI Light" panose="020B0502040204020203" pitchFamily="34" charset="0"/>

--- a/TypeScript.pptx
+++ b/TypeScript.pptx
@@ -5,7 +5,7 @@
     <p:sldMasterId id="2147483648" r:id="rId1"/>
   </p:sldMasterIdLst>
   <p:notesMasterIdLst>
-    <p:notesMasterId r:id="rId26"/>
+    <p:notesMasterId r:id="rId29"/>
   </p:notesMasterIdLst>
   <p:sldIdLst>
     <p:sldId id="256" r:id="rId2"/>
@@ -15,23 +15,26 @@
     <p:sldId id="260" r:id="rId6"/>
     <p:sldId id="261" r:id="rId7"/>
     <p:sldId id="262" r:id="rId8"/>
-    <p:sldId id="263" r:id="rId9"/>
-    <p:sldId id="264" r:id="rId10"/>
-    <p:sldId id="265" r:id="rId11"/>
-    <p:sldId id="266" r:id="rId12"/>
-    <p:sldId id="267" r:id="rId13"/>
-    <p:sldId id="276" r:id="rId14"/>
-    <p:sldId id="277" r:id="rId15"/>
-    <p:sldId id="278" r:id="rId16"/>
-    <p:sldId id="279" r:id="rId17"/>
-    <p:sldId id="268" r:id="rId18"/>
-    <p:sldId id="269" r:id="rId19"/>
-    <p:sldId id="270" r:id="rId20"/>
-    <p:sldId id="271" r:id="rId21"/>
-    <p:sldId id="272" r:id="rId22"/>
-    <p:sldId id="273" r:id="rId23"/>
-    <p:sldId id="274" r:id="rId24"/>
-    <p:sldId id="275" r:id="rId25"/>
+    <p:sldId id="281" r:id="rId9"/>
+    <p:sldId id="280" r:id="rId10"/>
+    <p:sldId id="282" r:id="rId11"/>
+    <p:sldId id="263" r:id="rId12"/>
+    <p:sldId id="264" r:id="rId13"/>
+    <p:sldId id="265" r:id="rId14"/>
+    <p:sldId id="266" r:id="rId15"/>
+    <p:sldId id="267" r:id="rId16"/>
+    <p:sldId id="276" r:id="rId17"/>
+    <p:sldId id="277" r:id="rId18"/>
+    <p:sldId id="278" r:id="rId19"/>
+    <p:sldId id="279" r:id="rId20"/>
+    <p:sldId id="268" r:id="rId21"/>
+    <p:sldId id="269" r:id="rId22"/>
+    <p:sldId id="270" r:id="rId23"/>
+    <p:sldId id="271" r:id="rId24"/>
+    <p:sldId id="272" r:id="rId25"/>
+    <p:sldId id="273" r:id="rId26"/>
+    <p:sldId id="274" r:id="rId27"/>
+    <p:sldId id="275" r:id="rId28"/>
   </p:sldIdLst>
   <p:sldSz cx="12192000" cy="6858000"/>
   <p:notesSz cx="6858000" cy="9144000"/>
@@ -220,7 +223,7 @@
           <a:p>
             <a:fld id="{83B40554-C380-41D1-81B6-D046070D0B8E}" type="datetimeFigureOut">
               <a:rPr lang="en-US" smtClean="0"/>
-              <a:t>7/26/2016</a:t>
+              <a:t>08/02/2016</a:t>
             </a:fld>
             <a:endParaRPr lang="en-US"/>
           </a:p>
@@ -534,16 +537,31 @@
           <a:p>
             <a:r>
               <a:rPr lang="en-US" dirty="0" smtClean="0"/>
-              <a:t>One important difference is that type aliases cannot be extended or implemented from (nor can they extend/implement other types)</a:t>
-            </a:r>
-          </a:p>
-          <a:p>
-            <a:endParaRPr lang="en-US" dirty="0" smtClean="0"/>
+              <a:t>/**</a:t>
+            </a:r>
           </a:p>
           <a:p>
             <a:r>
               <a:rPr lang="en-US" dirty="0" smtClean="0"/>
-              <a:t>On the other hand, if you can’t express some shape with an interface and you need to use a union or tuple type, type aliases are usually the way to go.</a:t>
+              <a:t> * There are two types of supported index signatures: string and number. </a:t>
+            </a:r>
+          </a:p>
+          <a:p>
+            <a:r>
+              <a:rPr lang="en-US" dirty="0" smtClean="0"/>
+              <a:t> * It is possible to support both types of indexers, </a:t>
+            </a:r>
+          </a:p>
+          <a:p>
+            <a:r>
+              <a:rPr lang="en-US" dirty="0" smtClean="0"/>
+              <a:t> * but the type returned from a numeric indexer must be a subtype of the type returned from the string indexer</a:t>
+            </a:r>
+          </a:p>
+          <a:p>
+            <a:r>
+              <a:rPr lang="en-US" dirty="0" smtClean="0"/>
+              <a:t> */</a:t>
             </a:r>
             <a:endParaRPr lang="en-US" dirty="0"/>
           </a:p>
@@ -566,7 +584,7 @@
           <a:p>
             <a:fld id="{341ED17F-51E8-4538-B95D-5C7AD91104F0}" type="slidenum">
               <a:rPr lang="en-US" smtClean="0"/>
-              <a:t>15</a:t>
+              <a:t>10</a:t>
             </a:fld>
             <a:endParaRPr lang="en-US"/>
           </a:p>
@@ -575,7 +593,7 @@
     </p:spTree>
     <p:extLst>
       <p:ext uri="{BB962C8B-B14F-4D97-AF65-F5344CB8AC3E}">
-        <p14:creationId xmlns:p14="http://schemas.microsoft.com/office/powerpoint/2010/main" val="3787298793"/>
+        <p14:creationId xmlns:p14="http://schemas.microsoft.com/office/powerpoint/2010/main" val="3470460095"/>
       </p:ext>
     </p:extLst>
   </p:cSld>
@@ -650,7 +668,91 @@
           <a:p>
             <a:fld id="{341ED17F-51E8-4538-B95D-5C7AD91104F0}" type="slidenum">
               <a:rPr lang="en-US" smtClean="0"/>
-              <a:t>24</a:t>
+              <a:t>26</a:t>
+            </a:fld>
+            <a:endParaRPr lang="en-US"/>
+          </a:p>
+        </p:txBody>
+      </p:sp>
+    </p:spTree>
+    <p:extLst>
+      <p:ext uri="{BB962C8B-B14F-4D97-AF65-F5344CB8AC3E}">
+        <p14:creationId xmlns:p14="http://schemas.microsoft.com/office/powerpoint/2010/main" val="3880495613"/>
+      </p:ext>
+    </p:extLst>
+  </p:cSld>
+  <p:clrMapOvr>
+    <a:masterClrMapping/>
+  </p:clrMapOvr>
+</p:notes>
+</file>
+
+<file path=ppt/notesSlides/notesSlide11.xml><?xml version="1.0" encoding="utf-8"?>
+<p:notes xmlns:a="http://schemas.openxmlformats.org/drawingml/2006/main" xmlns:r="http://schemas.openxmlformats.org/officeDocument/2006/relationships" xmlns:p="http://schemas.openxmlformats.org/presentationml/2006/main">
+  <p:cSld>
+    <p:spTree>
+      <p:nvGrpSpPr>
+        <p:cNvPr id="1" name=""/>
+        <p:cNvGrpSpPr/>
+        <p:nvPr/>
+      </p:nvGrpSpPr>
+      <p:grpSpPr>
+        <a:xfrm>
+          <a:off x="0" y="0"/>
+          <a:ext cx="0" cy="0"/>
+          <a:chOff x="0" y="0"/>
+          <a:chExt cx="0" cy="0"/>
+        </a:xfrm>
+      </p:grpSpPr>
+      <p:sp>
+        <p:nvSpPr>
+          <p:cNvPr id="2" name="Slide Image Placeholder 1"/>
+          <p:cNvSpPr>
+            <a:spLocks noGrp="1" noRot="1" noChangeAspect="1"/>
+          </p:cNvSpPr>
+          <p:nvPr>
+            <p:ph type="sldImg"/>
+          </p:nvPr>
+        </p:nvSpPr>
+        <p:spPr/>
+      </p:sp>
+      <p:sp>
+        <p:nvSpPr>
+          <p:cNvPr id="3" name="Notes Placeholder 2"/>
+          <p:cNvSpPr>
+            <a:spLocks noGrp="1"/>
+          </p:cNvSpPr>
+          <p:nvPr>
+            <p:ph type="body" idx="1"/>
+          </p:nvPr>
+        </p:nvSpPr>
+        <p:spPr/>
+        <p:txBody>
+          <a:bodyPr/>
+          <a:lstStyle/>
+          <a:p>
+            <a:endParaRPr lang="en-US" dirty="0"/>
+          </a:p>
+        </p:txBody>
+      </p:sp>
+      <p:sp>
+        <p:nvSpPr>
+          <p:cNvPr id="4" name="Slide Number Placeholder 3"/>
+          <p:cNvSpPr>
+            <a:spLocks noGrp="1"/>
+          </p:cNvSpPr>
+          <p:nvPr>
+            <p:ph type="sldNum" sz="quarter" idx="10"/>
+          </p:nvPr>
+        </p:nvSpPr>
+        <p:spPr/>
+        <p:txBody>
+          <a:bodyPr/>
+          <a:lstStyle/>
+          <a:p>
+            <a:fld id="{341ED17F-51E8-4538-B95D-5C7AD91104F0}" type="slidenum">
+              <a:rPr lang="en-US" smtClean="0"/>
+              <a:t>27</a:t>
             </a:fld>
             <a:endParaRPr lang="en-US"/>
           </a:p>
@@ -715,6 +817,15 @@
           <a:p>
             <a:r>
               <a:rPr lang="en-US" dirty="0" smtClean="0"/>
+              <a:t>One important difference is that type aliases cannot be extended or implemented from (nor can they extend/implement other types)</a:t>
+            </a:r>
+          </a:p>
+          <a:p>
+            <a:endParaRPr lang="en-US" dirty="0" smtClean="0"/>
+          </a:p>
+          <a:p>
+            <a:r>
+              <a:rPr lang="en-US" dirty="0" smtClean="0"/>
               <a:t>On the other hand, if you can’t express some shape with an interface and you need to use a union or tuple type, type aliases are usually the way to go.</a:t>
             </a:r>
             <a:endParaRPr lang="en-US" dirty="0"/>
@@ -738,7 +849,7 @@
           <a:p>
             <a:fld id="{341ED17F-51E8-4538-B95D-5C7AD91104F0}" type="slidenum">
               <a:rPr lang="en-US" smtClean="0"/>
-              <a:t>16</a:t>
+              <a:t>18</a:t>
             </a:fld>
             <a:endParaRPr lang="en-US"/>
           </a:p>
@@ -747,7 +858,7 @@
     </p:spTree>
     <p:extLst>
       <p:ext uri="{BB962C8B-B14F-4D97-AF65-F5344CB8AC3E}">
-        <p14:creationId xmlns:p14="http://schemas.microsoft.com/office/powerpoint/2010/main" val="711751404"/>
+        <p14:creationId xmlns:p14="http://schemas.microsoft.com/office/powerpoint/2010/main" val="3787298793"/>
       </p:ext>
     </p:extLst>
   </p:cSld>
@@ -803,7 +914,7 @@
           <a:p>
             <a:r>
               <a:rPr lang="en-US" dirty="0" smtClean="0"/>
-              <a:t>In TypeScript, a declaration creates entities in at least one of three groups: namespace, type, or value. Namespace-creating declarations create a namespace, which contains names that are accessed using a dotted notation. Type-creating declarations do just that: they create a type that is visible with the declared shape and bound to the given name. Lastly, value-creating declarations create values that are visible in the output JavaScript.</a:t>
+              <a:t>On the other hand, if you can’t express some shape with an interface and you need to use a union or tuple type, type aliases are usually the way to go.</a:t>
             </a:r>
             <a:endParaRPr lang="en-US" dirty="0"/>
           </a:p>
@@ -826,7 +937,7 @@
           <a:p>
             <a:fld id="{341ED17F-51E8-4538-B95D-5C7AD91104F0}" type="slidenum">
               <a:rPr lang="en-US" smtClean="0"/>
-              <a:t>17</a:t>
+              <a:t>19</a:t>
             </a:fld>
             <a:endParaRPr lang="en-US"/>
           </a:p>
@@ -835,7 +946,7 @@
     </p:spTree>
     <p:extLst>
       <p:ext uri="{BB962C8B-B14F-4D97-AF65-F5344CB8AC3E}">
-        <p14:creationId xmlns:p14="http://schemas.microsoft.com/office/powerpoint/2010/main" val="2506549196"/>
+        <p14:creationId xmlns:p14="http://schemas.microsoft.com/office/powerpoint/2010/main" val="711751404"/>
       </p:ext>
     </p:extLst>
   </p:cSld>
@@ -889,29 +1000,10 @@
           <a:bodyPr/>
           <a:lstStyle/>
           <a:p>
-            <a:pPr marL="0" marR="0" lvl="0" indent="0" algn="l" defTabSz="914400" rtl="0" eaLnBrk="1" fontAlgn="auto" latinLnBrk="0" hangingPunct="1">
-              <a:lnSpc>
-                <a:spcPct val="100000"/>
-              </a:lnSpc>
-              <a:spcBef>
-                <a:spcPts val="0"/>
-              </a:spcBef>
-              <a:spcAft>
-                <a:spcPts val="0"/>
-              </a:spcAft>
-              <a:buClrTx/>
-              <a:buSzTx/>
-              <a:buFontTx/>
-              <a:buNone/>
-              <a:tabLst/>
-              <a:defRPr/>
-            </a:pPr>
             <a:r>
               <a:rPr lang="en-US" dirty="0" smtClean="0"/>
               <a:t>In TypeScript, a declaration creates entities in at least one of three groups: namespace, type, or value. Namespace-creating declarations create a namespace, which contains names that are accessed using a dotted notation. Type-creating declarations do just that: they create a type that is visible with the declared shape and bound to the given name. Lastly, value-creating declarations create values that are visible in the output JavaScript.</a:t>
             </a:r>
-          </a:p>
-          <a:p>
             <a:endParaRPr lang="en-US" dirty="0"/>
           </a:p>
         </p:txBody>
@@ -933,7 +1025,7 @@
           <a:p>
             <a:fld id="{341ED17F-51E8-4538-B95D-5C7AD91104F0}" type="slidenum">
               <a:rPr lang="en-US" smtClean="0"/>
-              <a:t>18</a:t>
+              <a:t>20</a:t>
             </a:fld>
             <a:endParaRPr lang="en-US"/>
           </a:p>
@@ -942,7 +1034,7 @@
     </p:spTree>
     <p:extLst>
       <p:ext uri="{BB962C8B-B14F-4D97-AF65-F5344CB8AC3E}">
-        <p14:creationId xmlns:p14="http://schemas.microsoft.com/office/powerpoint/2010/main" val="4259107594"/>
+        <p14:creationId xmlns:p14="http://schemas.microsoft.com/office/powerpoint/2010/main" val="2506549196"/>
       </p:ext>
     </p:extLst>
   </p:cSld>
@@ -996,6 +1088,29 @@
           <a:bodyPr/>
           <a:lstStyle/>
           <a:p>
+            <a:pPr marL="0" marR="0" lvl="0" indent="0" algn="l" defTabSz="914400" rtl="0" eaLnBrk="1" fontAlgn="auto" latinLnBrk="0" hangingPunct="1">
+              <a:lnSpc>
+                <a:spcPct val="100000"/>
+              </a:lnSpc>
+              <a:spcBef>
+                <a:spcPts val="0"/>
+              </a:spcBef>
+              <a:spcAft>
+                <a:spcPts val="0"/>
+              </a:spcAft>
+              <a:buClrTx/>
+              <a:buSzTx/>
+              <a:buFontTx/>
+              <a:buNone/>
+              <a:tabLst/>
+              <a:defRPr/>
+            </a:pPr>
+            <a:r>
+              <a:rPr lang="en-US" dirty="0" smtClean="0"/>
+              <a:t>In TypeScript, a declaration creates entities in at least one of three groups: namespace, type, or value. Namespace-creating declarations create a namespace, which contains names that are accessed using a dotted notation. Type-creating declarations do just that: they create a type that is visible with the declared shape and bound to the given name. Lastly, value-creating declarations create values that are visible in the output JavaScript.</a:t>
+            </a:r>
+          </a:p>
+          <a:p>
             <a:endParaRPr lang="en-US" dirty="0"/>
           </a:p>
         </p:txBody>
@@ -1017,7 +1132,7 @@
           <a:p>
             <a:fld id="{341ED17F-51E8-4538-B95D-5C7AD91104F0}" type="slidenum">
               <a:rPr lang="en-US" smtClean="0"/>
-              <a:t>19</a:t>
+              <a:t>21</a:t>
             </a:fld>
             <a:endParaRPr lang="en-US"/>
           </a:p>
@@ -1026,7 +1141,7 @@
     </p:spTree>
     <p:extLst>
       <p:ext uri="{BB962C8B-B14F-4D97-AF65-F5344CB8AC3E}">
-        <p14:creationId xmlns:p14="http://schemas.microsoft.com/office/powerpoint/2010/main" val="3614864932"/>
+        <p14:creationId xmlns:p14="http://schemas.microsoft.com/office/powerpoint/2010/main" val="4259107594"/>
       </p:ext>
     </p:extLst>
   </p:cSld>
@@ -1101,7 +1216,7 @@
           <a:p>
             <a:fld id="{341ED17F-51E8-4538-B95D-5C7AD91104F0}" type="slidenum">
               <a:rPr lang="en-US" smtClean="0"/>
-              <a:t>20</a:t>
+              <a:t>22</a:t>
             </a:fld>
             <a:endParaRPr lang="en-US"/>
           </a:p>
@@ -1110,7 +1225,7 @@
     </p:spTree>
     <p:extLst>
       <p:ext uri="{BB962C8B-B14F-4D97-AF65-F5344CB8AC3E}">
-        <p14:creationId xmlns:p14="http://schemas.microsoft.com/office/powerpoint/2010/main" val="3667327141"/>
+        <p14:creationId xmlns:p14="http://schemas.microsoft.com/office/powerpoint/2010/main" val="3614864932"/>
       </p:ext>
     </p:extLst>
   </p:cSld>
@@ -1185,7 +1300,7 @@
           <a:p>
             <a:fld id="{341ED17F-51E8-4538-B95D-5C7AD91104F0}" type="slidenum">
               <a:rPr lang="en-US" smtClean="0"/>
-              <a:t>21</a:t>
+              <a:t>23</a:t>
             </a:fld>
             <a:endParaRPr lang="en-US"/>
           </a:p>
@@ -1194,7 +1309,7 @@
     </p:spTree>
     <p:extLst>
       <p:ext uri="{BB962C8B-B14F-4D97-AF65-F5344CB8AC3E}">
-        <p14:creationId xmlns:p14="http://schemas.microsoft.com/office/powerpoint/2010/main" val="3943044030"/>
+        <p14:creationId xmlns:p14="http://schemas.microsoft.com/office/powerpoint/2010/main" val="3667327141"/>
       </p:ext>
     </p:extLst>
   </p:cSld>
@@ -1269,7 +1384,7 @@
           <a:p>
             <a:fld id="{341ED17F-51E8-4538-B95D-5C7AD91104F0}" type="slidenum">
               <a:rPr lang="en-US" smtClean="0"/>
-              <a:t>22</a:t>
+              <a:t>24</a:t>
             </a:fld>
             <a:endParaRPr lang="en-US"/>
           </a:p>
@@ -1278,7 +1393,7 @@
     </p:spTree>
     <p:extLst>
       <p:ext uri="{BB962C8B-B14F-4D97-AF65-F5344CB8AC3E}">
-        <p14:creationId xmlns:p14="http://schemas.microsoft.com/office/powerpoint/2010/main" val="1495176519"/>
+        <p14:creationId xmlns:p14="http://schemas.microsoft.com/office/powerpoint/2010/main" val="3943044030"/>
       </p:ext>
     </p:extLst>
   </p:cSld>
@@ -1353,7 +1468,7 @@
           <a:p>
             <a:fld id="{341ED17F-51E8-4538-B95D-5C7AD91104F0}" type="slidenum">
               <a:rPr lang="en-US" smtClean="0"/>
-              <a:t>23</a:t>
+              <a:t>25</a:t>
             </a:fld>
             <a:endParaRPr lang="en-US"/>
           </a:p>
@@ -1362,7 +1477,7 @@
     </p:spTree>
     <p:extLst>
       <p:ext uri="{BB962C8B-B14F-4D97-AF65-F5344CB8AC3E}">
-        <p14:creationId xmlns:p14="http://schemas.microsoft.com/office/powerpoint/2010/main" val="3880495613"/>
+        <p14:creationId xmlns:p14="http://schemas.microsoft.com/office/powerpoint/2010/main" val="1495176519"/>
       </p:ext>
     </p:extLst>
   </p:cSld>
@@ -1880,7 +1995,7 @@
           <a:p>
             <a:fld id="{B5A57E69-69A7-4CE6-9D16-BCA68F355CE4}" type="datetime1">
               <a:rPr lang="en-US" smtClean="0"/>
-              <a:t>7/26/2016</a:t>
+              <a:t>08/02/2016</a:t>
             </a:fld>
             <a:endParaRPr lang="en-US" dirty="0"/>
           </a:p>
@@ -2862,7 +2977,7 @@
           <a:p>
             <a:fld id="{043FB00D-848D-4FA0-8B21-B865E24DA6D8}" type="datetime1">
               <a:rPr lang="en-US" smtClean="0"/>
-              <a:t>7/26/2016</a:t>
+              <a:t>08/02/2016</a:t>
             </a:fld>
             <a:endParaRPr lang="en-US" dirty="0"/>
           </a:p>
@@ -3732,7 +3847,7 @@
           <a:p>
             <a:fld id="{7D9071C6-9DFA-4850-89F8-9D321476828C}" type="datetime1">
               <a:rPr lang="en-US" smtClean="0"/>
-              <a:t>7/26/2016</a:t>
+              <a:t>08/02/2016</a:t>
             </a:fld>
             <a:endParaRPr lang="en-US" dirty="0"/>
           </a:p>
@@ -4753,7 +4868,7 @@
           <a:p>
             <a:fld id="{17FF5D53-2DEA-4D36-8170-1482CC611023}" type="datetime1">
               <a:rPr lang="en-US" smtClean="0"/>
-              <a:t>7/26/2016</a:t>
+              <a:t>08/02/2016</a:t>
             </a:fld>
             <a:endParaRPr lang="en-US" dirty="0"/>
           </a:p>
@@ -5673,7 +5788,7 @@
           <a:p>
             <a:fld id="{B5690A8C-5BB5-4B08-B8E2-5A457A808034}" type="datetime1">
               <a:rPr lang="en-US" smtClean="0"/>
-              <a:t>7/26/2016</a:t>
+              <a:t>08/02/2016</a:t>
             </a:fld>
             <a:endParaRPr lang="en-US" dirty="0"/>
           </a:p>
@@ -6329,7 +6444,7 @@
           <a:p>
             <a:fld id="{A803FBEC-9D37-40CE-94AB-92C3934D97E9}" type="datetime1">
               <a:rPr lang="en-US" smtClean="0"/>
-              <a:t>7/26/2016</a:t>
+              <a:t>08/02/2016</a:t>
             </a:fld>
             <a:endParaRPr lang="en-US" dirty="0"/>
           </a:p>
@@ -7186,7 +7301,7 @@
           <a:p>
             <a:fld id="{7A19FE47-D497-4EFE-8B95-2E6835C26179}" type="datetime1">
               <a:rPr lang="en-US" smtClean="0"/>
-              <a:t>7/26/2016</a:t>
+              <a:t>08/02/2016</a:t>
             </a:fld>
             <a:endParaRPr lang="en-US" dirty="0"/>
           </a:p>
@@ -7369,7 +7484,7 @@
           <a:p>
             <a:fld id="{3D6E87D2-FA5D-4067-86E8-FBFB7E7FB1A0}" type="datetime1">
               <a:rPr lang="en-US" smtClean="0"/>
-              <a:t>7/26/2016</a:t>
+              <a:t>08/02/2016</a:t>
             </a:fld>
             <a:endParaRPr lang="en-US" dirty="0"/>
           </a:p>
@@ -8226,7 +8341,7 @@
           <a:p>
             <a:fld id="{2AEE457A-5D0D-4A7C-B75F-B4BAA730D182}" type="datetime1">
               <a:rPr lang="en-US" smtClean="0"/>
-              <a:t>7/26/2016</a:t>
+              <a:t>08/02/2016</a:t>
             </a:fld>
             <a:endParaRPr lang="en-US" dirty="0"/>
           </a:p>
@@ -8445,7 +8560,7 @@
           <a:p>
             <a:fld id="{6DE09B35-2599-44DD-A720-00D58C2C5CFD}" type="datetime1">
               <a:rPr lang="en-US" smtClean="0"/>
-              <a:t>7/26/2016</a:t>
+              <a:t>08/02/2016</a:t>
             </a:fld>
             <a:endParaRPr lang="en-US" dirty="0"/>
           </a:p>
@@ -9370,7 +9485,7 @@
           <a:p>
             <a:fld id="{969F5E0F-CC83-4EE8-9839-D788B4A036CE}" type="datetime1">
               <a:rPr lang="en-US" smtClean="0"/>
-              <a:t>7/26/2016</a:t>
+              <a:t>08/02/2016</a:t>
             </a:fld>
             <a:endParaRPr lang="en-US" dirty="0"/>
           </a:p>
@@ -9654,7 +9769,7 @@
           <a:p>
             <a:fld id="{CDDAEA97-4880-476B-8319-6583C779BB5D}" type="datetime1">
               <a:rPr lang="en-US" smtClean="0"/>
-              <a:t>7/26/2016</a:t>
+              <a:t>08/02/2016</a:t>
             </a:fld>
             <a:endParaRPr lang="en-US" dirty="0"/>
           </a:p>
@@ -10044,7 +10159,7 @@
           <a:p>
             <a:fld id="{2C291960-C88C-4CB7-8E8E-46A766ED1A81}" type="datetime1">
               <a:rPr lang="en-US" smtClean="0"/>
-              <a:t>7/26/2016</a:t>
+              <a:t>08/02/2016</a:t>
             </a:fld>
             <a:endParaRPr lang="en-US" dirty="0"/>
           </a:p>
@@ -10170,7 +10285,7 @@
           <a:p>
             <a:fld id="{891D52F6-B362-4B3C-9D0D-1E48C91E2893}" type="datetime1">
               <a:rPr lang="en-US" smtClean="0"/>
-              <a:t>7/26/2016</a:t>
+              <a:t>08/02/2016</a:t>
             </a:fld>
             <a:endParaRPr lang="en-US" dirty="0"/>
           </a:p>
@@ -10265,7 +10380,7 @@
           <a:p>
             <a:fld id="{E0A292E6-B37A-41F0-B490-4AAC465AB83D}" type="datetime1">
               <a:rPr lang="en-US" smtClean="0"/>
-              <a:t>7/26/2016</a:t>
+              <a:t>08/02/2016</a:t>
             </a:fld>
             <a:endParaRPr lang="en-US" dirty="0"/>
           </a:p>
@@ -11236,7 +11351,7 @@
           <a:p>
             <a:fld id="{181BDAB6-DBE1-4D3D-9D8A-BA801ABA5851}" type="datetime1">
               <a:rPr lang="en-US" smtClean="0"/>
-              <a:t>7/26/2016</a:t>
+              <a:t>08/02/2016</a:t>
             </a:fld>
             <a:endParaRPr lang="en-US" dirty="0"/>
           </a:p>
@@ -12231,7 +12346,7 @@
           <a:p>
             <a:fld id="{CBED0DF2-0007-46C6-8409-26105F305ACE}" type="datetime1">
               <a:rPr lang="en-US" smtClean="0"/>
-              <a:t>7/26/2016</a:t>
+              <a:t>08/02/2016</a:t>
             </a:fld>
             <a:endParaRPr lang="en-US" dirty="0"/>
           </a:p>
@@ -13115,7 +13230,7 @@
           <a:p>
             <a:fld id="{0660FED1-CE89-4720-8B86-5BB7EAF63ADC}" type="datetime1">
               <a:rPr lang="en-US" smtClean="0"/>
-              <a:t>7/26/2016</a:t>
+              <a:t>08/02/2016</a:t>
             </a:fld>
             <a:endParaRPr lang="en-US" dirty="0"/>
           </a:p>
@@ -13847,6 +13962,2533 @@
           <a:p>
             <a:r>
               <a:rPr lang="en-US" dirty="0" smtClean="0"/>
+              <a:t>7</a:t>
+            </a:r>
+            <a:endParaRPr lang="en-US" dirty="0"/>
+          </a:p>
+        </p:txBody>
+      </p:sp>
+      <p:sp>
+        <p:nvSpPr>
+          <p:cNvPr id="8" name="TextBox 7"/>
+          <p:cNvSpPr txBox="1"/>
+          <p:nvPr/>
+        </p:nvSpPr>
+        <p:spPr>
+          <a:xfrm>
+            <a:off x="604448" y="537075"/>
+            <a:ext cx="9631233" cy="523220"/>
+          </a:xfrm>
+          <a:prstGeom prst="rect">
+            <a:avLst/>
+          </a:prstGeom>
+          <a:noFill/>
+        </p:spPr>
+        <p:txBody>
+          <a:bodyPr wrap="square" rtlCol="0">
+            <a:spAutoFit/>
+          </a:bodyPr>
+          <a:lstStyle/>
+          <a:p>
+            <a:r>
+              <a:rPr lang="en-US" sz="2800" dirty="0" smtClean="0">
+                <a:solidFill>
+                  <a:schemeClr val="bg1"/>
+                </a:solidFill>
+                <a:latin typeface="Segoe UI Light" panose="020B0502040204020203" pitchFamily="34" charset="0"/>
+                <a:cs typeface="Segoe UI Light" panose="020B0502040204020203" pitchFamily="34" charset="0"/>
+              </a:rPr>
+              <a:t>Features – </a:t>
+            </a:r>
+            <a:r>
+              <a:rPr lang="en-US" sz="2400" dirty="0" smtClean="0">
+                <a:solidFill>
+                  <a:schemeClr val="bg1"/>
+                </a:solidFill>
+                <a:latin typeface="Segoe UI Light" panose="020B0502040204020203" pitchFamily="34" charset="0"/>
+                <a:cs typeface="Segoe UI Light" panose="020B0502040204020203" pitchFamily="34" charset="0"/>
+              </a:rPr>
+              <a:t>Basics</a:t>
+            </a:r>
+            <a:r>
+              <a:rPr lang="en-US" sz="2400" dirty="0" smtClean="0">
+                <a:solidFill>
+                  <a:srgbClr val="FFFF00"/>
+                </a:solidFill>
+                <a:latin typeface="Segoe UI Light" panose="020B0502040204020203" pitchFamily="34" charset="0"/>
+                <a:cs typeface="Segoe UI Light" panose="020B0502040204020203" pitchFamily="34" charset="0"/>
+              </a:rPr>
+              <a:t> </a:t>
+            </a:r>
+            <a:r>
+              <a:rPr lang="en-US" sz="2400" dirty="0" smtClean="0">
+                <a:solidFill>
+                  <a:schemeClr val="bg1"/>
+                </a:solidFill>
+                <a:latin typeface="Segoe UI Light" panose="020B0502040204020203" pitchFamily="34" charset="0"/>
+                <a:cs typeface="Segoe UI Light" panose="020B0502040204020203" pitchFamily="34" charset="0"/>
+              </a:rPr>
+              <a:t>–</a:t>
+            </a:r>
+            <a:r>
+              <a:rPr lang="en-US" sz="2400" dirty="0" smtClean="0">
+                <a:solidFill>
+                  <a:srgbClr val="FFFF00"/>
+                </a:solidFill>
+                <a:latin typeface="Segoe UI Light" panose="020B0502040204020203" pitchFamily="34" charset="0"/>
+                <a:cs typeface="Segoe UI Light" panose="020B0502040204020203" pitchFamily="34" charset="0"/>
+              </a:rPr>
+              <a:t> </a:t>
+            </a:r>
+            <a:r>
+              <a:rPr lang="en-US" sz="1600" dirty="0" smtClean="0">
+                <a:solidFill>
+                  <a:srgbClr val="FFFF00"/>
+                </a:solidFill>
+                <a:latin typeface="Segoe UI Light" panose="020B0502040204020203" pitchFamily="34" charset="0"/>
+                <a:cs typeface="Segoe UI Light" panose="020B0502040204020203" pitchFamily="34" charset="0"/>
+              </a:rPr>
+              <a:t>Interfaces – </a:t>
+            </a:r>
+            <a:r>
+              <a:rPr lang="en-US" sz="1600" dirty="0" smtClean="0">
+                <a:solidFill>
+                  <a:srgbClr val="00B0F0"/>
+                </a:solidFill>
+                <a:latin typeface="Segoe UI Light" panose="020B0502040204020203" pitchFamily="34" charset="0"/>
+                <a:cs typeface="Segoe UI Light" panose="020B0502040204020203" pitchFamily="34" charset="0"/>
+              </a:rPr>
+              <a:t>Indexable Type</a:t>
+            </a:r>
+            <a:endParaRPr lang="en-US" sz="1600" dirty="0">
+              <a:solidFill>
+                <a:srgbClr val="00B0F0"/>
+              </a:solidFill>
+              <a:latin typeface="Segoe UI Light" panose="020B0502040204020203" pitchFamily="34" charset="0"/>
+              <a:cs typeface="Segoe UI Light" panose="020B0502040204020203" pitchFamily="34" charset="0"/>
+            </a:endParaRPr>
+          </a:p>
+        </p:txBody>
+      </p:sp>
+      <p:sp>
+        <p:nvSpPr>
+          <p:cNvPr id="10" name="TextBox 9"/>
+          <p:cNvSpPr txBox="1"/>
+          <p:nvPr/>
+        </p:nvSpPr>
+        <p:spPr>
+          <a:xfrm>
+            <a:off x="1045029" y="1526721"/>
+            <a:ext cx="10144178" cy="923330"/>
+          </a:xfrm>
+          <a:prstGeom prst="rect">
+            <a:avLst/>
+          </a:prstGeom>
+          <a:noFill/>
+        </p:spPr>
+        <p:txBody>
+          <a:bodyPr wrap="square" rtlCol="0">
+            <a:spAutoFit/>
+          </a:bodyPr>
+          <a:lstStyle/>
+          <a:p>
+            <a:pPr marL="285750" indent="-285750">
+              <a:buClr>
+                <a:srgbClr val="FFFF00"/>
+              </a:buClr>
+              <a:buFont typeface="Wingdings" panose="05000000000000000000" pitchFamily="2" charset="2"/>
+              <a:buChar char="§"/>
+            </a:pPr>
+            <a:endParaRPr lang="en-US" dirty="0">
+              <a:solidFill>
+                <a:schemeClr val="bg1"/>
+              </a:solidFill>
+              <a:latin typeface="Segoe UI Light" panose="020B0502040204020203" pitchFamily="34" charset="0"/>
+              <a:cs typeface="Segoe UI Light" panose="020B0502040204020203" pitchFamily="34" charset="0"/>
+            </a:endParaRPr>
+          </a:p>
+          <a:p>
+            <a:pPr marL="285750" indent="-285750">
+              <a:buClr>
+                <a:srgbClr val="FFFF00"/>
+              </a:buClr>
+              <a:buFont typeface="Arial" panose="020B0604020202020204" pitchFamily="34" charset="0"/>
+              <a:buChar char="•"/>
+            </a:pPr>
+            <a:endParaRPr lang="en-US" dirty="0" smtClean="0">
+              <a:solidFill>
+                <a:schemeClr val="bg1"/>
+              </a:solidFill>
+              <a:latin typeface="Segoe UI Light" panose="020B0502040204020203" pitchFamily="34" charset="0"/>
+              <a:cs typeface="Segoe UI Light" panose="020B0502040204020203" pitchFamily="34" charset="0"/>
+            </a:endParaRPr>
+          </a:p>
+          <a:p>
+            <a:pPr>
+              <a:buClr>
+                <a:srgbClr val="FFFF00"/>
+              </a:buClr>
+            </a:pPr>
+            <a:endParaRPr lang="en-US" dirty="0" smtClean="0">
+              <a:solidFill>
+                <a:schemeClr val="bg1"/>
+              </a:solidFill>
+              <a:latin typeface="Segoe UI Light" panose="020B0502040204020203" pitchFamily="34" charset="0"/>
+              <a:cs typeface="Segoe UI Light" panose="020B0502040204020203" pitchFamily="34" charset="0"/>
+            </a:endParaRPr>
+          </a:p>
+        </p:txBody>
+      </p:sp>
+      <p:sp>
+        <p:nvSpPr>
+          <p:cNvPr id="9" name="Title 1"/>
+          <p:cNvSpPr>
+            <a:spLocks noGrp="1"/>
+          </p:cNvSpPr>
+          <p:nvPr>
+            <p:ph type="ctrTitle"/>
+          </p:nvPr>
+        </p:nvSpPr>
+        <p:spPr>
+          <a:xfrm>
+            <a:off x="9377266" y="6148873"/>
+            <a:ext cx="2313992" cy="220543"/>
+          </a:xfrm>
+        </p:spPr>
+        <p:txBody>
+          <a:bodyPr/>
+          <a:lstStyle/>
+          <a:p>
+            <a:pPr algn="ctr"/>
+            <a:r>
+              <a:rPr lang="en-US" sz="1100" b="1" dirty="0" smtClean="0">
+                <a:latin typeface="Segoe UI Light" panose="020B0502040204020203" pitchFamily="34" charset="0"/>
+                <a:cs typeface="Segoe UI Light" panose="020B0502040204020203" pitchFamily="34" charset="0"/>
+              </a:rPr>
+              <a:t>Type</a:t>
+            </a:r>
+            <a:r>
+              <a:rPr lang="en-US" sz="1100" dirty="0" smtClean="0">
+                <a:latin typeface="Segoe UI Light" panose="020B0502040204020203" pitchFamily="34" charset="0"/>
+                <a:cs typeface="Segoe UI Light" panose="020B0502040204020203" pitchFamily="34" charset="0"/>
+              </a:rPr>
+              <a:t>Script – </a:t>
+            </a:r>
+            <a:r>
+              <a:rPr lang="en-US" sz="1100" dirty="0" smtClean="0">
+                <a:solidFill>
+                  <a:srgbClr val="FFFF00"/>
+                </a:solidFill>
+                <a:latin typeface="Segoe UI Light" panose="020B0502040204020203" pitchFamily="34" charset="0"/>
+                <a:cs typeface="Segoe UI Light" panose="020B0502040204020203" pitchFamily="34" charset="0"/>
+              </a:rPr>
+              <a:t>www.typescriptlang.org</a:t>
+            </a:r>
+            <a:endParaRPr lang="en-US" sz="1100" dirty="0">
+              <a:solidFill>
+                <a:srgbClr val="FFFF00"/>
+              </a:solidFill>
+              <a:latin typeface="Segoe UI Light" panose="020B0502040204020203" pitchFamily="34" charset="0"/>
+              <a:cs typeface="Segoe UI Light" panose="020B0502040204020203" pitchFamily="34" charset="0"/>
+            </a:endParaRPr>
+          </a:p>
+        </p:txBody>
+      </p:sp>
+      <p:sp>
+        <p:nvSpPr>
+          <p:cNvPr id="11" name="TextBox 10"/>
+          <p:cNvSpPr txBox="1"/>
+          <p:nvPr/>
+        </p:nvSpPr>
+        <p:spPr>
+          <a:xfrm>
+            <a:off x="1045028" y="1526721"/>
+            <a:ext cx="9375321" cy="1692771"/>
+          </a:xfrm>
+          <a:prstGeom prst="rect">
+            <a:avLst/>
+          </a:prstGeom>
+          <a:noFill/>
+        </p:spPr>
+        <p:txBody>
+          <a:bodyPr wrap="square" rtlCol="0">
+            <a:spAutoFit/>
+          </a:bodyPr>
+          <a:lstStyle/>
+          <a:p>
+            <a:pPr marL="285750" indent="-285750">
+              <a:buClr>
+                <a:srgbClr val="FFFF00"/>
+              </a:buClr>
+              <a:buFont typeface="Arial" panose="020B0604020202020204" pitchFamily="34" charset="0"/>
+              <a:buChar char="•"/>
+            </a:pPr>
+            <a:r>
+              <a:rPr lang="en-US" dirty="0" smtClean="0">
+                <a:solidFill>
+                  <a:schemeClr val="bg1"/>
+                </a:solidFill>
+                <a:latin typeface="Segoe UI Light" panose="020B0502040204020203" pitchFamily="34" charset="0"/>
+                <a:cs typeface="Segoe UI Light" panose="020B0502040204020203" pitchFamily="34" charset="0"/>
+              </a:rPr>
+              <a:t>Support two types of index signatures : </a:t>
+            </a:r>
+            <a:r>
+              <a:rPr lang="en-US" i="1" dirty="0" smtClean="0">
+                <a:solidFill>
+                  <a:srgbClr val="FFFF00"/>
+                </a:solidFill>
+                <a:latin typeface="Segoe UI Light" panose="020B0502040204020203" pitchFamily="34" charset="0"/>
+                <a:cs typeface="Segoe UI Light" panose="020B0502040204020203" pitchFamily="34" charset="0"/>
+              </a:rPr>
+              <a:t>string</a:t>
+            </a:r>
+            <a:r>
+              <a:rPr lang="en-US" i="1" dirty="0" smtClean="0">
+                <a:solidFill>
+                  <a:schemeClr val="bg1"/>
+                </a:solidFill>
+                <a:latin typeface="Segoe UI Light" panose="020B0502040204020203" pitchFamily="34" charset="0"/>
+                <a:cs typeface="Segoe UI Light" panose="020B0502040204020203" pitchFamily="34" charset="0"/>
+              </a:rPr>
+              <a:t> &amp; </a:t>
+            </a:r>
+            <a:r>
+              <a:rPr lang="en-US" i="1" dirty="0" smtClean="0">
+                <a:solidFill>
+                  <a:srgbClr val="FFFF00"/>
+                </a:solidFill>
+                <a:latin typeface="Segoe UI Light" panose="020B0502040204020203" pitchFamily="34" charset="0"/>
+                <a:cs typeface="Segoe UI Light" panose="020B0502040204020203" pitchFamily="34" charset="0"/>
+              </a:rPr>
+              <a:t>number</a:t>
+            </a:r>
+          </a:p>
+          <a:p>
+            <a:pPr marL="285750" indent="-285750">
+              <a:buClr>
+                <a:srgbClr val="FFFF00"/>
+              </a:buClr>
+              <a:buFont typeface="Arial" panose="020B0604020202020204" pitchFamily="34" charset="0"/>
+              <a:buChar char="•"/>
+            </a:pPr>
+            <a:endParaRPr lang="en-US" i="1" dirty="0">
+              <a:solidFill>
+                <a:srgbClr val="FFFF00"/>
+              </a:solidFill>
+              <a:latin typeface="Segoe UI Light" panose="020B0502040204020203" pitchFamily="34" charset="0"/>
+              <a:cs typeface="Segoe UI Light" panose="020B0502040204020203" pitchFamily="34" charset="0"/>
+            </a:endParaRPr>
+          </a:p>
+          <a:p>
+            <a:pPr marL="285750" indent="-285750">
+              <a:buClr>
+                <a:srgbClr val="FFFF00"/>
+              </a:buClr>
+              <a:buFont typeface="Arial" panose="020B0604020202020204" pitchFamily="34" charset="0"/>
+              <a:buChar char="•"/>
+            </a:pPr>
+            <a:r>
+              <a:rPr lang="en-US" dirty="0" smtClean="0">
+                <a:solidFill>
+                  <a:schemeClr val="bg1"/>
+                </a:solidFill>
+                <a:latin typeface="Segoe UI Light" panose="020B0502040204020203" pitchFamily="34" charset="0"/>
+                <a:cs typeface="Segoe UI Light" panose="020B0502040204020203" pitchFamily="34" charset="0"/>
+              </a:rPr>
+              <a:t>Possible to suppoer both types of indexers</a:t>
+            </a:r>
+          </a:p>
+          <a:p>
+            <a:pPr marL="742950" lvl="1" indent="-285750">
+              <a:buClr>
+                <a:srgbClr val="FFFF00"/>
+              </a:buClr>
+              <a:buFont typeface="Wingdings" panose="05000000000000000000" pitchFamily="2" charset="2"/>
+              <a:buChar char="§"/>
+            </a:pPr>
+            <a:r>
+              <a:rPr lang="en-US" sz="1400" dirty="0" smtClean="0">
+                <a:solidFill>
+                  <a:srgbClr val="FFFF00"/>
+                </a:solidFill>
+                <a:latin typeface="Segoe UI Light" panose="020B0502040204020203" pitchFamily="34" charset="0"/>
+                <a:cs typeface="Segoe UI Light" panose="020B0502040204020203" pitchFamily="34" charset="0"/>
+              </a:rPr>
+              <a:t>The type returned from a </a:t>
+            </a:r>
+            <a:r>
+              <a:rPr lang="en-US" sz="1400" i="1" u="sng" dirty="0" smtClean="0">
+                <a:solidFill>
+                  <a:srgbClr val="FFFF00"/>
+                </a:solidFill>
+                <a:latin typeface="Segoe UI Light" panose="020B0502040204020203" pitchFamily="34" charset="0"/>
+                <a:cs typeface="Segoe UI Light" panose="020B0502040204020203" pitchFamily="34" charset="0"/>
+              </a:rPr>
+              <a:t>number</a:t>
+            </a:r>
+            <a:r>
+              <a:rPr lang="en-US" sz="1400" dirty="0" smtClean="0">
+                <a:solidFill>
+                  <a:srgbClr val="FFFF00"/>
+                </a:solidFill>
+                <a:latin typeface="Segoe UI Light" panose="020B0502040204020203" pitchFamily="34" charset="0"/>
+                <a:cs typeface="Segoe UI Light" panose="020B0502040204020203" pitchFamily="34" charset="0"/>
+              </a:rPr>
+              <a:t> indexer must be a subtype of the type returned from </a:t>
+            </a:r>
+            <a:r>
+              <a:rPr lang="en-US" sz="1400" i="1" u="sng" dirty="0" smtClean="0">
+                <a:solidFill>
+                  <a:srgbClr val="FFFF00"/>
+                </a:solidFill>
+                <a:latin typeface="Segoe UI Light" panose="020B0502040204020203" pitchFamily="34" charset="0"/>
+                <a:cs typeface="Segoe UI Light" panose="020B0502040204020203" pitchFamily="34" charset="0"/>
+              </a:rPr>
+              <a:t>string</a:t>
+            </a:r>
+            <a:r>
+              <a:rPr lang="en-US" sz="1400" dirty="0" smtClean="0">
+                <a:solidFill>
+                  <a:srgbClr val="FFFF00"/>
+                </a:solidFill>
+                <a:latin typeface="Segoe UI Light" panose="020B0502040204020203" pitchFamily="34" charset="0"/>
+                <a:cs typeface="Segoe UI Light" panose="020B0502040204020203" pitchFamily="34" charset="0"/>
+              </a:rPr>
+              <a:t> indexer</a:t>
+            </a:r>
+            <a:endParaRPr lang="en-US" sz="1400" dirty="0">
+              <a:solidFill>
+                <a:srgbClr val="FFFF00"/>
+              </a:solidFill>
+              <a:latin typeface="Segoe UI Light" panose="020B0502040204020203" pitchFamily="34" charset="0"/>
+              <a:cs typeface="Segoe UI Light" panose="020B0502040204020203" pitchFamily="34" charset="0"/>
+            </a:endParaRPr>
+          </a:p>
+          <a:p>
+            <a:pPr marL="285750" indent="-285750">
+              <a:buClr>
+                <a:srgbClr val="FFFF00"/>
+              </a:buClr>
+              <a:buFont typeface="Arial" panose="020B0604020202020204" pitchFamily="34" charset="0"/>
+              <a:buChar char="•"/>
+            </a:pPr>
+            <a:endParaRPr lang="en-US" dirty="0" smtClean="0">
+              <a:solidFill>
+                <a:schemeClr val="bg1"/>
+              </a:solidFill>
+              <a:latin typeface="Segoe UI Light" panose="020B0502040204020203" pitchFamily="34" charset="0"/>
+              <a:cs typeface="Segoe UI Light" panose="020B0502040204020203" pitchFamily="34" charset="0"/>
+            </a:endParaRPr>
+          </a:p>
+          <a:p>
+            <a:pPr>
+              <a:buClr>
+                <a:srgbClr val="FFFF00"/>
+              </a:buClr>
+            </a:pPr>
+            <a:endParaRPr lang="en-US" dirty="0" smtClean="0">
+              <a:solidFill>
+                <a:schemeClr val="bg1"/>
+              </a:solidFill>
+              <a:latin typeface="Segoe UI Light" panose="020B0502040204020203" pitchFamily="34" charset="0"/>
+              <a:cs typeface="Segoe UI Light" panose="020B0502040204020203" pitchFamily="34" charset="0"/>
+            </a:endParaRPr>
+          </a:p>
+        </p:txBody>
+      </p:sp>
+      <p:pic>
+        <p:nvPicPr>
+          <p:cNvPr id="2" name="Picture 1"/>
+          <p:cNvPicPr>
+            <a:picLocks noChangeAspect="1"/>
+          </p:cNvPicPr>
+          <p:nvPr/>
+        </p:nvPicPr>
+        <p:blipFill>
+          <a:blip r:embed="rId3"/>
+          <a:stretch>
+            <a:fillRect/>
+          </a:stretch>
+        </p:blipFill>
+        <p:spPr>
+          <a:xfrm>
+            <a:off x="1045028" y="3923224"/>
+            <a:ext cx="2247900" cy="752475"/>
+          </a:xfrm>
+          <a:prstGeom prst="rect">
+            <a:avLst/>
+          </a:prstGeom>
+        </p:spPr>
+      </p:pic>
+      <p:pic>
+        <p:nvPicPr>
+          <p:cNvPr id="3" name="Picture 2"/>
+          <p:cNvPicPr>
+            <a:picLocks noChangeAspect="1"/>
+          </p:cNvPicPr>
+          <p:nvPr/>
+        </p:nvPicPr>
+        <p:blipFill>
+          <a:blip r:embed="rId4"/>
+          <a:stretch>
+            <a:fillRect/>
+          </a:stretch>
+        </p:blipFill>
+        <p:spPr>
+          <a:xfrm>
+            <a:off x="4542063" y="3106535"/>
+            <a:ext cx="2381250" cy="495300"/>
+          </a:xfrm>
+          <a:prstGeom prst="rect">
+            <a:avLst/>
+          </a:prstGeom>
+        </p:spPr>
+      </p:pic>
+      <p:pic>
+        <p:nvPicPr>
+          <p:cNvPr id="4" name="Picture 3"/>
+          <p:cNvPicPr>
+            <a:picLocks noChangeAspect="1"/>
+          </p:cNvPicPr>
+          <p:nvPr/>
+        </p:nvPicPr>
+        <p:blipFill>
+          <a:blip r:embed="rId5"/>
+          <a:stretch>
+            <a:fillRect/>
+          </a:stretch>
+        </p:blipFill>
+        <p:spPr>
+          <a:xfrm>
+            <a:off x="4542063" y="4536545"/>
+            <a:ext cx="2314575" cy="981075"/>
+          </a:xfrm>
+          <a:prstGeom prst="rect">
+            <a:avLst/>
+          </a:prstGeom>
+        </p:spPr>
+      </p:pic>
+      <p:cxnSp>
+        <p:nvCxnSpPr>
+          <p:cNvPr id="7" name="Straight Arrow Connector 6"/>
+          <p:cNvCxnSpPr>
+            <a:stCxn id="2" idx="3"/>
+            <a:endCxn id="3" idx="1"/>
+          </p:cNvCxnSpPr>
+          <p:nvPr/>
+        </p:nvCxnSpPr>
+        <p:spPr>
+          <a:xfrm flipV="1">
+            <a:off x="3292928" y="3354185"/>
+            <a:ext cx="1249135" cy="945277"/>
+          </a:xfrm>
+          <a:prstGeom prst="straightConnector1">
+            <a:avLst/>
+          </a:prstGeom>
+          <a:ln>
+            <a:solidFill>
+              <a:srgbClr val="FFFF00"/>
+            </a:solidFill>
+            <a:tailEnd type="triangle"/>
+          </a:ln>
+        </p:spPr>
+        <p:style>
+          <a:lnRef idx="1">
+            <a:schemeClr val="accent1"/>
+          </a:lnRef>
+          <a:fillRef idx="0">
+            <a:schemeClr val="accent1"/>
+          </a:fillRef>
+          <a:effectRef idx="0">
+            <a:schemeClr val="accent1"/>
+          </a:effectRef>
+          <a:fontRef idx="minor">
+            <a:schemeClr val="tx1"/>
+          </a:fontRef>
+        </p:style>
+      </p:cxnSp>
+      <p:cxnSp>
+        <p:nvCxnSpPr>
+          <p:cNvPr id="13" name="Straight Arrow Connector 12"/>
+          <p:cNvCxnSpPr>
+            <a:stCxn id="2" idx="3"/>
+            <a:endCxn id="4" idx="1"/>
+          </p:cNvCxnSpPr>
+          <p:nvPr/>
+        </p:nvCxnSpPr>
+        <p:spPr>
+          <a:xfrm>
+            <a:off x="3292928" y="4299462"/>
+            <a:ext cx="1249135" cy="727621"/>
+          </a:xfrm>
+          <a:prstGeom prst="straightConnector1">
+            <a:avLst/>
+          </a:prstGeom>
+          <a:ln>
+            <a:solidFill>
+              <a:srgbClr val="FFFF00"/>
+            </a:solidFill>
+            <a:tailEnd type="triangle"/>
+          </a:ln>
+        </p:spPr>
+        <p:style>
+          <a:lnRef idx="1">
+            <a:schemeClr val="accent1"/>
+          </a:lnRef>
+          <a:fillRef idx="0">
+            <a:schemeClr val="accent1"/>
+          </a:fillRef>
+          <a:effectRef idx="0">
+            <a:schemeClr val="accent1"/>
+          </a:effectRef>
+          <a:fontRef idx="minor">
+            <a:schemeClr val="tx1"/>
+          </a:fontRef>
+        </p:style>
+      </p:cxnSp>
+      <p:cxnSp>
+        <p:nvCxnSpPr>
+          <p:cNvPr id="17" name="Straight Arrow Connector 16"/>
+          <p:cNvCxnSpPr>
+            <a:stCxn id="3" idx="3"/>
+          </p:cNvCxnSpPr>
+          <p:nvPr/>
+        </p:nvCxnSpPr>
+        <p:spPr>
+          <a:xfrm>
+            <a:off x="6923313" y="3354185"/>
+            <a:ext cx="1026368" cy="0"/>
+          </a:xfrm>
+          <a:prstGeom prst="straightConnector1">
+            <a:avLst/>
+          </a:prstGeom>
+          <a:ln>
+            <a:solidFill>
+              <a:srgbClr val="FFFF00"/>
+            </a:solidFill>
+            <a:tailEnd type="triangle"/>
+          </a:ln>
+        </p:spPr>
+        <p:style>
+          <a:lnRef idx="1">
+            <a:schemeClr val="accent1"/>
+          </a:lnRef>
+          <a:fillRef idx="0">
+            <a:schemeClr val="accent1"/>
+          </a:fillRef>
+          <a:effectRef idx="0">
+            <a:schemeClr val="accent1"/>
+          </a:effectRef>
+          <a:fontRef idx="minor">
+            <a:schemeClr val="tx1"/>
+          </a:fontRef>
+        </p:style>
+      </p:cxnSp>
+      <p:cxnSp>
+        <p:nvCxnSpPr>
+          <p:cNvPr id="21" name="Straight Arrow Connector 20"/>
+          <p:cNvCxnSpPr>
+            <a:stCxn id="4" idx="3"/>
+          </p:cNvCxnSpPr>
+          <p:nvPr/>
+        </p:nvCxnSpPr>
+        <p:spPr>
+          <a:xfrm flipV="1">
+            <a:off x="6856638" y="5027082"/>
+            <a:ext cx="1093043" cy="1"/>
+          </a:xfrm>
+          <a:prstGeom prst="straightConnector1">
+            <a:avLst/>
+          </a:prstGeom>
+          <a:ln>
+            <a:solidFill>
+              <a:srgbClr val="FFFF00"/>
+            </a:solidFill>
+            <a:tailEnd type="triangle"/>
+          </a:ln>
+        </p:spPr>
+        <p:style>
+          <a:lnRef idx="1">
+            <a:schemeClr val="accent1"/>
+          </a:lnRef>
+          <a:fillRef idx="0">
+            <a:schemeClr val="accent1"/>
+          </a:fillRef>
+          <a:effectRef idx="0">
+            <a:schemeClr val="accent1"/>
+          </a:effectRef>
+          <a:fontRef idx="minor">
+            <a:schemeClr val="tx1"/>
+          </a:fontRef>
+        </p:style>
+      </p:cxnSp>
+      <p:pic>
+        <p:nvPicPr>
+          <p:cNvPr id="25" name="Picture 24"/>
+          <p:cNvPicPr>
+            <a:picLocks noChangeAspect="1"/>
+          </p:cNvPicPr>
+          <p:nvPr/>
+        </p:nvPicPr>
+        <p:blipFill>
+          <a:blip r:embed="rId6"/>
+          <a:stretch>
+            <a:fillRect/>
+          </a:stretch>
+        </p:blipFill>
+        <p:spPr>
+          <a:xfrm>
+            <a:off x="7943462" y="2825547"/>
+            <a:ext cx="2590800" cy="1057275"/>
+          </a:xfrm>
+          <a:prstGeom prst="rect">
+            <a:avLst/>
+          </a:prstGeom>
+        </p:spPr>
+      </p:pic>
+      <p:pic>
+        <p:nvPicPr>
+          <p:cNvPr id="26" name="Picture 25"/>
+          <p:cNvPicPr>
+            <a:picLocks noChangeAspect="1"/>
+          </p:cNvPicPr>
+          <p:nvPr/>
+        </p:nvPicPr>
+        <p:blipFill>
+          <a:blip r:embed="rId7"/>
+          <a:stretch>
+            <a:fillRect/>
+          </a:stretch>
+        </p:blipFill>
+        <p:spPr>
+          <a:xfrm>
+            <a:off x="7943462" y="4649135"/>
+            <a:ext cx="2714625" cy="733425"/>
+          </a:xfrm>
+          <a:prstGeom prst="rect">
+            <a:avLst/>
+          </a:prstGeom>
+        </p:spPr>
+      </p:pic>
+    </p:spTree>
+    <p:extLst>
+      <p:ext uri="{BB962C8B-B14F-4D97-AF65-F5344CB8AC3E}">
+        <p14:creationId xmlns:p14="http://schemas.microsoft.com/office/powerpoint/2010/main" val="3273959644"/>
+      </p:ext>
+    </p:extLst>
+  </p:cSld>
+  <p:clrMapOvr>
+    <a:masterClrMapping/>
+  </p:clrMapOvr>
+  <p:timing>
+    <p:tnLst>
+      <p:par>
+        <p:cTn id="1" dur="indefinite" restart="never" nodeType="tmRoot">
+          <p:childTnLst>
+            <p:seq concurrent="1" nextAc="seek">
+              <p:cTn id="2" dur="indefinite" nodeType="mainSeq">
+                <p:childTnLst>
+                  <p:par>
+                    <p:cTn id="3" fill="hold">
+                      <p:stCondLst>
+                        <p:cond delay="indefinite"/>
+                      </p:stCondLst>
+                      <p:childTnLst>
+                        <p:par>
+                          <p:cTn id="4" fill="hold">
+                            <p:stCondLst>
+                              <p:cond delay="0"/>
+                            </p:stCondLst>
+                            <p:childTnLst>
+                              <p:par>
+                                <p:cTn id="5" presetID="1" presetClass="entr" presetSubtype="0" fill="hold" nodeType="clickEffect">
+                                  <p:stCondLst>
+                                    <p:cond delay="0"/>
+                                  </p:stCondLst>
+                                  <p:childTnLst>
+                                    <p:set>
+                                      <p:cBhvr>
+                                        <p:cTn id="6" dur="1" fill="hold">
+                                          <p:stCondLst>
+                                            <p:cond delay="0"/>
+                                          </p:stCondLst>
+                                        </p:cTn>
+                                        <p:tgtEl>
+                                          <p:spTgt spid="11">
+                                            <p:txEl>
+                                              <p:pRg st="0" end="0"/>
+                                            </p:txEl>
+                                          </p:spTgt>
+                                        </p:tgtEl>
+                                        <p:attrNameLst>
+                                          <p:attrName>style.visibility</p:attrName>
+                                        </p:attrNameLst>
+                                      </p:cBhvr>
+                                      <p:to>
+                                        <p:strVal val="visible"/>
+                                      </p:to>
+                                    </p:set>
+                                  </p:childTnLst>
+                                </p:cTn>
+                              </p:par>
+                              <p:par>
+                                <p:cTn id="7" presetID="1" presetClass="entr" presetSubtype="0" fill="hold" nodeType="withEffect">
+                                  <p:stCondLst>
+                                    <p:cond delay="0"/>
+                                  </p:stCondLst>
+                                  <p:childTnLst>
+                                    <p:set>
+                                      <p:cBhvr>
+                                        <p:cTn id="8" dur="1" fill="hold">
+                                          <p:stCondLst>
+                                            <p:cond delay="0"/>
+                                          </p:stCondLst>
+                                        </p:cTn>
+                                        <p:tgtEl>
+                                          <p:spTgt spid="11">
+                                            <p:txEl>
+                                              <p:pRg st="2" end="2"/>
+                                            </p:txEl>
+                                          </p:spTgt>
+                                        </p:tgtEl>
+                                        <p:attrNameLst>
+                                          <p:attrName>style.visibility</p:attrName>
+                                        </p:attrNameLst>
+                                      </p:cBhvr>
+                                      <p:to>
+                                        <p:strVal val="visible"/>
+                                      </p:to>
+                                    </p:set>
+                                  </p:childTnLst>
+                                </p:cTn>
+                              </p:par>
+                              <p:par>
+                                <p:cTn id="9" presetID="1" presetClass="entr" presetSubtype="0" fill="hold" nodeType="withEffect">
+                                  <p:stCondLst>
+                                    <p:cond delay="0"/>
+                                  </p:stCondLst>
+                                  <p:childTnLst>
+                                    <p:set>
+                                      <p:cBhvr>
+                                        <p:cTn id="10" dur="1" fill="hold">
+                                          <p:stCondLst>
+                                            <p:cond delay="0"/>
+                                          </p:stCondLst>
+                                        </p:cTn>
+                                        <p:tgtEl>
+                                          <p:spTgt spid="11">
+                                            <p:txEl>
+                                              <p:pRg st="3" end="3"/>
+                                            </p:txEl>
+                                          </p:spTgt>
+                                        </p:tgtEl>
+                                        <p:attrNameLst>
+                                          <p:attrName>style.visibility</p:attrName>
+                                        </p:attrNameLst>
+                                      </p:cBhvr>
+                                      <p:to>
+                                        <p:strVal val="visible"/>
+                                      </p:to>
+                                    </p:set>
+                                  </p:childTnLst>
+                                </p:cTn>
+                              </p:par>
+                            </p:childTnLst>
+                          </p:cTn>
+                        </p:par>
+                      </p:childTnLst>
+                    </p:cTn>
+                  </p:par>
+                  <p:par>
+                    <p:cTn id="11" fill="hold">
+                      <p:stCondLst>
+                        <p:cond delay="indefinite"/>
+                      </p:stCondLst>
+                      <p:childTnLst>
+                        <p:par>
+                          <p:cTn id="12" fill="hold">
+                            <p:stCondLst>
+                              <p:cond delay="0"/>
+                            </p:stCondLst>
+                            <p:childTnLst>
+                              <p:par>
+                                <p:cTn id="13" presetID="1" presetClass="entr" presetSubtype="0" fill="hold" nodeType="clickEffect">
+                                  <p:stCondLst>
+                                    <p:cond delay="0"/>
+                                  </p:stCondLst>
+                                  <p:childTnLst>
+                                    <p:set>
+                                      <p:cBhvr>
+                                        <p:cTn id="14" dur="1" fill="hold">
+                                          <p:stCondLst>
+                                            <p:cond delay="0"/>
+                                          </p:stCondLst>
+                                        </p:cTn>
+                                        <p:tgtEl>
+                                          <p:spTgt spid="2"/>
+                                        </p:tgtEl>
+                                        <p:attrNameLst>
+                                          <p:attrName>style.visibility</p:attrName>
+                                        </p:attrNameLst>
+                                      </p:cBhvr>
+                                      <p:to>
+                                        <p:strVal val="visible"/>
+                                      </p:to>
+                                    </p:set>
+                                  </p:childTnLst>
+                                </p:cTn>
+                              </p:par>
+                            </p:childTnLst>
+                          </p:cTn>
+                        </p:par>
+                      </p:childTnLst>
+                    </p:cTn>
+                  </p:par>
+                  <p:par>
+                    <p:cTn id="15" fill="hold">
+                      <p:stCondLst>
+                        <p:cond delay="indefinite"/>
+                      </p:stCondLst>
+                      <p:childTnLst>
+                        <p:par>
+                          <p:cTn id="16" fill="hold">
+                            <p:stCondLst>
+                              <p:cond delay="0"/>
+                            </p:stCondLst>
+                            <p:childTnLst>
+                              <p:par>
+                                <p:cTn id="17" presetID="10" presetClass="entr" presetSubtype="0" fill="hold" nodeType="clickEffect">
+                                  <p:stCondLst>
+                                    <p:cond delay="0"/>
+                                  </p:stCondLst>
+                                  <p:childTnLst>
+                                    <p:set>
+                                      <p:cBhvr>
+                                        <p:cTn id="18" dur="1" fill="hold">
+                                          <p:stCondLst>
+                                            <p:cond delay="0"/>
+                                          </p:stCondLst>
+                                        </p:cTn>
+                                        <p:tgtEl>
+                                          <p:spTgt spid="7"/>
+                                        </p:tgtEl>
+                                        <p:attrNameLst>
+                                          <p:attrName>style.visibility</p:attrName>
+                                        </p:attrNameLst>
+                                      </p:cBhvr>
+                                      <p:to>
+                                        <p:strVal val="visible"/>
+                                      </p:to>
+                                    </p:set>
+                                    <p:animEffect transition="in" filter="fade">
+                                      <p:cBhvr>
+                                        <p:cTn id="19" dur="500"/>
+                                        <p:tgtEl>
+                                          <p:spTgt spid="7"/>
+                                        </p:tgtEl>
+                                      </p:cBhvr>
+                                    </p:animEffect>
+                                  </p:childTnLst>
+                                </p:cTn>
+                              </p:par>
+                              <p:par>
+                                <p:cTn id="20" presetID="10" presetClass="entr" presetSubtype="0" fill="hold" nodeType="withEffect">
+                                  <p:stCondLst>
+                                    <p:cond delay="0"/>
+                                  </p:stCondLst>
+                                  <p:childTnLst>
+                                    <p:set>
+                                      <p:cBhvr>
+                                        <p:cTn id="21" dur="1" fill="hold">
+                                          <p:stCondLst>
+                                            <p:cond delay="0"/>
+                                          </p:stCondLst>
+                                        </p:cTn>
+                                        <p:tgtEl>
+                                          <p:spTgt spid="3"/>
+                                        </p:tgtEl>
+                                        <p:attrNameLst>
+                                          <p:attrName>style.visibility</p:attrName>
+                                        </p:attrNameLst>
+                                      </p:cBhvr>
+                                      <p:to>
+                                        <p:strVal val="visible"/>
+                                      </p:to>
+                                    </p:set>
+                                    <p:animEffect transition="in" filter="fade">
+                                      <p:cBhvr>
+                                        <p:cTn id="22" dur="500"/>
+                                        <p:tgtEl>
+                                          <p:spTgt spid="3"/>
+                                        </p:tgtEl>
+                                      </p:cBhvr>
+                                    </p:animEffect>
+                                  </p:childTnLst>
+                                </p:cTn>
+                              </p:par>
+                            </p:childTnLst>
+                          </p:cTn>
+                        </p:par>
+                      </p:childTnLst>
+                    </p:cTn>
+                  </p:par>
+                  <p:par>
+                    <p:cTn id="23" fill="hold">
+                      <p:stCondLst>
+                        <p:cond delay="indefinite"/>
+                      </p:stCondLst>
+                      <p:childTnLst>
+                        <p:par>
+                          <p:cTn id="24" fill="hold">
+                            <p:stCondLst>
+                              <p:cond delay="0"/>
+                            </p:stCondLst>
+                            <p:childTnLst>
+                              <p:par>
+                                <p:cTn id="25" presetID="10" presetClass="entr" presetSubtype="0" fill="hold" nodeType="clickEffect">
+                                  <p:stCondLst>
+                                    <p:cond delay="0"/>
+                                  </p:stCondLst>
+                                  <p:childTnLst>
+                                    <p:set>
+                                      <p:cBhvr>
+                                        <p:cTn id="26" dur="1" fill="hold">
+                                          <p:stCondLst>
+                                            <p:cond delay="0"/>
+                                          </p:stCondLst>
+                                        </p:cTn>
+                                        <p:tgtEl>
+                                          <p:spTgt spid="17"/>
+                                        </p:tgtEl>
+                                        <p:attrNameLst>
+                                          <p:attrName>style.visibility</p:attrName>
+                                        </p:attrNameLst>
+                                      </p:cBhvr>
+                                      <p:to>
+                                        <p:strVal val="visible"/>
+                                      </p:to>
+                                    </p:set>
+                                    <p:animEffect transition="in" filter="fade">
+                                      <p:cBhvr>
+                                        <p:cTn id="27" dur="500"/>
+                                        <p:tgtEl>
+                                          <p:spTgt spid="17"/>
+                                        </p:tgtEl>
+                                      </p:cBhvr>
+                                    </p:animEffect>
+                                  </p:childTnLst>
+                                </p:cTn>
+                              </p:par>
+                              <p:par>
+                                <p:cTn id="28" presetID="10" presetClass="entr" presetSubtype="0" fill="hold" nodeType="withEffect">
+                                  <p:stCondLst>
+                                    <p:cond delay="0"/>
+                                  </p:stCondLst>
+                                  <p:childTnLst>
+                                    <p:set>
+                                      <p:cBhvr>
+                                        <p:cTn id="29" dur="1" fill="hold">
+                                          <p:stCondLst>
+                                            <p:cond delay="0"/>
+                                          </p:stCondLst>
+                                        </p:cTn>
+                                        <p:tgtEl>
+                                          <p:spTgt spid="25"/>
+                                        </p:tgtEl>
+                                        <p:attrNameLst>
+                                          <p:attrName>style.visibility</p:attrName>
+                                        </p:attrNameLst>
+                                      </p:cBhvr>
+                                      <p:to>
+                                        <p:strVal val="visible"/>
+                                      </p:to>
+                                    </p:set>
+                                    <p:animEffect transition="in" filter="fade">
+                                      <p:cBhvr>
+                                        <p:cTn id="30" dur="500"/>
+                                        <p:tgtEl>
+                                          <p:spTgt spid="25"/>
+                                        </p:tgtEl>
+                                      </p:cBhvr>
+                                    </p:animEffect>
+                                  </p:childTnLst>
+                                </p:cTn>
+                              </p:par>
+                            </p:childTnLst>
+                          </p:cTn>
+                        </p:par>
+                      </p:childTnLst>
+                    </p:cTn>
+                  </p:par>
+                  <p:par>
+                    <p:cTn id="31" fill="hold">
+                      <p:stCondLst>
+                        <p:cond delay="indefinite"/>
+                      </p:stCondLst>
+                      <p:childTnLst>
+                        <p:par>
+                          <p:cTn id="32" fill="hold">
+                            <p:stCondLst>
+                              <p:cond delay="0"/>
+                            </p:stCondLst>
+                            <p:childTnLst>
+                              <p:par>
+                                <p:cTn id="33" presetID="1" presetClass="entr" presetSubtype="0" fill="hold" nodeType="clickEffect">
+                                  <p:stCondLst>
+                                    <p:cond delay="0"/>
+                                  </p:stCondLst>
+                                  <p:childTnLst>
+                                    <p:set>
+                                      <p:cBhvr>
+                                        <p:cTn id="34" dur="1" fill="hold">
+                                          <p:stCondLst>
+                                            <p:cond delay="0"/>
+                                          </p:stCondLst>
+                                        </p:cTn>
+                                        <p:tgtEl>
+                                          <p:spTgt spid="4"/>
+                                        </p:tgtEl>
+                                        <p:attrNameLst>
+                                          <p:attrName>style.visibility</p:attrName>
+                                        </p:attrNameLst>
+                                      </p:cBhvr>
+                                      <p:to>
+                                        <p:strVal val="visible"/>
+                                      </p:to>
+                                    </p:set>
+                                  </p:childTnLst>
+                                </p:cTn>
+                              </p:par>
+                              <p:par>
+                                <p:cTn id="35" presetID="1" presetClass="entr" presetSubtype="0" fill="hold" nodeType="withEffect">
+                                  <p:stCondLst>
+                                    <p:cond delay="0"/>
+                                  </p:stCondLst>
+                                  <p:childTnLst>
+                                    <p:set>
+                                      <p:cBhvr>
+                                        <p:cTn id="36" dur="1" fill="hold">
+                                          <p:stCondLst>
+                                            <p:cond delay="0"/>
+                                          </p:stCondLst>
+                                        </p:cTn>
+                                        <p:tgtEl>
+                                          <p:spTgt spid="13"/>
+                                        </p:tgtEl>
+                                        <p:attrNameLst>
+                                          <p:attrName>style.visibility</p:attrName>
+                                        </p:attrNameLst>
+                                      </p:cBhvr>
+                                      <p:to>
+                                        <p:strVal val="visible"/>
+                                      </p:to>
+                                    </p:set>
+                                  </p:childTnLst>
+                                </p:cTn>
+                              </p:par>
+                            </p:childTnLst>
+                          </p:cTn>
+                        </p:par>
+                      </p:childTnLst>
+                    </p:cTn>
+                  </p:par>
+                  <p:par>
+                    <p:cTn id="37" fill="hold">
+                      <p:stCondLst>
+                        <p:cond delay="indefinite"/>
+                      </p:stCondLst>
+                      <p:childTnLst>
+                        <p:par>
+                          <p:cTn id="38" fill="hold">
+                            <p:stCondLst>
+                              <p:cond delay="0"/>
+                            </p:stCondLst>
+                            <p:childTnLst>
+                              <p:par>
+                                <p:cTn id="39" presetID="10" presetClass="entr" presetSubtype="0" fill="hold" nodeType="clickEffect">
+                                  <p:stCondLst>
+                                    <p:cond delay="0"/>
+                                  </p:stCondLst>
+                                  <p:childTnLst>
+                                    <p:set>
+                                      <p:cBhvr>
+                                        <p:cTn id="40" dur="1" fill="hold">
+                                          <p:stCondLst>
+                                            <p:cond delay="0"/>
+                                          </p:stCondLst>
+                                        </p:cTn>
+                                        <p:tgtEl>
+                                          <p:spTgt spid="26"/>
+                                        </p:tgtEl>
+                                        <p:attrNameLst>
+                                          <p:attrName>style.visibility</p:attrName>
+                                        </p:attrNameLst>
+                                      </p:cBhvr>
+                                      <p:to>
+                                        <p:strVal val="visible"/>
+                                      </p:to>
+                                    </p:set>
+                                    <p:animEffect transition="in" filter="fade">
+                                      <p:cBhvr>
+                                        <p:cTn id="41" dur="500"/>
+                                        <p:tgtEl>
+                                          <p:spTgt spid="26"/>
+                                        </p:tgtEl>
+                                      </p:cBhvr>
+                                    </p:animEffect>
+                                  </p:childTnLst>
+                                </p:cTn>
+                              </p:par>
+                              <p:par>
+                                <p:cTn id="42" presetID="10" presetClass="entr" presetSubtype="0" fill="hold" nodeType="withEffect">
+                                  <p:stCondLst>
+                                    <p:cond delay="0"/>
+                                  </p:stCondLst>
+                                  <p:childTnLst>
+                                    <p:set>
+                                      <p:cBhvr>
+                                        <p:cTn id="43" dur="1" fill="hold">
+                                          <p:stCondLst>
+                                            <p:cond delay="0"/>
+                                          </p:stCondLst>
+                                        </p:cTn>
+                                        <p:tgtEl>
+                                          <p:spTgt spid="21"/>
+                                        </p:tgtEl>
+                                        <p:attrNameLst>
+                                          <p:attrName>style.visibility</p:attrName>
+                                        </p:attrNameLst>
+                                      </p:cBhvr>
+                                      <p:to>
+                                        <p:strVal val="visible"/>
+                                      </p:to>
+                                    </p:set>
+                                    <p:animEffect transition="in" filter="fade">
+                                      <p:cBhvr>
+                                        <p:cTn id="44" dur="500"/>
+                                        <p:tgtEl>
+                                          <p:spTgt spid="21"/>
+                                        </p:tgtEl>
+                                      </p:cBhvr>
+                                    </p:animEffect>
+                                  </p:childTnLst>
+                                </p:cTn>
+                              </p:par>
+                            </p:childTnLst>
+                          </p:cTn>
+                        </p:par>
+                      </p:childTnLst>
+                    </p:cTn>
+                  </p:par>
+                </p:childTnLst>
+              </p:cTn>
+              <p:prevCondLst>
+                <p:cond evt="onPrev" delay="0">
+                  <p:tgtEl>
+                    <p:sldTgt/>
+                  </p:tgtEl>
+                </p:cond>
+              </p:prevCondLst>
+              <p:nextCondLst>
+                <p:cond evt="onNext" delay="0">
+                  <p:tgtEl>
+                    <p:sldTgt/>
+                  </p:tgtEl>
+                </p:cond>
+              </p:nextCondLst>
+            </p:seq>
+          </p:childTnLst>
+        </p:cTn>
+      </p:par>
+    </p:tnLst>
+  </p:timing>
+</p:sld>
+</file>
+
+<file path=ppt/slides/slide11.xml><?xml version="1.0" encoding="utf-8"?>
+<p:sld xmlns:a="http://schemas.openxmlformats.org/drawingml/2006/main" xmlns:r="http://schemas.openxmlformats.org/officeDocument/2006/relationships" xmlns:p="http://schemas.openxmlformats.org/presentationml/2006/main">
+  <p:cSld>
+    <p:bg>
+      <p:bgPr>
+        <a:solidFill>
+          <a:schemeClr val="bg1"/>
+        </a:solidFill>
+        <a:effectLst/>
+      </p:bgPr>
+    </p:bg>
+    <p:spTree>
+      <p:nvGrpSpPr>
+        <p:cNvPr id="1" name=""/>
+        <p:cNvGrpSpPr/>
+        <p:nvPr/>
+      </p:nvGrpSpPr>
+      <p:grpSpPr>
+        <a:xfrm>
+          <a:off x="0" y="0"/>
+          <a:ext cx="0" cy="0"/>
+          <a:chOff x="0" y="0"/>
+          <a:chExt cx="0" cy="0"/>
+        </a:xfrm>
+      </p:grpSpPr>
+      <p:sp>
+        <p:nvSpPr>
+          <p:cNvPr id="6" name="Slide Number Placeholder 6"/>
+          <p:cNvSpPr>
+            <a:spLocks noGrp="1"/>
+          </p:cNvSpPr>
+          <p:nvPr>
+            <p:ph type="sldNum" sz="quarter" idx="12"/>
+          </p:nvPr>
+        </p:nvSpPr>
+        <p:spPr>
+          <a:xfrm>
+            <a:off x="10351008" y="292608"/>
+            <a:ext cx="838199" cy="767687"/>
+          </a:xfrm>
+        </p:spPr>
+        <p:txBody>
+          <a:bodyPr/>
+          <a:lstStyle/>
+          <a:p>
+            <a:r>
+              <a:rPr lang="en-US" dirty="0"/>
+              <a:t>8</a:t>
+            </a:r>
+          </a:p>
+        </p:txBody>
+      </p:sp>
+      <p:sp>
+        <p:nvSpPr>
+          <p:cNvPr id="8" name="TextBox 7"/>
+          <p:cNvSpPr txBox="1"/>
+          <p:nvPr/>
+        </p:nvSpPr>
+        <p:spPr>
+          <a:xfrm>
+            <a:off x="604448" y="537075"/>
+            <a:ext cx="9631233" cy="523220"/>
+          </a:xfrm>
+          <a:prstGeom prst="rect">
+            <a:avLst/>
+          </a:prstGeom>
+          <a:noFill/>
+        </p:spPr>
+        <p:txBody>
+          <a:bodyPr wrap="square" rtlCol="0">
+            <a:spAutoFit/>
+          </a:bodyPr>
+          <a:lstStyle/>
+          <a:p>
+            <a:r>
+              <a:rPr lang="en-US" sz="2800" dirty="0" smtClean="0">
+                <a:solidFill>
+                  <a:schemeClr val="bg1"/>
+                </a:solidFill>
+                <a:latin typeface="Segoe UI Light" panose="020B0502040204020203" pitchFamily="34" charset="0"/>
+                <a:cs typeface="Segoe UI Light" panose="020B0502040204020203" pitchFamily="34" charset="0"/>
+              </a:rPr>
+              <a:t>Features – </a:t>
+            </a:r>
+            <a:r>
+              <a:rPr lang="en-US" sz="2400" dirty="0" smtClean="0">
+                <a:solidFill>
+                  <a:schemeClr val="bg1"/>
+                </a:solidFill>
+                <a:latin typeface="Segoe UI Light" panose="020B0502040204020203" pitchFamily="34" charset="0"/>
+                <a:cs typeface="Segoe UI Light" panose="020B0502040204020203" pitchFamily="34" charset="0"/>
+              </a:rPr>
+              <a:t>Basics</a:t>
+            </a:r>
+            <a:r>
+              <a:rPr lang="en-US" sz="2400" dirty="0" smtClean="0">
+                <a:solidFill>
+                  <a:srgbClr val="FFFF00"/>
+                </a:solidFill>
+                <a:latin typeface="Segoe UI Light" panose="020B0502040204020203" pitchFamily="34" charset="0"/>
+                <a:cs typeface="Segoe UI Light" panose="020B0502040204020203" pitchFamily="34" charset="0"/>
+              </a:rPr>
+              <a:t> </a:t>
+            </a:r>
+            <a:r>
+              <a:rPr lang="en-US" sz="2400" dirty="0" smtClean="0">
+                <a:solidFill>
+                  <a:schemeClr val="bg1"/>
+                </a:solidFill>
+                <a:latin typeface="Segoe UI Light" panose="020B0502040204020203" pitchFamily="34" charset="0"/>
+                <a:cs typeface="Segoe UI Light" panose="020B0502040204020203" pitchFamily="34" charset="0"/>
+              </a:rPr>
+              <a:t>–</a:t>
+            </a:r>
+            <a:r>
+              <a:rPr lang="en-US" sz="2400" dirty="0" smtClean="0">
+                <a:solidFill>
+                  <a:srgbClr val="FFFF00"/>
+                </a:solidFill>
+                <a:latin typeface="Segoe UI Light" panose="020B0502040204020203" pitchFamily="34" charset="0"/>
+                <a:cs typeface="Segoe UI Light" panose="020B0502040204020203" pitchFamily="34" charset="0"/>
+              </a:rPr>
+              <a:t> </a:t>
+            </a:r>
+            <a:r>
+              <a:rPr lang="en-US" sz="1600" dirty="0" smtClean="0">
+                <a:solidFill>
+                  <a:srgbClr val="FFFF00"/>
+                </a:solidFill>
+                <a:latin typeface="Segoe UI Light" panose="020B0502040204020203" pitchFamily="34" charset="0"/>
+                <a:cs typeface="Segoe UI Light" panose="020B0502040204020203" pitchFamily="34" charset="0"/>
+              </a:rPr>
+              <a:t>Classes</a:t>
+            </a:r>
+            <a:endParaRPr lang="en-US" sz="1600" dirty="0">
+              <a:solidFill>
+                <a:srgbClr val="FFFF00"/>
+              </a:solidFill>
+              <a:latin typeface="Segoe UI Light" panose="020B0502040204020203" pitchFamily="34" charset="0"/>
+              <a:cs typeface="Segoe UI Light" panose="020B0502040204020203" pitchFamily="34" charset="0"/>
+            </a:endParaRPr>
+          </a:p>
+        </p:txBody>
+      </p:sp>
+      <p:sp>
+        <p:nvSpPr>
+          <p:cNvPr id="10" name="TextBox 9"/>
+          <p:cNvSpPr txBox="1"/>
+          <p:nvPr/>
+        </p:nvSpPr>
+        <p:spPr>
+          <a:xfrm>
+            <a:off x="1045029" y="1526721"/>
+            <a:ext cx="3390900" cy="646331"/>
+          </a:xfrm>
+          <a:prstGeom prst="rect">
+            <a:avLst/>
+          </a:prstGeom>
+          <a:noFill/>
+        </p:spPr>
+        <p:txBody>
+          <a:bodyPr wrap="square" rtlCol="0">
+            <a:spAutoFit/>
+          </a:bodyPr>
+          <a:lstStyle/>
+          <a:p>
+            <a:pPr>
+              <a:buClr>
+                <a:srgbClr val="FFFF00"/>
+              </a:buClr>
+            </a:pPr>
+            <a:endParaRPr lang="en-US" dirty="0" smtClean="0">
+              <a:solidFill>
+                <a:schemeClr val="bg1"/>
+              </a:solidFill>
+              <a:latin typeface="Segoe UI Light" panose="020B0502040204020203" pitchFamily="34" charset="0"/>
+              <a:cs typeface="Segoe UI Light" panose="020B0502040204020203" pitchFamily="34" charset="0"/>
+            </a:endParaRPr>
+          </a:p>
+          <a:p>
+            <a:pPr>
+              <a:buClr>
+                <a:srgbClr val="FFFF00"/>
+              </a:buClr>
+            </a:pPr>
+            <a:endParaRPr lang="en-US" dirty="0" smtClean="0">
+              <a:solidFill>
+                <a:schemeClr val="bg1"/>
+              </a:solidFill>
+              <a:latin typeface="Segoe UI Light" panose="020B0502040204020203" pitchFamily="34" charset="0"/>
+              <a:cs typeface="Segoe UI Light" panose="020B0502040204020203" pitchFamily="34" charset="0"/>
+            </a:endParaRPr>
+          </a:p>
+        </p:txBody>
+      </p:sp>
+      <p:sp>
+        <p:nvSpPr>
+          <p:cNvPr id="9" name="Title 1"/>
+          <p:cNvSpPr>
+            <a:spLocks noGrp="1"/>
+          </p:cNvSpPr>
+          <p:nvPr>
+            <p:ph type="ctrTitle"/>
+          </p:nvPr>
+        </p:nvSpPr>
+        <p:spPr>
+          <a:xfrm>
+            <a:off x="9377266" y="6148873"/>
+            <a:ext cx="2313992" cy="220543"/>
+          </a:xfrm>
+        </p:spPr>
+        <p:txBody>
+          <a:bodyPr/>
+          <a:lstStyle/>
+          <a:p>
+            <a:pPr algn="ctr"/>
+            <a:r>
+              <a:rPr lang="en-US" sz="1100" b="1" dirty="0" smtClean="0">
+                <a:latin typeface="Segoe UI Light" panose="020B0502040204020203" pitchFamily="34" charset="0"/>
+                <a:cs typeface="Segoe UI Light" panose="020B0502040204020203" pitchFamily="34" charset="0"/>
+              </a:rPr>
+              <a:t>Type</a:t>
+            </a:r>
+            <a:r>
+              <a:rPr lang="en-US" sz="1100" dirty="0" smtClean="0">
+                <a:latin typeface="Segoe UI Light" panose="020B0502040204020203" pitchFamily="34" charset="0"/>
+                <a:cs typeface="Segoe UI Light" panose="020B0502040204020203" pitchFamily="34" charset="0"/>
+              </a:rPr>
+              <a:t>Script – </a:t>
+            </a:r>
+            <a:r>
+              <a:rPr lang="en-US" sz="1100" dirty="0" smtClean="0">
+                <a:solidFill>
+                  <a:srgbClr val="FFFF00"/>
+                </a:solidFill>
+                <a:latin typeface="Segoe UI Light" panose="020B0502040204020203" pitchFamily="34" charset="0"/>
+                <a:cs typeface="Segoe UI Light" panose="020B0502040204020203" pitchFamily="34" charset="0"/>
+              </a:rPr>
+              <a:t>www.typescriptlang.org</a:t>
+            </a:r>
+            <a:endParaRPr lang="en-US" sz="1100" dirty="0">
+              <a:solidFill>
+                <a:srgbClr val="FFFF00"/>
+              </a:solidFill>
+              <a:latin typeface="Segoe UI Light" panose="020B0502040204020203" pitchFamily="34" charset="0"/>
+              <a:cs typeface="Segoe UI Light" panose="020B0502040204020203" pitchFamily="34" charset="0"/>
+            </a:endParaRPr>
+          </a:p>
+        </p:txBody>
+      </p:sp>
+      <p:pic>
+        <p:nvPicPr>
+          <p:cNvPr id="2" name="Picture 1"/>
+          <p:cNvPicPr>
+            <a:picLocks noChangeAspect="1"/>
+          </p:cNvPicPr>
+          <p:nvPr/>
+        </p:nvPicPr>
+        <p:blipFill>
+          <a:blip r:embed="rId2"/>
+          <a:stretch>
+            <a:fillRect/>
+          </a:stretch>
+        </p:blipFill>
+        <p:spPr>
+          <a:xfrm>
+            <a:off x="1113472" y="1849886"/>
+            <a:ext cx="3390900" cy="2019300"/>
+          </a:xfrm>
+          <a:prstGeom prst="rect">
+            <a:avLst/>
+          </a:prstGeom>
+        </p:spPr>
+      </p:pic>
+      <p:sp>
+        <p:nvSpPr>
+          <p:cNvPr id="4" name="TextBox 3"/>
+          <p:cNvSpPr txBox="1"/>
+          <p:nvPr/>
+        </p:nvSpPr>
+        <p:spPr>
+          <a:xfrm>
+            <a:off x="6781800" y="1278928"/>
+            <a:ext cx="2905125" cy="369332"/>
+          </a:xfrm>
+          <a:prstGeom prst="rect">
+            <a:avLst/>
+          </a:prstGeom>
+          <a:noFill/>
+        </p:spPr>
+        <p:txBody>
+          <a:bodyPr wrap="square" rtlCol="0">
+            <a:spAutoFit/>
+          </a:bodyPr>
+          <a:lstStyle/>
+          <a:p>
+            <a:r>
+              <a:rPr lang="en-US" dirty="0" smtClean="0">
+                <a:solidFill>
+                  <a:schemeClr val="bg1"/>
+                </a:solidFill>
+                <a:latin typeface="Segoe UI Light" panose="020B0502040204020203" pitchFamily="34" charset="0"/>
+                <a:cs typeface="Segoe UI Light" panose="020B0502040204020203" pitchFamily="34" charset="0"/>
+              </a:rPr>
+              <a:t>Parameter Properties</a:t>
+            </a:r>
+            <a:endParaRPr lang="en-US" dirty="0">
+              <a:solidFill>
+                <a:schemeClr val="bg1"/>
+              </a:solidFill>
+              <a:latin typeface="Segoe UI Light" panose="020B0502040204020203" pitchFamily="34" charset="0"/>
+              <a:cs typeface="Segoe UI Light" panose="020B0502040204020203" pitchFamily="34" charset="0"/>
+            </a:endParaRPr>
+          </a:p>
+        </p:txBody>
+      </p:sp>
+      <p:sp>
+        <p:nvSpPr>
+          <p:cNvPr id="11" name="TextBox 10"/>
+          <p:cNvSpPr txBox="1"/>
+          <p:nvPr/>
+        </p:nvSpPr>
+        <p:spPr>
+          <a:xfrm>
+            <a:off x="1113472" y="1278928"/>
+            <a:ext cx="3322457" cy="369332"/>
+          </a:xfrm>
+          <a:prstGeom prst="rect">
+            <a:avLst/>
+          </a:prstGeom>
+          <a:noFill/>
+        </p:spPr>
+        <p:txBody>
+          <a:bodyPr wrap="square" rtlCol="0">
+            <a:spAutoFit/>
+          </a:bodyPr>
+          <a:lstStyle/>
+          <a:p>
+            <a:pPr algn="ctr"/>
+            <a:r>
+              <a:rPr lang="en-US" dirty="0" smtClean="0">
+                <a:solidFill>
+                  <a:schemeClr val="bg1"/>
+                </a:solidFill>
+                <a:latin typeface="Segoe UI Light" panose="020B0502040204020203" pitchFamily="34" charset="0"/>
+                <a:cs typeface="Segoe UI Light" panose="020B0502040204020203" pitchFamily="34" charset="0"/>
+              </a:rPr>
+              <a:t>Simple class-based</a:t>
+            </a:r>
+            <a:endParaRPr lang="en-US" dirty="0">
+              <a:solidFill>
+                <a:schemeClr val="bg1"/>
+              </a:solidFill>
+              <a:latin typeface="Segoe UI Light" panose="020B0502040204020203" pitchFamily="34" charset="0"/>
+              <a:cs typeface="Segoe UI Light" panose="020B0502040204020203" pitchFamily="34" charset="0"/>
+            </a:endParaRPr>
+          </a:p>
+        </p:txBody>
+      </p:sp>
+      <p:pic>
+        <p:nvPicPr>
+          <p:cNvPr id="5" name="Picture 4"/>
+          <p:cNvPicPr>
+            <a:picLocks noChangeAspect="1"/>
+          </p:cNvPicPr>
+          <p:nvPr/>
+        </p:nvPicPr>
+        <p:blipFill>
+          <a:blip r:embed="rId3"/>
+          <a:stretch>
+            <a:fillRect/>
+          </a:stretch>
+        </p:blipFill>
+        <p:spPr>
+          <a:xfrm>
+            <a:off x="6348412" y="1849886"/>
+            <a:ext cx="3771900" cy="1819275"/>
+          </a:xfrm>
+          <a:prstGeom prst="rect">
+            <a:avLst/>
+          </a:prstGeom>
+        </p:spPr>
+      </p:pic>
+      <p:sp>
+        <p:nvSpPr>
+          <p:cNvPr id="12" name="TextBox 11"/>
+          <p:cNvSpPr txBox="1"/>
+          <p:nvPr/>
+        </p:nvSpPr>
+        <p:spPr>
+          <a:xfrm>
+            <a:off x="1045029" y="4192351"/>
+            <a:ext cx="10144178" cy="1477328"/>
+          </a:xfrm>
+          <a:prstGeom prst="rect">
+            <a:avLst/>
+          </a:prstGeom>
+          <a:noFill/>
+        </p:spPr>
+        <p:txBody>
+          <a:bodyPr wrap="square" rtlCol="0">
+            <a:spAutoFit/>
+          </a:bodyPr>
+          <a:lstStyle/>
+          <a:p>
+            <a:pPr marL="285750" indent="-285750">
+              <a:buClr>
+                <a:srgbClr val="FFFF00"/>
+              </a:buClr>
+              <a:buFont typeface="Arial" panose="020B0604020202020204" pitchFamily="34" charset="0"/>
+              <a:buChar char="•"/>
+            </a:pPr>
+            <a:r>
+              <a:rPr lang="en-US" dirty="0" smtClean="0">
+                <a:solidFill>
+                  <a:schemeClr val="bg1"/>
+                </a:solidFill>
+                <a:latin typeface="Segoe UI Light" panose="020B0502040204020203" pitchFamily="34" charset="0"/>
+                <a:cs typeface="Segoe UI Light" panose="020B0502040204020203" pitchFamily="34" charset="0"/>
+              </a:rPr>
+              <a:t>Three modifiers : </a:t>
+            </a:r>
+            <a:r>
+              <a:rPr lang="en-US" b="1" i="1" dirty="0" smtClean="0">
+                <a:solidFill>
+                  <a:srgbClr val="00B0F0"/>
+                </a:solidFill>
+                <a:latin typeface="Segoe UI Light" panose="020B0502040204020203" pitchFamily="34" charset="0"/>
+                <a:cs typeface="Segoe UI Light" panose="020B0502040204020203" pitchFamily="34" charset="0"/>
+              </a:rPr>
+              <a:t>public</a:t>
+            </a:r>
+            <a:r>
+              <a:rPr lang="en-US" b="1" i="1" dirty="0" smtClean="0">
+                <a:solidFill>
+                  <a:srgbClr val="FFFF00"/>
+                </a:solidFill>
+                <a:latin typeface="Segoe UI Light" panose="020B0502040204020203" pitchFamily="34" charset="0"/>
+                <a:cs typeface="Segoe UI Light" panose="020B0502040204020203" pitchFamily="34" charset="0"/>
+              </a:rPr>
+              <a:t> , private, protected</a:t>
+            </a:r>
+          </a:p>
+          <a:p>
+            <a:pPr marL="285750" indent="-285750">
+              <a:buClr>
+                <a:srgbClr val="FFFF00"/>
+              </a:buClr>
+              <a:buFont typeface="Arial" panose="020B0604020202020204" pitchFamily="34" charset="0"/>
+              <a:buChar char="•"/>
+            </a:pPr>
+            <a:endParaRPr lang="en-US" b="1" i="1" dirty="0" smtClean="0">
+              <a:solidFill>
+                <a:srgbClr val="FFFF00"/>
+              </a:solidFill>
+              <a:latin typeface="Segoe UI Light" panose="020B0502040204020203" pitchFamily="34" charset="0"/>
+              <a:cs typeface="Segoe UI Light" panose="020B0502040204020203" pitchFamily="34" charset="0"/>
+            </a:endParaRPr>
+          </a:p>
+          <a:p>
+            <a:pPr marL="285750" indent="-285750">
+              <a:buClr>
+                <a:srgbClr val="FFFF00"/>
+              </a:buClr>
+              <a:buFont typeface="Arial" panose="020B0604020202020204" pitchFamily="34" charset="0"/>
+              <a:buChar char="•"/>
+            </a:pPr>
+            <a:r>
+              <a:rPr lang="en-US" i="1" dirty="0" smtClean="0">
+                <a:solidFill>
+                  <a:srgbClr val="FFFF00"/>
+                </a:solidFill>
+                <a:latin typeface="Segoe UI Light" panose="020B0502040204020203" pitchFamily="34" charset="0"/>
+                <a:cs typeface="Segoe UI Light" panose="020B0502040204020203" pitchFamily="34" charset="0"/>
+              </a:rPr>
+              <a:t>Private </a:t>
+            </a:r>
+            <a:r>
+              <a:rPr lang="en-US" dirty="0" smtClean="0">
+                <a:solidFill>
+                  <a:schemeClr val="bg1"/>
+                </a:solidFill>
+                <a:latin typeface="Segoe UI Light" panose="020B0502040204020203" pitchFamily="34" charset="0"/>
+                <a:cs typeface="Segoe UI Light" panose="020B0502040204020203" pitchFamily="34" charset="0"/>
+              </a:rPr>
+              <a:t>member cannot be accessed from outside of it containing class</a:t>
+            </a:r>
+            <a:endParaRPr lang="en-US" i="1" dirty="0">
+              <a:solidFill>
+                <a:schemeClr val="bg1"/>
+              </a:solidFill>
+              <a:latin typeface="Segoe UI Light" panose="020B0502040204020203" pitchFamily="34" charset="0"/>
+              <a:cs typeface="Segoe UI Light" panose="020B0502040204020203" pitchFamily="34" charset="0"/>
+            </a:endParaRPr>
+          </a:p>
+          <a:p>
+            <a:pPr marL="285750" indent="-285750">
+              <a:buClr>
+                <a:srgbClr val="FFFF00"/>
+              </a:buClr>
+              <a:buFont typeface="Arial" panose="020B0604020202020204" pitchFamily="34" charset="0"/>
+              <a:buChar char="•"/>
+            </a:pPr>
+            <a:endParaRPr lang="en-US" dirty="0" smtClean="0">
+              <a:solidFill>
+                <a:srgbClr val="FFFF00"/>
+              </a:solidFill>
+              <a:latin typeface="Segoe UI Light" panose="020B0502040204020203" pitchFamily="34" charset="0"/>
+              <a:cs typeface="Segoe UI Light" panose="020B0502040204020203" pitchFamily="34" charset="0"/>
+            </a:endParaRPr>
+          </a:p>
+          <a:p>
+            <a:pPr marL="285750" indent="-285750">
+              <a:buClr>
+                <a:srgbClr val="FFFF00"/>
+              </a:buClr>
+              <a:buFont typeface="Arial" panose="020B0604020202020204" pitchFamily="34" charset="0"/>
+              <a:buChar char="•"/>
+            </a:pPr>
+            <a:r>
+              <a:rPr lang="en-US" i="1" dirty="0" smtClean="0">
+                <a:solidFill>
+                  <a:srgbClr val="FFFF00"/>
+                </a:solidFill>
+                <a:latin typeface="Segoe UI Light" panose="020B0502040204020203" pitchFamily="34" charset="0"/>
+                <a:cs typeface="Segoe UI Light" panose="020B0502040204020203" pitchFamily="34" charset="0"/>
+              </a:rPr>
+              <a:t>Protected</a:t>
+            </a:r>
+            <a:r>
+              <a:rPr lang="en-US" dirty="0" smtClean="0">
+                <a:solidFill>
+                  <a:srgbClr val="FFFF00"/>
+                </a:solidFill>
+                <a:latin typeface="Segoe UI Light" panose="020B0502040204020203" pitchFamily="34" charset="0"/>
+                <a:cs typeface="Segoe UI Light" panose="020B0502040204020203" pitchFamily="34" charset="0"/>
+              </a:rPr>
+              <a:t> </a:t>
+            </a:r>
+            <a:r>
+              <a:rPr lang="en-US" dirty="0" smtClean="0">
+                <a:solidFill>
+                  <a:schemeClr val="bg1"/>
+                </a:solidFill>
+                <a:latin typeface="Segoe UI Light" panose="020B0502040204020203" pitchFamily="34" charset="0"/>
+                <a:cs typeface="Segoe UI Light" panose="020B0502040204020203" pitchFamily="34" charset="0"/>
+              </a:rPr>
+              <a:t>member can also be access from instances of deriving classes</a:t>
+            </a:r>
+            <a:endParaRPr lang="en-US" dirty="0">
+              <a:solidFill>
+                <a:schemeClr val="bg1"/>
+              </a:solidFill>
+              <a:latin typeface="Segoe UI Light" panose="020B0502040204020203" pitchFamily="34" charset="0"/>
+              <a:cs typeface="Segoe UI Light" panose="020B0502040204020203" pitchFamily="34" charset="0"/>
+            </a:endParaRPr>
+          </a:p>
+        </p:txBody>
+      </p:sp>
+    </p:spTree>
+    <p:extLst>
+      <p:ext uri="{BB962C8B-B14F-4D97-AF65-F5344CB8AC3E}">
+        <p14:creationId xmlns:p14="http://schemas.microsoft.com/office/powerpoint/2010/main" val="3117746355"/>
+      </p:ext>
+    </p:extLst>
+  </p:cSld>
+  <p:clrMapOvr>
+    <a:masterClrMapping/>
+  </p:clrMapOvr>
+  <p:timing>
+    <p:tnLst>
+      <p:par>
+        <p:cTn id="1" dur="indefinite" restart="never" nodeType="tmRoot">
+          <p:childTnLst>
+            <p:seq concurrent="1" nextAc="seek">
+              <p:cTn id="2" dur="indefinite" nodeType="mainSeq">
+                <p:childTnLst>
+                  <p:par>
+                    <p:cTn id="3" fill="hold">
+                      <p:stCondLst>
+                        <p:cond delay="indefinite"/>
+                      </p:stCondLst>
+                      <p:childTnLst>
+                        <p:par>
+                          <p:cTn id="4" fill="hold">
+                            <p:stCondLst>
+                              <p:cond delay="0"/>
+                            </p:stCondLst>
+                            <p:childTnLst>
+                              <p:par>
+                                <p:cTn id="5" presetID="1" presetClass="entr" presetSubtype="0" fill="hold" grpId="0" nodeType="clickEffect">
+                                  <p:stCondLst>
+                                    <p:cond delay="0"/>
+                                  </p:stCondLst>
+                                  <p:childTnLst>
+                                    <p:set>
+                                      <p:cBhvr>
+                                        <p:cTn id="6" dur="1" fill="hold">
+                                          <p:stCondLst>
+                                            <p:cond delay="0"/>
+                                          </p:stCondLst>
+                                        </p:cTn>
+                                        <p:tgtEl>
+                                          <p:spTgt spid="11"/>
+                                        </p:tgtEl>
+                                        <p:attrNameLst>
+                                          <p:attrName>style.visibility</p:attrName>
+                                        </p:attrNameLst>
+                                      </p:cBhvr>
+                                      <p:to>
+                                        <p:strVal val="visible"/>
+                                      </p:to>
+                                    </p:set>
+                                  </p:childTnLst>
+                                </p:cTn>
+                              </p:par>
+                              <p:par>
+                                <p:cTn id="7" presetID="1" presetClass="entr" presetSubtype="0" fill="hold" nodeType="withEffect">
+                                  <p:stCondLst>
+                                    <p:cond delay="0"/>
+                                  </p:stCondLst>
+                                  <p:childTnLst>
+                                    <p:set>
+                                      <p:cBhvr>
+                                        <p:cTn id="8" dur="1" fill="hold">
+                                          <p:stCondLst>
+                                            <p:cond delay="0"/>
+                                          </p:stCondLst>
+                                        </p:cTn>
+                                        <p:tgtEl>
+                                          <p:spTgt spid="2"/>
+                                        </p:tgtEl>
+                                        <p:attrNameLst>
+                                          <p:attrName>style.visibility</p:attrName>
+                                        </p:attrNameLst>
+                                      </p:cBhvr>
+                                      <p:to>
+                                        <p:strVal val="visible"/>
+                                      </p:to>
+                                    </p:set>
+                                  </p:childTnLst>
+                                </p:cTn>
+                              </p:par>
+                            </p:childTnLst>
+                          </p:cTn>
+                        </p:par>
+                      </p:childTnLst>
+                    </p:cTn>
+                  </p:par>
+                  <p:par>
+                    <p:cTn id="9" fill="hold">
+                      <p:stCondLst>
+                        <p:cond delay="indefinite"/>
+                      </p:stCondLst>
+                      <p:childTnLst>
+                        <p:par>
+                          <p:cTn id="10" fill="hold">
+                            <p:stCondLst>
+                              <p:cond delay="0"/>
+                            </p:stCondLst>
+                            <p:childTnLst>
+                              <p:par>
+                                <p:cTn id="11" presetID="1" presetClass="entr" presetSubtype="0" fill="hold" grpId="0" nodeType="clickEffect">
+                                  <p:stCondLst>
+                                    <p:cond delay="0"/>
+                                  </p:stCondLst>
+                                  <p:childTnLst>
+                                    <p:set>
+                                      <p:cBhvr>
+                                        <p:cTn id="12" dur="1" fill="hold">
+                                          <p:stCondLst>
+                                            <p:cond delay="0"/>
+                                          </p:stCondLst>
+                                        </p:cTn>
+                                        <p:tgtEl>
+                                          <p:spTgt spid="4"/>
+                                        </p:tgtEl>
+                                        <p:attrNameLst>
+                                          <p:attrName>style.visibility</p:attrName>
+                                        </p:attrNameLst>
+                                      </p:cBhvr>
+                                      <p:to>
+                                        <p:strVal val="visible"/>
+                                      </p:to>
+                                    </p:set>
+                                  </p:childTnLst>
+                                </p:cTn>
+                              </p:par>
+                              <p:par>
+                                <p:cTn id="13" presetID="1" presetClass="entr" presetSubtype="0" fill="hold" nodeType="withEffect">
+                                  <p:stCondLst>
+                                    <p:cond delay="0"/>
+                                  </p:stCondLst>
+                                  <p:childTnLst>
+                                    <p:set>
+                                      <p:cBhvr>
+                                        <p:cTn id="14" dur="1" fill="hold">
+                                          <p:stCondLst>
+                                            <p:cond delay="0"/>
+                                          </p:stCondLst>
+                                        </p:cTn>
+                                        <p:tgtEl>
+                                          <p:spTgt spid="5"/>
+                                        </p:tgtEl>
+                                        <p:attrNameLst>
+                                          <p:attrName>style.visibility</p:attrName>
+                                        </p:attrNameLst>
+                                      </p:cBhvr>
+                                      <p:to>
+                                        <p:strVal val="visible"/>
+                                      </p:to>
+                                    </p:set>
+                                  </p:childTnLst>
+                                </p:cTn>
+                              </p:par>
+                            </p:childTnLst>
+                          </p:cTn>
+                        </p:par>
+                      </p:childTnLst>
+                    </p:cTn>
+                  </p:par>
+                  <p:par>
+                    <p:cTn id="15" fill="hold">
+                      <p:stCondLst>
+                        <p:cond delay="indefinite"/>
+                      </p:stCondLst>
+                      <p:childTnLst>
+                        <p:par>
+                          <p:cTn id="16" fill="hold">
+                            <p:stCondLst>
+                              <p:cond delay="0"/>
+                            </p:stCondLst>
+                            <p:childTnLst>
+                              <p:par>
+                                <p:cTn id="17" presetID="1" presetClass="entr" presetSubtype="0" fill="hold" grpId="0" nodeType="clickEffect">
+                                  <p:stCondLst>
+                                    <p:cond delay="0"/>
+                                  </p:stCondLst>
+                                  <p:childTnLst>
+                                    <p:set>
+                                      <p:cBhvr>
+                                        <p:cTn id="18" dur="1" fill="hold">
+                                          <p:stCondLst>
+                                            <p:cond delay="0"/>
+                                          </p:stCondLst>
+                                        </p:cTn>
+                                        <p:tgtEl>
+                                          <p:spTgt spid="12"/>
+                                        </p:tgtEl>
+                                        <p:attrNameLst>
+                                          <p:attrName>style.visibility</p:attrName>
+                                        </p:attrNameLst>
+                                      </p:cBhvr>
+                                      <p:to>
+                                        <p:strVal val="visible"/>
+                                      </p:to>
+                                    </p:set>
+                                  </p:childTnLst>
+                                </p:cTn>
+                              </p:par>
+                            </p:childTnLst>
+                          </p:cTn>
+                        </p:par>
+                      </p:childTnLst>
+                    </p:cTn>
+                  </p:par>
+                </p:childTnLst>
+              </p:cTn>
+              <p:prevCondLst>
+                <p:cond evt="onPrev" delay="0">
+                  <p:tgtEl>
+                    <p:sldTgt/>
+                  </p:tgtEl>
+                </p:cond>
+              </p:prevCondLst>
+              <p:nextCondLst>
+                <p:cond evt="onNext" delay="0">
+                  <p:tgtEl>
+                    <p:sldTgt/>
+                  </p:tgtEl>
+                </p:cond>
+              </p:nextCondLst>
+            </p:seq>
+          </p:childTnLst>
+        </p:cTn>
+      </p:par>
+    </p:tnLst>
+    <p:bldLst>
+      <p:bldP spid="4" grpId="0"/>
+      <p:bldP spid="11" grpId="0"/>
+      <p:bldP spid="12" grpId="0"/>
+    </p:bldLst>
+  </p:timing>
+</p:sld>
+</file>
+
+<file path=ppt/slides/slide12.xml><?xml version="1.0" encoding="utf-8"?>
+<p:sld xmlns:a="http://schemas.openxmlformats.org/drawingml/2006/main" xmlns:r="http://schemas.openxmlformats.org/officeDocument/2006/relationships" xmlns:p="http://schemas.openxmlformats.org/presentationml/2006/main">
+  <p:cSld>
+    <p:bg>
+      <p:bgPr>
+        <a:solidFill>
+          <a:schemeClr val="bg1"/>
+        </a:solidFill>
+        <a:effectLst/>
+      </p:bgPr>
+    </p:bg>
+    <p:spTree>
+      <p:nvGrpSpPr>
+        <p:cNvPr id="1" name=""/>
+        <p:cNvGrpSpPr/>
+        <p:nvPr/>
+      </p:nvGrpSpPr>
+      <p:grpSpPr>
+        <a:xfrm>
+          <a:off x="0" y="0"/>
+          <a:ext cx="0" cy="0"/>
+          <a:chOff x="0" y="0"/>
+          <a:chExt cx="0" cy="0"/>
+        </a:xfrm>
+      </p:grpSpPr>
+      <p:sp>
+        <p:nvSpPr>
+          <p:cNvPr id="6" name="Slide Number Placeholder 6"/>
+          <p:cNvSpPr>
+            <a:spLocks noGrp="1"/>
+          </p:cNvSpPr>
+          <p:nvPr>
+            <p:ph type="sldNum" sz="quarter" idx="12"/>
+          </p:nvPr>
+        </p:nvSpPr>
+        <p:spPr>
+          <a:xfrm>
+            <a:off x="10351008" y="292608"/>
+            <a:ext cx="838199" cy="767687"/>
+          </a:xfrm>
+        </p:spPr>
+        <p:txBody>
+          <a:bodyPr/>
+          <a:lstStyle/>
+          <a:p>
+            <a:r>
+              <a:rPr lang="en-US" dirty="0"/>
+              <a:t>9</a:t>
+            </a:r>
+          </a:p>
+        </p:txBody>
+      </p:sp>
+      <p:sp>
+        <p:nvSpPr>
+          <p:cNvPr id="8" name="TextBox 7"/>
+          <p:cNvSpPr txBox="1"/>
+          <p:nvPr/>
+        </p:nvSpPr>
+        <p:spPr>
+          <a:xfrm>
+            <a:off x="604448" y="537075"/>
+            <a:ext cx="9631233" cy="523220"/>
+          </a:xfrm>
+          <a:prstGeom prst="rect">
+            <a:avLst/>
+          </a:prstGeom>
+          <a:noFill/>
+        </p:spPr>
+        <p:txBody>
+          <a:bodyPr wrap="square" rtlCol="0">
+            <a:spAutoFit/>
+          </a:bodyPr>
+          <a:lstStyle/>
+          <a:p>
+            <a:r>
+              <a:rPr lang="en-US" sz="2800" dirty="0" smtClean="0">
+                <a:solidFill>
+                  <a:schemeClr val="bg1"/>
+                </a:solidFill>
+                <a:latin typeface="Segoe UI Light" panose="020B0502040204020203" pitchFamily="34" charset="0"/>
+                <a:cs typeface="Segoe UI Light" panose="020B0502040204020203" pitchFamily="34" charset="0"/>
+              </a:rPr>
+              <a:t>Features – </a:t>
+            </a:r>
+            <a:r>
+              <a:rPr lang="en-US" sz="2400" dirty="0" smtClean="0">
+                <a:solidFill>
+                  <a:schemeClr val="bg1"/>
+                </a:solidFill>
+                <a:latin typeface="Segoe UI Light" panose="020B0502040204020203" pitchFamily="34" charset="0"/>
+                <a:cs typeface="Segoe UI Light" panose="020B0502040204020203" pitchFamily="34" charset="0"/>
+              </a:rPr>
+              <a:t>Basics</a:t>
+            </a:r>
+            <a:r>
+              <a:rPr lang="en-US" sz="2400" dirty="0" smtClean="0">
+                <a:solidFill>
+                  <a:srgbClr val="FFFF00"/>
+                </a:solidFill>
+                <a:latin typeface="Segoe UI Light" panose="020B0502040204020203" pitchFamily="34" charset="0"/>
+                <a:cs typeface="Segoe UI Light" panose="020B0502040204020203" pitchFamily="34" charset="0"/>
+              </a:rPr>
+              <a:t> </a:t>
+            </a:r>
+            <a:r>
+              <a:rPr lang="en-US" sz="2400" dirty="0" smtClean="0">
+                <a:solidFill>
+                  <a:schemeClr val="bg1"/>
+                </a:solidFill>
+                <a:latin typeface="Segoe UI Light" panose="020B0502040204020203" pitchFamily="34" charset="0"/>
+                <a:cs typeface="Segoe UI Light" panose="020B0502040204020203" pitchFamily="34" charset="0"/>
+              </a:rPr>
+              <a:t>–</a:t>
+            </a:r>
+            <a:r>
+              <a:rPr lang="en-US" sz="2400" dirty="0" smtClean="0">
+                <a:solidFill>
+                  <a:srgbClr val="FFFF00"/>
+                </a:solidFill>
+                <a:latin typeface="Segoe UI Light" panose="020B0502040204020203" pitchFamily="34" charset="0"/>
+                <a:cs typeface="Segoe UI Light" panose="020B0502040204020203" pitchFamily="34" charset="0"/>
+              </a:rPr>
+              <a:t> </a:t>
+            </a:r>
+            <a:r>
+              <a:rPr lang="en-US" sz="1600" dirty="0" smtClean="0">
+                <a:solidFill>
+                  <a:srgbClr val="FFFF00"/>
+                </a:solidFill>
+                <a:latin typeface="Segoe UI Light" panose="020B0502040204020203" pitchFamily="34" charset="0"/>
+                <a:cs typeface="Segoe UI Light" panose="020B0502040204020203" pitchFamily="34" charset="0"/>
+              </a:rPr>
+              <a:t>Classes - </a:t>
+            </a:r>
+            <a:r>
+              <a:rPr lang="en-US" sz="1600" dirty="0" smtClean="0">
+                <a:solidFill>
+                  <a:srgbClr val="00B0F0"/>
+                </a:solidFill>
+                <a:latin typeface="Segoe UI Light" panose="020B0502040204020203" pitchFamily="34" charset="0"/>
+                <a:cs typeface="Segoe UI Light" panose="020B0502040204020203" pitchFamily="34" charset="0"/>
+              </a:rPr>
+              <a:t>Inheritance</a:t>
+            </a:r>
+            <a:endParaRPr lang="en-US" sz="1600" dirty="0">
+              <a:solidFill>
+                <a:srgbClr val="00B0F0"/>
+              </a:solidFill>
+              <a:latin typeface="Segoe UI Light" panose="020B0502040204020203" pitchFamily="34" charset="0"/>
+              <a:cs typeface="Segoe UI Light" panose="020B0502040204020203" pitchFamily="34" charset="0"/>
+            </a:endParaRPr>
+          </a:p>
+        </p:txBody>
+      </p:sp>
+      <p:sp>
+        <p:nvSpPr>
+          <p:cNvPr id="10" name="TextBox 9"/>
+          <p:cNvSpPr txBox="1"/>
+          <p:nvPr/>
+        </p:nvSpPr>
+        <p:spPr>
+          <a:xfrm>
+            <a:off x="1054554" y="1388221"/>
+            <a:ext cx="3390900" cy="646331"/>
+          </a:xfrm>
+          <a:prstGeom prst="rect">
+            <a:avLst/>
+          </a:prstGeom>
+          <a:noFill/>
+        </p:spPr>
+        <p:txBody>
+          <a:bodyPr wrap="square" rtlCol="0">
+            <a:spAutoFit/>
+          </a:bodyPr>
+          <a:lstStyle/>
+          <a:p>
+            <a:pPr>
+              <a:buClr>
+                <a:srgbClr val="FFFF00"/>
+              </a:buClr>
+            </a:pPr>
+            <a:endParaRPr lang="en-US" dirty="0" smtClean="0">
+              <a:solidFill>
+                <a:schemeClr val="bg1"/>
+              </a:solidFill>
+              <a:latin typeface="Segoe UI Light" panose="020B0502040204020203" pitchFamily="34" charset="0"/>
+              <a:cs typeface="Segoe UI Light" panose="020B0502040204020203" pitchFamily="34" charset="0"/>
+            </a:endParaRPr>
+          </a:p>
+          <a:p>
+            <a:pPr>
+              <a:buClr>
+                <a:srgbClr val="FFFF00"/>
+              </a:buClr>
+            </a:pPr>
+            <a:endParaRPr lang="en-US" dirty="0" smtClean="0">
+              <a:solidFill>
+                <a:schemeClr val="bg1"/>
+              </a:solidFill>
+              <a:latin typeface="Segoe UI Light" panose="020B0502040204020203" pitchFamily="34" charset="0"/>
+              <a:cs typeface="Segoe UI Light" panose="020B0502040204020203" pitchFamily="34" charset="0"/>
+            </a:endParaRPr>
+          </a:p>
+        </p:txBody>
+      </p:sp>
+      <p:sp>
+        <p:nvSpPr>
+          <p:cNvPr id="9" name="Title 1"/>
+          <p:cNvSpPr>
+            <a:spLocks noGrp="1"/>
+          </p:cNvSpPr>
+          <p:nvPr>
+            <p:ph type="ctrTitle"/>
+          </p:nvPr>
+        </p:nvSpPr>
+        <p:spPr>
+          <a:xfrm>
+            <a:off x="9377266" y="6148873"/>
+            <a:ext cx="2313992" cy="220543"/>
+          </a:xfrm>
+        </p:spPr>
+        <p:txBody>
+          <a:bodyPr/>
+          <a:lstStyle/>
+          <a:p>
+            <a:pPr algn="ctr"/>
+            <a:r>
+              <a:rPr lang="en-US" sz="1100" b="1" dirty="0" smtClean="0">
+                <a:latin typeface="Segoe UI Light" panose="020B0502040204020203" pitchFamily="34" charset="0"/>
+                <a:cs typeface="Segoe UI Light" panose="020B0502040204020203" pitchFamily="34" charset="0"/>
+              </a:rPr>
+              <a:t>Type</a:t>
+            </a:r>
+            <a:r>
+              <a:rPr lang="en-US" sz="1100" dirty="0" smtClean="0">
+                <a:latin typeface="Segoe UI Light" panose="020B0502040204020203" pitchFamily="34" charset="0"/>
+                <a:cs typeface="Segoe UI Light" panose="020B0502040204020203" pitchFamily="34" charset="0"/>
+              </a:rPr>
+              <a:t>Script – </a:t>
+            </a:r>
+            <a:r>
+              <a:rPr lang="en-US" sz="1100" dirty="0" smtClean="0">
+                <a:solidFill>
+                  <a:srgbClr val="FFFF00"/>
+                </a:solidFill>
+                <a:latin typeface="Segoe UI Light" panose="020B0502040204020203" pitchFamily="34" charset="0"/>
+                <a:cs typeface="Segoe UI Light" panose="020B0502040204020203" pitchFamily="34" charset="0"/>
+              </a:rPr>
+              <a:t>www.typescriptlang.org</a:t>
+            </a:r>
+            <a:endParaRPr lang="en-US" sz="1100" dirty="0">
+              <a:solidFill>
+                <a:srgbClr val="FFFF00"/>
+              </a:solidFill>
+              <a:latin typeface="Segoe UI Light" panose="020B0502040204020203" pitchFamily="34" charset="0"/>
+              <a:cs typeface="Segoe UI Light" panose="020B0502040204020203" pitchFamily="34" charset="0"/>
+            </a:endParaRPr>
+          </a:p>
+        </p:txBody>
+      </p:sp>
+      <p:pic>
+        <p:nvPicPr>
+          <p:cNvPr id="4" name="Picture 3"/>
+          <p:cNvPicPr>
+            <a:picLocks noChangeAspect="1"/>
+          </p:cNvPicPr>
+          <p:nvPr/>
+        </p:nvPicPr>
+        <p:blipFill>
+          <a:blip r:embed="rId2"/>
+          <a:stretch>
+            <a:fillRect/>
+          </a:stretch>
+        </p:blipFill>
+        <p:spPr>
+          <a:xfrm>
+            <a:off x="4979504" y="1223334"/>
+            <a:ext cx="4743450" cy="4762500"/>
+          </a:xfrm>
+          <a:prstGeom prst="rect">
+            <a:avLst/>
+          </a:prstGeom>
+        </p:spPr>
+      </p:pic>
+      <p:sp>
+        <p:nvSpPr>
+          <p:cNvPr id="2" name="TextBox 1"/>
+          <p:cNvSpPr txBox="1"/>
+          <p:nvPr/>
+        </p:nvSpPr>
+        <p:spPr>
+          <a:xfrm>
+            <a:off x="1054554" y="1223334"/>
+            <a:ext cx="3672894" cy="1754326"/>
+          </a:xfrm>
+          <a:prstGeom prst="rect">
+            <a:avLst/>
+          </a:prstGeom>
+          <a:noFill/>
+        </p:spPr>
+        <p:txBody>
+          <a:bodyPr wrap="square" rtlCol="0">
+            <a:spAutoFit/>
+          </a:bodyPr>
+          <a:lstStyle/>
+          <a:p>
+            <a:pPr marL="285750" indent="-285750">
+              <a:buClr>
+                <a:srgbClr val="FFFF00"/>
+              </a:buClr>
+              <a:buFont typeface="Arial" panose="020B0604020202020204" pitchFamily="34" charset="0"/>
+              <a:buChar char="•"/>
+            </a:pPr>
+            <a:r>
+              <a:rPr lang="en-US" dirty="0" smtClean="0">
+                <a:solidFill>
+                  <a:schemeClr val="bg1"/>
+                </a:solidFill>
+                <a:latin typeface="Segoe UI Light" panose="020B0502040204020203" pitchFamily="34" charset="0"/>
+                <a:cs typeface="Segoe UI Light" panose="020B0502040204020203" pitchFamily="34" charset="0"/>
+              </a:rPr>
+              <a:t>Use keyword </a:t>
+            </a:r>
+            <a:r>
+              <a:rPr lang="en-US" b="1" i="1" dirty="0" smtClean="0">
+                <a:solidFill>
+                  <a:srgbClr val="FFFF00"/>
+                </a:solidFill>
+                <a:latin typeface="Segoe UI Light" panose="020B0502040204020203" pitchFamily="34" charset="0"/>
+                <a:cs typeface="Segoe UI Light" panose="020B0502040204020203" pitchFamily="34" charset="0"/>
+              </a:rPr>
+              <a:t>extends</a:t>
+            </a:r>
+          </a:p>
+          <a:p>
+            <a:pPr marL="285750" indent="-285750">
+              <a:buClr>
+                <a:srgbClr val="FFFF00"/>
+              </a:buClr>
+              <a:buFont typeface="Arial" panose="020B0604020202020204" pitchFamily="34" charset="0"/>
+              <a:buChar char="•"/>
+            </a:pPr>
+            <a:endParaRPr lang="en-US" b="1" i="1" dirty="0">
+              <a:solidFill>
+                <a:srgbClr val="FFFF00"/>
+              </a:solidFill>
+              <a:latin typeface="Segoe UI Light" panose="020B0502040204020203" pitchFamily="34" charset="0"/>
+              <a:cs typeface="Segoe UI Light" panose="020B0502040204020203" pitchFamily="34" charset="0"/>
+            </a:endParaRPr>
+          </a:p>
+          <a:p>
+            <a:pPr marL="285750" indent="-285750">
+              <a:buClr>
+                <a:srgbClr val="FFFF00"/>
+              </a:buClr>
+              <a:buFont typeface="Arial" panose="020B0604020202020204" pitchFamily="34" charset="0"/>
+              <a:buChar char="•"/>
+            </a:pPr>
+            <a:r>
+              <a:rPr lang="en-US" dirty="0" smtClean="0">
+                <a:solidFill>
+                  <a:schemeClr val="bg1"/>
+                </a:solidFill>
+                <a:latin typeface="Segoe UI Light" panose="020B0502040204020203" pitchFamily="34" charset="0"/>
+                <a:cs typeface="Segoe UI Light" panose="020B0502040204020203" pitchFamily="34" charset="0"/>
+              </a:rPr>
+              <a:t>Derived class contain constructor function must call </a:t>
+            </a:r>
+            <a:r>
+              <a:rPr lang="en-US" b="1" i="1" dirty="0" smtClean="0">
+                <a:solidFill>
+                  <a:srgbClr val="FFFF00"/>
+                </a:solidFill>
+                <a:latin typeface="Segoe UI Light" panose="020B0502040204020203" pitchFamily="34" charset="0"/>
+                <a:cs typeface="Segoe UI Light" panose="020B0502040204020203" pitchFamily="34" charset="0"/>
+              </a:rPr>
+              <a:t>super()</a:t>
+            </a:r>
+            <a:endParaRPr lang="en-US" b="1" dirty="0" smtClean="0">
+              <a:solidFill>
+                <a:srgbClr val="FFFF00"/>
+              </a:solidFill>
+              <a:latin typeface="Segoe UI Light" panose="020B0502040204020203" pitchFamily="34" charset="0"/>
+              <a:cs typeface="Segoe UI Light" panose="020B0502040204020203" pitchFamily="34" charset="0"/>
+            </a:endParaRPr>
+          </a:p>
+          <a:p>
+            <a:pPr marL="285750" indent="-285750">
+              <a:buClr>
+                <a:srgbClr val="FFFF00"/>
+              </a:buClr>
+              <a:buFont typeface="Arial" panose="020B0604020202020204" pitchFamily="34" charset="0"/>
+              <a:buChar char="•"/>
+            </a:pPr>
+            <a:endParaRPr lang="en-US" b="1" i="1" dirty="0">
+              <a:solidFill>
+                <a:srgbClr val="FFFF00"/>
+              </a:solidFill>
+              <a:latin typeface="Segoe UI Light" panose="020B0502040204020203" pitchFamily="34" charset="0"/>
+              <a:cs typeface="Segoe UI Light" panose="020B0502040204020203" pitchFamily="34" charset="0"/>
+            </a:endParaRPr>
+          </a:p>
+          <a:p>
+            <a:pPr marL="285750" indent="-285750">
+              <a:buClr>
+                <a:srgbClr val="FFFF00"/>
+              </a:buClr>
+              <a:buFont typeface="Arial" panose="020B0604020202020204" pitchFamily="34" charset="0"/>
+              <a:buChar char="•"/>
+            </a:pPr>
+            <a:endParaRPr lang="en-US" b="1" dirty="0">
+              <a:solidFill>
+                <a:srgbClr val="FFFF00"/>
+              </a:solidFill>
+              <a:latin typeface="Segoe UI Light" panose="020B0502040204020203" pitchFamily="34" charset="0"/>
+              <a:cs typeface="Segoe UI Light" panose="020B0502040204020203" pitchFamily="34" charset="0"/>
+            </a:endParaRPr>
+          </a:p>
+        </p:txBody>
+      </p:sp>
+    </p:spTree>
+    <p:extLst>
+      <p:ext uri="{BB962C8B-B14F-4D97-AF65-F5344CB8AC3E}">
+        <p14:creationId xmlns:p14="http://schemas.microsoft.com/office/powerpoint/2010/main" val="3773306010"/>
+      </p:ext>
+    </p:extLst>
+  </p:cSld>
+  <p:clrMapOvr>
+    <a:masterClrMapping/>
+  </p:clrMapOvr>
+  <p:timing>
+    <p:tnLst>
+      <p:par>
+        <p:cTn id="1" dur="indefinite" restart="never" nodeType="tmRoot"/>
+      </p:par>
+    </p:tnLst>
+  </p:timing>
+</p:sld>
+</file>
+
+<file path=ppt/slides/slide13.xml><?xml version="1.0" encoding="utf-8"?>
+<p:sld xmlns:a="http://schemas.openxmlformats.org/drawingml/2006/main" xmlns:r="http://schemas.openxmlformats.org/officeDocument/2006/relationships" xmlns:p="http://schemas.openxmlformats.org/presentationml/2006/main">
+  <p:cSld>
+    <p:bg>
+      <p:bgPr>
+        <a:solidFill>
+          <a:schemeClr val="bg1"/>
+        </a:solidFill>
+        <a:effectLst/>
+      </p:bgPr>
+    </p:bg>
+    <p:spTree>
+      <p:nvGrpSpPr>
+        <p:cNvPr id="1" name=""/>
+        <p:cNvGrpSpPr/>
+        <p:nvPr/>
+      </p:nvGrpSpPr>
+      <p:grpSpPr>
+        <a:xfrm>
+          <a:off x="0" y="0"/>
+          <a:ext cx="0" cy="0"/>
+          <a:chOff x="0" y="0"/>
+          <a:chExt cx="0" cy="0"/>
+        </a:xfrm>
+      </p:grpSpPr>
+      <p:sp>
+        <p:nvSpPr>
+          <p:cNvPr id="6" name="Slide Number Placeholder 6"/>
+          <p:cNvSpPr>
+            <a:spLocks noGrp="1"/>
+          </p:cNvSpPr>
+          <p:nvPr>
+            <p:ph type="sldNum" sz="quarter" idx="12"/>
+          </p:nvPr>
+        </p:nvSpPr>
+        <p:spPr>
+          <a:xfrm>
+            <a:off x="10351008" y="292608"/>
+            <a:ext cx="838199" cy="767687"/>
+          </a:xfrm>
+        </p:spPr>
+        <p:txBody>
+          <a:bodyPr/>
+          <a:lstStyle/>
+          <a:p>
+            <a:r>
+              <a:rPr lang="en-US" dirty="0" smtClean="0"/>
               <a:t>10</a:t>
             </a:r>
             <a:endParaRPr lang="en-US" dirty="0"/>
@@ -14105,7 +16747,7 @@
 </p:sld>
 </file>
 
-<file path=ppt/slides/slide11.xml><?xml version="1.0" encoding="utf-8"?>
+<file path=ppt/slides/slide14.xml><?xml version="1.0" encoding="utf-8"?>
 <p:sld xmlns:a="http://schemas.openxmlformats.org/drawingml/2006/main" xmlns:r="http://schemas.openxmlformats.org/officeDocument/2006/relationships" xmlns:p="http://schemas.openxmlformats.org/presentationml/2006/main">
   <p:cSld>
     <p:bg>
@@ -14745,7 +17387,7 @@
 </p:sld>
 </file>
 
-<file path=ppt/slides/slide12.xml><?xml version="1.0" encoding="utf-8"?>
+<file path=ppt/slides/slide15.xml><?xml version="1.0" encoding="utf-8"?>
 <p:sld xmlns:a="http://schemas.openxmlformats.org/drawingml/2006/main" xmlns:r="http://schemas.openxmlformats.org/officeDocument/2006/relationships" xmlns:p="http://schemas.openxmlformats.org/presentationml/2006/main">
   <p:cSld>
     <p:bg>
@@ -15531,7 +18173,7 @@
 </p:sld>
 </file>
 
-<file path=ppt/slides/slide13.xml><?xml version="1.0" encoding="utf-8"?>
+<file path=ppt/slides/slide16.xml><?xml version="1.0" encoding="utf-8"?>
 <p:sld xmlns:a="http://schemas.openxmlformats.org/drawingml/2006/main" xmlns:r="http://schemas.openxmlformats.org/officeDocument/2006/relationships" xmlns:p="http://schemas.openxmlformats.org/presentationml/2006/main">
   <p:cSld>
     <p:bg>
@@ -15882,13 +18524,6 @@
               </a:rPr>
               <a:t>Can only access members are common to all types in the union</a:t>
             </a:r>
-            <a:endParaRPr lang="en-US" dirty="0" smtClean="0">
-              <a:solidFill>
-                <a:schemeClr val="bg1"/>
-              </a:solidFill>
-              <a:latin typeface="Segoe UI Light" panose="020B0502040204020203" pitchFamily="34" charset="0"/>
-              <a:cs typeface="Segoe UI Light" panose="020B0502040204020203" pitchFamily="34" charset="0"/>
-            </a:endParaRPr>
           </a:p>
           <a:p>
             <a:pPr>
@@ -16200,7 +18835,7 @@
 </p:sld>
 </file>
 
-<file path=ppt/slides/slide14.xml><?xml version="1.0" encoding="utf-8"?>
+<file path=ppt/slides/slide17.xml><?xml version="1.0" encoding="utf-8"?>
 <p:sld xmlns:a="http://schemas.openxmlformats.org/drawingml/2006/main" xmlns:r="http://schemas.openxmlformats.org/officeDocument/2006/relationships" xmlns:p="http://schemas.openxmlformats.org/presentationml/2006/main">
   <p:cSld>
     <p:bg>
@@ -16894,7 +19529,7 @@
 </p:sld>
 </file>
 
-<file path=ppt/slides/slide15.xml><?xml version="1.0" encoding="utf-8"?>
+<file path=ppt/slides/slide18.xml><?xml version="1.0" encoding="utf-8"?>
 <p:sld xmlns:a="http://schemas.openxmlformats.org/drawingml/2006/main" xmlns:r="http://schemas.openxmlformats.org/officeDocument/2006/relationships" xmlns:p="http://schemas.openxmlformats.org/presentationml/2006/main">
   <p:cSld>
     <p:bg>
@@ -17202,17 +19837,7 @@
                 <a:latin typeface="Segoe UI Light" panose="020B0502040204020203" pitchFamily="34" charset="0"/>
                 <a:cs typeface="Segoe UI Light" panose="020B0502040204020203" pitchFamily="34" charset="0"/>
               </a:rPr>
-              <a:t>to refer that type</a:t>
-            </a:r>
-            <a:r>
-              <a:rPr lang="en-US" dirty="0" smtClean="0">
-                <a:solidFill>
-                  <a:schemeClr val="bg1"/>
-                </a:solidFill>
-                <a:latin typeface="Segoe UI Light" panose="020B0502040204020203" pitchFamily="34" charset="0"/>
-                <a:cs typeface="Segoe UI Light" panose="020B0502040204020203" pitchFamily="34" charset="0"/>
-              </a:rPr>
-              <a:t> </a:t>
+              <a:t>to refer that type </a:t>
             </a:r>
           </a:p>
           <a:p>
@@ -17699,7 +20324,7 @@
 </p:sld>
 </file>
 
-<file path=ppt/slides/slide16.xml><?xml version="1.0" encoding="utf-8"?>
+<file path=ppt/slides/slide19.xml><?xml version="1.0" encoding="utf-8"?>
 <p:sld xmlns:a="http://schemas.openxmlformats.org/drawingml/2006/main" xmlns:r="http://schemas.openxmlformats.org/officeDocument/2006/relationships" xmlns:p="http://schemas.openxmlformats.org/presentationml/2006/main">
   <p:cSld>
     <p:bg>
@@ -17979,13 +20604,6 @@
               </a:rPr>
               <a:t>Can be generic and refer to itself in a property</a:t>
             </a:r>
-            <a:endParaRPr lang="en-US" dirty="0" smtClean="0">
-              <a:solidFill>
-                <a:schemeClr val="bg1"/>
-              </a:solidFill>
-              <a:latin typeface="Segoe UI Light" panose="020B0502040204020203" pitchFamily="34" charset="0"/>
-              <a:cs typeface="Segoe UI Light" panose="020B0502040204020203" pitchFamily="34" charset="0"/>
-            </a:endParaRPr>
           </a:p>
           <a:p>
             <a:pPr marL="285750" indent="-285750">
@@ -18517,7 +21135,260 @@
 </p:sld>
 </file>
 
-<file path=ppt/slides/slide17.xml><?xml version="1.0" encoding="utf-8"?>
+<file path=ppt/slides/slide2.xml><?xml version="1.0" encoding="utf-8"?>
+<p:sld xmlns:a="http://schemas.openxmlformats.org/drawingml/2006/main" xmlns:r="http://schemas.openxmlformats.org/officeDocument/2006/relationships" xmlns:p="http://schemas.openxmlformats.org/presentationml/2006/main">
+  <p:cSld>
+    <p:spTree>
+      <p:nvGrpSpPr>
+        <p:cNvPr id="1" name=""/>
+        <p:cNvGrpSpPr/>
+        <p:nvPr/>
+      </p:nvGrpSpPr>
+      <p:grpSpPr>
+        <a:xfrm>
+          <a:off x="0" y="0"/>
+          <a:ext cx="0" cy="0"/>
+          <a:chOff x="0" y="0"/>
+          <a:chExt cx="0" cy="0"/>
+        </a:xfrm>
+      </p:grpSpPr>
+      <p:sp>
+        <p:nvSpPr>
+          <p:cNvPr id="2" name="Title 1"/>
+          <p:cNvSpPr>
+            <a:spLocks noGrp="1"/>
+          </p:cNvSpPr>
+          <p:nvPr>
+            <p:ph type="ctrTitle"/>
+          </p:nvPr>
+        </p:nvSpPr>
+        <p:spPr>
+          <a:xfrm>
+            <a:off x="9377266" y="6148873"/>
+            <a:ext cx="2313992" cy="220543"/>
+          </a:xfrm>
+        </p:spPr>
+        <p:txBody>
+          <a:bodyPr/>
+          <a:lstStyle/>
+          <a:p>
+            <a:pPr algn="ctr"/>
+            <a:r>
+              <a:rPr lang="en-US" sz="1100" b="1" dirty="0" smtClean="0">
+                <a:latin typeface="Segoe UI Light" panose="020B0502040204020203" pitchFamily="34" charset="0"/>
+                <a:cs typeface="Segoe UI Light" panose="020B0502040204020203" pitchFamily="34" charset="0"/>
+              </a:rPr>
+              <a:t>Type</a:t>
+            </a:r>
+            <a:r>
+              <a:rPr lang="en-US" sz="1100" dirty="0" smtClean="0">
+                <a:latin typeface="Segoe UI Light" panose="020B0502040204020203" pitchFamily="34" charset="0"/>
+                <a:cs typeface="Segoe UI Light" panose="020B0502040204020203" pitchFamily="34" charset="0"/>
+              </a:rPr>
+              <a:t>Script – </a:t>
+            </a:r>
+            <a:r>
+              <a:rPr lang="en-US" sz="1100" dirty="0" smtClean="0">
+                <a:solidFill>
+                  <a:srgbClr val="FFFF00"/>
+                </a:solidFill>
+                <a:latin typeface="Segoe UI Light" panose="020B0502040204020203" pitchFamily="34" charset="0"/>
+                <a:cs typeface="Segoe UI Light" panose="020B0502040204020203" pitchFamily="34" charset="0"/>
+              </a:rPr>
+              <a:t>www.typescriptlang.org</a:t>
+            </a:r>
+            <a:endParaRPr lang="en-US" sz="1100" dirty="0">
+              <a:solidFill>
+                <a:srgbClr val="FFFF00"/>
+              </a:solidFill>
+              <a:latin typeface="Segoe UI Light" panose="020B0502040204020203" pitchFamily="34" charset="0"/>
+              <a:cs typeface="Segoe UI Light" panose="020B0502040204020203" pitchFamily="34" charset="0"/>
+            </a:endParaRPr>
+          </a:p>
+        </p:txBody>
+      </p:sp>
+      <p:sp>
+        <p:nvSpPr>
+          <p:cNvPr id="5" name="Subtitle 4"/>
+          <p:cNvSpPr>
+            <a:spLocks noGrp="1"/>
+          </p:cNvSpPr>
+          <p:nvPr>
+            <p:ph type="subTitle" idx="1"/>
+          </p:nvPr>
+        </p:nvSpPr>
+        <p:spPr>
+          <a:xfrm>
+            <a:off x="1154955" y="1716832"/>
+            <a:ext cx="8825658" cy="3921967"/>
+          </a:xfrm>
+        </p:spPr>
+        <p:txBody>
+          <a:bodyPr>
+            <a:normAutofit/>
+          </a:bodyPr>
+          <a:lstStyle/>
+          <a:p>
+            <a:pPr marL="285750" indent="-285750">
+              <a:buClr>
+                <a:srgbClr val="FFFF00"/>
+              </a:buClr>
+              <a:buFont typeface="Wingdings" panose="05000000000000000000" pitchFamily="2" charset="2"/>
+              <a:buChar char="Ø"/>
+            </a:pPr>
+            <a:r>
+              <a:rPr lang="en-US" sz="2400" dirty="0" smtClean="0">
+                <a:solidFill>
+                  <a:schemeClr val="bg1"/>
+                </a:solidFill>
+                <a:latin typeface="Segoe UI Light" panose="020B0502040204020203" pitchFamily="34" charset="0"/>
+                <a:cs typeface="Segoe UI Light" panose="020B0502040204020203" pitchFamily="34" charset="0"/>
+              </a:rPr>
+              <a:t>What is </a:t>
+            </a:r>
+            <a:r>
+              <a:rPr lang="en-US" sz="2400" dirty="0" smtClean="0">
+                <a:solidFill>
+                  <a:schemeClr val="bg1"/>
+                </a:solidFill>
+                <a:latin typeface="Segoe UI Light" panose="020B0502040204020203" pitchFamily="34" charset="0"/>
+                <a:cs typeface="Segoe UI Light" panose="020B0502040204020203" pitchFamily="34" charset="0"/>
+              </a:rPr>
+              <a:t>typescript</a:t>
+            </a:r>
+            <a:endParaRPr lang="en-US" sz="2400" dirty="0" smtClean="0">
+              <a:solidFill>
+                <a:schemeClr val="bg1"/>
+              </a:solidFill>
+              <a:latin typeface="Segoe UI Light" panose="020B0502040204020203" pitchFamily="34" charset="0"/>
+              <a:cs typeface="Segoe UI Light" panose="020B0502040204020203" pitchFamily="34" charset="0"/>
+            </a:endParaRPr>
+          </a:p>
+          <a:p>
+            <a:pPr marL="342900" indent="-342900">
+              <a:buClr>
+                <a:srgbClr val="FFFF00"/>
+              </a:buClr>
+              <a:buFont typeface="Wingdings" panose="05000000000000000000" pitchFamily="2" charset="2"/>
+              <a:buChar char="Ø"/>
+            </a:pPr>
+            <a:r>
+              <a:rPr lang="en-US" sz="2400" dirty="0" smtClean="0">
+                <a:solidFill>
+                  <a:schemeClr val="bg1"/>
+                </a:solidFill>
+                <a:latin typeface="Segoe UI Light" panose="020B0502040204020203" pitchFamily="34" charset="0"/>
+                <a:cs typeface="Segoe UI Light" panose="020B0502040204020203" pitchFamily="34" charset="0"/>
+              </a:rPr>
+              <a:t>Features</a:t>
+            </a:r>
+          </a:p>
+          <a:p>
+            <a:pPr marL="914400" lvl="1" indent="-457200" algn="l">
+              <a:buClr>
+                <a:srgbClr val="FFFF00"/>
+              </a:buClr>
+              <a:buFont typeface="Wingdings" panose="05000000000000000000" pitchFamily="2" charset="2"/>
+              <a:buChar char="§"/>
+            </a:pPr>
+            <a:r>
+              <a:rPr lang="en-US" sz="1800" dirty="0" smtClean="0">
+                <a:solidFill>
+                  <a:schemeClr val="bg1"/>
+                </a:solidFill>
+                <a:latin typeface="Segoe UI Light" panose="020B0502040204020203" pitchFamily="34" charset="0"/>
+                <a:cs typeface="Segoe UI Light" panose="020B0502040204020203" pitchFamily="34" charset="0"/>
+              </a:rPr>
+              <a:t>Basics</a:t>
+            </a:r>
+          </a:p>
+          <a:p>
+            <a:pPr marL="914400" lvl="1" indent="-457200" algn="l">
+              <a:buClr>
+                <a:srgbClr val="FFFF00"/>
+              </a:buClr>
+              <a:buFont typeface="Wingdings" panose="05000000000000000000" pitchFamily="2" charset="2"/>
+              <a:buChar char="§"/>
+            </a:pPr>
+            <a:r>
+              <a:rPr lang="en-US" sz="1800" dirty="0" smtClean="0">
+                <a:solidFill>
+                  <a:schemeClr val="bg1"/>
+                </a:solidFill>
+                <a:latin typeface="Segoe UI Light" panose="020B0502040204020203" pitchFamily="34" charset="0"/>
+                <a:cs typeface="Segoe UI Light" panose="020B0502040204020203" pitchFamily="34" charset="0"/>
+              </a:rPr>
+              <a:t>Advanced</a:t>
+            </a:r>
+            <a:endParaRPr lang="en-US" sz="1800" dirty="0">
+              <a:solidFill>
+                <a:schemeClr val="bg1"/>
+              </a:solidFill>
+              <a:latin typeface="Segoe UI Light" panose="020B0502040204020203" pitchFamily="34" charset="0"/>
+              <a:cs typeface="Segoe UI Light" panose="020B0502040204020203" pitchFamily="34" charset="0"/>
+            </a:endParaRPr>
+          </a:p>
+          <a:p>
+            <a:endParaRPr lang="en-US" dirty="0">
+              <a:solidFill>
+                <a:schemeClr val="bg1"/>
+              </a:solidFill>
+              <a:latin typeface="Segoe UI Light" panose="020B0502040204020203" pitchFamily="34" charset="0"/>
+              <a:cs typeface="Segoe UI Light" panose="020B0502040204020203" pitchFamily="34" charset="0"/>
+            </a:endParaRPr>
+          </a:p>
+        </p:txBody>
+      </p:sp>
+      <p:sp>
+        <p:nvSpPr>
+          <p:cNvPr id="8" name="Slide Number Placeholder 6"/>
+          <p:cNvSpPr>
+            <a:spLocks noGrp="1"/>
+          </p:cNvSpPr>
+          <p:nvPr>
+            <p:ph type="sldNum" sz="quarter" idx="12"/>
+          </p:nvPr>
+        </p:nvSpPr>
+        <p:spPr>
+          <a:xfrm>
+            <a:off x="10351008" y="292608"/>
+            <a:ext cx="838199" cy="767687"/>
+          </a:xfrm>
+        </p:spPr>
+        <p:txBody>
+          <a:bodyPr/>
+          <a:lstStyle/>
+          <a:p>
+            <a:fld id="{D57F1E4F-1CFF-5643-939E-217C01CDF565}" type="slidenum">
+              <a:rPr lang="en-US" smtClean="0"/>
+              <a:pPr/>
+              <a:t>2</a:t>
+            </a:fld>
+            <a:endParaRPr lang="en-US" dirty="0"/>
+          </a:p>
+        </p:txBody>
+      </p:sp>
+    </p:spTree>
+    <p:extLst>
+      <p:ext uri="{BB962C8B-B14F-4D97-AF65-F5344CB8AC3E}">
+        <p14:creationId xmlns:p14="http://schemas.microsoft.com/office/powerpoint/2010/main" val="3230583778"/>
+      </p:ext>
+    </p:extLst>
+  </p:cSld>
+  <p:clrMapOvr>
+    <a:masterClrMapping/>
+  </p:clrMapOvr>
+  <p:timing>
+    <p:tnLst>
+      <p:par>
+        <p:cTn id="1" dur="indefinite" restart="never" nodeType="tmRoot"/>
+      </p:par>
+    </p:tnLst>
+  </p:timing>
+</p:sld>
+</file>
+
+<file path=ppt/slides/slide20.xml><?xml version="1.0" encoding="utf-8"?>
 <p:sld xmlns:a="http://schemas.openxmlformats.org/drawingml/2006/main" xmlns:r="http://schemas.openxmlformats.org/officeDocument/2006/relationships" xmlns:p="http://schemas.openxmlformats.org/presentationml/2006/main">
   <p:cSld>
     <p:bg>
@@ -19068,7 +21939,7 @@
 </p:sld>
 </file>
 
-<file path=ppt/slides/slide18.xml><?xml version="1.0" encoding="utf-8"?>
+<file path=ppt/slides/slide21.xml><?xml version="1.0" encoding="utf-8"?>
 <p:sld xmlns:a="http://schemas.openxmlformats.org/drawingml/2006/main" xmlns:r="http://schemas.openxmlformats.org/officeDocument/2006/relationships" xmlns:p="http://schemas.openxmlformats.org/presentationml/2006/main">
   <p:cSld>
     <p:bg>
@@ -19333,7 +22204,7 @@
 </p:sld>
 </file>
 
-<file path=ppt/slides/slide19.xml><?xml version="1.0" encoding="utf-8"?>
+<file path=ppt/slides/slide22.xml><?xml version="1.0" encoding="utf-8"?>
 <p:sld xmlns:a="http://schemas.openxmlformats.org/drawingml/2006/main" xmlns:r="http://schemas.openxmlformats.org/officeDocument/2006/relationships" xmlns:p="http://schemas.openxmlformats.org/presentationml/2006/main">
   <p:cSld>
     <p:bg>
@@ -19789,243 +22660,7 @@
 </p:sld>
 </file>
 
-<file path=ppt/slides/slide2.xml><?xml version="1.0" encoding="utf-8"?>
-<p:sld xmlns:a="http://schemas.openxmlformats.org/drawingml/2006/main" xmlns:r="http://schemas.openxmlformats.org/officeDocument/2006/relationships" xmlns:p="http://schemas.openxmlformats.org/presentationml/2006/main">
-  <p:cSld>
-    <p:spTree>
-      <p:nvGrpSpPr>
-        <p:cNvPr id="1" name=""/>
-        <p:cNvGrpSpPr/>
-        <p:nvPr/>
-      </p:nvGrpSpPr>
-      <p:grpSpPr>
-        <a:xfrm>
-          <a:off x="0" y="0"/>
-          <a:ext cx="0" cy="0"/>
-          <a:chOff x="0" y="0"/>
-          <a:chExt cx="0" cy="0"/>
-        </a:xfrm>
-      </p:grpSpPr>
-      <p:sp>
-        <p:nvSpPr>
-          <p:cNvPr id="2" name="Title 1"/>
-          <p:cNvSpPr>
-            <a:spLocks noGrp="1"/>
-          </p:cNvSpPr>
-          <p:nvPr>
-            <p:ph type="ctrTitle"/>
-          </p:nvPr>
-        </p:nvSpPr>
-        <p:spPr>
-          <a:xfrm>
-            <a:off x="9377266" y="6148873"/>
-            <a:ext cx="2313992" cy="220543"/>
-          </a:xfrm>
-        </p:spPr>
-        <p:txBody>
-          <a:bodyPr/>
-          <a:lstStyle/>
-          <a:p>
-            <a:pPr algn="ctr"/>
-            <a:r>
-              <a:rPr lang="en-US" sz="1100" b="1" dirty="0" smtClean="0">
-                <a:latin typeface="Segoe UI Light" panose="020B0502040204020203" pitchFamily="34" charset="0"/>
-                <a:cs typeface="Segoe UI Light" panose="020B0502040204020203" pitchFamily="34" charset="0"/>
-              </a:rPr>
-              <a:t>Type</a:t>
-            </a:r>
-            <a:r>
-              <a:rPr lang="en-US" sz="1100" dirty="0" smtClean="0">
-                <a:latin typeface="Segoe UI Light" panose="020B0502040204020203" pitchFamily="34" charset="0"/>
-                <a:cs typeface="Segoe UI Light" panose="020B0502040204020203" pitchFamily="34" charset="0"/>
-              </a:rPr>
-              <a:t>Script – </a:t>
-            </a:r>
-            <a:r>
-              <a:rPr lang="en-US" sz="1100" dirty="0" smtClean="0">
-                <a:solidFill>
-                  <a:srgbClr val="FFFF00"/>
-                </a:solidFill>
-                <a:latin typeface="Segoe UI Light" panose="020B0502040204020203" pitchFamily="34" charset="0"/>
-                <a:cs typeface="Segoe UI Light" panose="020B0502040204020203" pitchFamily="34" charset="0"/>
-              </a:rPr>
-              <a:t>www.typescriptlang.org</a:t>
-            </a:r>
-            <a:endParaRPr lang="en-US" sz="1100" dirty="0">
-              <a:solidFill>
-                <a:srgbClr val="FFFF00"/>
-              </a:solidFill>
-              <a:latin typeface="Segoe UI Light" panose="020B0502040204020203" pitchFamily="34" charset="0"/>
-              <a:cs typeface="Segoe UI Light" panose="020B0502040204020203" pitchFamily="34" charset="0"/>
-            </a:endParaRPr>
-          </a:p>
-        </p:txBody>
-      </p:sp>
-      <p:sp>
-        <p:nvSpPr>
-          <p:cNvPr id="5" name="Subtitle 4"/>
-          <p:cNvSpPr>
-            <a:spLocks noGrp="1"/>
-          </p:cNvSpPr>
-          <p:nvPr>
-            <p:ph type="subTitle" idx="1"/>
-          </p:nvPr>
-        </p:nvSpPr>
-        <p:spPr>
-          <a:xfrm>
-            <a:off x="1154955" y="1716832"/>
-            <a:ext cx="8825658" cy="3921967"/>
-          </a:xfrm>
-        </p:spPr>
-        <p:txBody>
-          <a:bodyPr>
-            <a:normAutofit/>
-          </a:bodyPr>
-          <a:lstStyle/>
-          <a:p>
-            <a:pPr marL="285750" indent="-285750">
-              <a:buClr>
-                <a:srgbClr val="FFFF00"/>
-              </a:buClr>
-              <a:buFont typeface="Wingdings" panose="05000000000000000000" pitchFamily="2" charset="2"/>
-              <a:buChar char="Ø"/>
-            </a:pPr>
-            <a:r>
-              <a:rPr lang="en-US" sz="2400" dirty="0" smtClean="0">
-                <a:solidFill>
-                  <a:schemeClr val="bg1"/>
-                </a:solidFill>
-                <a:latin typeface="Segoe UI Light" panose="020B0502040204020203" pitchFamily="34" charset="0"/>
-                <a:cs typeface="Segoe UI Light" panose="020B0502040204020203" pitchFamily="34" charset="0"/>
-              </a:rPr>
-              <a:t>What is typescript?</a:t>
-            </a:r>
-          </a:p>
-          <a:p>
-            <a:pPr marL="342900" indent="-342900">
-              <a:buClr>
-                <a:srgbClr val="FFFF00"/>
-              </a:buClr>
-              <a:buFont typeface="Wingdings" panose="05000000000000000000" pitchFamily="2" charset="2"/>
-              <a:buChar char="Ø"/>
-            </a:pPr>
-            <a:r>
-              <a:rPr lang="en-US" sz="2400" dirty="0" smtClean="0">
-                <a:solidFill>
-                  <a:schemeClr val="bg1"/>
-                </a:solidFill>
-                <a:latin typeface="Segoe UI Light" panose="020B0502040204020203" pitchFamily="34" charset="0"/>
-                <a:cs typeface="Segoe UI Light" panose="020B0502040204020203" pitchFamily="34" charset="0"/>
-              </a:rPr>
-              <a:t>Features</a:t>
-            </a:r>
-          </a:p>
-          <a:p>
-            <a:pPr marL="914400" lvl="1" indent="-457200" algn="l">
-              <a:buClr>
-                <a:srgbClr val="FFFF00"/>
-              </a:buClr>
-              <a:buFont typeface="Wingdings" panose="05000000000000000000" pitchFamily="2" charset="2"/>
-              <a:buChar char="§"/>
-            </a:pPr>
-            <a:r>
-              <a:rPr lang="en-US" sz="1800" dirty="0" smtClean="0">
-                <a:solidFill>
-                  <a:schemeClr val="bg1"/>
-                </a:solidFill>
-                <a:latin typeface="Segoe UI Light" panose="020B0502040204020203" pitchFamily="34" charset="0"/>
-                <a:cs typeface="Segoe UI Light" panose="020B0502040204020203" pitchFamily="34" charset="0"/>
-              </a:rPr>
-              <a:t>Basics</a:t>
-            </a:r>
-          </a:p>
-          <a:p>
-            <a:pPr marL="914400" lvl="1" indent="-457200" algn="l">
-              <a:buClr>
-                <a:srgbClr val="FFFF00"/>
-              </a:buClr>
-              <a:buFont typeface="Wingdings" panose="05000000000000000000" pitchFamily="2" charset="2"/>
-              <a:buChar char="§"/>
-            </a:pPr>
-            <a:r>
-              <a:rPr lang="en-US" sz="1800" dirty="0" smtClean="0">
-                <a:solidFill>
-                  <a:schemeClr val="bg1"/>
-                </a:solidFill>
-                <a:latin typeface="Segoe UI Light" panose="020B0502040204020203" pitchFamily="34" charset="0"/>
-                <a:cs typeface="Segoe UI Light" panose="020B0502040204020203" pitchFamily="34" charset="0"/>
-              </a:rPr>
-              <a:t>Advanced</a:t>
-            </a:r>
-            <a:endParaRPr lang="en-US" sz="1800" dirty="0">
-              <a:solidFill>
-                <a:schemeClr val="bg1"/>
-              </a:solidFill>
-              <a:latin typeface="Segoe UI Light" panose="020B0502040204020203" pitchFamily="34" charset="0"/>
-              <a:cs typeface="Segoe UI Light" panose="020B0502040204020203" pitchFamily="34" charset="0"/>
-            </a:endParaRPr>
-          </a:p>
-          <a:p>
-            <a:endParaRPr lang="en-US" dirty="0">
-              <a:solidFill>
-                <a:schemeClr val="bg1"/>
-              </a:solidFill>
-              <a:latin typeface="Segoe UI Light" panose="020B0502040204020203" pitchFamily="34" charset="0"/>
-              <a:cs typeface="Segoe UI Light" panose="020B0502040204020203" pitchFamily="34" charset="0"/>
-            </a:endParaRPr>
-          </a:p>
-        </p:txBody>
-      </p:sp>
-      <p:sp>
-        <p:nvSpPr>
-          <p:cNvPr id="8" name="Slide Number Placeholder 6"/>
-          <p:cNvSpPr>
-            <a:spLocks noGrp="1"/>
-          </p:cNvSpPr>
-          <p:nvPr>
-            <p:ph type="sldNum" sz="quarter" idx="12"/>
-          </p:nvPr>
-        </p:nvSpPr>
-        <p:spPr>
-          <a:xfrm>
-            <a:off x="10351008" y="292608"/>
-            <a:ext cx="838199" cy="767687"/>
-          </a:xfrm>
-        </p:spPr>
-        <p:txBody>
-          <a:bodyPr/>
-          <a:lstStyle/>
-          <a:p>
-            <a:fld id="{D57F1E4F-1CFF-5643-939E-217C01CDF565}" type="slidenum">
-              <a:rPr lang="en-US" smtClean="0"/>
-              <a:pPr/>
-              <a:t>2</a:t>
-            </a:fld>
-            <a:endParaRPr lang="en-US" dirty="0"/>
-          </a:p>
-        </p:txBody>
-      </p:sp>
-    </p:spTree>
-    <p:extLst>
-      <p:ext uri="{BB962C8B-B14F-4D97-AF65-F5344CB8AC3E}">
-        <p14:creationId xmlns:p14="http://schemas.microsoft.com/office/powerpoint/2010/main" val="3230583778"/>
-      </p:ext>
-    </p:extLst>
-  </p:cSld>
-  <p:clrMapOvr>
-    <a:masterClrMapping/>
-  </p:clrMapOvr>
-  <p:timing>
-    <p:tnLst>
-      <p:par>
-        <p:cTn id="1" dur="indefinite" restart="never" nodeType="tmRoot"/>
-      </p:par>
-    </p:tnLst>
-  </p:timing>
-</p:sld>
-</file>
-
-<file path=ppt/slides/slide20.xml><?xml version="1.0" encoding="utf-8"?>
+<file path=ppt/slides/slide23.xml><?xml version="1.0" encoding="utf-8"?>
 <p:sld xmlns:a="http://schemas.openxmlformats.org/drawingml/2006/main" xmlns:r="http://schemas.openxmlformats.org/officeDocument/2006/relationships" xmlns:p="http://schemas.openxmlformats.org/presentationml/2006/main">
   <p:cSld>
     <p:bg>
@@ -20649,7 +23284,7 @@
 </p:sld>
 </file>
 
-<file path=ppt/slides/slide21.xml><?xml version="1.0" encoding="utf-8"?>
+<file path=ppt/slides/slide24.xml><?xml version="1.0" encoding="utf-8"?>
 <p:sld xmlns:a="http://schemas.openxmlformats.org/drawingml/2006/main" xmlns:r="http://schemas.openxmlformats.org/officeDocument/2006/relationships" xmlns:p="http://schemas.openxmlformats.org/presentationml/2006/main">
   <p:cSld>
     <p:bg>
@@ -21238,7 +23873,7 @@
 </p:sld>
 </file>
 
-<file path=ppt/slides/slide22.xml><?xml version="1.0" encoding="utf-8"?>
+<file path=ppt/slides/slide25.xml><?xml version="1.0" encoding="utf-8"?>
 <p:sld xmlns:a="http://schemas.openxmlformats.org/drawingml/2006/main" xmlns:r="http://schemas.openxmlformats.org/officeDocument/2006/relationships" xmlns:p="http://schemas.openxmlformats.org/presentationml/2006/main">
   <p:cSld>
     <p:bg>
@@ -21653,7 +24288,7 @@
 </p:sld>
 </file>
 
-<file path=ppt/slides/slide23.xml><?xml version="1.0" encoding="utf-8"?>
+<file path=ppt/slides/slide26.xml><?xml version="1.0" encoding="utf-8"?>
 <p:sld xmlns:a="http://schemas.openxmlformats.org/drawingml/2006/main" xmlns:r="http://schemas.openxmlformats.org/officeDocument/2006/relationships" xmlns:p="http://schemas.openxmlformats.org/presentationml/2006/main">
   <p:cSld>
     <p:bg>
@@ -22222,7 +24857,7 @@
 </p:sld>
 </file>
 
-<file path=ppt/slides/slide24.xml><?xml version="1.0" encoding="utf-8"?>
+<file path=ppt/slides/slide27.xml><?xml version="1.0" encoding="utf-8"?>
 <p:sld xmlns:a="http://schemas.openxmlformats.org/drawingml/2006/main" xmlns:r="http://schemas.openxmlformats.org/officeDocument/2006/relationships" xmlns:p="http://schemas.openxmlformats.org/presentationml/2006/main">
   <p:cSld>
     <p:bg>
@@ -22908,7 +25543,7 @@
                 <a:latin typeface="Segoe UI Light" panose="020B0502040204020203" pitchFamily="34" charset="0"/>
                 <a:cs typeface="Segoe UI Light" panose="020B0502040204020203" pitchFamily="34" charset="0"/>
               </a:rPr>
-              <a:t>Script ?</a:t>
+              <a:t>Script </a:t>
             </a:r>
             <a:endParaRPr lang="en-US" sz="2800" dirty="0">
               <a:solidFill>
@@ -23643,11 +26278,31 @@
                 <a:latin typeface="Segoe UI Light" panose="020B0502040204020203" pitchFamily="34" charset="0"/>
                 <a:cs typeface="Segoe UI Light" panose="020B0502040204020203" pitchFamily="34" charset="0"/>
               </a:rPr>
-              <a:t>Script  -  Goals</a:t>
-            </a:r>
-            <a:endParaRPr lang="en-US" sz="2800" dirty="0">
+              <a:t>Script </a:t>
+            </a:r>
+            <a:r>
+              <a:rPr lang="en-US" sz="2800" dirty="0" smtClean="0">
+                <a:solidFill>
+                  <a:schemeClr val="bg1"/>
+                </a:solidFill>
+                <a:latin typeface="Segoe UI Light" panose="020B0502040204020203" pitchFamily="34" charset="0"/>
+                <a:cs typeface="Segoe UI Light" panose="020B0502040204020203" pitchFamily="34" charset="0"/>
+              </a:rPr>
+              <a:t>- </a:t>
+            </a:r>
+            <a:r>
+              <a:rPr lang="en-US" sz="2400" dirty="0" smtClean="0">
+                <a:solidFill>
+                  <a:srgbClr val="FFFF00"/>
+                </a:solidFill>
+                <a:latin typeface="Segoe UI Light" panose="020B0502040204020203" pitchFamily="34" charset="0"/>
+                <a:cs typeface="Segoe UI Light" panose="020B0502040204020203" pitchFamily="34" charset="0"/>
+              </a:rPr>
+              <a:t>Goals</a:t>
+            </a:r>
+            <a:endParaRPr lang="en-US" sz="2400" dirty="0">
               <a:solidFill>
-                <a:schemeClr val="bg1"/>
+                <a:srgbClr val="FFFF00"/>
               </a:solidFill>
               <a:latin typeface="Segoe UI Light" panose="020B0502040204020203" pitchFamily="34" charset="0"/>
               <a:cs typeface="Segoe UI Light" panose="020B0502040204020203" pitchFamily="34" charset="0"/>
@@ -24334,7 +26989,7 @@
         <p:spPr>
           <a:xfrm>
             <a:off x="1045029" y="1526721"/>
-            <a:ext cx="4665306" cy="5663089"/>
+            <a:ext cx="4665306" cy="4524315"/>
           </a:xfrm>
           <a:prstGeom prst="rect">
             <a:avLst/>
@@ -24498,8 +27153,15 @@
                 <a:latin typeface="Segoe UI Light" panose="020B0502040204020203" pitchFamily="34" charset="0"/>
                 <a:cs typeface="Segoe UI Light" panose="020B0502040204020203" pitchFamily="34" charset="0"/>
               </a:rPr>
-              <a:t>Namespaces – Modules</a:t>
-            </a:r>
+              <a:t>Generics</a:t>
+            </a:r>
+            <a:endParaRPr lang="en-US" dirty="0" smtClean="0">
+              <a:solidFill>
+                <a:schemeClr val="bg1"/>
+              </a:solidFill>
+              <a:latin typeface="Segoe UI Light" panose="020B0502040204020203" pitchFamily="34" charset="0"/>
+              <a:cs typeface="Segoe UI Light" panose="020B0502040204020203" pitchFamily="34" charset="0"/>
+            </a:endParaRPr>
           </a:p>
           <a:p>
             <a:pPr marL="285750" indent="-285750">
@@ -24533,120 +27195,16 @@
                 <a:latin typeface="Segoe UI Light" panose="020B0502040204020203" pitchFamily="34" charset="0"/>
                 <a:cs typeface="Segoe UI Light" panose="020B0502040204020203" pitchFamily="34" charset="0"/>
               </a:rPr>
-              <a:t>Generics</a:t>
-            </a:r>
-          </a:p>
-          <a:p>
-            <a:pPr marL="285750" indent="-285750">
+              <a:t>Namespaces – Modules</a:t>
+            </a:r>
+          </a:p>
+          <a:p>
+            <a:pPr>
               <a:buClr>
                 <a:srgbClr val="FFFF00"/>
               </a:buClr>
-              <a:buFont typeface="Arial" panose="020B0604020202020204" pitchFamily="34" charset="0"/>
-              <a:buChar char="•"/>
             </a:pPr>
             <a:endParaRPr lang="en-US" dirty="0">
-              <a:solidFill>
-                <a:schemeClr val="bg1"/>
-              </a:solidFill>
-              <a:latin typeface="Segoe UI Light" panose="020B0502040204020203" pitchFamily="34" charset="0"/>
-              <a:cs typeface="Segoe UI Light" panose="020B0502040204020203" pitchFamily="34" charset="0"/>
-            </a:endParaRPr>
-          </a:p>
-          <a:p>
-            <a:pPr marL="285750" indent="-285750">
-              <a:buClr>
-                <a:srgbClr val="FFFF00"/>
-              </a:buClr>
-              <a:buFont typeface="Arial" panose="020B0604020202020204" pitchFamily="34" charset="0"/>
-              <a:buChar char="•"/>
-            </a:pPr>
-            <a:r>
-              <a:rPr lang="en-US" dirty="0" smtClean="0">
-                <a:solidFill>
-                  <a:schemeClr val="bg1"/>
-                </a:solidFill>
-                <a:latin typeface="Segoe UI Light" panose="020B0502040204020203" pitchFamily="34" charset="0"/>
-                <a:cs typeface="Segoe UI Light" panose="020B0502040204020203" pitchFamily="34" charset="0"/>
-              </a:rPr>
-              <a:t>Integrating with Build Tools</a:t>
-            </a:r>
-          </a:p>
-          <a:p>
-            <a:pPr marL="742950" lvl="1" indent="-285750">
-              <a:buClr>
-                <a:srgbClr val="FFFF00"/>
-              </a:buClr>
-              <a:buFont typeface="Wingdings" panose="05000000000000000000" pitchFamily="2" charset="2"/>
-              <a:buChar char="§"/>
-            </a:pPr>
-            <a:r>
-              <a:rPr lang="en-US" sz="1400" dirty="0" smtClean="0">
-                <a:solidFill>
-                  <a:schemeClr val="bg1"/>
-                </a:solidFill>
-                <a:latin typeface="Segoe UI Light" panose="020B0502040204020203" pitchFamily="34" charset="0"/>
-                <a:cs typeface="Segoe UI Light" panose="020B0502040204020203" pitchFamily="34" charset="0"/>
-              </a:rPr>
-              <a:t>Gulp</a:t>
-            </a:r>
-          </a:p>
-          <a:p>
-            <a:pPr marL="742950" lvl="1" indent="-285750">
-              <a:buClr>
-                <a:srgbClr val="FFFF00"/>
-              </a:buClr>
-              <a:buFont typeface="Wingdings" panose="05000000000000000000" pitchFamily="2" charset="2"/>
-              <a:buChar char="§"/>
-            </a:pPr>
-            <a:r>
-              <a:rPr lang="en-US" sz="1400" dirty="0" smtClean="0">
-                <a:solidFill>
-                  <a:schemeClr val="bg1"/>
-                </a:solidFill>
-                <a:latin typeface="Segoe UI Light" panose="020B0502040204020203" pitchFamily="34" charset="0"/>
-                <a:cs typeface="Segoe UI Light" panose="020B0502040204020203" pitchFamily="34" charset="0"/>
-              </a:rPr>
-              <a:t>Grunt</a:t>
-            </a:r>
-          </a:p>
-          <a:p>
-            <a:pPr marL="742950" lvl="1" indent="-285750">
-              <a:buClr>
-                <a:srgbClr val="FFFF00"/>
-              </a:buClr>
-              <a:buFont typeface="Wingdings" panose="05000000000000000000" pitchFamily="2" charset="2"/>
-              <a:buChar char="§"/>
-            </a:pPr>
-            <a:r>
-              <a:rPr lang="en-US" sz="1400" dirty="0" smtClean="0">
-                <a:solidFill>
-                  <a:schemeClr val="bg1"/>
-                </a:solidFill>
-                <a:latin typeface="Segoe UI Light" panose="020B0502040204020203" pitchFamily="34" charset="0"/>
-                <a:cs typeface="Segoe UI Light" panose="020B0502040204020203" pitchFamily="34" charset="0"/>
-              </a:rPr>
-              <a:t>Webpack</a:t>
-            </a:r>
-          </a:p>
-          <a:p>
-            <a:pPr marL="742950" lvl="1" indent="-285750">
-              <a:buClr>
-                <a:srgbClr val="FFFF00"/>
-              </a:buClr>
-              <a:buFont typeface="Wingdings" panose="05000000000000000000" pitchFamily="2" charset="2"/>
-              <a:buChar char="§"/>
-            </a:pPr>
-            <a:r>
-              <a:rPr lang="en-US" sz="1400" dirty="0" smtClean="0">
-                <a:solidFill>
-                  <a:schemeClr val="bg1"/>
-                </a:solidFill>
-                <a:latin typeface="Segoe UI Light" panose="020B0502040204020203" pitchFamily="34" charset="0"/>
-                <a:cs typeface="Segoe UI Light" panose="020B0502040204020203" pitchFamily="34" charset="0"/>
-              </a:rPr>
-              <a:t>......	</a:t>
-            </a:r>
-            <a:endParaRPr lang="en-US" sz="1400" dirty="0">
               <a:solidFill>
                 <a:schemeClr val="bg1"/>
               </a:solidFill>
@@ -27806,9 +30364,10 @@
           <a:lstStyle/>
           <a:p>
             <a:r>
-              <a:rPr lang="en-US" dirty="0"/>
-              <a:t>8</a:t>
-            </a:r>
+              <a:rPr lang="en-US" dirty="0" smtClean="0"/>
+              <a:t>7</a:t>
+            </a:r>
+            <a:endParaRPr lang="en-US" dirty="0"/>
           </a:p>
         </p:txBody>
       </p:sp>
@@ -27892,11 +30451,21 @@
                 <a:latin typeface="Segoe UI Light" panose="020B0502040204020203" pitchFamily="34" charset="0"/>
                 <a:cs typeface="Segoe UI Light" panose="020B0502040204020203" pitchFamily="34" charset="0"/>
               </a:rPr>
-              <a:t>Classes</a:t>
+              <a:t>Interfaces – </a:t>
+            </a:r>
+            <a:r>
+              <a:rPr lang="en-US" sz="1600" dirty="0" smtClean="0">
+                <a:solidFill>
+                  <a:srgbClr val="00B0F0"/>
+                </a:solidFill>
+                <a:latin typeface="Segoe UI Light" panose="020B0502040204020203" pitchFamily="34" charset="0"/>
+                <a:cs typeface="Segoe UI Light" panose="020B0502040204020203" pitchFamily="34" charset="0"/>
+              </a:rPr>
+              <a:t>Function Type</a:t>
             </a:r>
             <a:endParaRPr lang="en-US" sz="1600" dirty="0">
               <a:solidFill>
-                <a:srgbClr val="FFFF00"/>
+                <a:srgbClr val="00B0F0"/>
               </a:solidFill>
               <a:latin typeface="Segoe UI Light" panose="020B0502040204020203" pitchFamily="34" charset="0"/>
               <a:cs typeface="Segoe UI Light" panose="020B0502040204020203" pitchFamily="34" charset="0"/>
@@ -27913,7 +30482,7 @@
         <p:spPr>
           <a:xfrm>
             <a:off x="1045029" y="1526721"/>
-            <a:ext cx="3390900" cy="646331"/>
+            <a:ext cx="10144178" cy="923330"/>
           </a:xfrm>
           <a:prstGeom prst="rect">
             <a:avLst/>
@@ -27926,10 +30495,28 @@
           </a:bodyPr>
           <a:lstStyle/>
           <a:p>
-            <a:pPr>
+            <a:pPr marL="285750" indent="-285750">
               <a:buClr>
                 <a:srgbClr val="FFFF00"/>
               </a:buClr>
+              <a:buFont typeface="Wingdings" panose="05000000000000000000" pitchFamily="2" charset="2"/>
+              <a:buChar char="§"/>
+            </a:pPr>
+            <a:endParaRPr lang="en-US" dirty="0">
+              <a:solidFill>
+                <a:schemeClr val="bg1"/>
+              </a:solidFill>
+              <a:latin typeface="Segoe UI Light" panose="020B0502040204020203" pitchFamily="34" charset="0"/>
+              <a:cs typeface="Segoe UI Light" panose="020B0502040204020203" pitchFamily="34" charset="0"/>
+            </a:endParaRPr>
+          </a:p>
+          <a:p>
+            <a:pPr marL="285750" indent="-285750">
+              <a:buClr>
+                <a:srgbClr val="FFFF00"/>
+              </a:buClr>
+              <a:buFont typeface="Arial" panose="020B0604020202020204" pitchFamily="34" charset="0"/>
+              <a:buChar char="•"/>
             </a:pPr>
             <a:endParaRPr lang="en-US" dirty="0" smtClean="0">
               <a:solidFill>
@@ -28026,102 +30613,17 @@
         </p:blipFill>
         <p:spPr>
           <a:xfrm>
-            <a:off x="1113472" y="1849886"/>
-            <a:ext cx="3390900" cy="2019300"/>
+            <a:off x="900112" y="2916477"/>
+            <a:ext cx="3190875" cy="628650"/>
           </a:xfrm>
           <a:prstGeom prst="rect">
             <a:avLst/>
           </a:prstGeom>
         </p:spPr>
       </p:pic>
-      <p:sp>
-        <p:nvSpPr>
-          <p:cNvPr id="4" name="TextBox 3"/>
-          <p:cNvSpPr txBox="1"/>
-          <p:nvPr/>
-        </p:nvSpPr>
-        <p:spPr>
-          <a:xfrm>
-            <a:off x="6781800" y="1278928"/>
-            <a:ext cx="2905125" cy="369332"/>
-          </a:xfrm>
-          <a:prstGeom prst="rect">
-            <a:avLst/>
-          </a:prstGeom>
-          <a:noFill/>
-        </p:spPr>
-        <p:txBody>
-          <a:bodyPr wrap="square" rtlCol="0">
-            <a:spAutoFit/>
-          </a:bodyPr>
-          <a:lstStyle/>
-          <a:p>
-            <a:r>
-              <a:rPr lang="en-US" dirty="0" smtClean="0">
-                <a:solidFill>
-                  <a:schemeClr val="bg1"/>
-                </a:solidFill>
-                <a:latin typeface="Segoe UI Light" panose="020B0502040204020203" pitchFamily="34" charset="0"/>
-                <a:cs typeface="Segoe UI Light" panose="020B0502040204020203" pitchFamily="34" charset="0"/>
-              </a:rPr>
-              <a:t>Parameter Properties</a:t>
-            </a:r>
-            <a:endParaRPr lang="en-US" dirty="0">
-              <a:solidFill>
-                <a:schemeClr val="bg1"/>
-              </a:solidFill>
-              <a:latin typeface="Segoe UI Light" panose="020B0502040204020203" pitchFamily="34" charset="0"/>
-              <a:cs typeface="Segoe UI Light" panose="020B0502040204020203" pitchFamily="34" charset="0"/>
-            </a:endParaRPr>
-          </a:p>
-        </p:txBody>
-      </p:sp>
-      <p:sp>
-        <p:nvSpPr>
-          <p:cNvPr id="11" name="TextBox 10"/>
-          <p:cNvSpPr txBox="1"/>
-          <p:nvPr/>
-        </p:nvSpPr>
-        <p:spPr>
-          <a:xfrm>
-            <a:off x="1113472" y="1278928"/>
-            <a:ext cx="3322457" cy="369332"/>
-          </a:xfrm>
-          <a:prstGeom prst="rect">
-            <a:avLst/>
-          </a:prstGeom>
-          <a:noFill/>
-        </p:spPr>
-        <p:txBody>
-          <a:bodyPr wrap="square" rtlCol="0">
-            <a:spAutoFit/>
-          </a:bodyPr>
-          <a:lstStyle/>
-          <a:p>
-            <a:pPr algn="ctr"/>
-            <a:r>
-              <a:rPr lang="en-US" dirty="0" smtClean="0">
-                <a:solidFill>
-                  <a:schemeClr val="bg1"/>
-                </a:solidFill>
-                <a:latin typeface="Segoe UI Light" panose="020B0502040204020203" pitchFamily="34" charset="0"/>
-                <a:cs typeface="Segoe UI Light" panose="020B0502040204020203" pitchFamily="34" charset="0"/>
-              </a:rPr>
-              <a:t>Simple class-based</a:t>
-            </a:r>
-            <a:endParaRPr lang="en-US" dirty="0">
-              <a:solidFill>
-                <a:schemeClr val="bg1"/>
-              </a:solidFill>
-              <a:latin typeface="Segoe UI Light" panose="020B0502040204020203" pitchFamily="34" charset="0"/>
-              <a:cs typeface="Segoe UI Light" panose="020B0502040204020203" pitchFamily="34" charset="0"/>
-            </a:endParaRPr>
-          </a:p>
-        </p:txBody>
-      </p:sp>
       <p:pic>
         <p:nvPicPr>
-          <p:cNvPr id="5" name="Picture 4"/>
+          <p:cNvPr id="3" name="Picture 2"/>
           <p:cNvPicPr>
             <a:picLocks noChangeAspect="1"/>
           </p:cNvPicPr>
@@ -28135,194 +30637,183 @@
         </p:blipFill>
         <p:spPr>
           <a:xfrm>
-            <a:off x="6348412" y="1849886"/>
-            <a:ext cx="3771900" cy="1819275"/>
+            <a:off x="6117118" y="1352368"/>
+            <a:ext cx="4019550" cy="1038225"/>
           </a:xfrm>
           <a:prstGeom prst="rect">
             <a:avLst/>
           </a:prstGeom>
         </p:spPr>
       </p:pic>
-      <p:sp>
-        <p:nvSpPr>
-          <p:cNvPr id="12" name="TextBox 11"/>
-          <p:cNvSpPr txBox="1"/>
+      <p:pic>
+        <p:nvPicPr>
+          <p:cNvPr id="4" name="Picture 3"/>
+          <p:cNvPicPr>
+            <a:picLocks noChangeAspect="1"/>
+          </p:cNvPicPr>
           <p:nvPr/>
-        </p:nvSpPr>
+        </p:nvPicPr>
+        <p:blipFill>
+          <a:blip r:embed="rId4"/>
+          <a:stretch>
+            <a:fillRect/>
+          </a:stretch>
+        </p:blipFill>
         <p:spPr>
           <a:xfrm>
-            <a:off x="1045029" y="4192351"/>
-            <a:ext cx="10144178" cy="1477328"/>
+            <a:off x="6117118" y="2745027"/>
+            <a:ext cx="4819650" cy="971550"/>
           </a:xfrm>
           <a:prstGeom prst="rect">
             <a:avLst/>
           </a:prstGeom>
-          <a:noFill/>
         </p:spPr>
-        <p:txBody>
-          <a:bodyPr wrap="square" rtlCol="0">
-            <a:spAutoFit/>
-          </a:bodyPr>
-          <a:lstStyle/>
-          <a:p>
-            <a:pPr marL="285750" indent="-285750">
-              <a:buClr>
-                <a:srgbClr val="FFFF00"/>
-              </a:buClr>
-              <a:buFont typeface="Arial" panose="020B0604020202020204" pitchFamily="34" charset="0"/>
-              <a:buChar char="•"/>
-            </a:pPr>
-            <a:r>
-              <a:rPr lang="en-US" dirty="0" smtClean="0">
-                <a:solidFill>
-                  <a:schemeClr val="bg1"/>
-                </a:solidFill>
-                <a:latin typeface="Segoe UI Light" panose="020B0502040204020203" pitchFamily="34" charset="0"/>
-                <a:cs typeface="Segoe UI Light" panose="020B0502040204020203" pitchFamily="34" charset="0"/>
-              </a:rPr>
-              <a:t>Three modifiers : </a:t>
-            </a:r>
-            <a:r>
-              <a:rPr lang="en-US" b="1" i="1" dirty="0" smtClean="0">
-                <a:solidFill>
-                  <a:srgbClr val="00B0F0"/>
-                </a:solidFill>
-                <a:latin typeface="Segoe UI Light" panose="020B0502040204020203" pitchFamily="34" charset="0"/>
-                <a:cs typeface="Segoe UI Light" panose="020B0502040204020203" pitchFamily="34" charset="0"/>
-              </a:rPr>
-              <a:t>public</a:t>
-            </a:r>
-            <a:r>
-              <a:rPr lang="en-US" b="1" i="1" dirty="0" smtClean="0">
-                <a:solidFill>
-                  <a:srgbClr val="FFFF00"/>
-                </a:solidFill>
-                <a:latin typeface="Segoe UI Light" panose="020B0502040204020203" pitchFamily="34" charset="0"/>
-                <a:cs typeface="Segoe UI Light" panose="020B0502040204020203" pitchFamily="34" charset="0"/>
-              </a:rPr>
-              <a:t> , private, protected</a:t>
-            </a:r>
-          </a:p>
-          <a:p>
-            <a:pPr marL="285750" indent="-285750">
-              <a:buClr>
-                <a:srgbClr val="FFFF00"/>
-              </a:buClr>
-              <a:buFont typeface="Arial" panose="020B0604020202020204" pitchFamily="34" charset="0"/>
-              <a:buChar char="•"/>
-            </a:pPr>
-            <a:endParaRPr lang="en-US" b="1" i="1" dirty="0" smtClean="0">
-              <a:solidFill>
-                <a:srgbClr val="FFFF00"/>
-              </a:solidFill>
-              <a:latin typeface="Segoe UI Light" panose="020B0502040204020203" pitchFamily="34" charset="0"/>
-              <a:cs typeface="Segoe UI Light" panose="020B0502040204020203" pitchFamily="34" charset="0"/>
-            </a:endParaRPr>
-          </a:p>
-          <a:p>
-            <a:pPr marL="285750" indent="-285750">
-              <a:buClr>
-                <a:srgbClr val="FFFF00"/>
-              </a:buClr>
-              <a:buFont typeface="Arial" panose="020B0604020202020204" pitchFamily="34" charset="0"/>
-              <a:buChar char="•"/>
-            </a:pPr>
-            <a:r>
-              <a:rPr lang="en-US" i="1" dirty="0" smtClean="0">
-                <a:solidFill>
-                  <a:srgbClr val="FFFF00"/>
-                </a:solidFill>
-                <a:latin typeface="Segoe UI Light" panose="020B0502040204020203" pitchFamily="34" charset="0"/>
-                <a:cs typeface="Segoe UI Light" panose="020B0502040204020203" pitchFamily="34" charset="0"/>
-              </a:rPr>
-              <a:t>Private </a:t>
-            </a:r>
-            <a:r>
-              <a:rPr lang="en-US" dirty="0" smtClean="0">
-                <a:solidFill>
-                  <a:schemeClr val="bg1"/>
-                </a:solidFill>
-                <a:latin typeface="Segoe UI Light" panose="020B0502040204020203" pitchFamily="34" charset="0"/>
-                <a:cs typeface="Segoe UI Light" panose="020B0502040204020203" pitchFamily="34" charset="0"/>
-              </a:rPr>
-              <a:t>member cannot be accessed from outside of it containing class</a:t>
-            </a:r>
-            <a:endParaRPr lang="en-US" i="1" dirty="0">
-              <a:solidFill>
-                <a:schemeClr val="bg1"/>
-              </a:solidFill>
-              <a:latin typeface="Segoe UI Light" panose="020B0502040204020203" pitchFamily="34" charset="0"/>
-              <a:cs typeface="Segoe UI Light" panose="020B0502040204020203" pitchFamily="34" charset="0"/>
-            </a:endParaRPr>
-          </a:p>
-          <a:p>
-            <a:pPr marL="285750" indent="-285750">
-              <a:buClr>
-                <a:srgbClr val="FFFF00"/>
-              </a:buClr>
-              <a:buFont typeface="Arial" panose="020B0604020202020204" pitchFamily="34" charset="0"/>
-              <a:buChar char="•"/>
-            </a:pPr>
-            <a:endParaRPr lang="en-US" dirty="0" smtClean="0">
-              <a:solidFill>
-                <a:srgbClr val="FFFF00"/>
-              </a:solidFill>
-              <a:latin typeface="Segoe UI Light" panose="020B0502040204020203" pitchFamily="34" charset="0"/>
-              <a:cs typeface="Segoe UI Light" panose="020B0502040204020203" pitchFamily="34" charset="0"/>
-            </a:endParaRPr>
-          </a:p>
-          <a:p>
-            <a:pPr marL="285750" indent="-285750">
-              <a:buClr>
-                <a:srgbClr val="FFFF00"/>
-              </a:buClr>
-              <a:buFont typeface="Arial" panose="020B0604020202020204" pitchFamily="34" charset="0"/>
-              <a:buChar char="•"/>
-            </a:pPr>
-            <a:r>
-              <a:rPr lang="en-US" i="1" dirty="0" smtClean="0">
-                <a:solidFill>
-                  <a:srgbClr val="FFFF00"/>
-                </a:solidFill>
-                <a:latin typeface="Segoe UI Light" panose="020B0502040204020203" pitchFamily="34" charset="0"/>
-                <a:cs typeface="Segoe UI Light" panose="020B0502040204020203" pitchFamily="34" charset="0"/>
-              </a:rPr>
-              <a:t>Protected</a:t>
-            </a:r>
-            <a:r>
-              <a:rPr lang="en-US" dirty="0" smtClean="0">
-                <a:solidFill>
-                  <a:srgbClr val="FFFF00"/>
-                </a:solidFill>
-                <a:latin typeface="Segoe UI Light" panose="020B0502040204020203" pitchFamily="34" charset="0"/>
-                <a:cs typeface="Segoe UI Light" panose="020B0502040204020203" pitchFamily="34" charset="0"/>
-              </a:rPr>
-              <a:t> </a:t>
-            </a:r>
-            <a:r>
-              <a:rPr lang="en-US" dirty="0" smtClean="0">
-                <a:solidFill>
-                  <a:schemeClr val="bg1"/>
-                </a:solidFill>
-                <a:latin typeface="Segoe UI Light" panose="020B0502040204020203" pitchFamily="34" charset="0"/>
-                <a:cs typeface="Segoe UI Light" panose="020B0502040204020203" pitchFamily="34" charset="0"/>
-              </a:rPr>
-              <a:t>member can also be access from instances of deriving classes</a:t>
-            </a:r>
-            <a:endParaRPr lang="en-US" dirty="0">
-              <a:solidFill>
-                <a:schemeClr val="bg1"/>
-              </a:solidFill>
-              <a:latin typeface="Segoe UI Light" panose="020B0502040204020203" pitchFamily="34" charset="0"/>
-              <a:cs typeface="Segoe UI Light" panose="020B0502040204020203" pitchFamily="34" charset="0"/>
-            </a:endParaRPr>
-          </a:p>
-        </p:txBody>
-      </p:sp>
+      </p:pic>
+      <p:pic>
+        <p:nvPicPr>
+          <p:cNvPr id="5" name="Picture 4"/>
+          <p:cNvPicPr>
+            <a:picLocks noChangeAspect="1"/>
+          </p:cNvPicPr>
+          <p:nvPr/>
+        </p:nvPicPr>
+        <p:blipFill>
+          <a:blip r:embed="rId5"/>
+          <a:stretch>
+            <a:fillRect/>
+          </a:stretch>
+        </p:blipFill>
+        <p:spPr>
+          <a:xfrm>
+            <a:off x="6117118" y="4050251"/>
+            <a:ext cx="3286125" cy="1047750"/>
+          </a:xfrm>
+          <a:prstGeom prst="rect">
+            <a:avLst/>
+          </a:prstGeom>
+        </p:spPr>
+      </p:pic>
+      <p:cxnSp>
+        <p:nvCxnSpPr>
+          <p:cNvPr id="11" name="Straight Arrow Connector 10"/>
+          <p:cNvCxnSpPr>
+            <a:stCxn id="2" idx="3"/>
+            <a:endCxn id="3" idx="1"/>
+          </p:cNvCxnSpPr>
+          <p:nvPr/>
+        </p:nvCxnSpPr>
+        <p:spPr>
+          <a:xfrm flipV="1">
+            <a:off x="4090987" y="1871481"/>
+            <a:ext cx="2026131" cy="1359321"/>
+          </a:xfrm>
+          <a:prstGeom prst="straightConnector1">
+            <a:avLst/>
+          </a:prstGeom>
+          <a:ln>
+            <a:solidFill>
+              <a:srgbClr val="FFFF00"/>
+            </a:solidFill>
+            <a:tailEnd type="triangle"/>
+          </a:ln>
+        </p:spPr>
+        <p:style>
+          <a:lnRef idx="1">
+            <a:schemeClr val="accent1"/>
+          </a:lnRef>
+          <a:fillRef idx="0">
+            <a:schemeClr val="accent1"/>
+          </a:fillRef>
+          <a:effectRef idx="0">
+            <a:schemeClr val="accent1"/>
+          </a:effectRef>
+          <a:fontRef idx="minor">
+            <a:schemeClr val="tx1"/>
+          </a:fontRef>
+        </p:style>
+      </p:cxnSp>
+      <p:cxnSp>
+        <p:nvCxnSpPr>
+          <p:cNvPr id="14" name="Straight Arrow Connector 13"/>
+          <p:cNvCxnSpPr>
+            <a:stCxn id="2" idx="3"/>
+            <a:endCxn id="4" idx="1"/>
+          </p:cNvCxnSpPr>
+          <p:nvPr/>
+        </p:nvCxnSpPr>
+        <p:spPr>
+          <a:xfrm>
+            <a:off x="4090987" y="3230802"/>
+            <a:ext cx="2026131" cy="0"/>
+          </a:xfrm>
+          <a:prstGeom prst="straightConnector1">
+            <a:avLst/>
+          </a:prstGeom>
+          <a:ln>
+            <a:solidFill>
+              <a:srgbClr val="FFFF00"/>
+            </a:solidFill>
+            <a:tailEnd type="triangle"/>
+          </a:ln>
+        </p:spPr>
+        <p:style>
+          <a:lnRef idx="1">
+            <a:schemeClr val="accent1"/>
+          </a:lnRef>
+          <a:fillRef idx="0">
+            <a:schemeClr val="accent1"/>
+          </a:fillRef>
+          <a:effectRef idx="0">
+            <a:schemeClr val="accent1"/>
+          </a:effectRef>
+          <a:fontRef idx="minor">
+            <a:schemeClr val="tx1"/>
+          </a:fontRef>
+        </p:style>
+      </p:cxnSp>
+      <p:cxnSp>
+        <p:nvCxnSpPr>
+          <p:cNvPr id="16" name="Straight Arrow Connector 15"/>
+          <p:cNvCxnSpPr>
+            <a:stCxn id="2" idx="3"/>
+            <a:endCxn id="5" idx="1"/>
+          </p:cNvCxnSpPr>
+          <p:nvPr/>
+        </p:nvCxnSpPr>
+        <p:spPr>
+          <a:xfrm>
+            <a:off x="4090987" y="3230802"/>
+            <a:ext cx="2026131" cy="1343324"/>
+          </a:xfrm>
+          <a:prstGeom prst="straightConnector1">
+            <a:avLst/>
+          </a:prstGeom>
+          <a:ln>
+            <a:solidFill>
+              <a:srgbClr val="FFFF00"/>
+            </a:solidFill>
+            <a:tailEnd type="triangle"/>
+          </a:ln>
+        </p:spPr>
+        <p:style>
+          <a:lnRef idx="1">
+            <a:schemeClr val="accent1"/>
+          </a:lnRef>
+          <a:fillRef idx="0">
+            <a:schemeClr val="accent1"/>
+          </a:fillRef>
+          <a:effectRef idx="0">
+            <a:schemeClr val="accent1"/>
+          </a:effectRef>
+          <a:fontRef idx="minor">
+            <a:schemeClr val="tx1"/>
+          </a:fontRef>
+        </p:style>
+      </p:cxnSp>
     </p:spTree>
     <p:extLst>
       <p:ext uri="{BB962C8B-B14F-4D97-AF65-F5344CB8AC3E}">
-        <p14:creationId xmlns:p14="http://schemas.microsoft.com/office/powerpoint/2010/main" val="3117746355"/>
+        <p14:creationId xmlns:p14="http://schemas.microsoft.com/office/powerpoint/2010/main" val="4005532412"/>
       </p:ext>
     </p:extLst>
   </p:cSld>
@@ -28350,7 +30841,7 @@
                             </p:stCondLst>
                             <p:childTnLst>
                               <p:par>
-                                <p:cTn id="5" presetID="1" presetClass="entr" presetSubtype="0" fill="hold" grpId="0" nodeType="clickEffect">
+                                <p:cTn id="5" presetID="1" presetClass="entr" presetSubtype="0" fill="hold" nodeType="clickEffect">
                                   <p:stCondLst>
                                     <p:cond delay="0"/>
                                   </p:stCondLst>
@@ -28358,33 +30849,6 @@
                                     <p:set>
                                       <p:cBhvr>
                                         <p:cTn id="6" dur="1" fill="hold">
-                                          <p:stCondLst>
-                                            <p:cond delay="0"/>
-                                          </p:stCondLst>
-                                        </p:cTn>
-                                        <p:tgtEl>
-                                          <p:spTgt spid="11"/>
-                                        </p:tgtEl>
-                                        <p:attrNameLst>
-                                          <p:attrName>style.visibility</p:attrName>
-                                        </p:attrNameLst>
-                                      </p:cBhvr>
-                                      <p:to>
-                                        <p:strVal val="visible"/>
-                                      </p:to>
-                                    </p:set>
-                                  </p:childTnLst>
-                                </p:cTn>
-                              </p:par>
-                              <p:par>
-                                <p:cTn id="7" presetID="1" presetClass="entr" presetSubtype="0" fill="hold" nodeType="withEffect">
-                                  <p:stCondLst>
-                                    <p:cond delay="0"/>
-                                  </p:stCondLst>
-                                  <p:childTnLst>
-                                    <p:set>
-                                      <p:cBhvr>
-                                        <p:cTn id="8" dur="1" fill="hold">
                                           <p:stCondLst>
                                             <p:cond delay="0"/>
                                           </p:stCondLst>
@@ -28410,26 +30874,166 @@
                     </p:cTn>
                   </p:par>
                   <p:par>
-                    <p:cTn id="9" fill="hold">
+                    <p:cTn id="7" fill="hold">
                       <p:stCondLst>
                         <p:cond delay="indefinite"/>
                       </p:stCondLst>
                       <p:childTnLst>
                         <p:par>
-                          <p:cTn id="10" fill="hold">
+                          <p:cTn id="8" fill="hold">
                             <p:stCondLst>
                               <p:cond delay="0"/>
                             </p:stCondLst>
                             <p:childTnLst>
                               <p:par>
-                                <p:cTn id="11" presetID="1" presetClass="entr" presetSubtype="0" fill="hold" grpId="0" nodeType="clickEffect">
+                                <p:cTn id="9" presetID="10" presetClass="entr" presetSubtype="0" fill="hold" nodeType="clickEffect">
                                   <p:stCondLst>
                                     <p:cond delay="0"/>
                                   </p:stCondLst>
                                   <p:childTnLst>
                                     <p:set>
                                       <p:cBhvr>
-                                        <p:cTn id="12" dur="1" fill="hold">
+                                        <p:cTn id="10" dur="1" fill="hold">
+                                          <p:stCondLst>
+                                            <p:cond delay="0"/>
+                                          </p:stCondLst>
+                                        </p:cTn>
+                                        <p:tgtEl>
+                                          <p:spTgt spid="16"/>
+                                        </p:tgtEl>
+                                        <p:attrNameLst>
+                                          <p:attrName>style.visibility</p:attrName>
+                                        </p:attrNameLst>
+                                      </p:cBhvr>
+                                      <p:to>
+                                        <p:strVal val="visible"/>
+                                      </p:to>
+                                    </p:set>
+                                    <p:animEffect transition="in" filter="fade">
+                                      <p:cBhvr>
+                                        <p:cTn id="11" dur="500"/>
+                                        <p:tgtEl>
+                                          <p:spTgt spid="16"/>
+                                        </p:tgtEl>
+                                      </p:cBhvr>
+                                    </p:animEffect>
+                                  </p:childTnLst>
+                                </p:cTn>
+                              </p:par>
+                              <p:par>
+                                <p:cTn id="12" presetID="10" presetClass="entr" presetSubtype="0" fill="hold" nodeType="withEffect">
+                                  <p:stCondLst>
+                                    <p:cond delay="0"/>
+                                  </p:stCondLst>
+                                  <p:childTnLst>
+                                    <p:set>
+                                      <p:cBhvr>
+                                        <p:cTn id="13" dur="1" fill="hold">
+                                          <p:stCondLst>
+                                            <p:cond delay="0"/>
+                                          </p:stCondLst>
+                                        </p:cTn>
+                                        <p:tgtEl>
+                                          <p:spTgt spid="14"/>
+                                        </p:tgtEl>
+                                        <p:attrNameLst>
+                                          <p:attrName>style.visibility</p:attrName>
+                                        </p:attrNameLst>
+                                      </p:cBhvr>
+                                      <p:to>
+                                        <p:strVal val="visible"/>
+                                      </p:to>
+                                    </p:set>
+                                    <p:animEffect transition="in" filter="fade">
+                                      <p:cBhvr>
+                                        <p:cTn id="14" dur="500"/>
+                                        <p:tgtEl>
+                                          <p:spTgt spid="14"/>
+                                        </p:tgtEl>
+                                      </p:cBhvr>
+                                    </p:animEffect>
+                                  </p:childTnLst>
+                                </p:cTn>
+                              </p:par>
+                              <p:par>
+                                <p:cTn id="15" presetID="10" presetClass="entr" presetSubtype="0" fill="hold" nodeType="withEffect">
+                                  <p:stCondLst>
+                                    <p:cond delay="0"/>
+                                  </p:stCondLst>
+                                  <p:childTnLst>
+                                    <p:set>
+                                      <p:cBhvr>
+                                        <p:cTn id="16" dur="1" fill="hold">
+                                          <p:stCondLst>
+                                            <p:cond delay="0"/>
+                                          </p:stCondLst>
+                                        </p:cTn>
+                                        <p:tgtEl>
+                                          <p:spTgt spid="11"/>
+                                        </p:tgtEl>
+                                        <p:attrNameLst>
+                                          <p:attrName>style.visibility</p:attrName>
+                                        </p:attrNameLst>
+                                      </p:cBhvr>
+                                      <p:to>
+                                        <p:strVal val="visible"/>
+                                      </p:to>
+                                    </p:set>
+                                    <p:animEffect transition="in" filter="fade">
+                                      <p:cBhvr>
+                                        <p:cTn id="17" dur="500"/>
+                                        <p:tgtEl>
+                                          <p:spTgt spid="11"/>
+                                        </p:tgtEl>
+                                      </p:cBhvr>
+                                    </p:animEffect>
+                                  </p:childTnLst>
+                                </p:cTn>
+                              </p:par>
+                              <p:par>
+                                <p:cTn id="18" presetID="10" presetClass="entr" presetSubtype="0" fill="hold" nodeType="withEffect">
+                                  <p:stCondLst>
+                                    <p:cond delay="0"/>
+                                  </p:stCondLst>
+                                  <p:childTnLst>
+                                    <p:set>
+                                      <p:cBhvr>
+                                        <p:cTn id="19" dur="1" fill="hold">
+                                          <p:stCondLst>
+                                            <p:cond delay="0"/>
+                                          </p:stCondLst>
+                                        </p:cTn>
+                                        <p:tgtEl>
+                                          <p:spTgt spid="3"/>
+                                        </p:tgtEl>
+                                        <p:attrNameLst>
+                                          <p:attrName>style.visibility</p:attrName>
+                                        </p:attrNameLst>
+                                      </p:cBhvr>
+                                      <p:to>
+                                        <p:strVal val="visible"/>
+                                      </p:to>
+                                    </p:set>
+                                    <p:animEffect transition="in" filter="fade">
+                                      <p:cBhvr>
+                                        <p:cTn id="20" dur="500"/>
+                                        <p:tgtEl>
+                                          <p:spTgt spid="3"/>
+                                        </p:tgtEl>
+                                      </p:cBhvr>
+                                    </p:animEffect>
+                                  </p:childTnLst>
+                                </p:cTn>
+                              </p:par>
+                              <p:par>
+                                <p:cTn id="21" presetID="10" presetClass="entr" presetSubtype="0" fill="hold" nodeType="withEffect">
+                                  <p:stCondLst>
+                                    <p:cond delay="0"/>
+                                  </p:stCondLst>
+                                  <p:childTnLst>
+                                    <p:set>
+                                      <p:cBhvr>
+                                        <p:cTn id="22" dur="1" fill="hold">
                                           <p:stCondLst>
                                             <p:cond delay="0"/>
                                           </p:stCondLst>
@@ -28445,18 +31049,26 @@
                                         <p:strVal val="visible"/>
                                       </p:to>
                                     </p:set>
+                                    <p:animEffect transition="in" filter="fade">
+                                      <p:cBhvr>
+                                        <p:cTn id="23" dur="500"/>
+                                        <p:tgtEl>
+                                          <p:spTgt spid="4"/>
+                                        </p:tgtEl>
+                                      </p:cBhvr>
+                                    </p:animEffect>
                                   </p:childTnLst>
                                 </p:cTn>
                               </p:par>
                               <p:par>
-                                <p:cTn id="13" presetID="1" presetClass="entr" presetSubtype="0" fill="hold" nodeType="withEffect">
+                                <p:cTn id="24" presetID="10" presetClass="entr" presetSubtype="0" fill="hold" nodeType="withEffect">
                                   <p:stCondLst>
                                     <p:cond delay="0"/>
                                   </p:stCondLst>
                                   <p:childTnLst>
                                     <p:set>
                                       <p:cBhvr>
-                                        <p:cTn id="14" dur="1" fill="hold">
+                                        <p:cTn id="25" dur="1" fill="hold">
                                           <p:stCondLst>
                                             <p:cond delay="0"/>
                                           </p:stCondLst>
@@ -28472,51 +31084,14 @@
                                         <p:strVal val="visible"/>
                                       </p:to>
                                     </p:set>
-                                  </p:childTnLst>
-                                </p:cTn>
-                              </p:par>
-                            </p:childTnLst>
-                          </p:cTn>
-                        </p:par>
-                      </p:childTnLst>
-                    </p:cTn>
-                  </p:par>
-                  <p:par>
-                    <p:cTn id="15" fill="hold">
-                      <p:stCondLst>
-                        <p:cond delay="indefinite"/>
-                      </p:stCondLst>
-                      <p:childTnLst>
-                        <p:par>
-                          <p:cTn id="16" fill="hold">
-                            <p:stCondLst>
-                              <p:cond delay="0"/>
-                            </p:stCondLst>
-                            <p:childTnLst>
-                              <p:par>
-                                <p:cTn id="17" presetID="1" presetClass="entr" presetSubtype="0" fill="hold" grpId="0" nodeType="clickEffect">
-                                  <p:stCondLst>
-                                    <p:cond delay="0"/>
-                                  </p:stCondLst>
-                                  <p:childTnLst>
-                                    <p:set>
+                                    <p:animEffect transition="in" filter="fade">
                                       <p:cBhvr>
-                                        <p:cTn id="18" dur="1" fill="hold">
-                                          <p:stCondLst>
-                                            <p:cond delay="0"/>
-                                          </p:stCondLst>
-                                        </p:cTn>
+                                        <p:cTn id="26" dur="500"/>
                                         <p:tgtEl>
-                                          <p:spTgt spid="12"/>
+                                          <p:spTgt spid="5"/>
                                         </p:tgtEl>
-                                        <p:attrNameLst>
-                                          <p:attrName>style.visibility</p:attrName>
-                                        </p:attrNameLst>
                                       </p:cBhvr>
-                                      <p:to>
-                                        <p:strVal val="visible"/>
-                                      </p:to>
-                                    </p:set>
+                                    </p:animEffect>
                                   </p:childTnLst>
                                 </p:cTn>
                               </p:par>
@@ -28547,11 +31122,6 @@
         </p:cTn>
       </p:par>
     </p:tnLst>
-    <p:bldLst>
-      <p:bldP spid="4" grpId="0"/>
-      <p:bldP spid="11" grpId="0"/>
-      <p:bldP spid="12" grpId="0"/>
-    </p:bldLst>
   </p:timing>
 </p:sld>
 </file>
@@ -28602,9 +31172,10 @@
           <a:lstStyle/>
           <a:p>
             <a:r>
-              <a:rPr lang="en-US" dirty="0"/>
-              <a:t>9</a:t>
-            </a:r>
+              <a:rPr lang="en-US" dirty="0" smtClean="0"/>
+              <a:t>7</a:t>
+            </a:r>
+            <a:endParaRPr lang="en-US" dirty="0"/>
           </a:p>
         </p:txBody>
       </p:sp>
@@ -28688,7 +31259,7 @@
                 <a:latin typeface="Segoe UI Light" panose="020B0502040204020203" pitchFamily="34" charset="0"/>
                 <a:cs typeface="Segoe UI Light" panose="020B0502040204020203" pitchFamily="34" charset="0"/>
               </a:rPr>
-              <a:t>Classes - </a:t>
+              <a:t>Interfaces – </a:t>
             </a:r>
             <a:r>
               <a:rPr lang="en-US" sz="1600" dirty="0" smtClean="0">
@@ -28698,7 +31269,7 @@
                 <a:latin typeface="Segoe UI Light" panose="020B0502040204020203" pitchFamily="34" charset="0"/>
                 <a:cs typeface="Segoe UI Light" panose="020B0502040204020203" pitchFamily="34" charset="0"/>
               </a:rPr>
-              <a:t>Inheritance</a:t>
+              <a:t>Class Type</a:t>
             </a:r>
             <a:endParaRPr lang="en-US" sz="1600" dirty="0">
               <a:solidFill>
@@ -28718,8 +31289,8 @@
         </p:nvSpPr>
         <p:spPr>
           <a:xfrm>
-            <a:off x="1054554" y="1388221"/>
-            <a:ext cx="3390900" cy="646331"/>
+            <a:off x="1045029" y="1526721"/>
+            <a:ext cx="10144178" cy="923330"/>
           </a:xfrm>
           <a:prstGeom prst="rect">
             <a:avLst/>
@@ -28732,10 +31303,28 @@
           </a:bodyPr>
           <a:lstStyle/>
           <a:p>
-            <a:pPr>
+            <a:pPr marL="285750" indent="-285750">
               <a:buClr>
                 <a:srgbClr val="FFFF00"/>
               </a:buClr>
+              <a:buFont typeface="Wingdings" panose="05000000000000000000" pitchFamily="2" charset="2"/>
+              <a:buChar char="§"/>
+            </a:pPr>
+            <a:endParaRPr lang="en-US" dirty="0">
+              <a:solidFill>
+                <a:schemeClr val="bg1"/>
+              </a:solidFill>
+              <a:latin typeface="Segoe UI Light" panose="020B0502040204020203" pitchFamily="34" charset="0"/>
+              <a:cs typeface="Segoe UI Light" panose="020B0502040204020203" pitchFamily="34" charset="0"/>
+            </a:endParaRPr>
+          </a:p>
+          <a:p>
+            <a:pPr marL="285750" indent="-285750">
+              <a:buClr>
+                <a:srgbClr val="FFFF00"/>
+              </a:buClr>
+              <a:buFont typeface="Arial" panose="020B0604020202020204" pitchFamily="34" charset="0"/>
+              <a:buChar char="•"/>
             </a:pPr>
             <a:endParaRPr lang="en-US" dirty="0" smtClean="0">
               <a:solidFill>
@@ -28816,9 +31405,45 @@
           </a:p>
         </p:txBody>
       </p:sp>
+      <p:cxnSp>
+        <p:nvCxnSpPr>
+          <p:cNvPr id="14" name="Straight Arrow Connector 13"/>
+          <p:cNvCxnSpPr/>
+          <p:nvPr/>
+        </p:nvCxnSpPr>
+        <p:spPr>
+          <a:xfrm>
+            <a:off x="4310401" y="3202227"/>
+            <a:ext cx="2026131" cy="0"/>
+          </a:xfrm>
+          <a:prstGeom prst="straightConnector1">
+            <a:avLst/>
+          </a:prstGeom>
+          <a:ln>
+            <a:solidFill>
+              <a:srgbClr val="FFFF00"/>
+            </a:solidFill>
+            <a:tailEnd type="triangle"/>
+          </a:ln>
+        </p:spPr>
+        <p:style>
+          <a:lnRef idx="1">
+            <a:schemeClr val="accent1"/>
+          </a:lnRef>
+          <a:fillRef idx="0">
+            <a:schemeClr val="accent1"/>
+          </a:fillRef>
+          <a:effectRef idx="0">
+            <a:schemeClr val="accent1"/>
+          </a:effectRef>
+          <a:fontRef idx="minor">
+            <a:schemeClr val="tx1"/>
+          </a:fontRef>
+        </p:style>
+      </p:cxnSp>
       <p:pic>
         <p:nvPicPr>
-          <p:cNvPr id="4" name="Picture 3"/>
+          <p:cNvPr id="22" name="Picture 21"/>
           <p:cNvPicPr>
             <a:picLocks noChangeAspect="1"/>
           </p:cNvPicPr>
@@ -28832,154 +31457,42 @@
         </p:blipFill>
         <p:spPr>
           <a:xfrm>
-            <a:off x="4979504" y="1223334"/>
-            <a:ext cx="4743450" cy="4762500"/>
+            <a:off x="1957387" y="2916477"/>
+            <a:ext cx="2133600" cy="762000"/>
           </a:xfrm>
           <a:prstGeom prst="rect">
             <a:avLst/>
           </a:prstGeom>
         </p:spPr>
       </p:pic>
-      <p:sp>
-        <p:nvSpPr>
-          <p:cNvPr id="2" name="TextBox 1"/>
-          <p:cNvSpPr txBox="1"/>
+      <p:pic>
+        <p:nvPicPr>
+          <p:cNvPr id="23" name="Picture 22"/>
+          <p:cNvPicPr>
+            <a:picLocks noChangeAspect="1"/>
+          </p:cNvPicPr>
           <p:nvPr/>
-        </p:nvSpPr>
+        </p:nvPicPr>
+        <p:blipFill>
+          <a:blip r:embed="rId3"/>
+          <a:stretch>
+            <a:fillRect/>
+          </a:stretch>
+        </p:blipFill>
         <p:spPr>
           <a:xfrm>
-            <a:off x="1054554" y="1223334"/>
-            <a:ext cx="3672894" cy="1754326"/>
+            <a:off x="6555946" y="2587864"/>
+            <a:ext cx="3314700" cy="1419225"/>
           </a:xfrm>
           <a:prstGeom prst="rect">
             <a:avLst/>
           </a:prstGeom>
-          <a:noFill/>
         </p:spPr>
-        <p:txBody>
-          <a:bodyPr wrap="square" rtlCol="0">
-            <a:spAutoFit/>
-          </a:bodyPr>
-          <a:lstStyle/>
-          <a:p>
-            <a:pPr marL="285750" indent="-285750">
-              <a:buClr>
-                <a:srgbClr val="FFFF00"/>
-              </a:buClr>
-              <a:buFont typeface="Arial" panose="020B0604020202020204" pitchFamily="34" charset="0"/>
-              <a:buChar char="•"/>
-            </a:pPr>
-            <a:r>
-              <a:rPr lang="en-US" dirty="0" smtClean="0">
-                <a:solidFill>
-                  <a:schemeClr val="bg1"/>
-                </a:solidFill>
-                <a:latin typeface="Segoe UI Light" panose="020B0502040204020203" pitchFamily="34" charset="0"/>
-                <a:cs typeface="Segoe UI Light" panose="020B0502040204020203" pitchFamily="34" charset="0"/>
-              </a:rPr>
-              <a:t>Use keyword </a:t>
-            </a:r>
-            <a:r>
-              <a:rPr lang="en-US" b="1" i="1" dirty="0" smtClean="0">
-                <a:solidFill>
-                  <a:srgbClr val="FFFF00"/>
-                </a:solidFill>
-                <a:latin typeface="Segoe UI Light" panose="020B0502040204020203" pitchFamily="34" charset="0"/>
-                <a:cs typeface="Segoe UI Light" panose="020B0502040204020203" pitchFamily="34" charset="0"/>
-              </a:rPr>
-              <a:t>extends</a:t>
-            </a:r>
-          </a:p>
-          <a:p>
-            <a:pPr marL="285750" indent="-285750">
-              <a:buClr>
-                <a:srgbClr val="FFFF00"/>
-              </a:buClr>
-              <a:buFont typeface="Arial" panose="020B0604020202020204" pitchFamily="34" charset="0"/>
-              <a:buChar char="•"/>
-            </a:pPr>
-            <a:endParaRPr lang="en-US" b="1" i="1" dirty="0">
-              <a:solidFill>
-                <a:srgbClr val="FFFF00"/>
-              </a:solidFill>
-              <a:latin typeface="Segoe UI Light" panose="020B0502040204020203" pitchFamily="34" charset="0"/>
-              <a:cs typeface="Segoe UI Light" panose="020B0502040204020203" pitchFamily="34" charset="0"/>
-            </a:endParaRPr>
-          </a:p>
-          <a:p>
-            <a:pPr marL="285750" indent="-285750">
-              <a:buClr>
-                <a:srgbClr val="FFFF00"/>
-              </a:buClr>
-              <a:buFont typeface="Arial" panose="020B0604020202020204" pitchFamily="34" charset="0"/>
-              <a:buChar char="•"/>
-            </a:pPr>
-            <a:r>
-              <a:rPr lang="en-US" dirty="0" smtClean="0">
-                <a:solidFill>
-                  <a:schemeClr val="bg1"/>
-                </a:solidFill>
-                <a:latin typeface="Segoe UI Light" panose="020B0502040204020203" pitchFamily="34" charset="0"/>
-                <a:cs typeface="Segoe UI Light" panose="020B0502040204020203" pitchFamily="34" charset="0"/>
-              </a:rPr>
-              <a:t>Derived class contain constructor function must call </a:t>
-            </a:r>
-            <a:r>
-              <a:rPr lang="en-US" b="1" i="1" dirty="0" smtClean="0">
-                <a:solidFill>
-                  <a:srgbClr val="FFFF00"/>
-                </a:solidFill>
-                <a:latin typeface="Segoe UI Light" panose="020B0502040204020203" pitchFamily="34" charset="0"/>
-                <a:cs typeface="Segoe UI Light" panose="020B0502040204020203" pitchFamily="34" charset="0"/>
-              </a:rPr>
-              <a:t>super()</a:t>
-            </a:r>
-            <a:endParaRPr lang="en-US" b="1" dirty="0" smtClean="0">
-              <a:solidFill>
-                <a:srgbClr val="FFFF00"/>
-              </a:solidFill>
-              <a:latin typeface="Segoe UI Light" panose="020B0502040204020203" pitchFamily="34" charset="0"/>
-              <a:cs typeface="Segoe UI Light" panose="020B0502040204020203" pitchFamily="34" charset="0"/>
-            </a:endParaRPr>
-          </a:p>
-          <a:p>
-            <a:pPr marL="285750" indent="-285750">
-              <a:buClr>
-                <a:srgbClr val="FFFF00"/>
-              </a:buClr>
-              <a:buFont typeface="Arial" panose="020B0604020202020204" pitchFamily="34" charset="0"/>
-              <a:buChar char="•"/>
-            </a:pPr>
-            <a:endParaRPr lang="en-US" b="1" i="1" dirty="0">
-              <a:solidFill>
-                <a:srgbClr val="FFFF00"/>
-              </a:solidFill>
-              <a:latin typeface="Segoe UI Light" panose="020B0502040204020203" pitchFamily="34" charset="0"/>
-              <a:cs typeface="Segoe UI Light" panose="020B0502040204020203" pitchFamily="34" charset="0"/>
-            </a:endParaRPr>
-          </a:p>
-          <a:p>
-            <a:pPr marL="285750" indent="-285750">
-              <a:buClr>
-                <a:srgbClr val="FFFF00"/>
-              </a:buClr>
-              <a:buFont typeface="Arial" panose="020B0604020202020204" pitchFamily="34" charset="0"/>
-              <a:buChar char="•"/>
-            </a:pPr>
-            <a:endParaRPr lang="en-US" b="1" dirty="0">
-              <a:solidFill>
-                <a:srgbClr val="FFFF00"/>
-              </a:solidFill>
-              <a:latin typeface="Segoe UI Light" panose="020B0502040204020203" pitchFamily="34" charset="0"/>
-              <a:cs typeface="Segoe UI Light" panose="020B0502040204020203" pitchFamily="34" charset="0"/>
-            </a:endParaRPr>
-          </a:p>
-        </p:txBody>
-      </p:sp>
+      </p:pic>
     </p:spTree>
     <p:extLst>
       <p:ext uri="{BB962C8B-B14F-4D97-AF65-F5344CB8AC3E}">
-        <p14:creationId xmlns:p14="http://schemas.microsoft.com/office/powerpoint/2010/main" val="3773306010"/>
+        <p14:creationId xmlns:p14="http://schemas.microsoft.com/office/powerpoint/2010/main" val="3929645439"/>
       </p:ext>
     </p:extLst>
   </p:cSld>
@@ -28989,7 +31502,163 @@
   <p:timing>
     <p:tnLst>
       <p:par>
-        <p:cTn id="1" dur="indefinite" restart="never" nodeType="tmRoot"/>
+        <p:cTn id="1" dur="indefinite" restart="never" nodeType="tmRoot">
+          <p:childTnLst>
+            <p:seq concurrent="1" nextAc="seek">
+              <p:cTn id="2" dur="indefinite" nodeType="mainSeq">
+                <p:childTnLst>
+                  <p:par>
+                    <p:cTn id="3" fill="hold">
+                      <p:stCondLst>
+                        <p:cond delay="indefinite"/>
+                      </p:stCondLst>
+                      <p:childTnLst>
+                        <p:par>
+                          <p:cTn id="4" fill="hold">
+                            <p:stCondLst>
+                              <p:cond delay="0"/>
+                            </p:stCondLst>
+                            <p:childTnLst>
+                              <p:par>
+                                <p:cTn id="5" presetID="1" presetClass="entr" presetSubtype="0" fill="hold" nodeType="clickEffect">
+                                  <p:stCondLst>
+                                    <p:cond delay="0"/>
+                                  </p:stCondLst>
+                                  <p:childTnLst>
+                                    <p:set>
+                                      <p:cBhvr>
+                                        <p:cTn id="6" dur="1" fill="hold">
+                                          <p:stCondLst>
+                                            <p:cond delay="0"/>
+                                          </p:stCondLst>
+                                        </p:cTn>
+                                        <p:tgtEl>
+                                          <p:spTgt spid="22"/>
+                                        </p:tgtEl>
+                                        <p:attrNameLst>
+                                          <p:attrName>style.visibility</p:attrName>
+                                        </p:attrNameLst>
+                                      </p:cBhvr>
+                                      <p:to>
+                                        <p:strVal val="visible"/>
+                                      </p:to>
+                                    </p:set>
+                                  </p:childTnLst>
+                                </p:cTn>
+                              </p:par>
+                            </p:childTnLst>
+                          </p:cTn>
+                        </p:par>
+                      </p:childTnLst>
+                    </p:cTn>
+                  </p:par>
+                  <p:par>
+                    <p:cTn id="7" fill="hold">
+                      <p:stCondLst>
+                        <p:cond delay="indefinite"/>
+                      </p:stCondLst>
+                      <p:childTnLst>
+                        <p:par>
+                          <p:cTn id="8" fill="hold">
+                            <p:stCondLst>
+                              <p:cond delay="0"/>
+                            </p:stCondLst>
+                            <p:childTnLst>
+                              <p:par>
+                                <p:cTn id="9" presetID="10" presetClass="entr" presetSubtype="0" fill="hold" nodeType="clickEffect">
+                                  <p:stCondLst>
+                                    <p:cond delay="0"/>
+                                  </p:stCondLst>
+                                  <p:childTnLst>
+                                    <p:set>
+                                      <p:cBhvr>
+                                        <p:cTn id="10" dur="1" fill="hold">
+                                          <p:stCondLst>
+                                            <p:cond delay="0"/>
+                                          </p:stCondLst>
+                                        </p:cTn>
+                                        <p:tgtEl>
+                                          <p:spTgt spid="23"/>
+                                        </p:tgtEl>
+                                        <p:attrNameLst>
+                                          <p:attrName>style.visibility</p:attrName>
+                                        </p:attrNameLst>
+                                      </p:cBhvr>
+                                      <p:to>
+                                        <p:strVal val="visible"/>
+                                      </p:to>
+                                    </p:set>
+                                    <p:animEffect transition="in" filter="fade">
+                                      <p:cBhvr>
+                                        <p:cTn id="11" dur="500"/>
+                                        <p:tgtEl>
+                                          <p:spTgt spid="23"/>
+                                        </p:tgtEl>
+                                      </p:cBhvr>
+                                    </p:animEffect>
+                                  </p:childTnLst>
+                                </p:cTn>
+                              </p:par>
+                              <p:par>
+                                <p:cTn id="12" presetID="10" presetClass="entr" presetSubtype="0" fill="hold" nodeType="withEffect">
+                                  <p:stCondLst>
+                                    <p:cond delay="0"/>
+                                  </p:stCondLst>
+                                  <p:childTnLst>
+                                    <p:set>
+                                      <p:cBhvr>
+                                        <p:cTn id="13" dur="1" fill="hold">
+                                          <p:stCondLst>
+                                            <p:cond delay="0"/>
+                                          </p:stCondLst>
+                                        </p:cTn>
+                                        <p:tgtEl>
+                                          <p:spTgt spid="14"/>
+                                        </p:tgtEl>
+                                        <p:attrNameLst>
+                                          <p:attrName>style.visibility</p:attrName>
+                                        </p:attrNameLst>
+                                      </p:cBhvr>
+                                      <p:to>
+                                        <p:strVal val="visible"/>
+                                      </p:to>
+                                    </p:set>
+                                    <p:animEffect transition="in" filter="fade">
+                                      <p:cBhvr>
+                                        <p:cTn id="14" dur="500"/>
+                                        <p:tgtEl>
+                                          <p:spTgt spid="14"/>
+                                        </p:tgtEl>
+                                      </p:cBhvr>
+                                    </p:animEffect>
+                                  </p:childTnLst>
+                                </p:cTn>
+                              </p:par>
+                            </p:childTnLst>
+                          </p:cTn>
+                        </p:par>
+                      </p:childTnLst>
+                    </p:cTn>
+                  </p:par>
+                </p:childTnLst>
+              </p:cTn>
+              <p:prevCondLst>
+                <p:cond evt="onPrev" delay="0">
+                  <p:tgtEl>
+                    <p:sldTgt/>
+                  </p:tgtEl>
+                </p:cond>
+              </p:prevCondLst>
+              <p:nextCondLst>
+                <p:cond evt="onNext" delay="0">
+                  <p:tgtEl>
+                    <p:sldTgt/>
+                  </p:tgtEl>
+                </p:cond>
+              </p:nextCondLst>
+            </p:seq>
+          </p:childTnLst>
+        </p:cTn>
       </p:par>
     </p:tnLst>
   </p:timing>
